--- a/java/slides/ppt/05 - Java Generic Data Structures.pptx
+++ b/java/slides/ppt/05 - Java Generic Data Structures.pptx
@@ -224,7 +224,7 @@
           <a:p>
             <a:fld id="{70E4EDBC-5E1F-4A4C-9AD7-1625F2312FBA}" type="datetimeFigureOut">
               <a:rPr lang="en-GB" smtClean="0"/>
-              <a:t>14/04/2021</a:t>
+              <a:t>29/09/2021</a:t>
             </a:fld>
             <a:endParaRPr lang="en-GB"/>
           </a:p>
@@ -3826,10 +3826,9 @@
           <a:bodyPr/>
           <a:lstStyle/>
           <a:p>
-            <a:pPr algn="l"/>
             <a:r>
               <a:rPr lang="en-US" dirty="0"/>
-              <a:t>Java Generics</a:t>
+              <a:t>Java Generic Data Structures</a:t>
             </a:r>
           </a:p>
         </p:txBody>

--- a/java/slides/ppt/05 - Java Generic Data Structures.pptx
+++ b/java/slides/ppt/05 - Java Generic Data Structures.pptx
@@ -1,12 +1,15 @@
 
 <file path=ppt/presentation.xml><?xml version="1.0" encoding="utf-8"?>
-<p:presentation xmlns:a="http://schemas.openxmlformats.org/drawingml/2006/main" xmlns:r="http://schemas.openxmlformats.org/officeDocument/2006/relationships" xmlns:p="http://schemas.openxmlformats.org/presentationml/2006/main" saveSubsetFonts="1" autoCompressPictures="0">
+<p:presentation xmlns:a="http://schemas.openxmlformats.org/drawingml/2006/main" xmlns:r="http://schemas.openxmlformats.org/officeDocument/2006/relationships" xmlns:p="http://schemas.openxmlformats.org/presentationml/2006/main" showSpecialPlsOnTitleSld="0" saveSubsetFonts="1">
   <p:sldMasterIdLst>
-    <p:sldMasterId id="2147483660" r:id="rId1"/>
+    <p:sldMasterId id="2147483672" r:id="rId1"/>
   </p:sldMasterIdLst>
   <p:notesMasterIdLst>
     <p:notesMasterId r:id="rId30"/>
   </p:notesMasterIdLst>
+  <p:handoutMasterIdLst>
+    <p:handoutMasterId r:id="rId31"/>
+  </p:handoutMasterIdLst>
   <p:sldIdLst>
     <p:sldId id="257" r:id="rId2"/>
     <p:sldId id="276" r:id="rId3"/>
@@ -136,10 +139,211 @@
   </p:defaultTextStyle>
   <p:extLst>
     <p:ext uri="{EFAFB233-063F-42B5-8137-9DF3F51BA10A}">
-      <p15:sldGuideLst xmlns:p15="http://schemas.microsoft.com/office/powerpoint/2012/main"/>
+      <p15:sldGuideLst xmlns:p15="http://schemas.microsoft.com/office/powerpoint/2012/main">
+        <p15:guide id="1" orient="horz" pos="2160" userDrawn="1">
+          <p15:clr>
+            <a:srgbClr val="A4A3A4"/>
+          </p15:clr>
+        </p15:guide>
+        <p15:guide id="2" pos="3840" userDrawn="1">
+          <p15:clr>
+            <a:srgbClr val="A4A3A4"/>
+          </p15:clr>
+        </p15:guide>
+      </p15:sldGuideLst>
     </p:ext>
   </p:extLst>
 </p:presentation>
+</file>
+
+<file path=ppt/handoutMasters/handoutMaster1.xml><?xml version="1.0" encoding="utf-8"?>
+<p:handoutMaster xmlns:a="http://schemas.openxmlformats.org/drawingml/2006/main" xmlns:r="http://schemas.openxmlformats.org/officeDocument/2006/relationships" xmlns:p="http://schemas.openxmlformats.org/presentationml/2006/main">
+  <p:cSld>
+    <p:bg>
+      <p:bgRef idx="1001">
+        <a:schemeClr val="bg1"/>
+      </p:bgRef>
+    </p:bg>
+    <p:spTree>
+      <p:nvGrpSpPr>
+        <p:cNvPr id="1" name=""/>
+        <p:cNvGrpSpPr/>
+        <p:nvPr/>
+      </p:nvGrpSpPr>
+      <p:grpSpPr>
+        <a:xfrm>
+          <a:off x="0" y="0"/>
+          <a:ext cx="0" cy="0"/>
+          <a:chOff x="0" y="0"/>
+          <a:chExt cx="0" cy="0"/>
+        </a:xfrm>
+      </p:grpSpPr>
+      <p:sp>
+        <p:nvSpPr>
+          <p:cNvPr id="2" name="Header Placeholder 1">
+            <a:extLst>
+              <a:ext uri="{FF2B5EF4-FFF2-40B4-BE49-F238E27FC236}">
+                <a16:creationId xmlns:a16="http://schemas.microsoft.com/office/drawing/2014/main" id="{F25CBCAF-8195-0B41-9F39-155992CBB6CE}"/>
+              </a:ext>
+            </a:extLst>
+          </p:cNvPr>
+          <p:cNvSpPr>
+            <a:spLocks noGrp="1"/>
+          </p:cNvSpPr>
+          <p:nvPr>
+            <p:ph type="hdr" sz="quarter"/>
+          </p:nvPr>
+        </p:nvSpPr>
+        <p:spPr>
+          <a:xfrm>
+            <a:off x="0" y="0"/>
+            <a:ext cx="2971800" cy="458788"/>
+          </a:xfrm>
+          <a:prstGeom prst="rect">
+            <a:avLst/>
+          </a:prstGeom>
+        </p:spPr>
+        <p:txBody>
+          <a:bodyPr vert="horz" lIns="91440" tIns="45720" rIns="91440" bIns="45720" rtlCol="0"/>
+          <a:lstStyle>
+            <a:lvl1pPr algn="l">
+              <a:defRPr sz="1200"/>
+            </a:lvl1pPr>
+          </a:lstStyle>
+          <a:p>
+            <a:endParaRPr lang="en-IT"/>
+          </a:p>
+        </p:txBody>
+      </p:sp>
+      <p:sp>
+        <p:nvSpPr>
+          <p:cNvPr id="3" name="Date Placeholder 2">
+            <a:extLst>
+              <a:ext uri="{FF2B5EF4-FFF2-40B4-BE49-F238E27FC236}">
+                <a16:creationId xmlns:a16="http://schemas.microsoft.com/office/drawing/2014/main" id="{4530F5F1-56F9-594B-8002-505C0B3A9533}"/>
+              </a:ext>
+            </a:extLst>
+          </p:cNvPr>
+          <p:cNvSpPr>
+            <a:spLocks noGrp="1"/>
+          </p:cNvSpPr>
+          <p:nvPr>
+            <p:ph type="dt" sz="quarter" idx="1"/>
+          </p:nvPr>
+        </p:nvSpPr>
+        <p:spPr>
+          <a:xfrm>
+            <a:off x="3884613" y="0"/>
+            <a:ext cx="2971800" cy="458788"/>
+          </a:xfrm>
+          <a:prstGeom prst="rect">
+            <a:avLst/>
+          </a:prstGeom>
+        </p:spPr>
+        <p:txBody>
+          <a:bodyPr vert="horz" lIns="91440" tIns="45720" rIns="91440" bIns="45720" rtlCol="0"/>
+          <a:lstStyle>
+            <a:lvl1pPr algn="r">
+              <a:defRPr sz="1200"/>
+            </a:lvl1pPr>
+          </a:lstStyle>
+          <a:p>
+            <a:fld id="{5591E39A-28E5-5D4D-B97C-ECEB96F19817}" type="datetimeFigureOut">
+              <a:rPr lang="en-IT" smtClean="0"/>
+              <a:t>29/09/21</a:t>
+            </a:fld>
+            <a:endParaRPr lang="en-IT"/>
+          </a:p>
+        </p:txBody>
+      </p:sp>
+      <p:sp>
+        <p:nvSpPr>
+          <p:cNvPr id="4" name="Footer Placeholder 3">
+            <a:extLst>
+              <a:ext uri="{FF2B5EF4-FFF2-40B4-BE49-F238E27FC236}">
+                <a16:creationId xmlns:a16="http://schemas.microsoft.com/office/drawing/2014/main" id="{0D01DB9C-5FE6-5646-A4CF-CACE1FBFD1F6}"/>
+              </a:ext>
+            </a:extLst>
+          </p:cNvPr>
+          <p:cNvSpPr>
+            <a:spLocks noGrp="1"/>
+          </p:cNvSpPr>
+          <p:nvPr>
+            <p:ph type="ftr" sz="quarter" idx="2"/>
+          </p:nvPr>
+        </p:nvSpPr>
+        <p:spPr>
+          <a:xfrm>
+            <a:off x="0" y="8685213"/>
+            <a:ext cx="2971800" cy="458787"/>
+          </a:xfrm>
+          <a:prstGeom prst="rect">
+            <a:avLst/>
+          </a:prstGeom>
+        </p:spPr>
+        <p:txBody>
+          <a:bodyPr vert="horz" lIns="91440" tIns="45720" rIns="91440" bIns="45720" rtlCol="0" anchor="b"/>
+          <a:lstStyle>
+            <a:lvl1pPr algn="l">
+              <a:defRPr sz="1200"/>
+            </a:lvl1pPr>
+          </a:lstStyle>
+          <a:p>
+            <a:endParaRPr lang="en-IT"/>
+          </a:p>
+        </p:txBody>
+      </p:sp>
+      <p:sp>
+        <p:nvSpPr>
+          <p:cNvPr id="5" name="Slide Number Placeholder 4">
+            <a:extLst>
+              <a:ext uri="{FF2B5EF4-FFF2-40B4-BE49-F238E27FC236}">
+                <a16:creationId xmlns:a16="http://schemas.microsoft.com/office/drawing/2014/main" id="{1807AD1E-ED4D-4F49-B2E9-34CF7F0E16D1}"/>
+              </a:ext>
+            </a:extLst>
+          </p:cNvPr>
+          <p:cNvSpPr>
+            <a:spLocks noGrp="1"/>
+          </p:cNvSpPr>
+          <p:nvPr>
+            <p:ph type="sldNum" sz="quarter" idx="3"/>
+          </p:nvPr>
+        </p:nvSpPr>
+        <p:spPr>
+          <a:xfrm>
+            <a:off x="3884613" y="8685213"/>
+            <a:ext cx="2971800" cy="458787"/>
+          </a:xfrm>
+          <a:prstGeom prst="rect">
+            <a:avLst/>
+          </a:prstGeom>
+        </p:spPr>
+        <p:txBody>
+          <a:bodyPr vert="horz" lIns="91440" tIns="45720" rIns="91440" bIns="45720" rtlCol="0" anchor="b"/>
+          <a:lstStyle>
+            <a:lvl1pPr algn="r">
+              <a:defRPr sz="1200"/>
+            </a:lvl1pPr>
+          </a:lstStyle>
+          <a:p>
+            <a:fld id="{D8E6113E-382B-5C49-947E-9975DE242C1F}" type="slidenum">
+              <a:rPr lang="en-IT" smtClean="0"/>
+              <a:t>‹#›</a:t>
+            </a:fld>
+            <a:endParaRPr lang="en-IT"/>
+          </a:p>
+        </p:txBody>
+      </p:sp>
+    </p:spTree>
+    <p:extLst>
+      <p:ext uri="{BB962C8B-B14F-4D97-AF65-F5344CB8AC3E}">
+        <p14:creationId xmlns:p14="http://schemas.microsoft.com/office/powerpoint/2010/main" val="711723140"/>
+      </p:ext>
+    </p:extLst>
+  </p:cSld>
+  <p:clrMap bg1="lt1" tx1="dk1" bg2="lt2" tx2="dk2" accent1="accent1" accent2="accent2" accent3="accent3" accent4="accent4" accent5="accent5" accent6="accent6" hlink="hlink" folHlink="folHlink"/>
+  <p:hf hdr="0" ftr="0" dt="0"/>
+</p:handoutMaster>
 </file>
 
 <file path=ppt/notesMasters/notesMaster1.xml><?xml version="1.0" encoding="utf-8"?>
@@ -166,7 +370,7 @@
       </p:grpSpPr>
       <p:sp>
         <p:nvSpPr>
-          <p:cNvPr id="2" name="Header Placeholder 1"/>
+          <p:cNvPr id="2" name="Segnaposto intestazione 1"/>
           <p:cNvSpPr>
             <a:spLocks noGrp="1"/>
           </p:cNvSpPr>
@@ -177,7 +381,7 @@
         <p:spPr>
           <a:xfrm>
             <a:off x="0" y="0"/>
-            <a:ext cx="2971800" cy="458788"/>
+            <a:ext cx="2971800" cy="457200"/>
           </a:xfrm>
           <a:prstGeom prst="rect">
             <a:avLst/>
@@ -191,13 +395,13 @@
             </a:lvl1pPr>
           </a:lstStyle>
           <a:p>
-            <a:endParaRPr lang="en-GB"/>
+            <a:endParaRPr lang="it-IT"/>
           </a:p>
         </p:txBody>
       </p:sp>
       <p:sp>
         <p:nvSpPr>
-          <p:cNvPr id="3" name="Date Placeholder 2"/>
+          <p:cNvPr id="3" name="Segnaposto data 2"/>
           <p:cNvSpPr>
             <a:spLocks noGrp="1"/>
           </p:cNvSpPr>
@@ -208,7 +412,7 @@
         <p:spPr>
           <a:xfrm>
             <a:off x="3884613" y="0"/>
-            <a:ext cx="2971800" cy="458788"/>
+            <a:ext cx="2971800" cy="457200"/>
           </a:xfrm>
           <a:prstGeom prst="rect">
             <a:avLst/>
@@ -222,17 +426,18 @@
             </a:lvl1pPr>
           </a:lstStyle>
           <a:p>
-            <a:fld id="{70E4EDBC-5E1F-4A4C-9AD7-1625F2312FBA}" type="datetimeFigureOut">
-              <a:rPr lang="en-GB" smtClean="0"/>
-              <a:t>29/09/2021</a:t>
+            <a:fld id="{BAEB7694-8561-4BE2-948D-EDF7A201F8BB}" type="datetimeFigureOut">
+              <a:rPr lang="it-IT" smtClean="0"/>
+              <a:pPr/>
+              <a:t>29/09/21</a:t>
             </a:fld>
-            <a:endParaRPr lang="en-GB"/>
+            <a:endParaRPr lang="it-IT"/>
           </a:p>
         </p:txBody>
       </p:sp>
       <p:sp>
         <p:nvSpPr>
-          <p:cNvPr id="4" name="Slide Image Placeholder 3"/>
+          <p:cNvPr id="4" name="Segnaposto immagine diapositiva 3"/>
           <p:cNvSpPr>
             <a:spLocks noGrp="1" noRot="1" noChangeAspect="1"/>
           </p:cNvSpPr>
@@ -242,8 +447,8 @@
         </p:nvSpPr>
         <p:spPr>
           <a:xfrm>
-            <a:off x="685800" y="1143000"/>
-            <a:ext cx="5486400" cy="3086100"/>
+            <a:off x="381000" y="685800"/>
+            <a:ext cx="6096000" cy="3429000"/>
           </a:xfrm>
           <a:prstGeom prst="rect">
             <a:avLst/>
@@ -259,13 +464,13 @@
           <a:bodyPr vert="horz" lIns="91440" tIns="45720" rIns="91440" bIns="45720" rtlCol="0" anchor="ctr"/>
           <a:lstStyle/>
           <a:p>
-            <a:endParaRPr lang="en-GB"/>
+            <a:endParaRPr lang="it-IT"/>
           </a:p>
         </p:txBody>
       </p:sp>
       <p:sp>
         <p:nvSpPr>
-          <p:cNvPr id="5" name="Notes Placeholder 4"/>
+          <p:cNvPr id="5" name="Segnaposto note 4"/>
           <p:cNvSpPr>
             <a:spLocks noGrp="1"/>
           </p:cNvSpPr>
@@ -275,57 +480,58 @@
         </p:nvSpPr>
         <p:spPr>
           <a:xfrm>
-            <a:off x="685800" y="4400550"/>
-            <a:ext cx="5486400" cy="3600450"/>
+            <a:off x="685800" y="4343400"/>
+            <a:ext cx="5486400" cy="4114800"/>
           </a:xfrm>
           <a:prstGeom prst="rect">
             <a:avLst/>
           </a:prstGeom>
         </p:spPr>
         <p:txBody>
-          <a:bodyPr vert="horz" lIns="91440" tIns="45720" rIns="91440" bIns="45720" rtlCol="0"/>
+          <a:bodyPr vert="horz" lIns="91440" tIns="45720" rIns="91440" bIns="45720" rtlCol="0">
+            <a:normAutofit/>
+          </a:bodyPr>
           <a:lstStyle/>
           <a:p>
             <a:pPr lvl="0"/>
             <a:r>
-              <a:rPr lang="en-US"/>
-              <a:t>Edit Master text styles</a:t>
+              <a:rPr lang="it-IT"/>
+              <a:t>Fare clic per modificare stili del testo dello schema</a:t>
             </a:r>
           </a:p>
           <a:p>
             <a:pPr lvl="1"/>
             <a:r>
-              <a:rPr lang="en-US"/>
-              <a:t>Second level</a:t>
+              <a:rPr lang="it-IT"/>
+              <a:t>Secondo livello</a:t>
             </a:r>
           </a:p>
           <a:p>
             <a:pPr lvl="2"/>
             <a:r>
-              <a:rPr lang="en-US"/>
-              <a:t>Third level</a:t>
+              <a:rPr lang="it-IT"/>
+              <a:t>Terzo livello</a:t>
             </a:r>
           </a:p>
           <a:p>
             <a:pPr lvl="3"/>
             <a:r>
-              <a:rPr lang="en-US"/>
-              <a:t>Fourth level</a:t>
+              <a:rPr lang="it-IT"/>
+              <a:t>Quarto livello</a:t>
             </a:r>
           </a:p>
           <a:p>
             <a:pPr lvl="4"/>
             <a:r>
-              <a:rPr lang="en-US"/>
-              <a:t>Fifth level</a:t>
-            </a:r>
-            <a:endParaRPr lang="en-GB"/>
+              <a:rPr lang="it-IT"/>
+              <a:t>Quinto livello</a:t>
+            </a:r>
           </a:p>
         </p:txBody>
       </p:sp>
       <p:sp>
         <p:nvSpPr>
-          <p:cNvPr id="6" name="Footer Placeholder 5"/>
+          <p:cNvPr id="6" name="Segnaposto piè di pagina 5"/>
           <p:cNvSpPr>
             <a:spLocks noGrp="1"/>
           </p:cNvSpPr>
@@ -336,7 +542,7 @@
         <p:spPr>
           <a:xfrm>
             <a:off x="0" y="8685213"/>
-            <a:ext cx="2971800" cy="458787"/>
+            <a:ext cx="2971800" cy="457200"/>
           </a:xfrm>
           <a:prstGeom prst="rect">
             <a:avLst/>
@@ -350,13 +556,13 @@
             </a:lvl1pPr>
           </a:lstStyle>
           <a:p>
-            <a:endParaRPr lang="en-GB"/>
+            <a:endParaRPr lang="it-IT"/>
           </a:p>
         </p:txBody>
       </p:sp>
       <p:sp>
         <p:nvSpPr>
-          <p:cNvPr id="7" name="Slide Number Placeholder 6"/>
+          <p:cNvPr id="7" name="Segnaposto numero diapositiva 6"/>
           <p:cNvSpPr>
             <a:spLocks noGrp="1"/>
           </p:cNvSpPr>
@@ -367,7 +573,7 @@
         <p:spPr>
           <a:xfrm>
             <a:off x="3884613" y="8685213"/>
-            <a:ext cx="2971800" cy="458787"/>
+            <a:ext cx="2971800" cy="457200"/>
           </a:xfrm>
           <a:prstGeom prst="rect">
             <a:avLst/>
@@ -381,22 +587,24 @@
             </a:lvl1pPr>
           </a:lstStyle>
           <a:p>
-            <a:fld id="{B3F1CB1E-316D-CB40-A76B-486C4D0819C1}" type="slidenum">
-              <a:rPr lang="en-GB" smtClean="0"/>
+            <a:fld id="{475F0E4F-C068-4558-BD2C-4354A8A0FB1B}" type="slidenum">
+              <a:rPr lang="it-IT" smtClean="0"/>
+              <a:pPr/>
               <a:t>‹#›</a:t>
             </a:fld>
-            <a:endParaRPr lang="en-GB"/>
+            <a:endParaRPr lang="it-IT"/>
           </a:p>
         </p:txBody>
       </p:sp>
     </p:spTree>
     <p:extLst>
       <p:ext uri="{BB962C8B-B14F-4D97-AF65-F5344CB8AC3E}">
-        <p14:creationId xmlns:p14="http://schemas.microsoft.com/office/powerpoint/2010/main" val="4249399665"/>
+        <p14:creationId xmlns:p14="http://schemas.microsoft.com/office/powerpoint/2010/main" val="2935502336"/>
       </p:ext>
     </p:extLst>
   </p:cSld>
   <p:clrMap bg1="lt1" tx1="dk1" bg2="lt2" tx2="dk2" accent1="accent1" accent2="accent2" accent3="accent3" accent4="accent4" accent5="accent5" accent6="accent6" hlink="hlink" folHlink="folHlink"/>
+  <p:hf hdr="0" ftr="0" dt="0"/>
   <p:notesStyle>
     <a:lvl1pPr marL="0" algn="l" defTabSz="914400" rtl="0" eaLnBrk="1" latinLnBrk="0" hangingPunct="1">
       <a:defRPr sz="1200" kern="1200">
@@ -913,7 +1121,7 @@
 </file>
 
 <file path=ppt/slideLayouts/slideLayout1.xml><?xml version="1.0" encoding="utf-8"?>
-<p:sldLayout xmlns:a="http://schemas.openxmlformats.org/drawingml/2006/main" xmlns:r="http://schemas.openxmlformats.org/officeDocument/2006/relationships" xmlns:p="http://schemas.openxmlformats.org/presentationml/2006/main" type="title" preserve="1">
+<p:sldLayout xmlns:a="http://schemas.openxmlformats.org/drawingml/2006/main" xmlns:r="http://schemas.openxmlformats.org/officeDocument/2006/relationships" xmlns:p="http://schemas.openxmlformats.org/presentationml/2006/main" preserve="1" userDrawn="1">
   <p:cSld name="Title Slide">
     <p:spTree>
       <p:nvGrpSpPr>
@@ -950,9 +1158,10 @@
           <a:lstStyle/>
           <a:p>
             <a:r>
-              <a:rPr lang="en-US"/>
+              <a:rPr lang="en-GB"/>
               <a:t>Click to edit Master title style</a:t>
             </a:r>
+            <a:endParaRPr lang="en-US"/>
           </a:p>
         </p:txBody>
       </p:sp>
@@ -973,13 +1182,11 @@
           </a:xfrm>
         </p:spPr>
         <p:txBody>
-          <a:bodyPr>
-            <a:normAutofit/>
-          </a:bodyPr>
+          <a:bodyPr/>
           <a:lstStyle>
-            <a:lvl1pPr marL="0" indent="0" algn="r">
-              <a:buNone/>
-              <a:defRPr sz="1800">
+            <a:lvl1pPr marL="0" indent="0" algn="ctr">
+              <a:buNone/>
+              <a:defRPr>
                 <a:solidFill>
                   <a:schemeClr val="tx1">
                     <a:tint val="75000"/>
@@ -1070,10 +1277,10 @@
           </a:lstStyle>
           <a:p>
             <a:r>
-              <a:rPr lang="en-US"/>
+              <a:rPr lang="en-GB"/>
               <a:t>Click to edit Master subtitle style</a:t>
             </a:r>
-            <a:endParaRPr lang="en-US" dirty="0"/>
+            <a:endParaRPr lang="en-US"/>
           </a:p>
         </p:txBody>
       </p:sp>
@@ -1100,11 +1307,12 @@
           <a:bodyPr/>
           <a:lstStyle/>
           <a:p>
-            <a:fld id="{97135A26-7131-4E45-9CE6-C5A17AF4886F}" type="slidenum">
-              <a:rPr lang="en-GB" smtClean="0"/>
+            <a:fld id="{D2040F39-7941-49A4-B48D-F201B18B6351}" type="slidenum">
+              <a:rPr lang="it-IT" smtClean="0"/>
+              <a:pPr/>
               <a:t>‹#›</a:t>
             </a:fld>
-            <a:endParaRPr lang="en-GB"/>
+            <a:endParaRPr lang="it-IT" dirty="0"/>
           </a:p>
         </p:txBody>
       </p:sp>
@@ -1155,7 +1363,7 @@
     </p:spTree>
     <p:extLst>
       <p:ext uri="{BB962C8B-B14F-4D97-AF65-F5344CB8AC3E}">
-        <p14:creationId xmlns:p14="http://schemas.microsoft.com/office/powerpoint/2010/main" val="948792519"/>
+        <p14:creationId xmlns:p14="http://schemas.microsoft.com/office/powerpoint/2010/main" val="1414566732"/>
       </p:ext>
     </p:extLst>
   </p:cSld>
@@ -1198,9 +1406,10 @@
           <a:lstStyle/>
           <a:p>
             <a:r>
-              <a:rPr lang="en-US"/>
+              <a:rPr lang="en-GB"/>
               <a:t>Click to edit Master title style</a:t>
             </a:r>
+            <a:endParaRPr lang="en-US"/>
           </a:p>
         </p:txBody>
       </p:sp>
@@ -1221,37 +1430,38 @@
           <a:p>
             <a:pPr lvl="0"/>
             <a:r>
-              <a:rPr lang="en-US"/>
-              <a:t>Edit Master text styles</a:t>
+              <a:rPr lang="en-GB"/>
+              <a:t>Click to edit Master text styles</a:t>
             </a:r>
           </a:p>
           <a:p>
             <a:pPr lvl="1"/>
             <a:r>
-              <a:rPr lang="en-US"/>
+              <a:rPr lang="en-GB"/>
               <a:t>Second level</a:t>
             </a:r>
           </a:p>
           <a:p>
             <a:pPr lvl="2"/>
             <a:r>
-              <a:rPr lang="en-US"/>
+              <a:rPr lang="en-GB"/>
               <a:t>Third level</a:t>
             </a:r>
           </a:p>
           <a:p>
             <a:pPr lvl="3"/>
             <a:r>
-              <a:rPr lang="en-US"/>
+              <a:rPr lang="en-GB"/>
               <a:t>Fourth level</a:t>
             </a:r>
           </a:p>
           <a:p>
             <a:pPr lvl="4"/>
             <a:r>
-              <a:rPr lang="en-US"/>
+              <a:rPr lang="en-GB"/>
               <a:t>Fifth level</a:t>
             </a:r>
+            <a:endParaRPr lang="en-US"/>
           </a:p>
         </p:txBody>
       </p:sp>
@@ -1278,11 +1488,12 @@
           <a:bodyPr/>
           <a:lstStyle/>
           <a:p>
-            <a:fld id="{97135A26-7131-4E45-9CE6-C5A17AF4886F}" type="slidenum">
-              <a:rPr lang="en-GB" smtClean="0"/>
+            <a:fld id="{D2040F39-7941-49A4-B48D-F201B18B6351}" type="slidenum">
+              <a:rPr lang="it-IT" smtClean="0"/>
+              <a:pPr/>
               <a:t>‹#›</a:t>
             </a:fld>
-            <a:endParaRPr lang="en-GB"/>
+            <a:endParaRPr lang="it-IT" dirty="0"/>
           </a:p>
         </p:txBody>
       </p:sp>
@@ -1333,7 +1544,7 @@
     </p:spTree>
     <p:extLst>
       <p:ext uri="{BB962C8B-B14F-4D97-AF65-F5344CB8AC3E}">
-        <p14:creationId xmlns:p14="http://schemas.microsoft.com/office/powerpoint/2010/main" val="434194108"/>
+        <p14:creationId xmlns:p14="http://schemas.microsoft.com/office/powerpoint/2010/main" val="3004086258"/>
       </p:ext>
     </p:extLst>
   </p:cSld>
@@ -1381,9 +1592,10 @@
           <a:lstStyle/>
           <a:p>
             <a:r>
-              <a:rPr lang="en-US"/>
+              <a:rPr lang="en-GB"/>
               <a:t>Click to edit Master title style</a:t>
             </a:r>
+            <a:endParaRPr lang="en-US"/>
           </a:p>
         </p:txBody>
       </p:sp>
@@ -1409,37 +1621,38 @@
           <a:p>
             <a:pPr lvl="0"/>
             <a:r>
-              <a:rPr lang="en-US"/>
-              <a:t>Edit Master text styles</a:t>
+              <a:rPr lang="en-GB"/>
+              <a:t>Click to edit Master text styles</a:t>
             </a:r>
           </a:p>
           <a:p>
             <a:pPr lvl="1"/>
             <a:r>
-              <a:rPr lang="en-US"/>
+              <a:rPr lang="en-GB"/>
               <a:t>Second level</a:t>
             </a:r>
           </a:p>
           <a:p>
             <a:pPr lvl="2"/>
             <a:r>
-              <a:rPr lang="en-US"/>
+              <a:rPr lang="en-GB"/>
               <a:t>Third level</a:t>
             </a:r>
           </a:p>
           <a:p>
             <a:pPr lvl="3"/>
             <a:r>
-              <a:rPr lang="en-US"/>
+              <a:rPr lang="en-GB"/>
               <a:t>Fourth level</a:t>
             </a:r>
           </a:p>
           <a:p>
             <a:pPr lvl="4"/>
             <a:r>
-              <a:rPr lang="en-US"/>
+              <a:rPr lang="en-GB"/>
               <a:t>Fifth level</a:t>
             </a:r>
+            <a:endParaRPr lang="en-US"/>
           </a:p>
         </p:txBody>
       </p:sp>
@@ -1466,18 +1679,19 @@
           <a:bodyPr/>
           <a:lstStyle/>
           <a:p>
-            <a:fld id="{97135A26-7131-4E45-9CE6-C5A17AF4886F}" type="slidenum">
-              <a:rPr lang="en-GB" smtClean="0"/>
+            <a:fld id="{D2040F39-7941-49A4-B48D-F201B18B6351}" type="slidenum">
+              <a:rPr lang="it-IT" smtClean="0"/>
+              <a:pPr/>
               <a:t>‹#›</a:t>
             </a:fld>
-            <a:endParaRPr lang="en-GB"/>
+            <a:endParaRPr lang="it-IT" dirty="0"/>
           </a:p>
         </p:txBody>
       </p:sp>
     </p:spTree>
     <p:extLst>
       <p:ext uri="{BB962C8B-B14F-4D97-AF65-F5344CB8AC3E}">
-        <p14:creationId xmlns:p14="http://schemas.microsoft.com/office/powerpoint/2010/main" val="3317698787"/>
+        <p14:creationId xmlns:p14="http://schemas.microsoft.com/office/powerpoint/2010/main" val="2528228811"/>
       </p:ext>
     </p:extLst>
   </p:cSld>
@@ -1520,9 +1734,10 @@
           <a:lstStyle/>
           <a:p>
             <a:r>
-              <a:rPr lang="en-US"/>
+              <a:rPr lang="en-GB"/>
               <a:t>Click to edit Master title style</a:t>
             </a:r>
+            <a:endParaRPr lang="en-US"/>
           </a:p>
         </p:txBody>
       </p:sp>
@@ -1543,37 +1758,38 @@
           <a:p>
             <a:pPr lvl="0"/>
             <a:r>
-              <a:rPr lang="en-US"/>
-              <a:t>Edit Master text styles</a:t>
+              <a:rPr lang="en-GB"/>
+              <a:t>Click to edit Master text styles</a:t>
             </a:r>
           </a:p>
           <a:p>
             <a:pPr lvl="1"/>
             <a:r>
-              <a:rPr lang="en-US"/>
+              <a:rPr lang="en-GB"/>
               <a:t>Second level</a:t>
             </a:r>
           </a:p>
           <a:p>
             <a:pPr lvl="2"/>
             <a:r>
-              <a:rPr lang="en-US"/>
+              <a:rPr lang="en-GB"/>
               <a:t>Third level</a:t>
             </a:r>
           </a:p>
           <a:p>
             <a:pPr lvl="3"/>
             <a:r>
-              <a:rPr lang="en-US"/>
+              <a:rPr lang="en-GB"/>
               <a:t>Fourth level</a:t>
             </a:r>
           </a:p>
           <a:p>
             <a:pPr lvl="4"/>
             <a:r>
-              <a:rPr lang="en-US"/>
+              <a:rPr lang="en-GB"/>
               <a:t>Fifth level</a:t>
             </a:r>
+            <a:endParaRPr lang="en-US"/>
           </a:p>
         </p:txBody>
       </p:sp>
@@ -1600,11 +1816,12 @@
           <a:bodyPr/>
           <a:lstStyle/>
           <a:p>
-            <a:fld id="{97135A26-7131-4E45-9CE6-C5A17AF4886F}" type="slidenum">
-              <a:rPr lang="en-GB" smtClean="0"/>
+            <a:fld id="{D2040F39-7941-49A4-B48D-F201B18B6351}" type="slidenum">
+              <a:rPr lang="it-IT" smtClean="0"/>
+              <a:pPr/>
               <a:t>‹#›</a:t>
             </a:fld>
-            <a:endParaRPr lang="en-GB"/>
+            <a:endParaRPr lang="it-IT" dirty="0"/>
           </a:p>
         </p:txBody>
       </p:sp>
@@ -1655,7 +1872,7 @@
     </p:spTree>
     <p:extLst>
       <p:ext uri="{BB962C8B-B14F-4D97-AF65-F5344CB8AC3E}">
-        <p14:creationId xmlns:p14="http://schemas.microsoft.com/office/powerpoint/2010/main" val="149329645"/>
+        <p14:creationId xmlns:p14="http://schemas.microsoft.com/office/powerpoint/2010/main" val="2295525336"/>
       </p:ext>
     </p:extLst>
   </p:cSld>
@@ -1707,9 +1924,10 @@
           </a:lstStyle>
           <a:p>
             <a:r>
-              <a:rPr lang="en-US"/>
+              <a:rPr lang="en-GB"/>
               <a:t>Click to edit Master title style</a:t>
             </a:r>
+            <a:endParaRPr lang="en-US"/>
           </a:p>
         </p:txBody>
       </p:sp>
@@ -1826,8 +2044,8 @@
           <a:p>
             <a:pPr lvl="0"/>
             <a:r>
-              <a:rPr lang="en-US"/>
-              <a:t>Edit Master text styles</a:t>
+              <a:rPr lang="en-GB"/>
+              <a:t>Click to edit Master text styles</a:t>
             </a:r>
           </a:p>
         </p:txBody>
@@ -1855,11 +2073,12 @@
           <a:bodyPr/>
           <a:lstStyle/>
           <a:p>
-            <a:fld id="{97135A26-7131-4E45-9CE6-C5A17AF4886F}" type="slidenum">
-              <a:rPr lang="en-GB" smtClean="0"/>
+            <a:fld id="{D2040F39-7941-49A4-B48D-F201B18B6351}" type="slidenum">
+              <a:rPr lang="it-IT" smtClean="0"/>
+              <a:pPr/>
               <a:t>‹#›</a:t>
             </a:fld>
-            <a:endParaRPr lang="en-GB"/>
+            <a:endParaRPr lang="it-IT" dirty="0"/>
           </a:p>
         </p:txBody>
       </p:sp>
@@ -1910,7 +2129,7 @@
     </p:spTree>
     <p:extLst>
       <p:ext uri="{BB962C8B-B14F-4D97-AF65-F5344CB8AC3E}">
-        <p14:creationId xmlns:p14="http://schemas.microsoft.com/office/powerpoint/2010/main" val="3581945689"/>
+        <p14:creationId xmlns:p14="http://schemas.microsoft.com/office/powerpoint/2010/main" val="1606505602"/>
       </p:ext>
     </p:extLst>
   </p:cSld>
@@ -1953,9 +2172,10 @@
           <a:lstStyle/>
           <a:p>
             <a:r>
-              <a:rPr lang="en-US"/>
+              <a:rPr lang="en-GB"/>
               <a:t>Click to edit Master title style</a:t>
             </a:r>
+            <a:endParaRPr lang="en-US"/>
           </a:p>
         </p:txBody>
       </p:sp>
@@ -2009,37 +2229,38 @@
           <a:p>
             <a:pPr lvl="0"/>
             <a:r>
-              <a:rPr lang="en-US"/>
-              <a:t>Edit Master text styles</a:t>
+              <a:rPr lang="en-GB"/>
+              <a:t>Click to edit Master text styles</a:t>
             </a:r>
           </a:p>
           <a:p>
             <a:pPr lvl="1"/>
             <a:r>
-              <a:rPr lang="en-US"/>
+              <a:rPr lang="en-GB"/>
               <a:t>Second level</a:t>
             </a:r>
           </a:p>
           <a:p>
             <a:pPr lvl="2"/>
             <a:r>
-              <a:rPr lang="en-US"/>
+              <a:rPr lang="en-GB"/>
               <a:t>Third level</a:t>
             </a:r>
           </a:p>
           <a:p>
             <a:pPr lvl="3"/>
             <a:r>
-              <a:rPr lang="en-US"/>
+              <a:rPr lang="en-GB"/>
               <a:t>Fourth level</a:t>
             </a:r>
           </a:p>
           <a:p>
             <a:pPr lvl="4"/>
             <a:r>
-              <a:rPr lang="en-US"/>
+              <a:rPr lang="en-GB"/>
               <a:t>Fifth level</a:t>
             </a:r>
+            <a:endParaRPr lang="en-US"/>
           </a:p>
         </p:txBody>
       </p:sp>
@@ -2093,37 +2314,38 @@
           <a:p>
             <a:pPr lvl="0"/>
             <a:r>
-              <a:rPr lang="en-US"/>
-              <a:t>Edit Master text styles</a:t>
+              <a:rPr lang="en-GB"/>
+              <a:t>Click to edit Master text styles</a:t>
             </a:r>
           </a:p>
           <a:p>
             <a:pPr lvl="1"/>
             <a:r>
-              <a:rPr lang="en-US"/>
+              <a:rPr lang="en-GB"/>
               <a:t>Second level</a:t>
             </a:r>
           </a:p>
           <a:p>
             <a:pPr lvl="2"/>
             <a:r>
-              <a:rPr lang="en-US"/>
+              <a:rPr lang="en-GB"/>
               <a:t>Third level</a:t>
             </a:r>
           </a:p>
           <a:p>
             <a:pPr lvl="3"/>
             <a:r>
-              <a:rPr lang="en-US"/>
+              <a:rPr lang="en-GB"/>
               <a:t>Fourth level</a:t>
             </a:r>
           </a:p>
           <a:p>
             <a:pPr lvl="4"/>
             <a:r>
-              <a:rPr lang="en-US"/>
+              <a:rPr lang="en-GB"/>
               <a:t>Fifth level</a:t>
             </a:r>
+            <a:endParaRPr lang="en-US"/>
           </a:p>
         </p:txBody>
       </p:sp>
@@ -2150,11 +2372,12 @@
           <a:bodyPr/>
           <a:lstStyle/>
           <a:p>
-            <a:fld id="{97135A26-7131-4E45-9CE6-C5A17AF4886F}" type="slidenum">
-              <a:rPr lang="en-GB" smtClean="0"/>
+            <a:fld id="{D2040F39-7941-49A4-B48D-F201B18B6351}" type="slidenum">
+              <a:rPr lang="it-IT" smtClean="0"/>
+              <a:pPr/>
               <a:t>‹#›</a:t>
             </a:fld>
-            <a:endParaRPr lang="en-GB"/>
+            <a:endParaRPr lang="it-IT" dirty="0"/>
           </a:p>
         </p:txBody>
       </p:sp>
@@ -2205,7 +2428,7 @@
     </p:spTree>
     <p:extLst>
       <p:ext uri="{BB962C8B-B14F-4D97-AF65-F5344CB8AC3E}">
-        <p14:creationId xmlns:p14="http://schemas.microsoft.com/office/powerpoint/2010/main" val="428189418"/>
+        <p14:creationId xmlns:p14="http://schemas.microsoft.com/office/powerpoint/2010/main" val="1368979457"/>
       </p:ext>
     </p:extLst>
   </p:cSld>
@@ -2252,9 +2475,10 @@
           </a:lstStyle>
           <a:p>
             <a:r>
-              <a:rPr lang="en-US"/>
+              <a:rPr lang="en-GB"/>
               <a:t>Click to edit Master title style</a:t>
             </a:r>
+            <a:endParaRPr lang="en-US"/>
           </a:p>
         </p:txBody>
       </p:sp>
@@ -2317,8 +2541,8 @@
           <a:p>
             <a:pPr lvl="0"/>
             <a:r>
-              <a:rPr lang="en-US"/>
-              <a:t>Edit Master text styles</a:t>
+              <a:rPr lang="en-GB"/>
+              <a:t>Click to edit Master text styles</a:t>
             </a:r>
           </a:p>
         </p:txBody>
@@ -2373,37 +2597,38 @@
           <a:p>
             <a:pPr lvl="0"/>
             <a:r>
-              <a:rPr lang="en-US"/>
-              <a:t>Edit Master text styles</a:t>
+              <a:rPr lang="en-GB"/>
+              <a:t>Click to edit Master text styles</a:t>
             </a:r>
           </a:p>
           <a:p>
             <a:pPr lvl="1"/>
             <a:r>
-              <a:rPr lang="en-US"/>
+              <a:rPr lang="en-GB"/>
               <a:t>Second level</a:t>
             </a:r>
           </a:p>
           <a:p>
             <a:pPr lvl="2"/>
             <a:r>
-              <a:rPr lang="en-US"/>
+              <a:rPr lang="en-GB"/>
               <a:t>Third level</a:t>
             </a:r>
           </a:p>
           <a:p>
             <a:pPr lvl="3"/>
             <a:r>
-              <a:rPr lang="en-US"/>
+              <a:rPr lang="en-GB"/>
               <a:t>Fourth level</a:t>
             </a:r>
           </a:p>
           <a:p>
             <a:pPr lvl="4"/>
             <a:r>
-              <a:rPr lang="en-US"/>
+              <a:rPr lang="en-GB"/>
               <a:t>Fifth level</a:t>
             </a:r>
+            <a:endParaRPr lang="en-US"/>
           </a:p>
         </p:txBody>
       </p:sp>
@@ -2466,8 +2691,8 @@
           <a:p>
             <a:pPr lvl="0"/>
             <a:r>
-              <a:rPr lang="en-US"/>
-              <a:t>Edit Master text styles</a:t>
+              <a:rPr lang="en-GB"/>
+              <a:t>Click to edit Master text styles</a:t>
             </a:r>
           </a:p>
         </p:txBody>
@@ -2522,37 +2747,38 @@
           <a:p>
             <a:pPr lvl="0"/>
             <a:r>
-              <a:rPr lang="en-US"/>
-              <a:t>Edit Master text styles</a:t>
+              <a:rPr lang="en-GB"/>
+              <a:t>Click to edit Master text styles</a:t>
             </a:r>
           </a:p>
           <a:p>
             <a:pPr lvl="1"/>
             <a:r>
-              <a:rPr lang="en-US"/>
+              <a:rPr lang="en-GB"/>
               <a:t>Second level</a:t>
             </a:r>
           </a:p>
           <a:p>
             <a:pPr lvl="2"/>
             <a:r>
-              <a:rPr lang="en-US"/>
+              <a:rPr lang="en-GB"/>
               <a:t>Third level</a:t>
             </a:r>
           </a:p>
           <a:p>
             <a:pPr lvl="3"/>
             <a:r>
-              <a:rPr lang="en-US"/>
+              <a:rPr lang="en-GB"/>
               <a:t>Fourth level</a:t>
             </a:r>
           </a:p>
           <a:p>
             <a:pPr lvl="4"/>
             <a:r>
-              <a:rPr lang="en-US"/>
+              <a:rPr lang="en-GB"/>
               <a:t>Fifth level</a:t>
             </a:r>
+            <a:endParaRPr lang="en-US"/>
           </a:p>
         </p:txBody>
       </p:sp>
@@ -2579,11 +2805,12 @@
           <a:bodyPr/>
           <a:lstStyle/>
           <a:p>
-            <a:fld id="{97135A26-7131-4E45-9CE6-C5A17AF4886F}" type="slidenum">
-              <a:rPr lang="en-GB" smtClean="0"/>
+            <a:fld id="{D2040F39-7941-49A4-B48D-F201B18B6351}" type="slidenum">
+              <a:rPr lang="it-IT" smtClean="0"/>
+              <a:pPr/>
               <a:t>‹#›</a:t>
             </a:fld>
-            <a:endParaRPr lang="en-GB"/>
+            <a:endParaRPr lang="it-IT" dirty="0"/>
           </a:p>
         </p:txBody>
       </p:sp>
@@ -2634,7 +2861,7 @@
     </p:spTree>
     <p:extLst>
       <p:ext uri="{BB962C8B-B14F-4D97-AF65-F5344CB8AC3E}">
-        <p14:creationId xmlns:p14="http://schemas.microsoft.com/office/powerpoint/2010/main" val="1039173668"/>
+        <p14:creationId xmlns:p14="http://schemas.microsoft.com/office/powerpoint/2010/main" val="826361269"/>
       </p:ext>
     </p:extLst>
   </p:cSld>
@@ -2677,9 +2904,10 @@
           <a:lstStyle/>
           <a:p>
             <a:r>
-              <a:rPr lang="en-US"/>
+              <a:rPr lang="en-GB"/>
               <a:t>Click to edit Master title style</a:t>
             </a:r>
+            <a:endParaRPr lang="en-US"/>
           </a:p>
         </p:txBody>
       </p:sp>
@@ -2706,11 +2934,12 @@
           <a:bodyPr/>
           <a:lstStyle/>
           <a:p>
-            <a:fld id="{97135A26-7131-4E45-9CE6-C5A17AF4886F}" type="slidenum">
-              <a:rPr lang="en-GB" smtClean="0"/>
+            <a:fld id="{D2040F39-7941-49A4-B48D-F201B18B6351}" type="slidenum">
+              <a:rPr lang="it-IT" smtClean="0"/>
+              <a:pPr/>
               <a:t>‹#›</a:t>
             </a:fld>
-            <a:endParaRPr lang="en-GB"/>
+            <a:endParaRPr lang="it-IT" dirty="0"/>
           </a:p>
         </p:txBody>
       </p:sp>
@@ -2761,7 +2990,7 @@
     </p:spTree>
     <p:extLst>
       <p:ext uri="{BB962C8B-B14F-4D97-AF65-F5344CB8AC3E}">
-        <p14:creationId xmlns:p14="http://schemas.microsoft.com/office/powerpoint/2010/main" val="430759592"/>
+        <p14:creationId xmlns:p14="http://schemas.microsoft.com/office/powerpoint/2010/main" val="3754717069"/>
       </p:ext>
     </p:extLst>
   </p:cSld>
@@ -2811,18 +3040,19 @@
           <a:bodyPr/>
           <a:lstStyle/>
           <a:p>
-            <a:fld id="{97135A26-7131-4E45-9CE6-C5A17AF4886F}" type="slidenum">
-              <a:rPr lang="en-GB" smtClean="0"/>
+            <a:fld id="{D2040F39-7941-49A4-B48D-F201B18B6351}" type="slidenum">
+              <a:rPr lang="it-IT" smtClean="0"/>
+              <a:pPr/>
               <a:t>‹#›</a:t>
             </a:fld>
-            <a:endParaRPr lang="en-GB"/>
+            <a:endParaRPr lang="it-IT" dirty="0"/>
           </a:p>
         </p:txBody>
       </p:sp>
     </p:spTree>
     <p:extLst>
       <p:ext uri="{BB962C8B-B14F-4D97-AF65-F5344CB8AC3E}">
-        <p14:creationId xmlns:p14="http://schemas.microsoft.com/office/powerpoint/2010/main" val="4238051842"/>
+        <p14:creationId xmlns:p14="http://schemas.microsoft.com/office/powerpoint/2010/main" val="1807065275"/>
       </p:ext>
     </p:extLst>
   </p:cSld>
@@ -2874,9 +3104,10 @@
           </a:lstStyle>
           <a:p>
             <a:r>
-              <a:rPr lang="en-US"/>
+              <a:rPr lang="en-GB"/>
               <a:t>Click to edit Master title style</a:t>
             </a:r>
+            <a:endParaRPr lang="en-US"/>
           </a:p>
         </p:txBody>
       </p:sp>
@@ -2930,37 +3161,38 @@
           <a:p>
             <a:pPr lvl="0"/>
             <a:r>
-              <a:rPr lang="en-US"/>
-              <a:t>Edit Master text styles</a:t>
+              <a:rPr lang="en-GB"/>
+              <a:t>Click to edit Master text styles</a:t>
             </a:r>
           </a:p>
           <a:p>
             <a:pPr lvl="1"/>
             <a:r>
-              <a:rPr lang="en-US"/>
+              <a:rPr lang="en-GB"/>
               <a:t>Second level</a:t>
             </a:r>
           </a:p>
           <a:p>
             <a:pPr lvl="2"/>
             <a:r>
-              <a:rPr lang="en-US"/>
+              <a:rPr lang="en-GB"/>
               <a:t>Third level</a:t>
             </a:r>
           </a:p>
           <a:p>
             <a:pPr lvl="3"/>
             <a:r>
-              <a:rPr lang="en-US"/>
+              <a:rPr lang="en-GB"/>
               <a:t>Fourth level</a:t>
             </a:r>
           </a:p>
           <a:p>
             <a:pPr lvl="4"/>
             <a:r>
-              <a:rPr lang="en-US"/>
+              <a:rPr lang="en-GB"/>
               <a:t>Fifth level</a:t>
             </a:r>
+            <a:endParaRPr lang="en-US"/>
           </a:p>
         </p:txBody>
       </p:sp>
@@ -3023,8 +3255,8 @@
           <a:p>
             <a:pPr lvl="0"/>
             <a:r>
-              <a:rPr lang="en-US"/>
-              <a:t>Edit Master text styles</a:t>
+              <a:rPr lang="en-GB"/>
+              <a:t>Click to edit Master text styles</a:t>
             </a:r>
           </a:p>
         </p:txBody>
@@ -3052,18 +3284,19 @@
           <a:bodyPr/>
           <a:lstStyle/>
           <a:p>
-            <a:fld id="{97135A26-7131-4E45-9CE6-C5A17AF4886F}" type="slidenum">
-              <a:rPr lang="en-GB" smtClean="0"/>
+            <a:fld id="{D2040F39-7941-49A4-B48D-F201B18B6351}" type="slidenum">
+              <a:rPr lang="it-IT" smtClean="0"/>
+              <a:pPr/>
               <a:t>‹#›</a:t>
             </a:fld>
-            <a:endParaRPr lang="en-GB"/>
+            <a:endParaRPr lang="it-IT" dirty="0"/>
           </a:p>
         </p:txBody>
       </p:sp>
     </p:spTree>
     <p:extLst>
       <p:ext uri="{BB962C8B-B14F-4D97-AF65-F5344CB8AC3E}">
-        <p14:creationId xmlns:p14="http://schemas.microsoft.com/office/powerpoint/2010/main" val="3093520722"/>
+        <p14:creationId xmlns:p14="http://schemas.microsoft.com/office/powerpoint/2010/main" val="3721473086"/>
       </p:ext>
     </p:extLst>
   </p:cSld>
@@ -3115,9 +3348,10 @@
           </a:lstStyle>
           <a:p>
             <a:r>
-              <a:rPr lang="en-US"/>
+              <a:rPr lang="en-GB"/>
               <a:t>Click to edit Master title style</a:t>
             </a:r>
+            <a:endParaRPr lang="en-US"/>
           </a:p>
         </p:txBody>
       </p:sp>
@@ -3179,9 +3413,10 @@
           </a:lstStyle>
           <a:p>
             <a:r>
-              <a:rPr lang="en-US"/>
+              <a:rPr lang="en-GB"/>
               <a:t>Click icon to add picture</a:t>
             </a:r>
+            <a:endParaRPr lang="en-US"/>
           </a:p>
         </p:txBody>
       </p:sp>
@@ -3244,8 +3479,8 @@
           <a:p>
             <a:pPr lvl="0"/>
             <a:r>
-              <a:rPr lang="en-US"/>
-              <a:t>Edit Master text styles</a:t>
+              <a:rPr lang="en-GB"/>
+              <a:t>Click to edit Master text styles</a:t>
             </a:r>
           </a:p>
         </p:txBody>
@@ -3273,11 +3508,12 @@
           <a:bodyPr/>
           <a:lstStyle/>
           <a:p>
-            <a:fld id="{97135A26-7131-4E45-9CE6-C5A17AF4886F}" type="slidenum">
-              <a:rPr lang="en-GB" smtClean="0"/>
+            <a:fld id="{D2040F39-7941-49A4-B48D-F201B18B6351}" type="slidenum">
+              <a:rPr lang="it-IT" smtClean="0"/>
+              <a:pPr/>
               <a:t>‹#›</a:t>
             </a:fld>
-            <a:endParaRPr lang="en-GB"/>
+            <a:endParaRPr lang="it-IT" dirty="0"/>
           </a:p>
         </p:txBody>
       </p:sp>
@@ -3328,7 +3564,7 @@
     </p:spTree>
     <p:extLst>
       <p:ext uri="{BB962C8B-B14F-4D97-AF65-F5344CB8AC3E}">
-        <p14:creationId xmlns:p14="http://schemas.microsoft.com/office/powerpoint/2010/main" val="852211871"/>
+        <p14:creationId xmlns:p14="http://schemas.microsoft.com/office/powerpoint/2010/main" val="1990657624"/>
       </p:ext>
     </p:extLst>
   </p:cSld>
@@ -3386,7 +3622,7 @@
           <a:lstStyle/>
           <a:p>
             <a:r>
-              <a:rPr lang="en-US"/>
+              <a:rPr lang="en-GB"/>
               <a:t>Click to edit Master title style</a:t>
             </a:r>
             <a:endParaRPr lang="en-US" dirty="0"/>
@@ -3420,41 +3656,71 @@
           <a:p>
             <a:pPr lvl="0"/>
             <a:r>
-              <a:rPr lang="en-US"/>
-              <a:t>Edit Master text styles</a:t>
+              <a:rPr lang="en-GB"/>
+              <a:t>Click to edit Master text styles</a:t>
             </a:r>
           </a:p>
           <a:p>
             <a:pPr lvl="1"/>
             <a:r>
-              <a:rPr lang="en-US"/>
+              <a:rPr lang="en-GB"/>
               <a:t>Second level</a:t>
             </a:r>
           </a:p>
           <a:p>
             <a:pPr lvl="2"/>
             <a:r>
-              <a:rPr lang="en-US"/>
+              <a:rPr lang="en-GB"/>
               <a:t>Third level</a:t>
             </a:r>
           </a:p>
           <a:p>
             <a:pPr lvl="3"/>
             <a:r>
-              <a:rPr lang="en-US"/>
+              <a:rPr lang="en-GB"/>
               <a:t>Fourth level</a:t>
             </a:r>
           </a:p>
           <a:p>
             <a:pPr lvl="4"/>
             <a:r>
-              <a:rPr lang="en-US"/>
+              <a:rPr lang="en-GB"/>
               <a:t>Fifth level</a:t>
             </a:r>
             <a:endParaRPr lang="en-US" dirty="0"/>
           </a:p>
         </p:txBody>
       </p:sp>
+      <p:pic>
+        <p:nvPicPr>
+          <p:cNvPr id="8" name="Picture 7" descr="ing-modena copy.png"/>
+          <p:cNvPicPr>
+            <a:picLocks noChangeAspect="1"/>
+          </p:cNvPicPr>
+          <p:nvPr/>
+        </p:nvPicPr>
+        <p:blipFill>
+          <a:blip r:embed="rId13">
+            <a:extLst>
+              <a:ext uri="{28A0092B-C50C-407E-A947-70E740481C1C}">
+                <a14:useLocalDpi xmlns:a14="http://schemas.microsoft.com/office/drawing/2010/main" val="0"/>
+              </a:ext>
+            </a:extLst>
+          </a:blip>
+          <a:stretch>
+            <a:fillRect/>
+          </a:stretch>
+        </p:blipFill>
+        <p:spPr>
+          <a:xfrm>
+            <a:off x="-45803" y="6021288"/>
+            <a:ext cx="1533291" cy="899495"/>
+          </a:xfrm>
+          <a:prstGeom prst="rect">
+            <a:avLst/>
+          </a:prstGeom>
+        </p:spPr>
+      </p:pic>
       <p:sp>
         <p:nvSpPr>
           <p:cNvPr id="10" name="Slide Number Placeholder 5"/>
@@ -3476,71 +3742,39 @@
         </p:spPr>
         <p:txBody>
           <a:bodyPr/>
-          <a:lstStyle>
-            <a:lvl1pPr algn="r">
-              <a:defRPr/>
-            </a:lvl1pPr>
-          </a:lstStyle>
-          <a:p>
-            <a:fld id="{97135A26-7131-4E45-9CE6-C5A17AF4886F}" type="slidenum">
-              <a:rPr lang="en-GB" smtClean="0"/>
+          <a:lstStyle/>
+          <a:p>
+            <a:fld id="{D2040F39-7941-49A4-B48D-F201B18B6351}" type="slidenum">
+              <a:rPr lang="it-IT" smtClean="0"/>
+              <a:pPr/>
               <a:t>‹#›</a:t>
             </a:fld>
-            <a:endParaRPr lang="en-GB"/>
+            <a:endParaRPr lang="it-IT" dirty="0"/>
           </a:p>
         </p:txBody>
       </p:sp>
-      <p:pic>
-        <p:nvPicPr>
-          <p:cNvPr id="9" name="Picture 8" descr="ing-modena copy.png"/>
-          <p:cNvPicPr>
-            <a:picLocks noChangeAspect="1"/>
-          </p:cNvPicPr>
-          <p:nvPr/>
-        </p:nvPicPr>
-        <p:blipFill>
-          <a:blip r:embed="rId13">
-            <a:extLst>
-              <a:ext uri="{28A0092B-C50C-407E-A947-70E740481C1C}">
-                <a14:useLocalDpi xmlns:a14="http://schemas.microsoft.com/office/drawing/2010/main" val="0"/>
-              </a:ext>
-            </a:extLst>
-          </a:blip>
-          <a:stretch>
-            <a:fillRect/>
-          </a:stretch>
-        </p:blipFill>
-        <p:spPr>
-          <a:xfrm>
-            <a:off x="32254" y="5829300"/>
-            <a:ext cx="2252133" cy="1066800"/>
-          </a:xfrm>
-          <a:prstGeom prst="rect">
-            <a:avLst/>
-          </a:prstGeom>
-        </p:spPr>
-      </p:pic>
     </p:spTree>
     <p:extLst>
       <p:ext uri="{BB962C8B-B14F-4D97-AF65-F5344CB8AC3E}">
-        <p14:creationId xmlns:p14="http://schemas.microsoft.com/office/powerpoint/2010/main" val="2798781897"/>
+        <p14:creationId xmlns:p14="http://schemas.microsoft.com/office/powerpoint/2010/main" val="1745424456"/>
       </p:ext>
     </p:extLst>
   </p:cSld>
   <p:clrMap bg1="lt1" tx1="dk1" bg2="lt2" tx2="dk2" accent1="accent1" accent2="accent2" accent3="accent3" accent4="accent4" accent5="accent5" accent6="accent6" hlink="hlink" folHlink="folHlink"/>
   <p:sldLayoutIdLst>
-    <p:sldLayoutId id="2147483661" r:id="rId1"/>
-    <p:sldLayoutId id="2147483662" r:id="rId2"/>
-    <p:sldLayoutId id="2147483663" r:id="rId3"/>
-    <p:sldLayoutId id="2147483664" r:id="rId4"/>
-    <p:sldLayoutId id="2147483665" r:id="rId5"/>
-    <p:sldLayoutId id="2147483666" r:id="rId6"/>
-    <p:sldLayoutId id="2147483667" r:id="rId7"/>
-    <p:sldLayoutId id="2147483668" r:id="rId8"/>
-    <p:sldLayoutId id="2147483669" r:id="rId9"/>
-    <p:sldLayoutId id="2147483670" r:id="rId10"/>
-    <p:sldLayoutId id="2147483671" r:id="rId11"/>
+    <p:sldLayoutId id="2147483673" r:id="rId1"/>
+    <p:sldLayoutId id="2147483674" r:id="rId2"/>
+    <p:sldLayoutId id="2147483675" r:id="rId3"/>
+    <p:sldLayoutId id="2147483676" r:id="rId4"/>
+    <p:sldLayoutId id="2147483677" r:id="rId5"/>
+    <p:sldLayoutId id="2147483678" r:id="rId6"/>
+    <p:sldLayoutId id="2147483679" r:id="rId7"/>
+    <p:sldLayoutId id="2147483680" r:id="rId8"/>
+    <p:sldLayoutId id="2147483681" r:id="rId9"/>
+    <p:sldLayoutId id="2147483682" r:id="rId10"/>
+    <p:sldLayoutId id="2147483683" r:id="rId11"/>
   </p:sldLayoutIdLst>
+  <p:hf hdr="0" ftr="0" dt="0"/>
   <p:txStyles>
     <p:titleStyle>
       <a:lvl1pPr algn="ctr" defTabSz="457200" rtl="0" eaLnBrk="1" latinLnBrk="0" hangingPunct="1">
@@ -12093,7 +12327,7 @@
 </file>
 
 <file path=ppt/theme/theme1.xml><?xml version="1.0" encoding="utf-8"?>
-<a:theme xmlns:a="http://schemas.openxmlformats.org/drawingml/2006/main" name="ING">
+<a:theme xmlns:a="http://schemas.openxmlformats.org/drawingml/2006/main" name="Nicola">
   <a:themeElements>
     <a:clrScheme name="Office">
       <a:dk1>
@@ -12411,13 +12645,296 @@
   <a:extraClrSchemeLst/>
   <a:extLst>
     <a:ext uri="{05A4C25C-085E-4340-85A3-A5531E510DB2}">
-      <thm15:themeFamily xmlns:thm15="http://schemas.microsoft.com/office/thememl/2012/main" name="05_Generics" id="{F05D4043-5661-6449-AB7B-C289F5DAA4E2}" vid="{EB962CA9-3AE2-2E4A-96ED-8F64D21D7405}"/>
+      <thm15:themeFamily xmlns:thm15="http://schemas.microsoft.com/office/thememl/2012/main" name="00 - Java Introduction" id="{2D0C21C8-6F94-AC4C-8309-F1E5902B85F9}" vid="{1BB67297-C6B5-5C49-B905-92E04B265F5A}"/>
     </a:ext>
   </a:extLst>
 </a:theme>
 </file>
 
 <file path=ppt/theme/theme2.xml><?xml version="1.0" encoding="utf-8"?>
+<a:theme xmlns:a="http://schemas.openxmlformats.org/drawingml/2006/main" name="Tema di Office">
+  <a:themeElements>
+    <a:clrScheme name="Office">
+      <a:dk1>
+        <a:sysClr val="windowText" lastClr="000000"/>
+      </a:dk1>
+      <a:lt1>
+        <a:sysClr val="window" lastClr="FFFFFF"/>
+      </a:lt1>
+      <a:dk2>
+        <a:srgbClr val="1F497D"/>
+      </a:dk2>
+      <a:lt2>
+        <a:srgbClr val="EEECE1"/>
+      </a:lt2>
+      <a:accent1>
+        <a:srgbClr val="4F81BD"/>
+      </a:accent1>
+      <a:accent2>
+        <a:srgbClr val="C0504D"/>
+      </a:accent2>
+      <a:accent3>
+        <a:srgbClr val="9BBB59"/>
+      </a:accent3>
+      <a:accent4>
+        <a:srgbClr val="8064A2"/>
+      </a:accent4>
+      <a:accent5>
+        <a:srgbClr val="4BACC6"/>
+      </a:accent5>
+      <a:accent6>
+        <a:srgbClr val="F79646"/>
+      </a:accent6>
+      <a:hlink>
+        <a:srgbClr val="0000FF"/>
+      </a:hlink>
+      <a:folHlink>
+        <a:srgbClr val="800080"/>
+      </a:folHlink>
+    </a:clrScheme>
+    <a:fontScheme name="Office">
+      <a:majorFont>
+        <a:latin typeface="Calibri"/>
+        <a:ea typeface=""/>
+        <a:cs typeface=""/>
+        <a:font script="Jpan" typeface="ＭＳ Ｐゴシック"/>
+        <a:font script="Hang" typeface="맑은 고딕"/>
+        <a:font script="Hans" typeface="宋体"/>
+        <a:font script="Hant" typeface="新細明體"/>
+        <a:font script="Arab" typeface="Times New Roman"/>
+        <a:font script="Hebr" typeface="Times New Roman"/>
+        <a:font script="Thai" typeface="Angsana New"/>
+        <a:font script="Ethi" typeface="Nyala"/>
+        <a:font script="Beng" typeface="Vrinda"/>
+        <a:font script="Gujr" typeface="Shruti"/>
+        <a:font script="Khmr" typeface="MoolBoran"/>
+        <a:font script="Knda" typeface="Tunga"/>
+        <a:font script="Guru" typeface="Raavi"/>
+        <a:font script="Cans" typeface="Euphemia"/>
+        <a:font script="Cher" typeface="Plantagenet Cherokee"/>
+        <a:font script="Yiii" typeface="Microsoft Yi Baiti"/>
+        <a:font script="Tibt" typeface="Microsoft Himalaya"/>
+        <a:font script="Thaa" typeface="MV Boli"/>
+        <a:font script="Deva" typeface="Mangal"/>
+        <a:font script="Telu" typeface="Gautami"/>
+        <a:font script="Taml" typeface="Latha"/>
+        <a:font script="Syrc" typeface="Estrangelo Edessa"/>
+        <a:font script="Orya" typeface="Kalinga"/>
+        <a:font script="Mlym" typeface="Kartika"/>
+        <a:font script="Laoo" typeface="DokChampa"/>
+        <a:font script="Sinh" typeface="Iskoola Pota"/>
+        <a:font script="Mong" typeface="Mongolian Baiti"/>
+        <a:font script="Viet" typeface="Times New Roman"/>
+        <a:font script="Uigh" typeface="Microsoft Uighur"/>
+      </a:majorFont>
+      <a:minorFont>
+        <a:latin typeface="Calibri"/>
+        <a:ea typeface=""/>
+        <a:cs typeface=""/>
+        <a:font script="Jpan" typeface="ＭＳ Ｐゴシック"/>
+        <a:font script="Hang" typeface="맑은 고딕"/>
+        <a:font script="Hans" typeface="宋体"/>
+        <a:font script="Hant" typeface="新細明體"/>
+        <a:font script="Arab" typeface="Arial"/>
+        <a:font script="Hebr" typeface="Arial"/>
+        <a:font script="Thai" typeface="Cordia New"/>
+        <a:font script="Ethi" typeface="Nyala"/>
+        <a:font script="Beng" typeface="Vrinda"/>
+        <a:font script="Gujr" typeface="Shruti"/>
+        <a:font script="Khmr" typeface="DaunPenh"/>
+        <a:font script="Knda" typeface="Tunga"/>
+        <a:font script="Guru" typeface="Raavi"/>
+        <a:font script="Cans" typeface="Euphemia"/>
+        <a:font script="Cher" typeface="Plantagenet Cherokee"/>
+        <a:font script="Yiii" typeface="Microsoft Yi Baiti"/>
+        <a:font script="Tibt" typeface="Microsoft Himalaya"/>
+        <a:font script="Thaa" typeface="MV Boli"/>
+        <a:font script="Deva" typeface="Mangal"/>
+        <a:font script="Telu" typeface="Gautami"/>
+        <a:font script="Taml" typeface="Latha"/>
+        <a:font script="Syrc" typeface="Estrangelo Edessa"/>
+        <a:font script="Orya" typeface="Kalinga"/>
+        <a:font script="Mlym" typeface="Kartika"/>
+        <a:font script="Laoo" typeface="DokChampa"/>
+        <a:font script="Sinh" typeface="Iskoola Pota"/>
+        <a:font script="Mong" typeface="Mongolian Baiti"/>
+        <a:font script="Viet" typeface="Arial"/>
+        <a:font script="Uigh" typeface="Microsoft Uighur"/>
+      </a:minorFont>
+    </a:fontScheme>
+    <a:fmtScheme name="Office">
+      <a:fillStyleLst>
+        <a:solidFill>
+          <a:schemeClr val="phClr"/>
+        </a:solidFill>
+        <a:gradFill rotWithShape="1">
+          <a:gsLst>
+            <a:gs pos="0">
+              <a:schemeClr val="phClr">
+                <a:tint val="50000"/>
+                <a:satMod val="300000"/>
+              </a:schemeClr>
+            </a:gs>
+            <a:gs pos="35000">
+              <a:schemeClr val="phClr">
+                <a:tint val="37000"/>
+                <a:satMod val="300000"/>
+              </a:schemeClr>
+            </a:gs>
+            <a:gs pos="100000">
+              <a:schemeClr val="phClr">
+                <a:tint val="15000"/>
+                <a:satMod val="350000"/>
+              </a:schemeClr>
+            </a:gs>
+          </a:gsLst>
+          <a:lin ang="16200000" scaled="1"/>
+        </a:gradFill>
+        <a:gradFill rotWithShape="1">
+          <a:gsLst>
+            <a:gs pos="0">
+              <a:schemeClr val="phClr">
+                <a:shade val="51000"/>
+                <a:satMod val="130000"/>
+              </a:schemeClr>
+            </a:gs>
+            <a:gs pos="80000">
+              <a:schemeClr val="phClr">
+                <a:shade val="93000"/>
+                <a:satMod val="130000"/>
+              </a:schemeClr>
+            </a:gs>
+            <a:gs pos="100000">
+              <a:schemeClr val="phClr">
+                <a:shade val="94000"/>
+                <a:satMod val="135000"/>
+              </a:schemeClr>
+            </a:gs>
+          </a:gsLst>
+          <a:lin ang="16200000" scaled="0"/>
+        </a:gradFill>
+      </a:fillStyleLst>
+      <a:lnStyleLst>
+        <a:ln w="9525" cap="flat" cmpd="sng" algn="ctr">
+          <a:solidFill>
+            <a:schemeClr val="phClr">
+              <a:shade val="95000"/>
+              <a:satMod val="105000"/>
+            </a:schemeClr>
+          </a:solidFill>
+          <a:prstDash val="solid"/>
+        </a:ln>
+        <a:ln w="25400" cap="flat" cmpd="sng" algn="ctr">
+          <a:solidFill>
+            <a:schemeClr val="phClr"/>
+          </a:solidFill>
+          <a:prstDash val="solid"/>
+        </a:ln>
+        <a:ln w="38100" cap="flat" cmpd="sng" algn="ctr">
+          <a:solidFill>
+            <a:schemeClr val="phClr"/>
+          </a:solidFill>
+          <a:prstDash val="solid"/>
+        </a:ln>
+      </a:lnStyleLst>
+      <a:effectStyleLst>
+        <a:effectStyle>
+          <a:effectLst>
+            <a:outerShdw blurRad="40000" dist="20000" dir="5400000" rotWithShape="0">
+              <a:srgbClr val="000000">
+                <a:alpha val="38000"/>
+              </a:srgbClr>
+            </a:outerShdw>
+          </a:effectLst>
+        </a:effectStyle>
+        <a:effectStyle>
+          <a:effectLst>
+            <a:outerShdw blurRad="40000" dist="23000" dir="5400000" rotWithShape="0">
+              <a:srgbClr val="000000">
+                <a:alpha val="35000"/>
+              </a:srgbClr>
+            </a:outerShdw>
+          </a:effectLst>
+        </a:effectStyle>
+        <a:effectStyle>
+          <a:effectLst>
+            <a:outerShdw blurRad="40000" dist="23000" dir="5400000" rotWithShape="0">
+              <a:srgbClr val="000000">
+                <a:alpha val="35000"/>
+              </a:srgbClr>
+            </a:outerShdw>
+          </a:effectLst>
+          <a:scene3d>
+            <a:camera prst="orthographicFront">
+              <a:rot lat="0" lon="0" rev="0"/>
+            </a:camera>
+            <a:lightRig rig="threePt" dir="t">
+              <a:rot lat="0" lon="0" rev="1200000"/>
+            </a:lightRig>
+          </a:scene3d>
+          <a:sp3d>
+            <a:bevelT w="63500" h="25400"/>
+          </a:sp3d>
+        </a:effectStyle>
+      </a:effectStyleLst>
+      <a:bgFillStyleLst>
+        <a:solidFill>
+          <a:schemeClr val="phClr"/>
+        </a:solidFill>
+        <a:gradFill rotWithShape="1">
+          <a:gsLst>
+            <a:gs pos="0">
+              <a:schemeClr val="phClr">
+                <a:tint val="40000"/>
+                <a:satMod val="350000"/>
+              </a:schemeClr>
+            </a:gs>
+            <a:gs pos="40000">
+              <a:schemeClr val="phClr">
+                <a:tint val="45000"/>
+                <a:shade val="99000"/>
+                <a:satMod val="350000"/>
+              </a:schemeClr>
+            </a:gs>
+            <a:gs pos="100000">
+              <a:schemeClr val="phClr">
+                <a:shade val="20000"/>
+                <a:satMod val="255000"/>
+              </a:schemeClr>
+            </a:gs>
+          </a:gsLst>
+          <a:path path="circle">
+            <a:fillToRect l="50000" t="-80000" r="50000" b="180000"/>
+          </a:path>
+        </a:gradFill>
+        <a:gradFill rotWithShape="1">
+          <a:gsLst>
+            <a:gs pos="0">
+              <a:schemeClr val="phClr">
+                <a:tint val="80000"/>
+                <a:satMod val="300000"/>
+              </a:schemeClr>
+            </a:gs>
+            <a:gs pos="100000">
+              <a:schemeClr val="phClr">
+                <a:shade val="30000"/>
+                <a:satMod val="200000"/>
+              </a:schemeClr>
+            </a:gs>
+          </a:gsLst>
+          <a:path path="circle">
+            <a:fillToRect l="50000" t="50000" r="50000" b="50000"/>
+          </a:path>
+        </a:gradFill>
+      </a:bgFillStyleLst>
+    </a:fmtScheme>
+  </a:themeElements>
+  <a:objectDefaults/>
+  <a:extraClrSchemeLst/>
+</a:theme>
+</file>
+
+<file path=ppt/theme/theme3.xml><?xml version="1.0" encoding="utf-8"?>
 <a:theme xmlns:a="http://schemas.openxmlformats.org/drawingml/2006/main" name="Office Theme">
   <a:themeElements>
     <a:clrScheme name="Office">

--- a/java/slides/ppt/05 - Java Generic Data Structures.pptx
+++ b/java/slides/ppt/05 - Java Generic Data Structures.pptx
@@ -5,10 +5,10 @@
     <p:sldMasterId id="2147483672" r:id="rId1"/>
   </p:sldMasterIdLst>
   <p:notesMasterIdLst>
-    <p:notesMasterId r:id="rId30"/>
+    <p:notesMasterId r:id="rId31"/>
   </p:notesMasterIdLst>
   <p:handoutMasterIdLst>
-    <p:handoutMasterId r:id="rId31"/>
+    <p:handoutMasterId r:id="rId32"/>
   </p:handoutMasterIdLst>
   <p:sldIdLst>
     <p:sldId id="257" r:id="rId2"/>
@@ -39,6 +39,7 @@
     <p:sldId id="270" r:id="rId27"/>
     <p:sldId id="271" r:id="rId28"/>
     <p:sldId id="273" r:id="rId29"/>
+    <p:sldId id="293" r:id="rId30"/>
   </p:sldIdLst>
   <p:sldSz cx="12192000" cy="6858000"/>
   <p:notesSz cx="6858000" cy="9144000"/>
@@ -250,7 +251,7 @@
           <a:p>
             <a:fld id="{5591E39A-28E5-5D4D-B97C-ECEB96F19817}" type="datetimeFigureOut">
               <a:rPr lang="en-IT" smtClean="0"/>
-              <a:t>29/09/21</a:t>
+              <a:t>04/10/21</a:t>
             </a:fld>
             <a:endParaRPr lang="en-IT"/>
           </a:p>
@@ -429,7 +430,7 @@
             <a:fld id="{BAEB7694-8561-4BE2-948D-EDF7A201F8BB}" type="datetimeFigureOut">
               <a:rPr lang="it-IT" smtClean="0"/>
               <a:pPr/>
-              <a:t>29/09/21</a:t>
+              <a:t>04/10/21</a:t>
             </a:fld>
             <a:endParaRPr lang="it-IT"/>
           </a:p>
@@ -10022,6 +10023,167 @@
     <p:extLst>
       <p:ext uri="{BB962C8B-B14F-4D97-AF65-F5344CB8AC3E}">
         <p14:creationId xmlns:p14="http://schemas.microsoft.com/office/powerpoint/2010/main" val="162854001"/>
+      </p:ext>
+    </p:extLst>
+  </p:cSld>
+  <p:clrMapOvr>
+    <a:masterClrMapping/>
+  </p:clrMapOvr>
+</p:sld>
+</file>
+
+<file path=ppt/slides/slide29.xml><?xml version="1.0" encoding="utf-8"?>
+<p:sld xmlns:a="http://schemas.openxmlformats.org/drawingml/2006/main" xmlns:r="http://schemas.openxmlformats.org/officeDocument/2006/relationships" xmlns:p="http://schemas.openxmlformats.org/presentationml/2006/main">
+  <p:cSld>
+    <p:spTree>
+      <p:nvGrpSpPr>
+        <p:cNvPr id="1" name=""/>
+        <p:cNvGrpSpPr/>
+        <p:nvPr/>
+      </p:nvGrpSpPr>
+      <p:grpSpPr>
+        <a:xfrm>
+          <a:off x="0" y="0"/>
+          <a:ext cx="0" cy="0"/>
+          <a:chOff x="0" y="0"/>
+          <a:chExt cx="0" cy="0"/>
+        </a:xfrm>
+      </p:grpSpPr>
+      <p:sp>
+        <p:nvSpPr>
+          <p:cNvPr id="2" name="Title 1">
+            <a:extLst>
+              <a:ext uri="{FF2B5EF4-FFF2-40B4-BE49-F238E27FC236}">
+                <a16:creationId xmlns:a16="http://schemas.microsoft.com/office/drawing/2014/main" id="{16657E10-189E-F54D-9A09-A08185DECE9F}"/>
+              </a:ext>
+            </a:extLst>
+          </p:cNvPr>
+          <p:cNvSpPr>
+            <a:spLocks noGrp="1"/>
+          </p:cNvSpPr>
+          <p:nvPr>
+            <p:ph type="title"/>
+          </p:nvPr>
+        </p:nvSpPr>
+        <p:spPr/>
+        <p:txBody>
+          <a:bodyPr/>
+          <a:lstStyle/>
+          <a:p>
+            <a:r>
+              <a:rPr lang="en-IT" dirty="0"/>
+              <a:t>Wisdom Pills</a:t>
+            </a:r>
+          </a:p>
+        </p:txBody>
+      </p:sp>
+      <p:sp>
+        <p:nvSpPr>
+          <p:cNvPr id="3" name="Content Placeholder 2">
+            <a:extLst>
+              <a:ext uri="{FF2B5EF4-FFF2-40B4-BE49-F238E27FC236}">
+                <a16:creationId xmlns:a16="http://schemas.microsoft.com/office/drawing/2014/main" id="{B9CE1A48-F8F1-B343-BA9B-CFE561AD338B}"/>
+              </a:ext>
+            </a:extLst>
+          </p:cNvPr>
+          <p:cNvSpPr>
+            <a:spLocks noGrp="1"/>
+          </p:cNvSpPr>
+          <p:nvPr>
+            <p:ph idx="1"/>
+          </p:nvPr>
+        </p:nvSpPr>
+        <p:spPr/>
+        <p:txBody>
+          <a:bodyPr>
+            <a:normAutofit/>
+          </a:bodyPr>
+          <a:lstStyle/>
+          <a:p>
+            <a:pPr marL="0" indent="0">
+              <a:buNone/>
+            </a:pPr>
+            <a:r>
+              <a:rPr lang="en-GB" sz="2400" i="1" dirty="0"/>
+              <a:t>If you ask the business managers, they’ll often say that it’s more important for the software system to work. Developers, in turn, often go along with this attitude. But it’s the wrong attitude. I can prove that it is wrong with the simple logical tool of examining the extremes. </a:t>
+            </a:r>
+          </a:p>
+          <a:p>
+            <a:pPr marL="0" indent="0">
+              <a:buNone/>
+            </a:pPr>
+            <a:r>
+              <a:rPr lang="en-GB" sz="2400" i="1" dirty="0"/>
+              <a:t>If you give me a program that works perfectly but is impossible to change, then it won’t work when the requirements change, and I won’t be able to make it work. Therefore the program will become useless. </a:t>
+            </a:r>
+          </a:p>
+          <a:p>
+            <a:pPr marL="0" indent="0">
+              <a:buNone/>
+            </a:pPr>
+            <a:r>
+              <a:rPr lang="en-GB" sz="2400" i="1" dirty="0"/>
+              <a:t>If you give me a program that does not work but is easy to change, then I can make it work, and keep it working as requirements change. Therefore the program will remain continually useful. </a:t>
+            </a:r>
+          </a:p>
+          <a:p>
+            <a:pPr marL="0" indent="0">
+              <a:buNone/>
+            </a:pPr>
+            <a:r>
+              <a:rPr lang="en-GB" sz="2400" b="1" dirty="0"/>
+              <a:t>Clean Architecture, Robert C. Martin</a:t>
+            </a:r>
+            <a:endParaRPr lang="en-GB" sz="2400" i="1" dirty="0"/>
+          </a:p>
+          <a:p>
+            <a:pPr marL="0" indent="0">
+              <a:buNone/>
+            </a:pPr>
+            <a:endParaRPr lang="en-GB" sz="2400" i="1" dirty="0"/>
+          </a:p>
+          <a:p>
+            <a:pPr marL="0" indent="0">
+              <a:buNone/>
+            </a:pPr>
+            <a:endParaRPr lang="en-IT" sz="2400" i="1" dirty="0"/>
+          </a:p>
+        </p:txBody>
+      </p:sp>
+      <p:sp>
+        <p:nvSpPr>
+          <p:cNvPr id="4" name="Slide Number Placeholder 3">
+            <a:extLst>
+              <a:ext uri="{FF2B5EF4-FFF2-40B4-BE49-F238E27FC236}">
+                <a16:creationId xmlns:a16="http://schemas.microsoft.com/office/drawing/2014/main" id="{BBD9B837-D701-2344-8262-D8ACB40D0A13}"/>
+              </a:ext>
+            </a:extLst>
+          </p:cNvPr>
+          <p:cNvSpPr>
+            <a:spLocks noGrp="1"/>
+          </p:cNvSpPr>
+          <p:nvPr>
+            <p:ph type="sldNum" sz="quarter" idx="12"/>
+          </p:nvPr>
+        </p:nvSpPr>
+        <p:spPr/>
+        <p:txBody>
+          <a:bodyPr/>
+          <a:lstStyle/>
+          <a:p>
+            <a:fld id="{D2040F39-7941-49A4-B48D-F201B18B6351}" type="slidenum">
+              <a:rPr lang="it-IT" smtClean="0"/>
+              <a:pPr/>
+              <a:t>29</a:t>
+            </a:fld>
+            <a:endParaRPr lang="it-IT" dirty="0"/>
+          </a:p>
+        </p:txBody>
+      </p:sp>
+    </p:spTree>
+    <p:extLst>
+      <p:ext uri="{BB962C8B-B14F-4D97-AF65-F5344CB8AC3E}">
+        <p14:creationId xmlns:p14="http://schemas.microsoft.com/office/powerpoint/2010/main" val="3159847835"/>
       </p:ext>
     </p:extLst>
   </p:cSld>

--- a/java/slides/ppt/05 - Java Generic Data Structures.pptx
+++ b/java/slides/ppt/05 - Java Generic Data Structures.pptx
@@ -5,10 +5,10 @@
     <p:sldMasterId id="2147483672" r:id="rId1"/>
   </p:sldMasterIdLst>
   <p:notesMasterIdLst>
-    <p:notesMasterId r:id="rId25"/>
+    <p:notesMasterId r:id="rId24"/>
   </p:notesMasterIdLst>
   <p:handoutMasterIdLst>
-    <p:handoutMasterId r:id="rId26"/>
+    <p:handoutMasterId r:id="rId25"/>
   </p:handoutMasterIdLst>
   <p:sldIdLst>
     <p:sldId id="257" r:id="rId2"/>
@@ -20,20 +20,19 @@
     <p:sldId id="295" r:id="rId8"/>
     <p:sldId id="296" r:id="rId9"/>
     <p:sldId id="258" r:id="rId10"/>
-    <p:sldId id="260" r:id="rId11"/>
-    <p:sldId id="261" r:id="rId12"/>
-    <p:sldId id="283" r:id="rId13"/>
-    <p:sldId id="267" r:id="rId14"/>
-    <p:sldId id="285" r:id="rId15"/>
+    <p:sldId id="285" r:id="rId11"/>
+    <p:sldId id="260" r:id="rId12"/>
+    <p:sldId id="261" r:id="rId13"/>
+    <p:sldId id="283" r:id="rId14"/>
+    <p:sldId id="267" r:id="rId15"/>
     <p:sldId id="297" r:id="rId16"/>
-    <p:sldId id="298" r:id="rId17"/>
-    <p:sldId id="299" r:id="rId18"/>
-    <p:sldId id="269" r:id="rId19"/>
-    <p:sldId id="291" r:id="rId20"/>
-    <p:sldId id="292" r:id="rId21"/>
-    <p:sldId id="270" r:id="rId22"/>
-    <p:sldId id="271" r:id="rId23"/>
-    <p:sldId id="293" r:id="rId24"/>
+    <p:sldId id="299" r:id="rId17"/>
+    <p:sldId id="269" r:id="rId18"/>
+    <p:sldId id="291" r:id="rId19"/>
+    <p:sldId id="292" r:id="rId20"/>
+    <p:sldId id="270" r:id="rId21"/>
+    <p:sldId id="271" r:id="rId22"/>
+    <p:sldId id="293" r:id="rId23"/>
   </p:sldIdLst>
   <p:sldSz cx="12192000" cy="6858000"/>
   <p:notesSz cx="6858000" cy="9144000"/>
@@ -245,7 +244,7 @@
           <a:p>
             <a:fld id="{5591E39A-28E5-5D4D-B97C-ECEB96F19817}" type="datetimeFigureOut">
               <a:rPr lang="en-IT" smtClean="0"/>
-              <a:t>25/03/22</a:t>
+              <a:t>26/03/22</a:t>
             </a:fld>
             <a:endParaRPr lang="en-IT"/>
           </a:p>
@@ -424,7 +423,7 @@
             <a:fld id="{BAEB7694-8561-4BE2-948D-EDF7A201F8BB}" type="datetimeFigureOut">
               <a:rPr lang="it-IT" smtClean="0"/>
               <a:pPr/>
-              <a:t>25/03/22</a:t>
+              <a:t>26/03/22</a:t>
             </a:fld>
             <a:endParaRPr lang="it-IT"/>
           </a:p>
@@ -844,7 +843,7 @@
           <a:p>
             <a:fld id="{D4BEF00D-F5E6-CC47-B444-9ABDFEBF23F1}" type="slidenum">
               <a:rPr lang="en-GB" smtClean="0"/>
-              <a:t>12</a:t>
+              <a:t>10</a:t>
             </a:fld>
             <a:endParaRPr lang="en-GB"/>
           </a:p>
@@ -853,7 +852,7 @@
     </p:spTree>
     <p:extLst>
       <p:ext uri="{BB962C8B-B14F-4D97-AF65-F5344CB8AC3E}">
-        <p14:creationId xmlns:p14="http://schemas.microsoft.com/office/powerpoint/2010/main" val="3162884912"/>
+        <p14:creationId xmlns:p14="http://schemas.microsoft.com/office/powerpoint/2010/main" val="813157263"/>
       </p:ext>
     </p:extLst>
   </p:cSld>
@@ -937,7 +936,7 @@
     </p:spTree>
     <p:extLst>
       <p:ext uri="{BB962C8B-B14F-4D97-AF65-F5344CB8AC3E}">
-        <p14:creationId xmlns:p14="http://schemas.microsoft.com/office/powerpoint/2010/main" val="3143230019"/>
+        <p14:creationId xmlns:p14="http://schemas.microsoft.com/office/powerpoint/2010/main" val="3162884912"/>
       </p:ext>
     </p:extLst>
   </p:cSld>
@@ -1021,7 +1020,7 @@
     </p:spTree>
     <p:extLst>
       <p:ext uri="{BB962C8B-B14F-4D97-AF65-F5344CB8AC3E}">
-        <p14:creationId xmlns:p14="http://schemas.microsoft.com/office/powerpoint/2010/main" val="813157263"/>
+        <p14:creationId xmlns:p14="http://schemas.microsoft.com/office/powerpoint/2010/main" val="3143230019"/>
       </p:ext>
     </p:extLst>
   </p:cSld>
@@ -1181,90 +1180,6 @@
             <a:fld id="{D4BEF00D-F5E6-CC47-B444-9ABDFEBF23F1}" type="slidenum">
               <a:rPr lang="en-GB" smtClean="0"/>
               <a:t>16</a:t>
-            </a:fld>
-            <a:endParaRPr lang="en-GB"/>
-          </a:p>
-        </p:txBody>
-      </p:sp>
-    </p:spTree>
-    <p:extLst>
-      <p:ext uri="{BB962C8B-B14F-4D97-AF65-F5344CB8AC3E}">
-        <p14:creationId xmlns:p14="http://schemas.microsoft.com/office/powerpoint/2010/main" val="14587739"/>
-      </p:ext>
-    </p:extLst>
-  </p:cSld>
-  <p:clrMapOvr>
-    <a:masterClrMapping/>
-  </p:clrMapOvr>
-</p:notes>
-</file>
-
-<file path=ppt/notesSlides/notesSlide7.xml><?xml version="1.0" encoding="utf-8"?>
-<p:notes xmlns:a="http://schemas.openxmlformats.org/drawingml/2006/main" xmlns:r="http://schemas.openxmlformats.org/officeDocument/2006/relationships" xmlns:p="http://schemas.openxmlformats.org/presentationml/2006/main">
-  <p:cSld>
-    <p:spTree>
-      <p:nvGrpSpPr>
-        <p:cNvPr id="1" name=""/>
-        <p:cNvGrpSpPr/>
-        <p:nvPr/>
-      </p:nvGrpSpPr>
-      <p:grpSpPr>
-        <a:xfrm>
-          <a:off x="0" y="0"/>
-          <a:ext cx="0" cy="0"/>
-          <a:chOff x="0" y="0"/>
-          <a:chExt cx="0" cy="0"/>
-        </a:xfrm>
-      </p:grpSpPr>
-      <p:sp>
-        <p:nvSpPr>
-          <p:cNvPr id="2" name="Slide Image Placeholder 1"/>
-          <p:cNvSpPr>
-            <a:spLocks noGrp="1" noRot="1" noChangeAspect="1"/>
-          </p:cNvSpPr>
-          <p:nvPr>
-            <p:ph type="sldImg"/>
-          </p:nvPr>
-        </p:nvSpPr>
-        <p:spPr/>
-      </p:sp>
-      <p:sp>
-        <p:nvSpPr>
-          <p:cNvPr id="3" name="Notes Placeholder 2"/>
-          <p:cNvSpPr>
-            <a:spLocks noGrp="1"/>
-          </p:cNvSpPr>
-          <p:nvPr>
-            <p:ph type="body" idx="1"/>
-          </p:nvPr>
-        </p:nvSpPr>
-        <p:spPr/>
-        <p:txBody>
-          <a:bodyPr/>
-          <a:lstStyle/>
-          <a:p>
-            <a:endParaRPr lang="en-GB"/>
-          </a:p>
-        </p:txBody>
-      </p:sp>
-      <p:sp>
-        <p:nvSpPr>
-          <p:cNvPr id="4" name="Slide Number Placeholder 3"/>
-          <p:cNvSpPr>
-            <a:spLocks noGrp="1"/>
-          </p:cNvSpPr>
-          <p:nvPr>
-            <p:ph type="sldNum" sz="quarter" idx="10"/>
-          </p:nvPr>
-        </p:nvSpPr>
-        <p:spPr/>
-        <p:txBody>
-          <a:bodyPr/>
-          <a:lstStyle/>
-          <a:p>
-            <a:fld id="{D4BEF00D-F5E6-CC47-B444-9ABDFEBF23F1}" type="slidenum">
-              <a:rPr lang="en-GB" smtClean="0"/>
-              <a:t>17</a:t>
             </a:fld>
             <a:endParaRPr lang="en-GB"/>
           </a:p>
@@ -4329,12 +4244,14 @@
         </p:nvSpPr>
         <p:spPr/>
         <p:txBody>
-          <a:bodyPr/>
+          <a:bodyPr>
+            <a:normAutofit/>
+          </a:bodyPr>
           <a:lstStyle/>
           <a:p>
             <a:r>
               <a:rPr lang="en-US" dirty="0"/>
-              <a:t>Wildcard Types</a:t>
+              <a:t>Subtyping and Arrays</a:t>
             </a:r>
           </a:p>
         </p:txBody>
@@ -4352,21 +4269,24 @@
         <p:spPr/>
         <p:txBody>
           <a:bodyPr>
-            <a:normAutofit/>
+            <a:normAutofit fontScale="92500" lnSpcReduction="10000"/>
           </a:bodyPr>
           <a:lstStyle/>
           <a:p>
             <a:r>
               <a:rPr lang="en-US" dirty="0"/>
-              <a:t>The most generic List is not List&lt;Object&gt; but List&lt;?&gt; </a:t>
-            </a:r>
-          </a:p>
-          <a:p>
-            <a:pPr lvl="1"/>
+              <a:t>Java arrays actually have the subtyping problem just described (</a:t>
+            </a:r>
+            <a:r>
+              <a:rPr lang="en-US" i="1" dirty="0"/>
+              <a:t>covariant arrays*</a:t>
+            </a:r>
             <a:r>
               <a:rPr lang="en-US" dirty="0"/>
-              <a:t>List&lt;?&gt; is called the </a:t>
-            </a:r>
+              <a:t>)</a:t>
+            </a:r>
+          </a:p>
+          <a:p>
             <a:r>
               <a:rPr lang="en-US" dirty="0">
                 <a:solidFill>
@@ -4375,52 +4295,218 @@
                   </a:schemeClr>
                 </a:solidFill>
               </a:rPr>
-              <a:t>list of unknown</a:t>
-            </a:r>
-          </a:p>
-          <a:p>
-            <a:pPr lvl="1"/>
-            <a:r>
-              <a:rPr lang="en-US" dirty="0">
-                <a:solidFill>
-                  <a:schemeClr val="accent6">
-                    <a:lumMod val="75000"/>
-                  </a:schemeClr>
-                </a:solidFill>
-              </a:rPr>
-              <a:t>We can’t add things (except null) to a List&lt;?&gt;</a:t>
-            </a:r>
-          </a:p>
-          <a:p>
-            <a:pPr lvl="1"/>
+              <a:t>The following wrong code compiles</a:t>
+            </a:r>
             <a:r>
               <a:rPr lang="en-US" dirty="0"/>
-              <a:t>We can retrieve things and treat them as Object </a:t>
-            </a:r>
-            <a:r>
-              <a:rPr lang="en-US" dirty="0" err="1"/>
-              <a:t>istances</a:t>
-            </a:r>
-            <a:endParaRPr lang="en-US" dirty="0"/>
-          </a:p>
-          <a:p>
-            <a:r>
-              <a:rPr lang="en-US" dirty="0"/>
-              <a:t>The </a:t>
-            </a:r>
-            <a:r>
-              <a:rPr lang="en-US" dirty="0">
-                <a:solidFill>
-                  <a:schemeClr val="accent6">
-                    <a:lumMod val="75000"/>
-                  </a:schemeClr>
-                </a:solidFill>
-              </a:rPr>
-              <a:t>?</a:t>
-            </a:r>
-            <a:r>
-              <a:rPr lang="en-US" dirty="0"/>
-              <a:t> is a wildcard matching with anything</a:t>
+              <a:t>, only to fail at run‐time:</a:t>
+            </a:r>
+          </a:p>
+          <a:p>
+            <a:pPr marL="0" indent="0">
+              <a:buNone/>
+            </a:pPr>
+            <a:endParaRPr lang="en-US" sz="1600" dirty="0">
+              <a:latin typeface="Consolas"/>
+              <a:cs typeface="Consolas"/>
+            </a:endParaRPr>
+          </a:p>
+          <a:p>
+            <a:pPr marL="0" indent="0">
+              <a:buNone/>
+            </a:pPr>
+            <a:r>
+              <a:rPr lang="en-US" sz="1600" dirty="0">
+                <a:latin typeface="Consolas"/>
+                <a:cs typeface="Consolas"/>
+              </a:rPr>
+              <a:t>String[] strings = new String[16];</a:t>
+            </a:r>
+          </a:p>
+          <a:p>
+            <a:pPr marL="0" indent="0">
+              <a:buNone/>
+            </a:pPr>
+            <a:r>
+              <a:rPr lang="en-US" sz="1600" dirty="0">
+                <a:latin typeface="Consolas"/>
+                <a:cs typeface="Consolas"/>
+              </a:rPr>
+              <a:t>for (int </a:t>
+            </a:r>
+            <a:r>
+              <a:rPr lang="en-US" sz="1600" dirty="0" err="1">
+                <a:latin typeface="Consolas"/>
+                <a:cs typeface="Consolas"/>
+              </a:rPr>
+              <a:t>i</a:t>
+            </a:r>
+            <a:r>
+              <a:rPr lang="en-US" sz="1600" dirty="0">
+                <a:latin typeface="Consolas"/>
+                <a:cs typeface="Consolas"/>
+              </a:rPr>
+              <a:t> = 0; </a:t>
+            </a:r>
+            <a:r>
+              <a:rPr lang="en-US" sz="1600" dirty="0" err="1">
+                <a:latin typeface="Consolas"/>
+                <a:cs typeface="Consolas"/>
+              </a:rPr>
+              <a:t>i</a:t>
+            </a:r>
+            <a:r>
+              <a:rPr lang="en-US" sz="1600" dirty="0">
+                <a:latin typeface="Consolas"/>
+                <a:cs typeface="Consolas"/>
+              </a:rPr>
+              <a:t> &lt; </a:t>
+            </a:r>
+            <a:r>
+              <a:rPr lang="en-US" sz="1600" dirty="0" err="1">
+                <a:latin typeface="Consolas"/>
+                <a:cs typeface="Consolas"/>
+              </a:rPr>
+              <a:t>strings.length</a:t>
+            </a:r>
+            <a:r>
+              <a:rPr lang="en-US" sz="1600" dirty="0">
+                <a:latin typeface="Consolas"/>
+                <a:cs typeface="Consolas"/>
+              </a:rPr>
+              <a:t>; </a:t>
+            </a:r>
+            <a:r>
+              <a:rPr lang="en-US" sz="1600" dirty="0" err="1">
+                <a:latin typeface="Consolas"/>
+                <a:cs typeface="Consolas"/>
+              </a:rPr>
+              <a:t>i</a:t>
+            </a:r>
+            <a:r>
+              <a:rPr lang="en-US" sz="1600" dirty="0">
+                <a:latin typeface="Consolas"/>
+                <a:cs typeface="Consolas"/>
+              </a:rPr>
+              <a:t>++) {</a:t>
+            </a:r>
+          </a:p>
+          <a:p>
+            <a:pPr marL="0" indent="0">
+              <a:buNone/>
+            </a:pPr>
+            <a:r>
+              <a:rPr lang="en-US" sz="1600" dirty="0">
+                <a:latin typeface="Consolas"/>
+                <a:cs typeface="Consolas"/>
+              </a:rPr>
+              <a:t>	strings[</a:t>
+            </a:r>
+            <a:r>
+              <a:rPr lang="en-US" sz="1600" dirty="0" err="1">
+                <a:latin typeface="Consolas"/>
+                <a:cs typeface="Consolas"/>
+              </a:rPr>
+              <a:t>i</a:t>
+            </a:r>
+            <a:r>
+              <a:rPr lang="en-US" sz="1600" dirty="0">
+                <a:latin typeface="Consolas"/>
+                <a:cs typeface="Consolas"/>
+              </a:rPr>
+              <a:t>] = "Hello World!";</a:t>
+            </a:r>
+          </a:p>
+          <a:p>
+            <a:pPr marL="0" indent="0">
+              <a:buNone/>
+            </a:pPr>
+            <a:r>
+              <a:rPr lang="en-US" sz="1600" dirty="0">
+                <a:latin typeface="Consolas"/>
+                <a:cs typeface="Consolas"/>
+              </a:rPr>
+              <a:t>}</a:t>
+            </a:r>
+          </a:p>
+          <a:p>
+            <a:pPr marL="0" indent="0">
+              <a:buNone/>
+            </a:pPr>
+            <a:endParaRPr lang="en-US" sz="1600" dirty="0">
+              <a:latin typeface="Consolas"/>
+              <a:cs typeface="Consolas"/>
+            </a:endParaRPr>
+          </a:p>
+          <a:p>
+            <a:pPr marL="0" indent="0">
+              <a:buNone/>
+            </a:pPr>
+            <a:r>
+              <a:rPr lang="en-US" sz="1600" dirty="0">
+                <a:latin typeface="Consolas"/>
+                <a:cs typeface="Consolas"/>
+              </a:rPr>
+              <a:t>// Compiles but fails at runtime!</a:t>
+            </a:r>
+          </a:p>
+          <a:p>
+            <a:pPr marL="0" indent="0">
+              <a:buNone/>
+            </a:pPr>
+            <a:r>
+              <a:rPr lang="en-US" sz="1600" dirty="0">
+                <a:latin typeface="Consolas"/>
+                <a:cs typeface="Consolas"/>
+              </a:rPr>
+              <a:t>Object[] objects = strings;</a:t>
+            </a:r>
+          </a:p>
+          <a:p>
+            <a:pPr marL="0" indent="0">
+              <a:buNone/>
+            </a:pPr>
+            <a:r>
+              <a:rPr lang="en-US" sz="1600" dirty="0">
+                <a:latin typeface="Consolas"/>
+                <a:cs typeface="Consolas"/>
+              </a:rPr>
+              <a:t>objects[0] = 1.7;</a:t>
+            </a:r>
+          </a:p>
+          <a:p>
+            <a:pPr marL="0" indent="0">
+              <a:buNone/>
+            </a:pPr>
+            <a:endParaRPr lang="en-US" sz="1600" i="1" dirty="0">
+              <a:latin typeface="Consolas"/>
+              <a:cs typeface="Consolas"/>
+            </a:endParaRPr>
+          </a:p>
+          <a:p>
+            <a:pPr marL="0" indent="0">
+              <a:buNone/>
+            </a:pPr>
+            <a:r>
+              <a:rPr lang="en-US" sz="1600" i="1" dirty="0">
+                <a:latin typeface="Consolas"/>
+                <a:cs typeface="Consolas"/>
+              </a:rPr>
+              <a:t>*http://</a:t>
+            </a:r>
+            <a:r>
+              <a:rPr lang="en-US" sz="1600" i="1" dirty="0" err="1">
+                <a:latin typeface="Consolas"/>
+                <a:cs typeface="Consolas"/>
+              </a:rPr>
+              <a:t>en.wikipedia.org</a:t>
+            </a:r>
+            <a:r>
+              <a:rPr lang="en-US" sz="1600" i="1" dirty="0">
+                <a:latin typeface="Consolas"/>
+                <a:cs typeface="Consolas"/>
+              </a:rPr>
+              <a:t>/wiki/Covariance_and_contravariance_%28computer_science%29#Covariant_arrays_in_Java_and_C.23</a:t>
             </a:r>
           </a:p>
         </p:txBody>
@@ -4428,7 +4514,7 @@
     </p:spTree>
     <p:extLst>
       <p:ext uri="{BB962C8B-B14F-4D97-AF65-F5344CB8AC3E}">
-        <p14:creationId xmlns:p14="http://schemas.microsoft.com/office/powerpoint/2010/main" val="1977484120"/>
+        <p14:creationId xmlns:p14="http://schemas.microsoft.com/office/powerpoint/2010/main" val="4052976610"/>
       </p:ext>
     </p:extLst>
   </p:cSld>
@@ -4472,7 +4558,7 @@
           <a:p>
             <a:r>
               <a:rPr lang="en-US" dirty="0"/>
-              <a:t>Wildcards Types (Bounded)</a:t>
+              <a:t>Wildcards Types</a:t>
             </a:r>
           </a:p>
         </p:txBody>
@@ -4495,77 +4581,84 @@
           <a:lstStyle/>
           <a:p>
             <a:r>
-              <a:rPr lang="en-US" dirty="0"/>
-              <a:t>Wildcard types can have </a:t>
-            </a:r>
-            <a:r>
               <a:rPr lang="en-US" dirty="0">
                 <a:solidFill>
-                  <a:srgbClr val="E46C0A"/>
+                  <a:schemeClr val="accent6">
+                    <a:lumMod val="75000"/>
+                  </a:schemeClr>
                 </a:solidFill>
               </a:rPr>
-              <a:t>upper and lower bounds</a:t>
-            </a:r>
-          </a:p>
-          <a:p>
+              <a:t>The most generic List is not List&lt;Object&gt; but List&lt;?&gt; </a:t>
+            </a:r>
+          </a:p>
+          <a:p>
+            <a:pPr lvl="1"/>
             <a:r>
               <a:rPr lang="en-US" dirty="0"/>
-              <a:t>A </a:t>
+              <a:t>List&lt;?&gt; is called the </a:t>
             </a:r>
             <a:r>
               <a:rPr lang="en-US" dirty="0">
                 <a:solidFill>
-                  <a:srgbClr val="E46C0A"/>
+                  <a:schemeClr val="accent6">
+                    <a:lumMod val="75000"/>
+                  </a:schemeClr>
                 </a:solidFill>
               </a:rPr>
-              <a:t>List&lt;? extends Fruit&gt; </a:t>
-            </a:r>
-            <a:r>
-              <a:rPr lang="en-US" dirty="0"/>
-              <a:t>is a List of items that have unknown type but are all at least Fruits</a:t>
+              <a:t>list of unknown</a:t>
             </a:r>
           </a:p>
           <a:p>
             <a:pPr lvl="1"/>
-            <a:r>
-              <a:rPr lang="en-US" dirty="0"/>
-              <a:t>It can contain Fruits, Oranges, Apples but not Objects</a:t>
-            </a:r>
-          </a:p>
-          <a:p>
-            <a:r>
-              <a:rPr lang="en-US" dirty="0"/>
-              <a:t>A </a:t>
-            </a:r>
             <a:r>
               <a:rPr lang="en-US" dirty="0">
                 <a:solidFill>
-                  <a:srgbClr val="E46C0A"/>
+                  <a:schemeClr val="accent6">
+                    <a:lumMod val="75000"/>
+                  </a:schemeClr>
                 </a:solidFill>
               </a:rPr>
-              <a:t>List&lt;? super Fruit&gt; </a:t>
-            </a:r>
+              <a:t>We can’t add things (except null) to a List&lt;?&gt;</a:t>
+            </a:r>
+          </a:p>
+          <a:p>
+            <a:pPr lvl="1"/>
             <a:r>
               <a:rPr lang="en-US" dirty="0"/>
-              <a:t>is a List of items that have unknown type but are all at most Fruits</a:t>
-            </a:r>
-          </a:p>
-          <a:p>
-            <a:pPr lvl="1"/>
+              <a:t>We can retrieve things and treat them as Object </a:t>
+            </a:r>
+            <a:r>
+              <a:rPr lang="en-US" dirty="0" err="1"/>
+              <a:t>istances</a:t>
+            </a:r>
+            <a:endParaRPr lang="en-US" dirty="0"/>
+          </a:p>
+          <a:p>
             <a:r>
               <a:rPr lang="en-US" dirty="0"/>
-              <a:t>It can contain Fruits, Products, Objects but not Apples</a:t>
-            </a:r>
-          </a:p>
-          <a:p>
-            <a:endParaRPr lang="en-US" dirty="0"/>
+              <a:t>The </a:t>
+            </a:r>
+            <a:r>
+              <a:rPr lang="en-US" dirty="0">
+                <a:solidFill>
+                  <a:schemeClr val="accent6">
+                    <a:lumMod val="75000"/>
+                  </a:schemeClr>
+                </a:solidFill>
+              </a:rPr>
+              <a:t>?</a:t>
+            </a:r>
+            <a:r>
+              <a:rPr lang="en-US" dirty="0"/>
+              <a:t> is a wildcard matching with anything</a:t>
+            </a:r>
           </a:p>
         </p:txBody>
       </p:sp>
     </p:spTree>
     <p:extLst>
       <p:ext uri="{BB962C8B-B14F-4D97-AF65-F5344CB8AC3E}">
-        <p14:creationId xmlns:p14="http://schemas.microsoft.com/office/powerpoint/2010/main" val="2629517479"/>
+        <p14:creationId xmlns:p14="http://schemas.microsoft.com/office/powerpoint/2010/main" val="1977484120"/>
       </p:ext>
     </p:extLst>
   </p:cSld>
@@ -4627,437 +4720,82 @@
         <p:spPr/>
         <p:txBody>
           <a:bodyPr>
-            <a:normAutofit fontScale="77500" lnSpcReduction="20000"/>
+            <a:normAutofit/>
           </a:bodyPr>
           <a:lstStyle/>
           <a:p>
-            <a:pPr marL="0" indent="0">
-              <a:buNone/>
-            </a:pPr>
-            <a:r>
-              <a:rPr lang="en-GB" sz="2000" dirty="0">
-                <a:latin typeface="Consolas" panose="020B0609020204030204" pitchFamily="49" charset="0"/>
-                <a:cs typeface="Consolas" panose="020B0609020204030204" pitchFamily="49" charset="0"/>
-              </a:rPr>
-              <a:t>@Test</a:t>
-            </a:r>
-          </a:p>
-          <a:p>
-            <a:pPr marL="0" indent="0">
-              <a:buNone/>
-            </a:pPr>
-            <a:r>
-              <a:rPr lang="en-GB" sz="2000" dirty="0">
-                <a:latin typeface="Consolas" panose="020B0609020204030204" pitchFamily="49" charset="0"/>
-                <a:cs typeface="Consolas" panose="020B0609020204030204" pitchFamily="49" charset="0"/>
-              </a:rPr>
-              <a:t>void </a:t>
-            </a:r>
-            <a:r>
-              <a:rPr lang="en-GB" sz="2000" dirty="0" err="1">
-                <a:latin typeface="Consolas" panose="020B0609020204030204" pitchFamily="49" charset="0"/>
-                <a:cs typeface="Consolas" panose="020B0609020204030204" pitchFamily="49" charset="0"/>
-              </a:rPr>
-              <a:t>SubTypesCollections</a:t>
-            </a:r>
-            <a:r>
-              <a:rPr lang="en-GB" sz="2000" dirty="0">
-                <a:latin typeface="Consolas" panose="020B0609020204030204" pitchFamily="49" charset="0"/>
-                <a:cs typeface="Consolas" panose="020B0609020204030204" pitchFamily="49" charset="0"/>
-              </a:rPr>
-              <a:t>() {</a:t>
-            </a:r>
-          </a:p>
-          <a:p>
-            <a:pPr marL="0" indent="0">
-              <a:buNone/>
-            </a:pPr>
-            <a:r>
-              <a:rPr lang="en-GB" sz="2000" dirty="0">
-                <a:latin typeface="Consolas" panose="020B0609020204030204" pitchFamily="49" charset="0"/>
-                <a:cs typeface="Consolas" panose="020B0609020204030204" pitchFamily="49" charset="0"/>
-              </a:rPr>
-              <a:t>	Shop&lt;Fruit&gt; </a:t>
-            </a:r>
-            <a:r>
-              <a:rPr lang="en-GB" sz="2000" dirty="0" err="1">
-                <a:latin typeface="Consolas" panose="020B0609020204030204" pitchFamily="49" charset="0"/>
-                <a:cs typeface="Consolas" panose="020B0609020204030204" pitchFamily="49" charset="0"/>
-              </a:rPr>
-              <a:t>fruitShop</a:t>
-            </a:r>
-            <a:r>
-              <a:rPr lang="en-GB" sz="2000" dirty="0">
-                <a:latin typeface="Consolas" panose="020B0609020204030204" pitchFamily="49" charset="0"/>
-                <a:cs typeface="Consolas" panose="020B0609020204030204" pitchFamily="49" charset="0"/>
-              </a:rPr>
-              <a:t> = new Shop&lt;&gt;();</a:t>
-            </a:r>
-          </a:p>
-          <a:p>
-            <a:pPr marL="0" indent="0">
-              <a:buNone/>
-            </a:pPr>
-            <a:endParaRPr lang="en-GB" sz="2000" dirty="0">
-              <a:latin typeface="Consolas" panose="020B0609020204030204" pitchFamily="49" charset="0"/>
-              <a:cs typeface="Consolas" panose="020B0609020204030204" pitchFamily="49" charset="0"/>
-            </a:endParaRPr>
-          </a:p>
-          <a:p>
-            <a:pPr marL="0" indent="0">
-              <a:buNone/>
-            </a:pPr>
-            <a:r>
-              <a:rPr lang="en-GB" sz="2000" dirty="0">
-                <a:latin typeface="Consolas" panose="020B0609020204030204" pitchFamily="49" charset="0"/>
-                <a:cs typeface="Consolas" panose="020B0609020204030204" pitchFamily="49" charset="0"/>
-              </a:rPr>
-              <a:t>	</a:t>
-            </a:r>
-            <a:r>
-              <a:rPr lang="en-GB" sz="2000" dirty="0" err="1">
-                <a:latin typeface="Consolas" panose="020B0609020204030204" pitchFamily="49" charset="0"/>
-                <a:cs typeface="Consolas" panose="020B0609020204030204" pitchFamily="49" charset="0"/>
-              </a:rPr>
-              <a:t>fruitShop.buy</a:t>
-            </a:r>
-            <a:r>
-              <a:rPr lang="en-GB" sz="2000" dirty="0">
-                <a:latin typeface="Consolas" panose="020B0609020204030204" pitchFamily="49" charset="0"/>
-                <a:cs typeface="Consolas" panose="020B0609020204030204" pitchFamily="49" charset="0"/>
-              </a:rPr>
-              <a:t>(</a:t>
-            </a:r>
-            <a:r>
-              <a:rPr lang="en-GB" sz="2000" dirty="0" err="1">
-                <a:latin typeface="Consolas" panose="020B0609020204030204" pitchFamily="49" charset="0"/>
-                <a:cs typeface="Consolas" panose="020B0609020204030204" pitchFamily="49" charset="0"/>
-              </a:rPr>
-              <a:t>List.of</a:t>
-            </a:r>
-            <a:r>
-              <a:rPr lang="en-GB" sz="2000" dirty="0">
-                <a:latin typeface="Consolas" panose="020B0609020204030204" pitchFamily="49" charset="0"/>
-                <a:cs typeface="Consolas" panose="020B0609020204030204" pitchFamily="49" charset="0"/>
-              </a:rPr>
-              <a:t>(new Orange(), new Orange(), new Apple()));</a:t>
-            </a:r>
-          </a:p>
-          <a:p>
-            <a:pPr marL="0" indent="0">
-              <a:buNone/>
-            </a:pPr>
-            <a:r>
-              <a:rPr lang="en-GB" sz="2000" dirty="0">
-                <a:latin typeface="Consolas" panose="020B0609020204030204" pitchFamily="49" charset="0"/>
-                <a:cs typeface="Consolas" panose="020B0609020204030204" pitchFamily="49" charset="0"/>
-              </a:rPr>
-              <a:t>	</a:t>
-            </a:r>
-            <a:r>
-              <a:rPr lang="en-GB" sz="2000" dirty="0" err="1">
-                <a:latin typeface="Consolas" panose="020B0609020204030204" pitchFamily="49" charset="0"/>
-                <a:cs typeface="Consolas" panose="020B0609020204030204" pitchFamily="49" charset="0"/>
-              </a:rPr>
-              <a:t>assertEquals</a:t>
-            </a:r>
-            <a:r>
-              <a:rPr lang="en-GB" sz="2000" dirty="0">
-                <a:latin typeface="Consolas" panose="020B0609020204030204" pitchFamily="49" charset="0"/>
-                <a:cs typeface="Consolas" panose="020B0609020204030204" pitchFamily="49" charset="0"/>
-              </a:rPr>
-              <a:t>(</a:t>
-            </a:r>
-            <a:r>
-              <a:rPr lang="en-GB" sz="2000" dirty="0" err="1">
-                <a:latin typeface="Consolas" panose="020B0609020204030204" pitchFamily="49" charset="0"/>
-                <a:cs typeface="Consolas" panose="020B0609020204030204" pitchFamily="49" charset="0"/>
-              </a:rPr>
-              <a:t>List.of</a:t>
-            </a:r>
-            <a:r>
-              <a:rPr lang="en-GB" sz="2000" dirty="0">
-                <a:latin typeface="Consolas" panose="020B0609020204030204" pitchFamily="49" charset="0"/>
-                <a:cs typeface="Consolas" panose="020B0609020204030204" pitchFamily="49" charset="0"/>
-              </a:rPr>
-              <a:t>(new Orange(), new Orange(), new Apple()), </a:t>
-            </a:r>
-            <a:r>
-              <a:rPr lang="en-GB" sz="2000" dirty="0" err="1">
-                <a:latin typeface="Consolas" panose="020B0609020204030204" pitchFamily="49" charset="0"/>
-                <a:cs typeface="Consolas" panose="020B0609020204030204" pitchFamily="49" charset="0"/>
-              </a:rPr>
-              <a:t>fruitShop.getItems</a:t>
-            </a:r>
-            <a:r>
-              <a:rPr lang="en-GB" sz="2000" dirty="0">
-                <a:latin typeface="Consolas" panose="020B0609020204030204" pitchFamily="49" charset="0"/>
-                <a:cs typeface="Consolas" panose="020B0609020204030204" pitchFamily="49" charset="0"/>
-              </a:rPr>
-              <a:t>());</a:t>
-            </a:r>
-          </a:p>
-          <a:p>
-            <a:pPr marL="0" indent="0">
-              <a:buNone/>
-            </a:pPr>
-            <a:endParaRPr lang="en-GB" sz="2000" dirty="0">
-              <a:latin typeface="Consolas" panose="020B0609020204030204" pitchFamily="49" charset="0"/>
-              <a:cs typeface="Consolas" panose="020B0609020204030204" pitchFamily="49" charset="0"/>
-            </a:endParaRPr>
-          </a:p>
-          <a:p>
-            <a:pPr marL="0" indent="0">
-              <a:buNone/>
-            </a:pPr>
-            <a:r>
-              <a:rPr lang="en-GB" sz="2000" dirty="0">
-                <a:latin typeface="Consolas" panose="020B0609020204030204" pitchFamily="49" charset="0"/>
-                <a:cs typeface="Consolas" panose="020B0609020204030204" pitchFamily="49" charset="0"/>
-              </a:rPr>
-              <a:t>	List&lt;Product&gt; </a:t>
-            </a:r>
-            <a:r>
-              <a:rPr lang="en-GB" sz="2000" dirty="0" err="1">
-                <a:latin typeface="Consolas" panose="020B0609020204030204" pitchFamily="49" charset="0"/>
-                <a:cs typeface="Consolas" panose="020B0609020204030204" pitchFamily="49" charset="0"/>
-              </a:rPr>
-              <a:t>productList</a:t>
-            </a:r>
-            <a:r>
-              <a:rPr lang="en-GB" sz="2000" dirty="0">
-                <a:latin typeface="Consolas" panose="020B0609020204030204" pitchFamily="49" charset="0"/>
-                <a:cs typeface="Consolas" panose="020B0609020204030204" pitchFamily="49" charset="0"/>
-              </a:rPr>
-              <a:t> = new </a:t>
-            </a:r>
-            <a:r>
-              <a:rPr lang="en-GB" sz="2000" dirty="0" err="1">
-                <a:latin typeface="Consolas" panose="020B0609020204030204" pitchFamily="49" charset="0"/>
-                <a:cs typeface="Consolas" panose="020B0609020204030204" pitchFamily="49" charset="0"/>
-              </a:rPr>
-              <a:t>ArrayList</a:t>
-            </a:r>
-            <a:r>
-              <a:rPr lang="en-GB" sz="2000" dirty="0">
-                <a:latin typeface="Consolas" panose="020B0609020204030204" pitchFamily="49" charset="0"/>
-                <a:cs typeface="Consolas" panose="020B0609020204030204" pitchFamily="49" charset="0"/>
-              </a:rPr>
-              <a:t>&lt;&gt;();</a:t>
-            </a:r>
-          </a:p>
-          <a:p>
-            <a:pPr marL="0" indent="0">
-              <a:buNone/>
-            </a:pPr>
-            <a:r>
-              <a:rPr lang="en-GB" sz="2000" dirty="0">
-                <a:latin typeface="Consolas" panose="020B0609020204030204" pitchFamily="49" charset="0"/>
-                <a:cs typeface="Consolas" panose="020B0609020204030204" pitchFamily="49" charset="0"/>
-              </a:rPr>
-              <a:t>    	</a:t>
-            </a:r>
-            <a:r>
-              <a:rPr lang="en-GB" sz="2000" dirty="0" err="1">
-                <a:latin typeface="Consolas" panose="020B0609020204030204" pitchFamily="49" charset="0"/>
-                <a:cs typeface="Consolas" panose="020B0609020204030204" pitchFamily="49" charset="0"/>
-              </a:rPr>
-              <a:t>fruitShop.sell</a:t>
-            </a:r>
-            <a:r>
-              <a:rPr lang="en-GB" sz="2000" dirty="0">
-                <a:latin typeface="Consolas" panose="020B0609020204030204" pitchFamily="49" charset="0"/>
-                <a:cs typeface="Consolas" panose="020B0609020204030204" pitchFamily="49" charset="0"/>
-              </a:rPr>
-              <a:t>(</a:t>
-            </a:r>
-            <a:r>
-              <a:rPr lang="en-GB" sz="2000" dirty="0" err="1">
-                <a:latin typeface="Consolas" panose="020B0609020204030204" pitchFamily="49" charset="0"/>
-                <a:cs typeface="Consolas" panose="020B0609020204030204" pitchFamily="49" charset="0"/>
-              </a:rPr>
-              <a:t>productList</a:t>
-            </a:r>
-            <a:r>
-              <a:rPr lang="en-GB" sz="2000" dirty="0">
-                <a:latin typeface="Consolas" panose="020B0609020204030204" pitchFamily="49" charset="0"/>
-                <a:cs typeface="Consolas" panose="020B0609020204030204" pitchFamily="49" charset="0"/>
-              </a:rPr>
-              <a:t>, 3);</a:t>
-            </a:r>
-          </a:p>
-          <a:p>
-            <a:pPr marL="0" indent="0">
-              <a:buNone/>
-            </a:pPr>
-            <a:r>
-              <a:rPr lang="en-GB" sz="2000" dirty="0">
-                <a:latin typeface="Consolas" panose="020B0609020204030204" pitchFamily="49" charset="0"/>
-                <a:cs typeface="Consolas" panose="020B0609020204030204" pitchFamily="49" charset="0"/>
-              </a:rPr>
-              <a:t>    </a:t>
-            </a:r>
-            <a:r>
-              <a:rPr lang="en-GB" sz="2000" dirty="0" err="1">
-                <a:latin typeface="Consolas" panose="020B0609020204030204" pitchFamily="49" charset="0"/>
-                <a:cs typeface="Consolas" panose="020B0609020204030204" pitchFamily="49" charset="0"/>
-              </a:rPr>
-              <a:t>assertEquals</a:t>
-            </a:r>
-            <a:r>
-              <a:rPr lang="en-GB" sz="2000" dirty="0">
-                <a:latin typeface="Consolas" panose="020B0609020204030204" pitchFamily="49" charset="0"/>
-                <a:cs typeface="Consolas" panose="020B0609020204030204" pitchFamily="49" charset="0"/>
-              </a:rPr>
-              <a:t>(</a:t>
-            </a:r>
-            <a:r>
-              <a:rPr lang="en-GB" sz="2000" dirty="0" err="1">
-                <a:latin typeface="Consolas" panose="020B0609020204030204" pitchFamily="49" charset="0"/>
-                <a:cs typeface="Consolas" panose="020B0609020204030204" pitchFamily="49" charset="0"/>
-              </a:rPr>
-              <a:t>List.of</a:t>
-            </a:r>
-            <a:r>
-              <a:rPr lang="en-GB" sz="2000" dirty="0">
-                <a:latin typeface="Consolas" panose="020B0609020204030204" pitchFamily="49" charset="0"/>
-                <a:cs typeface="Consolas" panose="020B0609020204030204" pitchFamily="49" charset="0"/>
-              </a:rPr>
-              <a:t>(new Orange(), new Orange(), new Apple()), </a:t>
-            </a:r>
-            <a:r>
-              <a:rPr lang="en-GB" sz="2000" dirty="0" err="1">
-                <a:latin typeface="Consolas" panose="020B0609020204030204" pitchFamily="49" charset="0"/>
-                <a:cs typeface="Consolas" panose="020B0609020204030204" pitchFamily="49" charset="0"/>
-              </a:rPr>
-              <a:t>productList</a:t>
-            </a:r>
-            <a:r>
-              <a:rPr lang="en-GB" sz="2000" dirty="0">
-                <a:latin typeface="Consolas" panose="020B0609020204030204" pitchFamily="49" charset="0"/>
-                <a:cs typeface="Consolas" panose="020B0609020204030204" pitchFamily="49" charset="0"/>
-              </a:rPr>
-              <a:t>);</a:t>
-            </a:r>
-          </a:p>
-          <a:p>
-            <a:pPr marL="0" indent="0">
-              <a:buNone/>
-            </a:pPr>
-            <a:r>
-              <a:rPr lang="en-GB" sz="2000" dirty="0">
-                <a:latin typeface="Consolas" panose="020B0609020204030204" pitchFamily="49" charset="0"/>
-                <a:cs typeface="Consolas" panose="020B0609020204030204" pitchFamily="49" charset="0"/>
-              </a:rPr>
-              <a:t>}</a:t>
-            </a:r>
-            <a:endParaRPr lang="en-US" sz="2000" dirty="0">
-              <a:solidFill>
-                <a:schemeClr val="accent6">
-                  <a:lumMod val="75000"/>
-                </a:schemeClr>
-              </a:solidFill>
-              <a:latin typeface="Consolas" panose="020B0609020204030204" pitchFamily="49" charset="0"/>
-              <a:cs typeface="Consolas" panose="020B0609020204030204" pitchFamily="49" charset="0"/>
-            </a:endParaRPr>
-          </a:p>
-          <a:p>
-            <a:pPr marL="0" indent="0">
-              <a:buNone/>
-            </a:pPr>
-            <a:endParaRPr lang="en-US" sz="2000" dirty="0">
-              <a:latin typeface="Consolas"/>
-              <a:cs typeface="Consolas"/>
-            </a:endParaRPr>
-          </a:p>
-          <a:p>
-            <a:pPr marL="0" indent="0">
-              <a:buNone/>
-            </a:pPr>
-            <a:r>
-              <a:rPr lang="en-US" sz="2000" dirty="0">
-                <a:latin typeface="Consolas" panose="020B0609020204030204" pitchFamily="49" charset="0"/>
-                <a:cs typeface="Consolas" panose="020B0609020204030204" pitchFamily="49" charset="0"/>
-              </a:rPr>
-              <a:t>public interface Shop&lt;T&gt; {</a:t>
-            </a:r>
-          </a:p>
-          <a:p>
-            <a:pPr marL="0" indent="0">
-              <a:buNone/>
-            </a:pPr>
-            <a:r>
-              <a:rPr lang="en-US" sz="2000" dirty="0">
-                <a:latin typeface="Consolas" panose="020B0609020204030204" pitchFamily="49" charset="0"/>
-                <a:cs typeface="Consolas" panose="020B0609020204030204" pitchFamily="49" charset="0"/>
-              </a:rPr>
-              <a:t>	void buy(T item);	</a:t>
-            </a:r>
-          </a:p>
-          <a:p>
-            <a:pPr marL="0" indent="0">
-              <a:buNone/>
-            </a:pPr>
-            <a:r>
-              <a:rPr lang="en-US" sz="2000" dirty="0">
-                <a:latin typeface="Consolas" panose="020B0609020204030204" pitchFamily="49" charset="0"/>
-                <a:cs typeface="Consolas" panose="020B0609020204030204" pitchFamily="49" charset="0"/>
-              </a:rPr>
-              <a:t>	T sell();</a:t>
-            </a:r>
-          </a:p>
-          <a:p>
-            <a:pPr marL="0" indent="0">
-              <a:buNone/>
-            </a:pPr>
-            <a:r>
-              <a:rPr lang="en-US" sz="2000" dirty="0">
+            <a:r>
+              <a:rPr lang="en-US" dirty="0"/>
+              <a:t>Wildcard types (e.g., List&lt;?&gt;) can have </a:t>
+            </a:r>
+            <a:r>
+              <a:rPr lang="en-US" dirty="0">
                 <a:solidFill>
-                  <a:schemeClr val="accent6">
-                    <a:lumMod val="75000"/>
-                  </a:schemeClr>
+                  <a:srgbClr val="E46C0A"/>
                 </a:solidFill>
-                <a:latin typeface="Consolas" panose="020B0609020204030204" pitchFamily="49" charset="0"/>
-                <a:cs typeface="Consolas" panose="020B0609020204030204" pitchFamily="49" charset="0"/>
-              </a:rPr>
-              <a:t>	void buy(Collection&lt;? extends T&gt; cart);</a:t>
-            </a:r>
-          </a:p>
-          <a:p>
-            <a:pPr marL="0" indent="0">
-              <a:buNone/>
-            </a:pPr>
-            <a:r>
-              <a:rPr lang="en-US" sz="2000" dirty="0">
+              </a:rPr>
+              <a:t>bounds</a:t>
+            </a:r>
+          </a:p>
+          <a:p>
+            <a:r>
+              <a:rPr lang="en-US" dirty="0"/>
+              <a:t>A </a:t>
+            </a:r>
+            <a:r>
+              <a:rPr lang="en-US" dirty="0">
                 <a:solidFill>
-                  <a:schemeClr val="accent6">
-                    <a:lumMod val="75000"/>
-                  </a:schemeClr>
+                  <a:srgbClr val="E46C0A"/>
                 </a:solidFill>
-                <a:latin typeface="Consolas" panose="020B0609020204030204" pitchFamily="49" charset="0"/>
-                <a:cs typeface="Consolas" panose="020B0609020204030204" pitchFamily="49" charset="0"/>
-              </a:rPr>
-              <a:t>	void sell(Collection&lt;? super T&gt; cart, int n);</a:t>
-            </a:r>
-          </a:p>
-          <a:p>
-            <a:pPr marL="0" indent="0">
-              <a:buNone/>
-            </a:pPr>
-            <a:r>
-              <a:rPr lang="en-US" sz="2000" dirty="0">
-                <a:latin typeface="Consolas" panose="020B0609020204030204" pitchFamily="49" charset="0"/>
-                <a:cs typeface="Consolas" panose="020B0609020204030204" pitchFamily="49" charset="0"/>
-              </a:rPr>
-              <a:t>}</a:t>
-            </a:r>
+              </a:rPr>
+              <a:t>List&lt;? extends Fruit&gt; </a:t>
+            </a:r>
+            <a:r>
+              <a:rPr lang="en-US" dirty="0"/>
+              <a:t>is a List of items that have unknown type but are all at least Fruits</a:t>
+            </a:r>
+          </a:p>
+          <a:p>
+            <a:pPr lvl="1"/>
+            <a:r>
+              <a:rPr lang="en-US" dirty="0"/>
+              <a:t>It can contain Fruits, Oranges, Apples but not Objects</a:t>
+            </a:r>
+          </a:p>
+          <a:p>
+            <a:r>
+              <a:rPr lang="en-US" dirty="0"/>
+              <a:t>A </a:t>
+            </a:r>
+            <a:r>
+              <a:rPr lang="en-US" dirty="0">
+                <a:solidFill>
+                  <a:srgbClr val="E46C0A"/>
+                </a:solidFill>
+              </a:rPr>
+              <a:t>List&lt;? super Fruit&gt; </a:t>
+            </a:r>
+            <a:r>
+              <a:rPr lang="en-US" dirty="0"/>
+              <a:t>is a List of items that have unknown type but are all at most Fruits</a:t>
+            </a:r>
+          </a:p>
+          <a:p>
+            <a:pPr lvl="1"/>
+            <a:r>
+              <a:rPr lang="en-US" dirty="0"/>
+              <a:t>It can contain Fruits, Products, Objects but not Apples</a:t>
+            </a:r>
+          </a:p>
+          <a:p>
+            <a:endParaRPr lang="en-US" dirty="0"/>
           </a:p>
         </p:txBody>
       </p:sp>
     </p:spTree>
     <p:extLst>
       <p:ext uri="{BB962C8B-B14F-4D97-AF65-F5344CB8AC3E}">
-        <p14:creationId xmlns:p14="http://schemas.microsoft.com/office/powerpoint/2010/main" val="939068774"/>
+        <p14:creationId xmlns:p14="http://schemas.microsoft.com/office/powerpoint/2010/main" val="2629517479"/>
       </p:ext>
     </p:extLst>
   </p:cSld>
@@ -5096,14 +4834,12 @@
         </p:nvSpPr>
         <p:spPr/>
         <p:txBody>
-          <a:bodyPr>
-            <a:normAutofit/>
-          </a:bodyPr>
+          <a:bodyPr/>
           <a:lstStyle/>
           <a:p>
             <a:r>
               <a:rPr lang="en-US" dirty="0"/>
-              <a:t>Josh Bloch’s Rule</a:t>
+              <a:t>Wildcards Types (Bounded)</a:t>
             </a:r>
           </a:p>
         </p:txBody>
@@ -5121,63 +4857,345 @@
         <p:spPr/>
         <p:txBody>
           <a:bodyPr>
-            <a:normAutofit/>
+            <a:normAutofit fontScale="77500" lnSpcReduction="20000"/>
           </a:bodyPr>
           <a:lstStyle/>
           <a:p>
-            <a:r>
-              <a:rPr lang="en-US" sz="2400" dirty="0"/>
-              <a:t>Use </a:t>
-            </a:r>
-            <a:r>
-              <a:rPr lang="en-US" sz="2400" dirty="0">
-                <a:solidFill>
-                  <a:srgbClr val="E46C0A"/>
-                </a:solidFill>
-              </a:rPr>
-              <a:t>&lt;? extends T&gt; </a:t>
-            </a:r>
-            <a:r>
-              <a:rPr lang="en-US" sz="2400" dirty="0"/>
-              <a:t>when the generic instance need to read values from external data structures </a:t>
-            </a:r>
-          </a:p>
-          <a:p>
-            <a:r>
-              <a:rPr lang="en-US" sz="2400" dirty="0"/>
-              <a:t>Use </a:t>
-            </a:r>
-            <a:r>
-              <a:rPr lang="en-US" sz="2400" dirty="0">
-                <a:solidFill>
-                  <a:srgbClr val="E46C0A"/>
-                </a:solidFill>
-              </a:rPr>
-              <a:t>&lt;? super T&gt;</a:t>
-            </a:r>
-            <a:r>
-              <a:rPr lang="en-US" sz="2400" dirty="0">
-                <a:solidFill>
-                  <a:srgbClr val="F79646"/>
-                </a:solidFill>
-              </a:rPr>
-              <a:t> </a:t>
-            </a:r>
-            <a:r>
-              <a:rPr lang="en-US" sz="2400" dirty="0"/>
-              <a:t>when the generic instance need to write values  to external data structures</a:t>
-            </a:r>
-            <a:endParaRPr lang="en-US" sz="2400" dirty="0">
+            <a:pPr marL="0" indent="0">
+              <a:buNone/>
+            </a:pPr>
+            <a:r>
+              <a:rPr lang="en-GB" sz="2000" dirty="0">
+                <a:latin typeface="Consolas" panose="020B0609020204030204" pitchFamily="49" charset="0"/>
+                <a:cs typeface="Consolas" panose="020B0609020204030204" pitchFamily="49" charset="0"/>
+              </a:rPr>
+              <a:t>@Test</a:t>
+            </a:r>
+          </a:p>
+          <a:p>
+            <a:pPr marL="0" indent="0">
+              <a:buNone/>
+            </a:pPr>
+            <a:r>
+              <a:rPr lang="en-GB" sz="2000" dirty="0">
+                <a:latin typeface="Consolas" panose="020B0609020204030204" pitchFamily="49" charset="0"/>
+                <a:cs typeface="Consolas" panose="020B0609020204030204" pitchFamily="49" charset="0"/>
+              </a:rPr>
+              <a:t>void </a:t>
+            </a:r>
+            <a:r>
+              <a:rPr lang="en-GB" sz="2000" dirty="0" err="1">
+                <a:latin typeface="Consolas" panose="020B0609020204030204" pitchFamily="49" charset="0"/>
+                <a:cs typeface="Consolas" panose="020B0609020204030204" pitchFamily="49" charset="0"/>
+              </a:rPr>
+              <a:t>SubTypesCollections</a:t>
+            </a:r>
+            <a:r>
+              <a:rPr lang="en-GB" sz="2000" dirty="0">
+                <a:latin typeface="Consolas" panose="020B0609020204030204" pitchFamily="49" charset="0"/>
+                <a:cs typeface="Consolas" panose="020B0609020204030204" pitchFamily="49" charset="0"/>
+              </a:rPr>
+              <a:t>() {</a:t>
+            </a:r>
+          </a:p>
+          <a:p>
+            <a:pPr marL="0" indent="0">
+              <a:buNone/>
+            </a:pPr>
+            <a:r>
+              <a:rPr lang="en-GB" sz="2000" dirty="0">
+                <a:latin typeface="Consolas" panose="020B0609020204030204" pitchFamily="49" charset="0"/>
+                <a:cs typeface="Consolas" panose="020B0609020204030204" pitchFamily="49" charset="0"/>
+              </a:rPr>
+              <a:t>	Shop&lt;Fruit&gt; </a:t>
+            </a:r>
+            <a:r>
+              <a:rPr lang="en-GB" sz="2000" dirty="0" err="1">
+                <a:latin typeface="Consolas" panose="020B0609020204030204" pitchFamily="49" charset="0"/>
+                <a:cs typeface="Consolas" panose="020B0609020204030204" pitchFamily="49" charset="0"/>
+              </a:rPr>
+              <a:t>fruitShop</a:t>
+            </a:r>
+            <a:r>
+              <a:rPr lang="en-GB" sz="2000" dirty="0">
+                <a:latin typeface="Consolas" panose="020B0609020204030204" pitchFamily="49" charset="0"/>
+                <a:cs typeface="Consolas" panose="020B0609020204030204" pitchFamily="49" charset="0"/>
+              </a:rPr>
+              <a:t> = new Shop&lt;&gt;();</a:t>
+            </a:r>
+          </a:p>
+          <a:p>
+            <a:pPr marL="0" indent="0">
+              <a:buNone/>
+            </a:pPr>
+            <a:endParaRPr lang="en-GB" sz="2000" dirty="0">
+              <a:latin typeface="Consolas" panose="020B0609020204030204" pitchFamily="49" charset="0"/>
+              <a:cs typeface="Consolas" panose="020B0609020204030204" pitchFamily="49" charset="0"/>
+            </a:endParaRPr>
+          </a:p>
+          <a:p>
+            <a:pPr marL="0" indent="0">
+              <a:buNone/>
+            </a:pPr>
+            <a:r>
+              <a:rPr lang="en-GB" sz="2000" dirty="0">
+                <a:latin typeface="Consolas" panose="020B0609020204030204" pitchFamily="49" charset="0"/>
+                <a:cs typeface="Consolas" panose="020B0609020204030204" pitchFamily="49" charset="0"/>
+              </a:rPr>
+              <a:t>	</a:t>
+            </a:r>
+            <a:r>
+              <a:rPr lang="en-GB" sz="2000" dirty="0" err="1">
+                <a:latin typeface="Consolas" panose="020B0609020204030204" pitchFamily="49" charset="0"/>
+                <a:cs typeface="Consolas" panose="020B0609020204030204" pitchFamily="49" charset="0"/>
+              </a:rPr>
+              <a:t>fruitShop.buy</a:t>
+            </a:r>
+            <a:r>
+              <a:rPr lang="en-GB" sz="2000" dirty="0">
+                <a:latin typeface="Consolas" panose="020B0609020204030204" pitchFamily="49" charset="0"/>
+                <a:cs typeface="Consolas" panose="020B0609020204030204" pitchFamily="49" charset="0"/>
+              </a:rPr>
+              <a:t>(</a:t>
+            </a:r>
+            <a:r>
+              <a:rPr lang="en-GB" sz="2000" dirty="0" err="1">
+                <a:latin typeface="Consolas" panose="020B0609020204030204" pitchFamily="49" charset="0"/>
+                <a:cs typeface="Consolas" panose="020B0609020204030204" pitchFamily="49" charset="0"/>
+              </a:rPr>
+              <a:t>List.of</a:t>
+            </a:r>
+            <a:r>
+              <a:rPr lang="en-GB" sz="2000" dirty="0">
+                <a:latin typeface="Consolas" panose="020B0609020204030204" pitchFamily="49" charset="0"/>
+                <a:cs typeface="Consolas" panose="020B0609020204030204" pitchFamily="49" charset="0"/>
+              </a:rPr>
+              <a:t>(new Orange(), new Orange(), new Apple()));</a:t>
+            </a:r>
+          </a:p>
+          <a:p>
+            <a:pPr marL="0" indent="0">
+              <a:buNone/>
+            </a:pPr>
+            <a:r>
+              <a:rPr lang="en-GB" sz="2000" dirty="0">
+                <a:latin typeface="Consolas" panose="020B0609020204030204" pitchFamily="49" charset="0"/>
+                <a:cs typeface="Consolas" panose="020B0609020204030204" pitchFamily="49" charset="0"/>
+              </a:rPr>
+              <a:t>	</a:t>
+            </a:r>
+            <a:r>
+              <a:rPr lang="en-GB" sz="2000" dirty="0" err="1">
+                <a:latin typeface="Consolas" panose="020B0609020204030204" pitchFamily="49" charset="0"/>
+                <a:cs typeface="Consolas" panose="020B0609020204030204" pitchFamily="49" charset="0"/>
+              </a:rPr>
+              <a:t>assertEquals</a:t>
+            </a:r>
+            <a:r>
+              <a:rPr lang="en-GB" sz="2000" dirty="0">
+                <a:latin typeface="Consolas" panose="020B0609020204030204" pitchFamily="49" charset="0"/>
+                <a:cs typeface="Consolas" panose="020B0609020204030204" pitchFamily="49" charset="0"/>
+              </a:rPr>
+              <a:t>(</a:t>
+            </a:r>
+            <a:r>
+              <a:rPr lang="en-GB" sz="2000" dirty="0" err="1">
+                <a:latin typeface="Consolas" panose="020B0609020204030204" pitchFamily="49" charset="0"/>
+                <a:cs typeface="Consolas" panose="020B0609020204030204" pitchFamily="49" charset="0"/>
+              </a:rPr>
+              <a:t>List.of</a:t>
+            </a:r>
+            <a:r>
+              <a:rPr lang="en-GB" sz="2000" dirty="0">
+                <a:latin typeface="Consolas" panose="020B0609020204030204" pitchFamily="49" charset="0"/>
+                <a:cs typeface="Consolas" panose="020B0609020204030204" pitchFamily="49" charset="0"/>
+              </a:rPr>
+              <a:t>(new Orange(), new Orange(), new Apple()), </a:t>
+            </a:r>
+            <a:r>
+              <a:rPr lang="en-GB" sz="2000" dirty="0" err="1">
+                <a:latin typeface="Consolas" panose="020B0609020204030204" pitchFamily="49" charset="0"/>
+                <a:cs typeface="Consolas" panose="020B0609020204030204" pitchFamily="49" charset="0"/>
+              </a:rPr>
+              <a:t>fruitShop.getItems</a:t>
+            </a:r>
+            <a:r>
+              <a:rPr lang="en-GB" sz="2000" dirty="0">
+                <a:latin typeface="Consolas" panose="020B0609020204030204" pitchFamily="49" charset="0"/>
+                <a:cs typeface="Consolas" panose="020B0609020204030204" pitchFamily="49" charset="0"/>
+              </a:rPr>
+              <a:t>());</a:t>
+            </a:r>
+          </a:p>
+          <a:p>
+            <a:pPr marL="0" indent="0">
+              <a:buNone/>
+            </a:pPr>
+            <a:endParaRPr lang="en-GB" sz="2000" dirty="0">
+              <a:latin typeface="Consolas" panose="020B0609020204030204" pitchFamily="49" charset="0"/>
+              <a:cs typeface="Consolas" panose="020B0609020204030204" pitchFamily="49" charset="0"/>
+            </a:endParaRPr>
+          </a:p>
+          <a:p>
+            <a:pPr marL="0" indent="0">
+              <a:buNone/>
+            </a:pPr>
+            <a:r>
+              <a:rPr lang="en-GB" sz="2000" dirty="0">
+                <a:latin typeface="Consolas" panose="020B0609020204030204" pitchFamily="49" charset="0"/>
+                <a:cs typeface="Consolas" panose="020B0609020204030204" pitchFamily="49" charset="0"/>
+              </a:rPr>
+              <a:t>	List&lt;Product&gt; </a:t>
+            </a:r>
+            <a:r>
+              <a:rPr lang="en-GB" sz="2000" dirty="0" err="1">
+                <a:latin typeface="Consolas" panose="020B0609020204030204" pitchFamily="49" charset="0"/>
+                <a:cs typeface="Consolas" panose="020B0609020204030204" pitchFamily="49" charset="0"/>
+              </a:rPr>
+              <a:t>productList</a:t>
+            </a:r>
+            <a:r>
+              <a:rPr lang="en-GB" sz="2000" dirty="0">
+                <a:latin typeface="Consolas" panose="020B0609020204030204" pitchFamily="49" charset="0"/>
+                <a:cs typeface="Consolas" panose="020B0609020204030204" pitchFamily="49" charset="0"/>
+              </a:rPr>
+              <a:t> = new </a:t>
+            </a:r>
+            <a:r>
+              <a:rPr lang="en-GB" sz="2000" dirty="0" err="1">
+                <a:latin typeface="Consolas" panose="020B0609020204030204" pitchFamily="49" charset="0"/>
+                <a:cs typeface="Consolas" panose="020B0609020204030204" pitchFamily="49" charset="0"/>
+              </a:rPr>
+              <a:t>ArrayList</a:t>
+            </a:r>
+            <a:r>
+              <a:rPr lang="en-GB" sz="2000" dirty="0">
+                <a:latin typeface="Consolas" panose="020B0609020204030204" pitchFamily="49" charset="0"/>
+                <a:cs typeface="Consolas" panose="020B0609020204030204" pitchFamily="49" charset="0"/>
+              </a:rPr>
+              <a:t>&lt;&gt;();</a:t>
+            </a:r>
+          </a:p>
+          <a:p>
+            <a:pPr marL="0" indent="0">
+              <a:buNone/>
+            </a:pPr>
+            <a:r>
+              <a:rPr lang="en-GB" sz="2000" dirty="0">
+                <a:latin typeface="Consolas" panose="020B0609020204030204" pitchFamily="49" charset="0"/>
+                <a:cs typeface="Consolas" panose="020B0609020204030204" pitchFamily="49" charset="0"/>
+              </a:rPr>
+              <a:t>    	</a:t>
+            </a:r>
+            <a:r>
+              <a:rPr lang="en-GB" sz="2000" dirty="0" err="1">
+                <a:latin typeface="Consolas" panose="020B0609020204030204" pitchFamily="49" charset="0"/>
+                <a:cs typeface="Consolas" panose="020B0609020204030204" pitchFamily="49" charset="0"/>
+              </a:rPr>
+              <a:t>fruitShop.sell</a:t>
+            </a:r>
+            <a:r>
+              <a:rPr lang="en-GB" sz="2000" dirty="0">
+                <a:latin typeface="Consolas" panose="020B0609020204030204" pitchFamily="49" charset="0"/>
+                <a:cs typeface="Consolas" panose="020B0609020204030204" pitchFamily="49" charset="0"/>
+              </a:rPr>
+              <a:t>(</a:t>
+            </a:r>
+            <a:r>
+              <a:rPr lang="en-GB" sz="2000" dirty="0" err="1">
+                <a:latin typeface="Consolas" panose="020B0609020204030204" pitchFamily="49" charset="0"/>
+                <a:cs typeface="Consolas" panose="020B0609020204030204" pitchFamily="49" charset="0"/>
+              </a:rPr>
+              <a:t>productList</a:t>
+            </a:r>
+            <a:r>
+              <a:rPr lang="en-GB" sz="2000" dirty="0">
+                <a:latin typeface="Consolas" panose="020B0609020204030204" pitchFamily="49" charset="0"/>
+                <a:cs typeface="Consolas" panose="020B0609020204030204" pitchFamily="49" charset="0"/>
+              </a:rPr>
+              <a:t>, 3);</a:t>
+            </a:r>
+          </a:p>
+          <a:p>
+            <a:pPr marL="0" indent="0">
+              <a:buNone/>
+            </a:pPr>
+            <a:r>
+              <a:rPr lang="en-GB" sz="2000" dirty="0">
+                <a:latin typeface="Consolas" panose="020B0609020204030204" pitchFamily="49" charset="0"/>
+                <a:cs typeface="Consolas" panose="020B0609020204030204" pitchFamily="49" charset="0"/>
+              </a:rPr>
+              <a:t>    </a:t>
+            </a:r>
+            <a:r>
+              <a:rPr lang="en-GB" sz="2000" dirty="0" err="1">
+                <a:latin typeface="Consolas" panose="020B0609020204030204" pitchFamily="49" charset="0"/>
+                <a:cs typeface="Consolas" panose="020B0609020204030204" pitchFamily="49" charset="0"/>
+              </a:rPr>
+              <a:t>assertEquals</a:t>
+            </a:r>
+            <a:r>
+              <a:rPr lang="en-GB" sz="2000" dirty="0">
+                <a:latin typeface="Consolas" panose="020B0609020204030204" pitchFamily="49" charset="0"/>
+                <a:cs typeface="Consolas" panose="020B0609020204030204" pitchFamily="49" charset="0"/>
+              </a:rPr>
+              <a:t>(</a:t>
+            </a:r>
+            <a:r>
+              <a:rPr lang="en-GB" sz="2000" dirty="0" err="1">
+                <a:latin typeface="Consolas" panose="020B0609020204030204" pitchFamily="49" charset="0"/>
+                <a:cs typeface="Consolas" panose="020B0609020204030204" pitchFamily="49" charset="0"/>
+              </a:rPr>
+              <a:t>List.of</a:t>
+            </a:r>
+            <a:r>
+              <a:rPr lang="en-GB" sz="2000" dirty="0">
+                <a:latin typeface="Consolas" panose="020B0609020204030204" pitchFamily="49" charset="0"/>
+                <a:cs typeface="Consolas" panose="020B0609020204030204" pitchFamily="49" charset="0"/>
+              </a:rPr>
+              <a:t>(new Orange(), new Orange(), new Apple()), </a:t>
+            </a:r>
+            <a:r>
+              <a:rPr lang="en-GB" sz="2000" dirty="0" err="1">
+                <a:latin typeface="Consolas" panose="020B0609020204030204" pitchFamily="49" charset="0"/>
+                <a:cs typeface="Consolas" panose="020B0609020204030204" pitchFamily="49" charset="0"/>
+              </a:rPr>
+              <a:t>productList</a:t>
+            </a:r>
+            <a:r>
+              <a:rPr lang="en-GB" sz="2000" dirty="0">
+                <a:latin typeface="Consolas" panose="020B0609020204030204" pitchFamily="49" charset="0"/>
+                <a:cs typeface="Consolas" panose="020B0609020204030204" pitchFamily="49" charset="0"/>
+              </a:rPr>
+              <a:t>);</a:t>
+            </a:r>
+          </a:p>
+          <a:p>
+            <a:pPr marL="0" indent="0">
+              <a:buNone/>
+            </a:pPr>
+            <a:r>
+              <a:rPr lang="en-GB" sz="2000" dirty="0">
+                <a:latin typeface="Consolas" panose="020B0609020204030204" pitchFamily="49" charset="0"/>
+                <a:cs typeface="Consolas" panose="020B0609020204030204" pitchFamily="49" charset="0"/>
+              </a:rPr>
+              <a:t>}</a:t>
+            </a:r>
+            <a:endParaRPr lang="en-US" sz="2000" dirty="0">
               <a:solidFill>
-                <a:srgbClr val="E46C0A"/>
+                <a:schemeClr val="accent6">
+                  <a:lumMod val="75000"/>
+                </a:schemeClr>
               </a:solidFill>
+              <a:latin typeface="Consolas" panose="020B0609020204030204" pitchFamily="49" charset="0"/>
+              <a:cs typeface="Consolas" panose="020B0609020204030204" pitchFamily="49" charset="0"/>
             </a:endParaRPr>
           </a:p>
           <a:p>
             <a:pPr marL="0" indent="0">
               <a:buNone/>
             </a:pPr>
-            <a:endParaRPr lang="en-US" sz="2400" dirty="0">
+            <a:endParaRPr lang="en-US" sz="2000" dirty="0">
               <a:latin typeface="Consolas"/>
               <a:cs typeface="Consolas"/>
             </a:endParaRPr>
@@ -5187,7 +5205,7 @@
               <a:buNone/>
             </a:pPr>
             <a:r>
-              <a:rPr lang="en-US" sz="1800" dirty="0">
+              <a:rPr lang="en-US" sz="2000" dirty="0">
                 <a:latin typeface="Consolas" panose="020B0609020204030204" pitchFamily="49" charset="0"/>
                 <a:cs typeface="Consolas" panose="020B0609020204030204" pitchFamily="49" charset="0"/>
               </a:rPr>
@@ -5199,7 +5217,7 @@
               <a:buNone/>
             </a:pPr>
             <a:r>
-              <a:rPr lang="en-US" sz="1800" dirty="0">
+              <a:rPr lang="en-US" sz="2000" dirty="0">
                 <a:latin typeface="Consolas" panose="020B0609020204030204" pitchFamily="49" charset="0"/>
                 <a:cs typeface="Consolas" panose="020B0609020204030204" pitchFamily="49" charset="0"/>
               </a:rPr>
@@ -5211,7 +5229,7 @@
               <a:buNone/>
             </a:pPr>
             <a:r>
-              <a:rPr lang="en-US" sz="1800" dirty="0">
+              <a:rPr lang="en-US" sz="2000" dirty="0">
                 <a:latin typeface="Consolas" panose="020B0609020204030204" pitchFamily="49" charset="0"/>
                 <a:cs typeface="Consolas" panose="020B0609020204030204" pitchFamily="49" charset="0"/>
               </a:rPr>
@@ -5223,7 +5241,7 @@
               <a:buNone/>
             </a:pPr>
             <a:r>
-              <a:rPr lang="en-US" sz="1800" dirty="0">
+              <a:rPr lang="en-US" sz="2000" dirty="0">
                 <a:solidFill>
                   <a:schemeClr val="accent6">
                     <a:lumMod val="75000"/>
@@ -5240,7 +5258,7 @@
               <a:buNone/>
             </a:pPr>
             <a:r>
-              <a:rPr lang="en-US" sz="1800" dirty="0">
+              <a:rPr lang="en-US" sz="2000" dirty="0">
                 <a:solidFill>
                   <a:schemeClr val="accent6">
                     <a:lumMod val="75000"/>
@@ -5257,26 +5275,19 @@
               <a:buNone/>
             </a:pPr>
             <a:r>
-              <a:rPr lang="en-US" sz="1800" dirty="0">
+              <a:rPr lang="en-US" sz="2000" dirty="0">
                 <a:latin typeface="Consolas" panose="020B0609020204030204" pitchFamily="49" charset="0"/>
                 <a:cs typeface="Consolas" panose="020B0609020204030204" pitchFamily="49" charset="0"/>
               </a:rPr>
               <a:t>}</a:t>
             </a:r>
-            <a:endParaRPr lang="en-US" sz="2400" dirty="0"/>
-          </a:p>
-          <a:p>
-            <a:pPr marL="0" indent="0">
-              <a:buNone/>
-            </a:pPr>
-            <a:endParaRPr lang="en-US" sz="2400" dirty="0"/>
           </a:p>
         </p:txBody>
       </p:sp>
     </p:spTree>
     <p:extLst>
       <p:ext uri="{BB962C8B-B14F-4D97-AF65-F5344CB8AC3E}">
-        <p14:creationId xmlns:p14="http://schemas.microsoft.com/office/powerpoint/2010/main" val="1309337397"/>
+        <p14:creationId xmlns:p14="http://schemas.microsoft.com/office/powerpoint/2010/main" val="939068774"/>
       </p:ext>
     </p:extLst>
   </p:cSld>
@@ -5322,7 +5333,7 @@
           <a:p>
             <a:r>
               <a:rPr lang="en-US" dirty="0"/>
-              <a:t>Subtyping and Arrays</a:t>
+              <a:t>Josh Bloch’s Rule</a:t>
             </a:r>
           </a:p>
         </p:txBody>
@@ -5340,252 +5351,162 @@
         <p:spPr/>
         <p:txBody>
           <a:bodyPr>
-            <a:normAutofit fontScale="92500" lnSpcReduction="10000"/>
+            <a:normAutofit/>
           </a:bodyPr>
           <a:lstStyle/>
           <a:p>
             <a:r>
-              <a:rPr lang="en-US" dirty="0"/>
-              <a:t>Java arrays actually have the subtyping problem just described (</a:t>
-            </a:r>
-            <a:r>
-              <a:rPr lang="en-US" i="1" dirty="0"/>
-              <a:t>covariant arrays*</a:t>
-            </a:r>
-            <a:r>
-              <a:rPr lang="en-US" dirty="0"/>
-              <a:t>)</a:t>
-            </a:r>
-          </a:p>
-          <a:p>
-            <a:r>
-              <a:rPr lang="en-US" dirty="0">
+              <a:rPr lang="en-US" sz="2400" dirty="0"/>
+              <a:t>Use </a:t>
+            </a:r>
+            <a:r>
+              <a:rPr lang="en-US" sz="2400" dirty="0">
+                <a:solidFill>
+                  <a:srgbClr val="E46C0A"/>
+                </a:solidFill>
+              </a:rPr>
+              <a:t>&lt;? extends T&gt; </a:t>
+            </a:r>
+            <a:r>
+              <a:rPr lang="en-US" sz="2400" dirty="0"/>
+              <a:t>when the generic instance need to read values from external data structures </a:t>
+            </a:r>
+          </a:p>
+          <a:p>
+            <a:r>
+              <a:rPr lang="en-US" sz="2400" dirty="0"/>
+              <a:t>Use </a:t>
+            </a:r>
+            <a:r>
+              <a:rPr lang="en-US" sz="2400" dirty="0">
+                <a:solidFill>
+                  <a:srgbClr val="E46C0A"/>
+                </a:solidFill>
+              </a:rPr>
+              <a:t>&lt;? super T&gt;</a:t>
+            </a:r>
+            <a:r>
+              <a:rPr lang="en-US" sz="2400" dirty="0">
+                <a:solidFill>
+                  <a:srgbClr val="F79646"/>
+                </a:solidFill>
+              </a:rPr>
+              <a:t> </a:t>
+            </a:r>
+            <a:r>
+              <a:rPr lang="en-US" sz="2400" dirty="0"/>
+              <a:t>when the generic instance need to write values  to external data structures</a:t>
+            </a:r>
+            <a:endParaRPr lang="en-US" sz="2400" dirty="0">
+              <a:solidFill>
+                <a:srgbClr val="E46C0A"/>
+              </a:solidFill>
+            </a:endParaRPr>
+          </a:p>
+          <a:p>
+            <a:pPr marL="0" indent="0">
+              <a:buNone/>
+            </a:pPr>
+            <a:endParaRPr lang="en-US" sz="2400" dirty="0">
+              <a:latin typeface="Consolas"/>
+              <a:cs typeface="Consolas"/>
+            </a:endParaRPr>
+          </a:p>
+          <a:p>
+            <a:pPr marL="0" indent="0">
+              <a:buNone/>
+            </a:pPr>
+            <a:r>
+              <a:rPr lang="en-US" sz="1800" dirty="0">
+                <a:latin typeface="Consolas" panose="020B0609020204030204" pitchFamily="49" charset="0"/>
+                <a:cs typeface="Consolas" panose="020B0609020204030204" pitchFamily="49" charset="0"/>
+              </a:rPr>
+              <a:t>public interface Shop&lt;T&gt; {</a:t>
+            </a:r>
+          </a:p>
+          <a:p>
+            <a:pPr marL="0" indent="0">
+              <a:buNone/>
+            </a:pPr>
+            <a:r>
+              <a:rPr lang="en-US" sz="1800" dirty="0">
+                <a:latin typeface="Consolas" panose="020B0609020204030204" pitchFamily="49" charset="0"/>
+                <a:cs typeface="Consolas" panose="020B0609020204030204" pitchFamily="49" charset="0"/>
+              </a:rPr>
+              <a:t>	void buy(T item);	</a:t>
+            </a:r>
+          </a:p>
+          <a:p>
+            <a:pPr marL="0" indent="0">
+              <a:buNone/>
+            </a:pPr>
+            <a:r>
+              <a:rPr lang="en-US" sz="1800" dirty="0">
+                <a:latin typeface="Consolas" panose="020B0609020204030204" pitchFamily="49" charset="0"/>
+                <a:cs typeface="Consolas" panose="020B0609020204030204" pitchFamily="49" charset="0"/>
+              </a:rPr>
+              <a:t>	T sell();</a:t>
+            </a:r>
+          </a:p>
+          <a:p>
+            <a:pPr marL="0" indent="0">
+              <a:buNone/>
+            </a:pPr>
+            <a:r>
+              <a:rPr lang="en-US" sz="1800" dirty="0">
                 <a:solidFill>
                   <a:schemeClr val="accent6">
                     <a:lumMod val="75000"/>
                   </a:schemeClr>
                 </a:solidFill>
-              </a:rPr>
-              <a:t>The following wrong code compiles</a:t>
-            </a:r>
-            <a:r>
-              <a:rPr lang="en-US" dirty="0"/>
-              <a:t>, only to fail at run‐time:</a:t>
-            </a:r>
-          </a:p>
-          <a:p>
-            <a:pPr marL="0" indent="0">
-              <a:buNone/>
-            </a:pPr>
-            <a:endParaRPr lang="en-US" sz="1600" dirty="0">
-              <a:latin typeface="Consolas"/>
-              <a:cs typeface="Consolas"/>
-            </a:endParaRPr>
-          </a:p>
-          <a:p>
-            <a:pPr marL="0" indent="0">
-              <a:buNone/>
-            </a:pPr>
-            <a:r>
-              <a:rPr lang="en-US" sz="1600" dirty="0">
-                <a:latin typeface="Consolas"/>
-                <a:cs typeface="Consolas"/>
-              </a:rPr>
-              <a:t>String[] strings = new String[16];</a:t>
-            </a:r>
-          </a:p>
-          <a:p>
-            <a:pPr marL="0" indent="0">
-              <a:buNone/>
-            </a:pPr>
-            <a:r>
-              <a:rPr lang="en-US" sz="1600" dirty="0">
-                <a:latin typeface="Consolas"/>
-                <a:cs typeface="Consolas"/>
-              </a:rPr>
-              <a:t>for (int </a:t>
-            </a:r>
-            <a:r>
-              <a:rPr lang="en-US" sz="1600" dirty="0" err="1">
-                <a:latin typeface="Consolas"/>
-                <a:cs typeface="Consolas"/>
-              </a:rPr>
-              <a:t>i</a:t>
-            </a:r>
-            <a:r>
-              <a:rPr lang="en-US" sz="1600" dirty="0">
-                <a:latin typeface="Consolas"/>
-                <a:cs typeface="Consolas"/>
-              </a:rPr>
-              <a:t> = 0; </a:t>
-            </a:r>
-            <a:r>
-              <a:rPr lang="en-US" sz="1600" dirty="0" err="1">
-                <a:latin typeface="Consolas"/>
-                <a:cs typeface="Consolas"/>
-              </a:rPr>
-              <a:t>i</a:t>
-            </a:r>
-            <a:r>
-              <a:rPr lang="en-US" sz="1600" dirty="0">
-                <a:latin typeface="Consolas"/>
-                <a:cs typeface="Consolas"/>
-              </a:rPr>
-              <a:t> &lt; </a:t>
-            </a:r>
-            <a:r>
-              <a:rPr lang="en-US" sz="1600" dirty="0" err="1">
-                <a:latin typeface="Consolas"/>
-                <a:cs typeface="Consolas"/>
-              </a:rPr>
-              <a:t>strings.length</a:t>
-            </a:r>
-            <a:r>
-              <a:rPr lang="en-US" sz="1600" dirty="0">
-                <a:latin typeface="Consolas"/>
-                <a:cs typeface="Consolas"/>
-              </a:rPr>
-              <a:t>; </a:t>
-            </a:r>
-            <a:r>
-              <a:rPr lang="en-US" sz="1600" dirty="0" err="1">
-                <a:latin typeface="Consolas"/>
-                <a:cs typeface="Consolas"/>
-              </a:rPr>
-              <a:t>i</a:t>
-            </a:r>
-            <a:r>
-              <a:rPr lang="en-US" sz="1600" dirty="0">
-                <a:latin typeface="Consolas"/>
-                <a:cs typeface="Consolas"/>
-              </a:rPr>
-              <a:t>++) {</a:t>
-            </a:r>
-          </a:p>
-          <a:p>
-            <a:pPr marL="0" indent="0">
-              <a:buNone/>
-            </a:pPr>
-            <a:r>
-              <a:rPr lang="en-US" sz="1600" dirty="0">
-                <a:latin typeface="Consolas"/>
-                <a:cs typeface="Consolas"/>
-              </a:rPr>
-              <a:t>	strings[</a:t>
-            </a:r>
-            <a:r>
-              <a:rPr lang="en-US" sz="1600" dirty="0" err="1">
-                <a:latin typeface="Consolas"/>
-                <a:cs typeface="Consolas"/>
-              </a:rPr>
-              <a:t>i</a:t>
-            </a:r>
-            <a:r>
-              <a:rPr lang="en-US" sz="1600" dirty="0">
-                <a:latin typeface="Consolas"/>
-                <a:cs typeface="Consolas"/>
-              </a:rPr>
-              <a:t>] = "Hello World!";</a:t>
-            </a:r>
-          </a:p>
-          <a:p>
-            <a:pPr marL="0" indent="0">
-              <a:buNone/>
-            </a:pPr>
-            <a:r>
-              <a:rPr lang="en-US" sz="1600" dirty="0">
-                <a:latin typeface="Consolas"/>
-                <a:cs typeface="Consolas"/>
+                <a:latin typeface="Consolas" panose="020B0609020204030204" pitchFamily="49" charset="0"/>
+                <a:cs typeface="Consolas" panose="020B0609020204030204" pitchFamily="49" charset="0"/>
+              </a:rPr>
+              <a:t>	void buy(Collection&lt;? extends T&gt; cart);</a:t>
+            </a:r>
+          </a:p>
+          <a:p>
+            <a:pPr marL="0" indent="0">
+              <a:buNone/>
+            </a:pPr>
+            <a:r>
+              <a:rPr lang="en-US" sz="1800" dirty="0">
+                <a:solidFill>
+                  <a:schemeClr val="accent6">
+                    <a:lumMod val="75000"/>
+                  </a:schemeClr>
+                </a:solidFill>
+                <a:latin typeface="Consolas" panose="020B0609020204030204" pitchFamily="49" charset="0"/>
+                <a:cs typeface="Consolas" panose="020B0609020204030204" pitchFamily="49" charset="0"/>
+              </a:rPr>
+              <a:t>	void sell(Collection&lt;? super T&gt; cart, int n);</a:t>
+            </a:r>
+          </a:p>
+          <a:p>
+            <a:pPr marL="0" indent="0">
+              <a:buNone/>
+            </a:pPr>
+            <a:r>
+              <a:rPr lang="en-US" sz="1800" dirty="0">
+                <a:latin typeface="Consolas" panose="020B0609020204030204" pitchFamily="49" charset="0"/>
+                <a:cs typeface="Consolas" panose="020B0609020204030204" pitchFamily="49" charset="0"/>
               </a:rPr>
               <a:t>}</a:t>
             </a:r>
-          </a:p>
-          <a:p>
-            <a:pPr marL="0" indent="0">
-              <a:buNone/>
-            </a:pPr>
-            <a:endParaRPr lang="en-US" sz="1600" dirty="0">
-              <a:latin typeface="Consolas"/>
-              <a:cs typeface="Consolas"/>
-            </a:endParaRPr>
-          </a:p>
-          <a:p>
-            <a:pPr marL="0" indent="0">
-              <a:buNone/>
-            </a:pPr>
-            <a:r>
-              <a:rPr lang="en-US" sz="1600" dirty="0">
-                <a:latin typeface="Consolas"/>
-                <a:cs typeface="Consolas"/>
-              </a:rPr>
-              <a:t>// Compiles but fails at runtime!</a:t>
-            </a:r>
-          </a:p>
-          <a:p>
-            <a:pPr marL="0" indent="0">
-              <a:buNone/>
-            </a:pPr>
-            <a:r>
-              <a:rPr lang="en-US" sz="1600" dirty="0">
-                <a:latin typeface="Consolas"/>
-                <a:cs typeface="Consolas"/>
-              </a:rPr>
-              <a:t>Object[] objects = strings;</a:t>
-            </a:r>
-          </a:p>
-          <a:p>
-            <a:pPr marL="0" indent="0">
-              <a:buNone/>
-            </a:pPr>
-            <a:r>
-              <a:rPr lang="en-US" sz="1600" dirty="0">
-                <a:latin typeface="Consolas"/>
-                <a:cs typeface="Consolas"/>
-              </a:rPr>
-              <a:t>objects[0] = 1.7;</a:t>
-            </a:r>
-          </a:p>
-          <a:p>
-            <a:pPr marL="0" indent="0">
-              <a:buNone/>
-            </a:pPr>
-            <a:endParaRPr lang="en-US" sz="1600" i="1" dirty="0">
-              <a:latin typeface="Consolas"/>
-              <a:cs typeface="Consolas"/>
-            </a:endParaRPr>
-          </a:p>
-          <a:p>
-            <a:pPr marL="0" indent="0">
-              <a:buNone/>
-            </a:pPr>
-            <a:r>
-              <a:rPr lang="en-US" sz="1600" i="1" dirty="0">
-                <a:latin typeface="Consolas"/>
-                <a:cs typeface="Consolas"/>
-              </a:rPr>
-              <a:t>*http://</a:t>
-            </a:r>
-            <a:r>
-              <a:rPr lang="en-US" sz="1600" i="1" dirty="0" err="1">
-                <a:latin typeface="Consolas"/>
-                <a:cs typeface="Consolas"/>
-              </a:rPr>
-              <a:t>en.wikipedia.org</a:t>
-            </a:r>
-            <a:r>
-              <a:rPr lang="en-US" sz="1600" i="1" dirty="0">
-                <a:latin typeface="Consolas"/>
-                <a:cs typeface="Consolas"/>
-              </a:rPr>
-              <a:t>/wiki/Covariance_and_contravariance_%28computer_science%29#Covariant_arrays_in_Java_and_C.23</a:t>
-            </a:r>
+            <a:endParaRPr lang="en-US" sz="2400" dirty="0"/>
+          </a:p>
+          <a:p>
+            <a:pPr marL="0" indent="0">
+              <a:buNone/>
+            </a:pPr>
+            <a:endParaRPr lang="en-US" sz="2400" dirty="0"/>
           </a:p>
         </p:txBody>
       </p:sp>
     </p:spTree>
     <p:extLst>
       <p:ext uri="{BB962C8B-B14F-4D97-AF65-F5344CB8AC3E}">
-        <p14:creationId xmlns:p14="http://schemas.microsoft.com/office/powerpoint/2010/main" val="4052976610"/>
+        <p14:creationId xmlns:p14="http://schemas.microsoft.com/office/powerpoint/2010/main" val="1309337397"/>
       </p:ext>
     </p:extLst>
   </p:cSld>
@@ -5653,19 +5574,19 @@
         <p:spPr/>
         <p:txBody>
           <a:bodyPr>
-            <a:normAutofit lnSpcReduction="10000"/>
+            <a:noAutofit/>
           </a:bodyPr>
           <a:lstStyle/>
           <a:p>
             <a:r>
-              <a:rPr lang="en-GB" dirty="0">
+              <a:rPr lang="en-GB" sz="2200" dirty="0">
                 <a:latin typeface="Calibri" panose="020F0502020204030204" pitchFamily="34" charset="0"/>
                 <a:cs typeface="Calibri" panose="020F0502020204030204" pitchFamily="34" charset="0"/>
               </a:rPr>
-              <a:t>Java favours the use of </a:t>
-            </a:r>
-            <a:r>
-              <a:rPr lang="en-GB" dirty="0">
+              <a:t>Use </a:t>
+            </a:r>
+            <a:r>
+              <a:rPr lang="en-GB" sz="2200" dirty="0">
                 <a:solidFill>
                   <a:schemeClr val="accent6">
                     <a:lumMod val="75000"/>
@@ -5677,14 +5598,14 @@
               <a:t>wildcards</a:t>
             </a:r>
             <a:r>
-              <a:rPr lang="en-GB" dirty="0">
+              <a:rPr lang="en-GB" sz="2200" dirty="0">
                 <a:latin typeface="Calibri" panose="020F0502020204030204" pitchFamily="34" charset="0"/>
                 <a:cs typeface="Calibri" panose="020F0502020204030204" pitchFamily="34" charset="0"/>
               </a:rPr>
               <a:t> whenever </a:t>
             </a:r>
             <a:r>
-              <a:rPr lang="en-GB" dirty="0">
+              <a:rPr lang="en-GB" sz="2200" dirty="0">
                 <a:solidFill>
                   <a:schemeClr val="accent6">
                     <a:lumMod val="75000"/>
@@ -5695,12 +5616,7 @@
               </a:rPr>
               <a:t>constraints among parameters and return values are absent</a:t>
             </a:r>
-          </a:p>
-          <a:p>
-            <a:pPr marL="0" indent="0">
-              <a:buNone/>
-            </a:pPr>
-            <a:endParaRPr lang="en-GB" sz="2400" dirty="0">
+            <a:endParaRPr lang="en-GB" sz="2200" dirty="0">
               <a:latin typeface="Consolas" panose="020B0609020204030204" pitchFamily="49" charset="0"/>
               <a:cs typeface="Consolas" panose="020B0609020204030204" pitchFamily="49" charset="0"/>
             </a:endParaRPr>
@@ -5710,81 +5626,56 @@
               <a:buNone/>
             </a:pPr>
             <a:r>
-              <a:rPr lang="en-GB" sz="2400" dirty="0">
-                <a:latin typeface="Consolas" panose="020B0609020204030204" pitchFamily="49" charset="0"/>
-                <a:cs typeface="Consolas" panose="020B0609020204030204" pitchFamily="49" charset="0"/>
-              </a:rPr>
-              <a:t>public static void reverse(List&lt;?&gt; list) {</a:t>
-            </a:r>
-          </a:p>
-          <a:p>
-            <a:pPr marL="0" indent="0">
-              <a:buNone/>
-            </a:pPr>
-            <a:r>
-              <a:rPr lang="en-GB" sz="2400" dirty="0">
-                <a:latin typeface="Consolas" panose="020B0609020204030204" pitchFamily="49" charset="0"/>
-                <a:cs typeface="Consolas" panose="020B0609020204030204" pitchFamily="49" charset="0"/>
-              </a:rPr>
-              <a:t>	for (Object o : list) {</a:t>
-            </a:r>
-          </a:p>
-          <a:p>
-            <a:pPr marL="0" indent="0">
-              <a:buNone/>
-            </a:pPr>
-            <a:r>
-              <a:rPr lang="en-GB" sz="2400" dirty="0">
-                <a:latin typeface="Consolas" panose="020B0609020204030204" pitchFamily="49" charset="0"/>
-                <a:cs typeface="Consolas" panose="020B0609020204030204" pitchFamily="49" charset="0"/>
-              </a:rPr>
-              <a:t>		. . .	</a:t>
-            </a:r>
-          </a:p>
-          <a:p>
-            <a:pPr marL="0" indent="0">
-              <a:buNone/>
-            </a:pPr>
-            <a:r>
-              <a:rPr lang="en-GB" sz="2400" dirty="0">
-                <a:latin typeface="Consolas" panose="020B0609020204030204" pitchFamily="49" charset="0"/>
-                <a:cs typeface="Consolas" panose="020B0609020204030204" pitchFamily="49" charset="0"/>
-              </a:rPr>
-              <a:t>	}</a:t>
-            </a:r>
-          </a:p>
-          <a:p>
-            <a:pPr marL="0" indent="0">
-              <a:buNone/>
-            </a:pPr>
-            <a:r>
-              <a:rPr lang="en-GB" sz="2400" dirty="0">
-                <a:latin typeface="Consolas" panose="020B0609020204030204" pitchFamily="49" charset="0"/>
-                <a:cs typeface="Consolas" panose="020B0609020204030204" pitchFamily="49" charset="0"/>
-              </a:rPr>
-              <a:t>}</a:t>
-            </a:r>
-          </a:p>
-          <a:p>
-            <a:pPr marL="0" indent="0">
-              <a:buNone/>
-            </a:pPr>
-            <a:r>
-              <a:rPr lang="en-GB" sz="2400" dirty="0">
+              <a:rPr lang="en-GB" sz="1800" dirty="0">
+                <a:latin typeface="Consolas" panose="020B0609020204030204" pitchFamily="49" charset="0"/>
+                <a:cs typeface="Consolas" panose="020B0609020204030204" pitchFamily="49" charset="0"/>
+              </a:rPr>
+              <a:t>// from </a:t>
+            </a:r>
+            <a:r>
+              <a:rPr lang="en-GB" sz="1800" dirty="0" err="1">
+                <a:latin typeface="Consolas" panose="020B0609020204030204" pitchFamily="49" charset="0"/>
+                <a:cs typeface="Consolas" panose="020B0609020204030204" pitchFamily="49" charset="0"/>
+              </a:rPr>
+              <a:t>java.util.Collections</a:t>
+            </a:r>
+            <a:endParaRPr lang="en-GB" sz="1800" dirty="0">
+              <a:latin typeface="Consolas" panose="020B0609020204030204" pitchFamily="49" charset="0"/>
+              <a:cs typeface="Consolas" panose="020B0609020204030204" pitchFamily="49" charset="0"/>
+            </a:endParaRPr>
+          </a:p>
+          <a:p>
+            <a:pPr marL="0" indent="0">
+              <a:buNone/>
+            </a:pPr>
+            <a:r>
+              <a:rPr lang="en-GB" sz="1800" dirty="0">
+                <a:latin typeface="Consolas" panose="020B0609020204030204" pitchFamily="49" charset="0"/>
+                <a:cs typeface="Consolas" panose="020B0609020204030204" pitchFamily="49" charset="0"/>
+              </a:rPr>
+              <a:t>public static void reverse(List&lt;?&gt; list) {}</a:t>
+            </a:r>
+          </a:p>
+          <a:p>
+            <a:pPr marL="0" indent="0">
+              <a:buNone/>
+            </a:pPr>
+            <a:r>
+              <a:rPr lang="en-GB" sz="1800" dirty="0">
                 <a:latin typeface="Consolas" panose="020B0609020204030204" pitchFamily="49" charset="0"/>
                 <a:cs typeface="Consolas" panose="020B0609020204030204" pitchFamily="49" charset="0"/>
               </a:rPr>
               <a:t>public static void shuffle(List&lt;?&gt; list, Random </a:t>
             </a:r>
             <a:r>
-              <a:rPr lang="en-GB" sz="2400" dirty="0" err="1">
+              <a:rPr lang="en-GB" sz="1800" dirty="0" err="1">
                 <a:latin typeface="Consolas" panose="020B0609020204030204" pitchFamily="49" charset="0"/>
                 <a:cs typeface="Consolas" panose="020B0609020204030204" pitchFamily="49" charset="0"/>
               </a:rPr>
               <a:t>rnd</a:t>
             </a:r>
             <a:r>
-              <a:rPr lang="en-GB" sz="2400" dirty="0">
+              <a:rPr lang="en-GB" sz="1800" dirty="0">
                 <a:latin typeface="Consolas" panose="020B0609020204030204" pitchFamily="49" charset="0"/>
                 <a:cs typeface="Consolas" panose="020B0609020204030204" pitchFamily="49" charset="0"/>
               </a:rPr>
@@ -5796,14 +5687,14 @@
               <a:buNone/>
             </a:pPr>
             <a:r>
-              <a:rPr lang="en-GB" sz="2400" dirty="0">
+              <a:rPr lang="en-GB" sz="1800" dirty="0">
                 <a:latin typeface="Consolas" panose="020B0609020204030204" pitchFamily="49" charset="0"/>
                 <a:cs typeface="Consolas" panose="020B0609020204030204" pitchFamily="49" charset="0"/>
               </a:rPr>
               <a:t>public static void swap(</a:t>
             </a:r>
             <a:r>
-              <a:rPr lang="en-GB" sz="2400" dirty="0">
+              <a:rPr lang="en-GB" sz="1800" dirty="0">
                 <a:latin typeface="Consolas" panose="020B0609020204030204" pitchFamily="49" charset="0"/>
                 <a:cs typeface="Consolas" panose="020B0609020204030204" pitchFamily="49" charset="0"/>
                 <a:hlinkClick r:id="rId3" tooltip="interface in java.util"/>
@@ -5811,27 +5702,240 @@
               <a:t>List</a:t>
             </a:r>
             <a:r>
-              <a:rPr lang="en-GB" sz="2400" dirty="0">
+              <a:rPr lang="en-GB" sz="1800" dirty="0">
                 <a:latin typeface="Consolas" panose="020B0609020204030204" pitchFamily="49" charset="0"/>
                 <a:cs typeface="Consolas" panose="020B0609020204030204" pitchFamily="49" charset="0"/>
               </a:rPr>
               <a:t>&lt;?&gt; list, int </a:t>
             </a:r>
             <a:r>
-              <a:rPr lang="en-GB" sz="2400" dirty="0" err="1">
+              <a:rPr lang="en-GB" sz="1800" dirty="0" err="1">
                 <a:latin typeface="Consolas" panose="020B0609020204030204" pitchFamily="49" charset="0"/>
                 <a:cs typeface="Consolas" panose="020B0609020204030204" pitchFamily="49" charset="0"/>
               </a:rPr>
               <a:t>i</a:t>
             </a:r>
             <a:r>
-              <a:rPr lang="en-GB" sz="2400" dirty="0">
+              <a:rPr lang="en-GB" sz="1800" dirty="0">
                 <a:latin typeface="Consolas" panose="020B0609020204030204" pitchFamily="49" charset="0"/>
                 <a:cs typeface="Consolas" panose="020B0609020204030204" pitchFamily="49" charset="0"/>
               </a:rPr>
               <a:t>, int j) {}</a:t>
             </a:r>
-            <a:endParaRPr lang="en-IT" sz="2400" dirty="0">
+          </a:p>
+          <a:p>
+            <a:endParaRPr lang="en-GB" sz="2000" dirty="0">
+              <a:latin typeface="Calibri" panose="020F0502020204030204" pitchFamily="34" charset="0"/>
+              <a:cs typeface="Calibri" panose="020F0502020204030204" pitchFamily="34" charset="0"/>
+            </a:endParaRPr>
+          </a:p>
+          <a:p>
+            <a:r>
+              <a:rPr lang="en-GB" sz="2200" dirty="0">
+                <a:latin typeface="Calibri" panose="020F0502020204030204" pitchFamily="34" charset="0"/>
+                <a:cs typeface="Calibri" panose="020F0502020204030204" pitchFamily="34" charset="0"/>
+              </a:rPr>
+              <a:t>Use </a:t>
+            </a:r>
+            <a:r>
+              <a:rPr lang="en-GB" sz="2200" dirty="0">
+                <a:solidFill>
+                  <a:schemeClr val="accent6">
+                    <a:lumMod val="75000"/>
+                  </a:schemeClr>
+                </a:solidFill>
+                <a:latin typeface="Calibri" panose="020F0502020204030204" pitchFamily="34" charset="0"/>
+                <a:cs typeface="Calibri" panose="020F0502020204030204" pitchFamily="34" charset="0"/>
+              </a:rPr>
+              <a:t>&lt;T&gt; </a:t>
+            </a:r>
+            <a:r>
+              <a:rPr lang="en-GB" sz="2200" dirty="0">
+                <a:latin typeface="Calibri" panose="020F0502020204030204" pitchFamily="34" charset="0"/>
+                <a:cs typeface="Calibri" panose="020F0502020204030204" pitchFamily="34" charset="0"/>
+              </a:rPr>
+              <a:t>whenever </a:t>
+            </a:r>
+            <a:r>
+              <a:rPr lang="en-GB" sz="2200" dirty="0">
+                <a:solidFill>
+                  <a:schemeClr val="accent6">
+                    <a:lumMod val="75000"/>
+                  </a:schemeClr>
+                </a:solidFill>
+                <a:latin typeface="Calibri" panose="020F0502020204030204" pitchFamily="34" charset="0"/>
+                <a:cs typeface="Calibri" panose="020F0502020204030204" pitchFamily="34" charset="0"/>
+              </a:rPr>
+              <a:t>constraints among parameters and return values are present</a:t>
+            </a:r>
+            <a:endParaRPr lang="en-GB" sz="2200" dirty="0">
+              <a:latin typeface="Consolas" panose="020B0609020204030204" pitchFamily="49" charset="0"/>
+              <a:cs typeface="Consolas" panose="020B0609020204030204" pitchFamily="49" charset="0"/>
+            </a:endParaRPr>
+          </a:p>
+          <a:p>
+            <a:pPr marL="0" indent="0">
+              <a:buNone/>
+            </a:pPr>
+            <a:r>
+              <a:rPr lang="en-GB" sz="1800" dirty="0">
+                <a:latin typeface="Consolas" panose="020B0609020204030204" pitchFamily="49" charset="0"/>
+                <a:cs typeface="Consolas" panose="020B0609020204030204" pitchFamily="49" charset="0"/>
+              </a:rPr>
+              <a:t>// from </a:t>
+            </a:r>
+            <a:r>
+              <a:rPr lang="en-GB" sz="1800" dirty="0" err="1">
+                <a:latin typeface="Consolas" panose="020B0609020204030204" pitchFamily="49" charset="0"/>
+                <a:cs typeface="Consolas" panose="020B0609020204030204" pitchFamily="49" charset="0"/>
+              </a:rPr>
+              <a:t>java.util.Collections</a:t>
+            </a:r>
+            <a:endParaRPr lang="en-GB" sz="1800" dirty="0">
+              <a:latin typeface="Consolas" panose="020B0609020204030204" pitchFamily="49" charset="0"/>
+              <a:cs typeface="Consolas" panose="020B0609020204030204" pitchFamily="49" charset="0"/>
+            </a:endParaRPr>
+          </a:p>
+          <a:p>
+            <a:pPr marL="0" indent="0">
+              <a:buNone/>
+            </a:pPr>
+            <a:r>
+              <a:rPr lang="en-GB" sz="1800" dirty="0">
+                <a:latin typeface="Consolas" panose="020B0609020204030204" pitchFamily="49" charset="0"/>
+                <a:cs typeface="Consolas" panose="020B0609020204030204" pitchFamily="49" charset="0"/>
+              </a:rPr>
+              <a:t>public static </a:t>
+            </a:r>
+            <a:r>
+              <a:rPr lang="en-GB" sz="1800" dirty="0">
+                <a:solidFill>
+                  <a:schemeClr val="accent6">
+                    <a:lumMod val="75000"/>
+                  </a:schemeClr>
+                </a:solidFill>
+                <a:latin typeface="Consolas" panose="020B0609020204030204" pitchFamily="49" charset="0"/>
+                <a:cs typeface="Consolas" panose="020B0609020204030204" pitchFamily="49" charset="0"/>
+              </a:rPr>
+              <a:t>&lt;T&gt;</a:t>
+            </a:r>
+            <a:r>
+              <a:rPr lang="en-GB" sz="1800" dirty="0">
+                <a:latin typeface="Consolas" panose="020B0609020204030204" pitchFamily="49" charset="0"/>
+                <a:cs typeface="Consolas" panose="020B0609020204030204" pitchFamily="49" charset="0"/>
+              </a:rPr>
+              <a:t> void sort(List&lt;T&gt; list, Comparator&lt;? super T&gt; c) {}</a:t>
+            </a:r>
+          </a:p>
+          <a:p>
+            <a:pPr marL="0" indent="0">
+              <a:buNone/>
+            </a:pPr>
+            <a:r>
+              <a:rPr lang="en-GB" sz="1800" dirty="0">
+                <a:latin typeface="Consolas" panose="020B0609020204030204" pitchFamily="49" charset="0"/>
+                <a:cs typeface="Consolas" panose="020B0609020204030204" pitchFamily="49" charset="0"/>
+              </a:rPr>
+              <a:t>public static </a:t>
+            </a:r>
+            <a:r>
+              <a:rPr lang="en-GB" sz="1800" dirty="0">
+                <a:solidFill>
+                  <a:schemeClr val="accent6">
+                    <a:lumMod val="75000"/>
+                  </a:schemeClr>
+                </a:solidFill>
+                <a:latin typeface="Consolas" panose="020B0609020204030204" pitchFamily="49" charset="0"/>
+                <a:cs typeface="Consolas" panose="020B0609020204030204" pitchFamily="49" charset="0"/>
+              </a:rPr>
+              <a:t>&lt;T&gt;</a:t>
+            </a:r>
+            <a:r>
+              <a:rPr lang="en-GB" sz="1800" dirty="0">
+                <a:latin typeface="Consolas" panose="020B0609020204030204" pitchFamily="49" charset="0"/>
+                <a:cs typeface="Consolas" panose="020B0609020204030204" pitchFamily="49" charset="0"/>
+              </a:rPr>
+              <a:t> void fill(List&lt;? super T&gt; list, T </a:t>
+            </a:r>
+            <a:r>
+              <a:rPr lang="en-GB" sz="1800" dirty="0" err="1">
+                <a:latin typeface="Consolas" panose="020B0609020204030204" pitchFamily="49" charset="0"/>
+                <a:cs typeface="Consolas" panose="020B0609020204030204" pitchFamily="49" charset="0"/>
+              </a:rPr>
+              <a:t>obj</a:t>
+            </a:r>
+            <a:r>
+              <a:rPr lang="en-GB" sz="1800" dirty="0">
+                <a:latin typeface="Consolas" panose="020B0609020204030204" pitchFamily="49" charset="0"/>
+                <a:cs typeface="Consolas" panose="020B0609020204030204" pitchFamily="49" charset="0"/>
+              </a:rPr>
+              <a:t>) {}</a:t>
+            </a:r>
+          </a:p>
+          <a:p>
+            <a:pPr marL="0" indent="0">
+              <a:buNone/>
+            </a:pPr>
+            <a:r>
+              <a:rPr lang="en-GB" sz="1800" dirty="0">
+                <a:latin typeface="Consolas" panose="020B0609020204030204" pitchFamily="49" charset="0"/>
+                <a:cs typeface="Consolas" panose="020B0609020204030204" pitchFamily="49" charset="0"/>
+              </a:rPr>
+              <a:t>public static </a:t>
+            </a:r>
+            <a:r>
+              <a:rPr lang="en-GB" sz="1800" dirty="0">
+                <a:solidFill>
+                  <a:schemeClr val="accent6">
+                    <a:lumMod val="75000"/>
+                  </a:schemeClr>
+                </a:solidFill>
+                <a:latin typeface="Consolas" panose="020B0609020204030204" pitchFamily="49" charset="0"/>
+                <a:cs typeface="Consolas" panose="020B0609020204030204" pitchFamily="49" charset="0"/>
+              </a:rPr>
+              <a:t>&lt;T&gt;</a:t>
+            </a:r>
+            <a:r>
+              <a:rPr lang="en-GB" sz="1800" dirty="0">
+                <a:latin typeface="Consolas" panose="020B0609020204030204" pitchFamily="49" charset="0"/>
+                <a:cs typeface="Consolas" panose="020B0609020204030204" pitchFamily="49" charset="0"/>
+              </a:rPr>
+              <a:t> void copy(List&lt;? super T&gt; </a:t>
+            </a:r>
+            <a:r>
+              <a:rPr lang="en-GB" sz="1800" dirty="0" err="1">
+                <a:latin typeface="Consolas" panose="020B0609020204030204" pitchFamily="49" charset="0"/>
+                <a:cs typeface="Consolas" panose="020B0609020204030204" pitchFamily="49" charset="0"/>
+              </a:rPr>
+              <a:t>dest</a:t>
+            </a:r>
+            <a:r>
+              <a:rPr lang="en-GB" sz="1800" dirty="0">
+                <a:latin typeface="Consolas" panose="020B0609020204030204" pitchFamily="49" charset="0"/>
+                <a:cs typeface="Consolas" panose="020B0609020204030204" pitchFamily="49" charset="0"/>
+              </a:rPr>
+              <a:t>, List&lt;? extends T&gt; </a:t>
+            </a:r>
+            <a:r>
+              <a:rPr lang="en-GB" sz="1800" dirty="0" err="1">
+                <a:latin typeface="Consolas" panose="020B0609020204030204" pitchFamily="49" charset="0"/>
+                <a:cs typeface="Consolas" panose="020B0609020204030204" pitchFamily="49" charset="0"/>
+              </a:rPr>
+              <a:t>src</a:t>
+            </a:r>
+            <a:r>
+              <a:rPr lang="en-GB" sz="1800" dirty="0">
+                <a:latin typeface="Consolas" panose="020B0609020204030204" pitchFamily="49" charset="0"/>
+                <a:cs typeface="Consolas" panose="020B0609020204030204" pitchFamily="49" charset="0"/>
+              </a:rPr>
+              <a:t>) {}</a:t>
+            </a:r>
+          </a:p>
+          <a:p>
+            <a:pPr marL="0" indent="0">
+              <a:buNone/>
+            </a:pPr>
+            <a:endParaRPr lang="en-IT" sz="2000" dirty="0">
               <a:latin typeface="Consolas" panose="020B0609020204030204" pitchFamily="49" charset="0"/>
               <a:cs typeface="Consolas" panose="020B0609020204030204" pitchFamily="49" charset="0"/>
             </a:endParaRPr>
@@ -5885,7 +5989,7 @@
           <a:p>
             <a:r>
               <a:rPr lang="en-US" dirty="0"/>
-              <a:t>Generic Methods</a:t>
+              <a:t>Writing List&lt;?&gt;</a:t>
             </a:r>
           </a:p>
         </p:txBody>
@@ -5909,53 +6013,27 @@
         <p:spPr/>
         <p:txBody>
           <a:bodyPr>
-            <a:normAutofit/>
+            <a:normAutofit fontScale="70000" lnSpcReduction="20000"/>
           </a:bodyPr>
           <a:lstStyle/>
           <a:p>
-            <a:r>
-              <a:rPr lang="en-GB" dirty="0">
-                <a:latin typeface="Calibri" panose="020F0502020204030204" pitchFamily="34" charset="0"/>
-                <a:cs typeface="Calibri" panose="020F0502020204030204" pitchFamily="34" charset="0"/>
-              </a:rPr>
-              <a:t>Java favours the use of </a:t>
-            </a:r>
-            <a:r>
-              <a:rPr lang="en-GB" dirty="0">
-                <a:solidFill>
-                  <a:schemeClr val="accent6">
-                    <a:lumMod val="75000"/>
-                  </a:schemeClr>
-                </a:solidFill>
-                <a:latin typeface="Calibri" panose="020F0502020204030204" pitchFamily="34" charset="0"/>
-                <a:cs typeface="Calibri" panose="020F0502020204030204" pitchFamily="34" charset="0"/>
-              </a:rPr>
-              <a:t>&lt;T&gt; </a:t>
-            </a:r>
-            <a:r>
-              <a:rPr lang="en-GB" dirty="0">
-                <a:latin typeface="Calibri" panose="020F0502020204030204" pitchFamily="34" charset="0"/>
-                <a:cs typeface="Calibri" panose="020F0502020204030204" pitchFamily="34" charset="0"/>
-              </a:rPr>
-              <a:t>whenever </a:t>
-            </a:r>
-            <a:r>
-              <a:rPr lang="en-GB" dirty="0">
-                <a:solidFill>
-                  <a:schemeClr val="accent6">
-                    <a:lumMod val="75000"/>
-                  </a:schemeClr>
-                </a:solidFill>
-                <a:latin typeface="Calibri" panose="020F0502020204030204" pitchFamily="34" charset="0"/>
-                <a:cs typeface="Calibri" panose="020F0502020204030204" pitchFamily="34" charset="0"/>
-              </a:rPr>
-              <a:t>constraints among parameters and return values are present</a:t>
-            </a:r>
-          </a:p>
-          <a:p>
-            <a:pPr marL="0" indent="0">
-              <a:buNone/>
-            </a:pPr>
+            <a:pPr marL="0" indent="0">
+              <a:buNone/>
+            </a:pPr>
+            <a:r>
+              <a:rPr lang="en-GB" sz="2400" dirty="0">
+                <a:latin typeface="Consolas" panose="020B0609020204030204" pitchFamily="49" charset="0"/>
+                <a:cs typeface="Consolas" panose="020B0609020204030204" pitchFamily="49" charset="0"/>
+              </a:rPr>
+              <a:t>// from </a:t>
+            </a:r>
+            <a:r>
+              <a:rPr lang="en-GB" sz="2400" dirty="0" err="1">
+                <a:latin typeface="Consolas" panose="020B0609020204030204" pitchFamily="49" charset="0"/>
+                <a:cs typeface="Consolas" panose="020B0609020204030204" pitchFamily="49" charset="0"/>
+              </a:rPr>
+              <a:t>java.util.Collections</a:t>
+            </a:r>
             <a:endParaRPr lang="en-GB" sz="2400" dirty="0">
               <a:latin typeface="Consolas" panose="020B0609020204030204" pitchFamily="49" charset="0"/>
               <a:cs typeface="Consolas" panose="020B0609020204030204" pitchFamily="49" charset="0"/>
@@ -5970,26 +6048,33 @@
                 <a:latin typeface="Consolas" panose="020B0609020204030204" pitchFamily="49" charset="0"/>
                 <a:cs typeface="Consolas" panose="020B0609020204030204" pitchFamily="49" charset="0"/>
               </a:rPr>
-              <a:t>public static </a:t>
+              <a:t>public static void swap(List&lt;?&gt; list, int </a:t>
+            </a:r>
+            <a:r>
+              <a:rPr lang="en-GB" sz="2400" dirty="0" err="1">
+                <a:latin typeface="Consolas" panose="020B0609020204030204" pitchFamily="49" charset="0"/>
+                <a:cs typeface="Consolas" panose="020B0609020204030204" pitchFamily="49" charset="0"/>
+              </a:rPr>
+              <a:t>i</a:t>
             </a:r>
             <a:r>
               <a:rPr lang="en-GB" sz="2400" dirty="0">
-                <a:solidFill>
-                  <a:schemeClr val="accent6">
-                    <a:lumMod val="75000"/>
-                  </a:schemeClr>
-                </a:solidFill>
-                <a:latin typeface="Consolas" panose="020B0609020204030204" pitchFamily="49" charset="0"/>
-                <a:cs typeface="Consolas" panose="020B0609020204030204" pitchFamily="49" charset="0"/>
-              </a:rPr>
-              <a:t>&lt;T&gt;</a:t>
-            </a:r>
+                <a:latin typeface="Consolas" panose="020B0609020204030204" pitchFamily="49" charset="0"/>
+                <a:cs typeface="Consolas" panose="020B0609020204030204" pitchFamily="49" charset="0"/>
+              </a:rPr>
+              <a:t>, int j) {</a:t>
+            </a:r>
+          </a:p>
+          <a:p>
+            <a:pPr marL="0" indent="0">
+              <a:buNone/>
+            </a:pPr>
             <a:r>
               <a:rPr lang="en-GB" sz="2400" dirty="0">
                 <a:latin typeface="Consolas" panose="020B0609020204030204" pitchFamily="49" charset="0"/>
                 <a:cs typeface="Consolas" panose="020B0609020204030204" pitchFamily="49" charset="0"/>
               </a:rPr>
-              <a:t> void sort(List&lt;T&gt; list,</a:t>
+              <a:t>	final List l = list;</a:t>
             </a:r>
           </a:p>
           <a:p>
@@ -6001,123 +6086,89 @@
                 <a:latin typeface="Consolas" panose="020B0609020204030204" pitchFamily="49" charset="0"/>
                 <a:cs typeface="Consolas" panose="020B0609020204030204" pitchFamily="49" charset="0"/>
               </a:rPr>
-              <a:t>            Comparator&lt;? super T&gt; c) {}</a:t>
-            </a:r>
-          </a:p>
-          <a:p>
-            <a:pPr marL="0" indent="0">
-              <a:buNone/>
-            </a:pPr>
+              <a:t>   	</a:t>
+            </a:r>
+            <a:r>
+              <a:rPr lang="en-GB" sz="2400" dirty="0" err="1">
+                <a:latin typeface="Consolas" panose="020B0609020204030204" pitchFamily="49" charset="0"/>
+                <a:cs typeface="Consolas" panose="020B0609020204030204" pitchFamily="49" charset="0"/>
+              </a:rPr>
+              <a:t>l.set</a:t>
+            </a:r>
             <a:r>
               <a:rPr lang="en-GB" sz="2400" dirty="0">
                 <a:latin typeface="Consolas" panose="020B0609020204030204" pitchFamily="49" charset="0"/>
                 <a:cs typeface="Consolas" panose="020B0609020204030204" pitchFamily="49" charset="0"/>
               </a:rPr>
-              <a:t>public static </a:t>
+              <a:t>(</a:t>
+            </a:r>
+            <a:r>
+              <a:rPr lang="en-GB" sz="2400" dirty="0" err="1">
+                <a:latin typeface="Consolas" panose="020B0609020204030204" pitchFamily="49" charset="0"/>
+                <a:cs typeface="Consolas" panose="020B0609020204030204" pitchFamily="49" charset="0"/>
+              </a:rPr>
+              <a:t>i</a:t>
             </a:r>
             <a:r>
               <a:rPr lang="en-GB" sz="2400" dirty="0">
-                <a:solidFill>
-                  <a:schemeClr val="accent6">
-                    <a:lumMod val="75000"/>
-                  </a:schemeClr>
-                </a:solidFill>
-                <a:latin typeface="Consolas" panose="020B0609020204030204" pitchFamily="49" charset="0"/>
-                <a:cs typeface="Consolas" panose="020B0609020204030204" pitchFamily="49" charset="0"/>
-              </a:rPr>
-              <a:t>&lt;T&gt;</a:t>
+                <a:latin typeface="Consolas" panose="020B0609020204030204" pitchFamily="49" charset="0"/>
+                <a:cs typeface="Consolas" panose="020B0609020204030204" pitchFamily="49" charset="0"/>
+              </a:rPr>
+              <a:t>, </a:t>
+            </a:r>
+            <a:r>
+              <a:rPr lang="en-GB" sz="2400" dirty="0" err="1">
+                <a:latin typeface="Consolas" panose="020B0609020204030204" pitchFamily="49" charset="0"/>
+                <a:cs typeface="Consolas" panose="020B0609020204030204" pitchFamily="49" charset="0"/>
+              </a:rPr>
+              <a:t>l.set</a:t>
             </a:r>
             <a:r>
               <a:rPr lang="en-GB" sz="2400" dirty="0">
                 <a:latin typeface="Consolas" panose="020B0609020204030204" pitchFamily="49" charset="0"/>
                 <a:cs typeface="Consolas" panose="020B0609020204030204" pitchFamily="49" charset="0"/>
               </a:rPr>
-              <a:t> void fill(List&lt;? super T&gt; list, T </a:t>
+              <a:t>(j, </a:t>
             </a:r>
             <a:r>
               <a:rPr lang="en-GB" sz="2400" dirty="0" err="1">
                 <a:latin typeface="Consolas" panose="020B0609020204030204" pitchFamily="49" charset="0"/>
                 <a:cs typeface="Consolas" panose="020B0609020204030204" pitchFamily="49" charset="0"/>
               </a:rPr>
-              <a:t>obj</a:t>
+              <a:t>l.get</a:t>
             </a:r>
             <a:r>
               <a:rPr lang="en-GB" sz="2400" dirty="0">
                 <a:latin typeface="Consolas" panose="020B0609020204030204" pitchFamily="49" charset="0"/>
                 <a:cs typeface="Consolas" panose="020B0609020204030204" pitchFamily="49" charset="0"/>
               </a:rPr>
-              <a:t>) {}</a:t>
-            </a:r>
-          </a:p>
-          <a:p>
-            <a:pPr marL="0" indent="0">
-              <a:buNone/>
-            </a:pPr>
+              <a:t>(</a:t>
+            </a:r>
+            <a:r>
+              <a:rPr lang="en-GB" sz="2400" dirty="0" err="1">
+                <a:latin typeface="Consolas" panose="020B0609020204030204" pitchFamily="49" charset="0"/>
+                <a:cs typeface="Consolas" panose="020B0609020204030204" pitchFamily="49" charset="0"/>
+              </a:rPr>
+              <a:t>i</a:t>
+            </a:r>
             <a:r>
               <a:rPr lang="en-GB" sz="2400" dirty="0">
                 <a:latin typeface="Consolas" panose="020B0609020204030204" pitchFamily="49" charset="0"/>
                 <a:cs typeface="Consolas" panose="020B0609020204030204" pitchFamily="49" charset="0"/>
               </a:rPr>
-              <a:t>public static </a:t>
-            </a:r>
+              <a:t>)));</a:t>
+            </a:r>
+          </a:p>
+          <a:p>
+            <a:pPr marL="0" indent="0">
+              <a:buNone/>
+            </a:pPr>
             <a:r>
               <a:rPr lang="en-GB" sz="2400" dirty="0">
-                <a:solidFill>
-                  <a:schemeClr val="accent6">
-                    <a:lumMod val="75000"/>
-                  </a:schemeClr>
-                </a:solidFill>
-                <a:latin typeface="Consolas" panose="020B0609020204030204" pitchFamily="49" charset="0"/>
-                <a:cs typeface="Consolas" panose="020B0609020204030204" pitchFamily="49" charset="0"/>
-              </a:rPr>
-              <a:t>&lt;T&gt;</a:t>
-            </a:r>
-            <a:r>
-              <a:rPr lang="en-GB" sz="2400" dirty="0">
-                <a:latin typeface="Consolas" panose="020B0609020204030204" pitchFamily="49" charset="0"/>
-                <a:cs typeface="Consolas" panose="020B0609020204030204" pitchFamily="49" charset="0"/>
-              </a:rPr>
-              <a:t> void copy(List&lt;? super T&gt; </a:t>
-            </a:r>
-            <a:r>
-              <a:rPr lang="en-GB" sz="2400" dirty="0" err="1">
-                <a:latin typeface="Consolas" panose="020B0609020204030204" pitchFamily="49" charset="0"/>
-                <a:cs typeface="Consolas" panose="020B0609020204030204" pitchFamily="49" charset="0"/>
-              </a:rPr>
-              <a:t>dest</a:t>
-            </a:r>
-            <a:r>
-              <a:rPr lang="en-GB" sz="2400" dirty="0">
-                <a:latin typeface="Consolas" panose="020B0609020204030204" pitchFamily="49" charset="0"/>
-                <a:cs typeface="Consolas" panose="020B0609020204030204" pitchFamily="49" charset="0"/>
-              </a:rPr>
-              <a:t>,</a:t>
-            </a:r>
-          </a:p>
-          <a:p>
-            <a:pPr marL="0" indent="0">
-              <a:buNone/>
-            </a:pPr>
-            <a:r>
-              <a:rPr lang="en-GB" sz="2400" dirty="0">
-                <a:latin typeface="Consolas" panose="020B0609020204030204" pitchFamily="49" charset="0"/>
-                <a:cs typeface="Consolas" panose="020B0609020204030204" pitchFamily="49" charset="0"/>
-              </a:rPr>
-              <a:t>            List&lt;? extends T&gt; </a:t>
-            </a:r>
-            <a:r>
-              <a:rPr lang="en-GB" sz="2400" dirty="0" err="1">
-                <a:latin typeface="Consolas" panose="020B0609020204030204" pitchFamily="49" charset="0"/>
-                <a:cs typeface="Consolas" panose="020B0609020204030204" pitchFamily="49" charset="0"/>
-              </a:rPr>
-              <a:t>src</a:t>
-            </a:r>
-            <a:r>
-              <a:rPr lang="en-GB" sz="2400" dirty="0">
-                <a:latin typeface="Consolas" panose="020B0609020204030204" pitchFamily="49" charset="0"/>
-                <a:cs typeface="Consolas" panose="020B0609020204030204" pitchFamily="49" charset="0"/>
-              </a:rPr>
-              <a:t>) {}</a:t>
+                <a:latin typeface="Consolas" panose="020B0609020204030204" pitchFamily="49" charset="0"/>
+                <a:cs typeface="Consolas" panose="020B0609020204030204" pitchFamily="49" charset="0"/>
+              </a:rPr>
+              <a:t>}</a:t>
             </a:r>
           </a:p>
           <a:p>
@@ -6133,17 +6184,209 @@
             <a:pPr marL="0" indent="0">
               <a:buNone/>
             </a:pPr>
+            <a:r>
+              <a:rPr lang="en-GB" sz="2400" dirty="0">
+                <a:latin typeface="Consolas" panose="020B0609020204030204" pitchFamily="49" charset="0"/>
+                <a:cs typeface="Consolas" panose="020B0609020204030204" pitchFamily="49" charset="0"/>
+              </a:rPr>
+              <a:t>public static void </a:t>
+            </a:r>
+            <a:r>
+              <a:rPr lang="en-GB" sz="2400" dirty="0" err="1">
+                <a:latin typeface="Consolas" panose="020B0609020204030204" pitchFamily="49" charset="0"/>
+                <a:cs typeface="Consolas" panose="020B0609020204030204" pitchFamily="49" charset="0"/>
+              </a:rPr>
+              <a:t>addHello</a:t>
+            </a:r>
+            <a:r>
+              <a:rPr lang="en-GB" sz="2400" dirty="0">
+                <a:latin typeface="Consolas" panose="020B0609020204030204" pitchFamily="49" charset="0"/>
+                <a:cs typeface="Consolas" panose="020B0609020204030204" pitchFamily="49" charset="0"/>
+              </a:rPr>
+              <a:t>(List&lt;?&gt; list) {</a:t>
+            </a:r>
+          </a:p>
+          <a:p>
+            <a:pPr marL="0" indent="0">
+              <a:buNone/>
+            </a:pPr>
+            <a:r>
+              <a:rPr lang="en-GB" sz="2400" dirty="0">
+                <a:latin typeface="Consolas" panose="020B0609020204030204" pitchFamily="49" charset="0"/>
+                <a:cs typeface="Consolas" panose="020B0609020204030204" pitchFamily="49" charset="0"/>
+              </a:rPr>
+              <a:t>	final List l = list;</a:t>
+            </a:r>
+          </a:p>
+          <a:p>
+            <a:pPr marL="0" indent="0">
+              <a:buNone/>
+            </a:pPr>
+            <a:r>
+              <a:rPr lang="en-GB" sz="2400" dirty="0">
+                <a:latin typeface="Consolas" panose="020B0609020204030204" pitchFamily="49" charset="0"/>
+                <a:cs typeface="Consolas" panose="020B0609020204030204" pitchFamily="49" charset="0"/>
+              </a:rPr>
+              <a:t>	</a:t>
+            </a:r>
+            <a:r>
+              <a:rPr lang="en-GB" sz="2400" dirty="0" err="1">
+                <a:latin typeface="Consolas" panose="020B0609020204030204" pitchFamily="49" charset="0"/>
+                <a:cs typeface="Consolas" panose="020B0609020204030204" pitchFamily="49" charset="0"/>
+              </a:rPr>
+              <a:t>l.add</a:t>
+            </a:r>
+            <a:r>
+              <a:rPr lang="en-GB" sz="2400" dirty="0">
+                <a:latin typeface="Consolas" panose="020B0609020204030204" pitchFamily="49" charset="0"/>
+                <a:cs typeface="Consolas" panose="020B0609020204030204" pitchFamily="49" charset="0"/>
+              </a:rPr>
+              <a:t>("hello");</a:t>
+            </a:r>
+          </a:p>
+          <a:p>
+            <a:pPr marL="0" indent="0">
+              <a:buNone/>
+            </a:pPr>
+            <a:r>
+              <a:rPr lang="en-GB" sz="2400" dirty="0">
+                <a:latin typeface="Consolas" panose="020B0609020204030204" pitchFamily="49" charset="0"/>
+                <a:cs typeface="Consolas" panose="020B0609020204030204" pitchFamily="49" charset="0"/>
+              </a:rPr>
+              <a:t>}</a:t>
+            </a:r>
+          </a:p>
+          <a:p>
+            <a:pPr marL="0" indent="0">
+              <a:buNone/>
+            </a:pPr>
             <a:endParaRPr lang="en-GB" sz="2400" dirty="0">
               <a:latin typeface="Consolas" panose="020B0609020204030204" pitchFamily="49" charset="0"/>
               <a:cs typeface="Consolas" panose="020B0609020204030204" pitchFamily="49" charset="0"/>
             </a:endParaRPr>
+          </a:p>
+          <a:p>
+            <a:pPr marL="0" indent="0">
+              <a:buNone/>
+            </a:pPr>
+            <a:r>
+              <a:rPr lang="en-GB" sz="2400" dirty="0">
+                <a:latin typeface="Consolas" panose="020B0609020204030204" pitchFamily="49" charset="0"/>
+                <a:cs typeface="Consolas" panose="020B0609020204030204" pitchFamily="49" charset="0"/>
+              </a:rPr>
+              <a:t>public static void main(String[] </a:t>
+            </a:r>
+            <a:r>
+              <a:rPr lang="en-GB" sz="2400" dirty="0" err="1">
+                <a:latin typeface="Consolas" panose="020B0609020204030204" pitchFamily="49" charset="0"/>
+                <a:cs typeface="Consolas" panose="020B0609020204030204" pitchFamily="49" charset="0"/>
+              </a:rPr>
+              <a:t>args</a:t>
+            </a:r>
+            <a:r>
+              <a:rPr lang="en-GB" sz="2400" dirty="0">
+                <a:latin typeface="Consolas" panose="020B0609020204030204" pitchFamily="49" charset="0"/>
+                <a:cs typeface="Consolas" panose="020B0609020204030204" pitchFamily="49" charset="0"/>
+              </a:rPr>
+              <a:t>) {</a:t>
+            </a:r>
+          </a:p>
+          <a:p>
+            <a:pPr marL="0" indent="0">
+              <a:buNone/>
+            </a:pPr>
+            <a:r>
+              <a:rPr lang="en-GB" sz="2400" dirty="0">
+                <a:latin typeface="Consolas" panose="020B0609020204030204" pitchFamily="49" charset="0"/>
+                <a:cs typeface="Consolas" panose="020B0609020204030204" pitchFamily="49" charset="0"/>
+              </a:rPr>
+              <a:t>	List&lt;Integer&gt; list = new </a:t>
+            </a:r>
+            <a:r>
+              <a:rPr lang="en-GB" sz="2400" dirty="0" err="1">
+                <a:latin typeface="Consolas" panose="020B0609020204030204" pitchFamily="49" charset="0"/>
+                <a:cs typeface="Consolas" panose="020B0609020204030204" pitchFamily="49" charset="0"/>
+              </a:rPr>
+              <a:t>ArrayList</a:t>
+            </a:r>
+            <a:r>
+              <a:rPr lang="en-GB" sz="2400" dirty="0">
+                <a:latin typeface="Consolas" panose="020B0609020204030204" pitchFamily="49" charset="0"/>
+                <a:cs typeface="Consolas" panose="020B0609020204030204" pitchFamily="49" charset="0"/>
+              </a:rPr>
+              <a:t>&lt;&gt;(</a:t>
+            </a:r>
+            <a:r>
+              <a:rPr lang="en-GB" sz="2400" dirty="0" err="1">
+                <a:latin typeface="Consolas" panose="020B0609020204030204" pitchFamily="49" charset="0"/>
+                <a:cs typeface="Consolas" panose="020B0609020204030204" pitchFamily="49" charset="0"/>
+              </a:rPr>
+              <a:t>List.of</a:t>
+            </a:r>
+            <a:r>
+              <a:rPr lang="en-GB" sz="2400" dirty="0">
+                <a:latin typeface="Consolas" panose="020B0609020204030204" pitchFamily="49" charset="0"/>
+                <a:cs typeface="Consolas" panose="020B0609020204030204" pitchFamily="49" charset="0"/>
+              </a:rPr>
+              <a:t>(1,2,3,4,5,6,7,8));</a:t>
+            </a:r>
+          </a:p>
+          <a:p>
+            <a:pPr marL="0" indent="0">
+              <a:buNone/>
+            </a:pPr>
+            <a:r>
+              <a:rPr lang="en-GB" sz="2400" dirty="0">
+                <a:latin typeface="Consolas" panose="020B0609020204030204" pitchFamily="49" charset="0"/>
+                <a:cs typeface="Consolas" panose="020B0609020204030204" pitchFamily="49" charset="0"/>
+              </a:rPr>
+              <a:t>	swap(list, 0, 2);</a:t>
+            </a:r>
+          </a:p>
+          <a:p>
+            <a:pPr marL="0" indent="0">
+              <a:buNone/>
+            </a:pPr>
+            <a:r>
+              <a:rPr lang="en-GB" sz="2400" dirty="0">
+                <a:latin typeface="Consolas" panose="020B0609020204030204" pitchFamily="49" charset="0"/>
+                <a:cs typeface="Consolas" panose="020B0609020204030204" pitchFamily="49" charset="0"/>
+              </a:rPr>
+              <a:t>	</a:t>
+            </a:r>
+            <a:r>
+              <a:rPr lang="en-GB" sz="2400" dirty="0" err="1">
+                <a:latin typeface="Consolas" panose="020B0609020204030204" pitchFamily="49" charset="0"/>
+                <a:cs typeface="Consolas" panose="020B0609020204030204" pitchFamily="49" charset="0"/>
+              </a:rPr>
+              <a:t>System.out.println</a:t>
+            </a:r>
+            <a:r>
+              <a:rPr lang="en-GB" sz="2400" dirty="0">
+                <a:latin typeface="Consolas" panose="020B0609020204030204" pitchFamily="49" charset="0"/>
+                <a:cs typeface="Consolas" panose="020B0609020204030204" pitchFamily="49" charset="0"/>
+              </a:rPr>
+              <a:t>(list);</a:t>
+            </a:r>
+          </a:p>
+          <a:p>
+            <a:pPr marL="0" indent="0">
+              <a:buNone/>
+            </a:pPr>
+            <a:r>
+              <a:rPr lang="en-GB" sz="2400" dirty="0">
+                <a:latin typeface="Consolas" panose="020B0609020204030204" pitchFamily="49" charset="0"/>
+                <a:cs typeface="Consolas" panose="020B0609020204030204" pitchFamily="49" charset="0"/>
+              </a:rPr>
+              <a:t>}</a:t>
+            </a:r>
           </a:p>
         </p:txBody>
       </p:sp>
     </p:spTree>
     <p:extLst>
       <p:ext uri="{BB962C8B-B14F-4D97-AF65-F5344CB8AC3E}">
-        <p14:creationId xmlns:p14="http://schemas.microsoft.com/office/powerpoint/2010/main" val="2378674671"/>
+        <p14:creationId xmlns:p14="http://schemas.microsoft.com/office/powerpoint/2010/main" val="1547877442"/>
       </p:ext>
     </p:extLst>
   </p:cSld>
@@ -6187,20 +6430,14 @@
           <a:p>
             <a:r>
               <a:rPr lang="en-US" dirty="0"/>
-              <a:t>Writing List&lt;?&gt;</a:t>
+              <a:t>Generics Implementation</a:t>
             </a:r>
           </a:p>
         </p:txBody>
       </p:sp>
       <p:sp>
         <p:nvSpPr>
-          <p:cNvPr id="5" name="Content Placeholder 4">
-            <a:extLst>
-              <a:ext uri="{FF2B5EF4-FFF2-40B4-BE49-F238E27FC236}">
-                <a16:creationId xmlns:a16="http://schemas.microsoft.com/office/drawing/2014/main" id="{A4D40443-7DDC-6B41-A178-AFA1F2BCA79C}"/>
-              </a:ext>
-            </a:extLst>
-          </p:cNvPr>
+          <p:cNvPr id="3" name="Content Placeholder 2"/>
           <p:cNvSpPr>
             <a:spLocks noGrp="1"/>
           </p:cNvSpPr>
@@ -6211,380 +6448,75 @@
         <p:spPr/>
         <p:txBody>
           <a:bodyPr>
-            <a:normAutofit fontScale="70000" lnSpcReduction="20000"/>
+            <a:normAutofit lnSpcReduction="10000"/>
           </a:bodyPr>
           <a:lstStyle/>
           <a:p>
-            <a:pPr marL="0" indent="0">
-              <a:buNone/>
-            </a:pPr>
-            <a:r>
-              <a:rPr lang="en-GB" sz="2400" dirty="0">
-                <a:latin typeface="Consolas" panose="020B0609020204030204" pitchFamily="49" charset="0"/>
-                <a:cs typeface="Consolas" panose="020B0609020204030204" pitchFamily="49" charset="0"/>
-              </a:rPr>
-              <a:t>// from </a:t>
-            </a:r>
-            <a:r>
-              <a:rPr lang="en-GB" sz="2400" dirty="0" err="1">
-                <a:latin typeface="Consolas" panose="020B0609020204030204" pitchFamily="49" charset="0"/>
-                <a:cs typeface="Consolas" panose="020B0609020204030204" pitchFamily="49" charset="0"/>
-              </a:rPr>
-              <a:t>java.util.Collections</a:t>
-            </a:r>
-            <a:endParaRPr lang="en-GB" sz="2400" dirty="0">
-              <a:latin typeface="Consolas" panose="020B0609020204030204" pitchFamily="49" charset="0"/>
-              <a:cs typeface="Consolas" panose="020B0609020204030204" pitchFamily="49" charset="0"/>
-            </a:endParaRPr>
-          </a:p>
-          <a:p>
-            <a:pPr marL="0" indent="0">
-              <a:buNone/>
-            </a:pPr>
-            <a:r>
-              <a:rPr lang="en-GB" sz="2400" dirty="0">
-                <a:latin typeface="Consolas" panose="020B0609020204030204" pitchFamily="49" charset="0"/>
-                <a:cs typeface="Consolas" panose="020B0609020204030204" pitchFamily="49" charset="0"/>
-              </a:rPr>
-              <a:t>public static void swap(List&lt;?&gt; list, int </a:t>
-            </a:r>
-            <a:r>
-              <a:rPr lang="en-GB" sz="2400" dirty="0" err="1">
-                <a:latin typeface="Consolas" panose="020B0609020204030204" pitchFamily="49" charset="0"/>
-                <a:cs typeface="Consolas" panose="020B0609020204030204" pitchFamily="49" charset="0"/>
-              </a:rPr>
-              <a:t>i</a:t>
-            </a:r>
-            <a:r>
-              <a:rPr lang="en-GB" sz="2400" dirty="0">
-                <a:latin typeface="Consolas" panose="020B0609020204030204" pitchFamily="49" charset="0"/>
-                <a:cs typeface="Consolas" panose="020B0609020204030204" pitchFamily="49" charset="0"/>
-              </a:rPr>
-              <a:t>, int j) {</a:t>
-            </a:r>
-          </a:p>
-          <a:p>
-            <a:pPr marL="0" indent="0">
-              <a:buNone/>
-            </a:pPr>
-            <a:r>
-              <a:rPr lang="en-GB" sz="2400" dirty="0">
-                <a:latin typeface="Consolas" panose="020B0609020204030204" pitchFamily="49" charset="0"/>
-                <a:cs typeface="Consolas" panose="020B0609020204030204" pitchFamily="49" charset="0"/>
-              </a:rPr>
-              <a:t>	final List l = list;</a:t>
-            </a:r>
-          </a:p>
-          <a:p>
-            <a:pPr marL="0" indent="0">
-              <a:buNone/>
-            </a:pPr>
-            <a:r>
-              <a:rPr lang="en-GB" sz="2400" dirty="0">
-                <a:latin typeface="Consolas" panose="020B0609020204030204" pitchFamily="49" charset="0"/>
-                <a:cs typeface="Consolas" panose="020B0609020204030204" pitchFamily="49" charset="0"/>
-              </a:rPr>
-              <a:t>   	</a:t>
-            </a:r>
-            <a:r>
-              <a:rPr lang="en-GB" sz="2400" dirty="0" err="1">
-                <a:latin typeface="Consolas" panose="020B0609020204030204" pitchFamily="49" charset="0"/>
-                <a:cs typeface="Consolas" panose="020B0609020204030204" pitchFamily="49" charset="0"/>
-              </a:rPr>
-              <a:t>l.set</a:t>
-            </a:r>
-            <a:r>
-              <a:rPr lang="en-GB" sz="2400" dirty="0">
-                <a:latin typeface="Consolas" panose="020B0609020204030204" pitchFamily="49" charset="0"/>
-                <a:cs typeface="Consolas" panose="020B0609020204030204" pitchFamily="49" charset="0"/>
-              </a:rPr>
-              <a:t>(</a:t>
-            </a:r>
-            <a:r>
-              <a:rPr lang="en-GB" sz="2400" dirty="0" err="1">
-                <a:latin typeface="Consolas" panose="020B0609020204030204" pitchFamily="49" charset="0"/>
-                <a:cs typeface="Consolas" panose="020B0609020204030204" pitchFamily="49" charset="0"/>
-              </a:rPr>
-              <a:t>i</a:t>
-            </a:r>
-            <a:r>
-              <a:rPr lang="en-GB" sz="2400" dirty="0">
-                <a:latin typeface="Consolas" panose="020B0609020204030204" pitchFamily="49" charset="0"/>
-                <a:cs typeface="Consolas" panose="020B0609020204030204" pitchFamily="49" charset="0"/>
-              </a:rPr>
-              <a:t>, </a:t>
-            </a:r>
-            <a:r>
-              <a:rPr lang="en-GB" sz="2400" dirty="0" err="1">
-                <a:latin typeface="Consolas" panose="020B0609020204030204" pitchFamily="49" charset="0"/>
-                <a:cs typeface="Consolas" panose="020B0609020204030204" pitchFamily="49" charset="0"/>
-              </a:rPr>
-              <a:t>l.set</a:t>
-            </a:r>
-            <a:r>
-              <a:rPr lang="en-GB" sz="2400" dirty="0">
-                <a:latin typeface="Consolas" panose="020B0609020204030204" pitchFamily="49" charset="0"/>
-                <a:cs typeface="Consolas" panose="020B0609020204030204" pitchFamily="49" charset="0"/>
-              </a:rPr>
-              <a:t>(j, </a:t>
-            </a:r>
-            <a:r>
-              <a:rPr lang="en-GB" sz="2400" dirty="0" err="1">
-                <a:latin typeface="Consolas" panose="020B0609020204030204" pitchFamily="49" charset="0"/>
-                <a:cs typeface="Consolas" panose="020B0609020204030204" pitchFamily="49" charset="0"/>
-              </a:rPr>
-              <a:t>l.get</a:t>
-            </a:r>
-            <a:r>
-              <a:rPr lang="en-GB" sz="2400" dirty="0">
-                <a:latin typeface="Consolas" panose="020B0609020204030204" pitchFamily="49" charset="0"/>
-                <a:cs typeface="Consolas" panose="020B0609020204030204" pitchFamily="49" charset="0"/>
-              </a:rPr>
-              <a:t>(</a:t>
-            </a:r>
-            <a:r>
-              <a:rPr lang="en-GB" sz="2400" dirty="0" err="1">
-                <a:latin typeface="Consolas" panose="020B0609020204030204" pitchFamily="49" charset="0"/>
-                <a:cs typeface="Consolas" panose="020B0609020204030204" pitchFamily="49" charset="0"/>
-              </a:rPr>
-              <a:t>i</a:t>
-            </a:r>
-            <a:r>
-              <a:rPr lang="en-GB" sz="2400" dirty="0">
-                <a:latin typeface="Consolas" panose="020B0609020204030204" pitchFamily="49" charset="0"/>
-                <a:cs typeface="Consolas" panose="020B0609020204030204" pitchFamily="49" charset="0"/>
-              </a:rPr>
-              <a:t>)));</a:t>
-            </a:r>
-          </a:p>
-          <a:p>
-            <a:pPr marL="0" indent="0">
-              <a:buNone/>
-            </a:pPr>
-            <a:r>
-              <a:rPr lang="en-GB" sz="2400" dirty="0">
-                <a:latin typeface="Consolas" panose="020B0609020204030204" pitchFamily="49" charset="0"/>
-                <a:cs typeface="Consolas" panose="020B0609020204030204" pitchFamily="49" charset="0"/>
-              </a:rPr>
-              <a:t>}</a:t>
-            </a:r>
-          </a:p>
-          <a:p>
-            <a:pPr marL="0" indent="0">
-              <a:buNone/>
-            </a:pPr>
-            <a:endParaRPr lang="en-GB" sz="2400" dirty="0">
-              <a:latin typeface="Consolas" panose="020B0609020204030204" pitchFamily="49" charset="0"/>
-              <a:cs typeface="Consolas" panose="020B0609020204030204" pitchFamily="49" charset="0"/>
-            </a:endParaRPr>
-          </a:p>
-          <a:p>
-            <a:pPr marL="0" indent="0">
-              <a:buNone/>
-            </a:pPr>
-            <a:r>
-              <a:rPr lang="en-GB" sz="2400" dirty="0">
-                <a:latin typeface="Consolas" panose="020B0609020204030204" pitchFamily="49" charset="0"/>
-                <a:cs typeface="Consolas" panose="020B0609020204030204" pitchFamily="49" charset="0"/>
-              </a:rPr>
-              <a:t>public static void </a:t>
-            </a:r>
-            <a:r>
-              <a:rPr lang="en-GB" sz="2400" dirty="0" err="1">
-                <a:latin typeface="Consolas" panose="020B0609020204030204" pitchFamily="49" charset="0"/>
-                <a:cs typeface="Consolas" panose="020B0609020204030204" pitchFamily="49" charset="0"/>
-              </a:rPr>
-              <a:t>addHello</a:t>
-            </a:r>
-            <a:r>
-              <a:rPr lang="en-GB" sz="2400" dirty="0">
-                <a:latin typeface="Consolas" panose="020B0609020204030204" pitchFamily="49" charset="0"/>
-                <a:cs typeface="Consolas" panose="020B0609020204030204" pitchFamily="49" charset="0"/>
-              </a:rPr>
-              <a:t>(List&lt;?&gt; list) {</a:t>
-            </a:r>
-          </a:p>
-          <a:p>
-            <a:pPr marL="0" indent="0">
-              <a:buNone/>
-            </a:pPr>
-            <a:r>
-              <a:rPr lang="en-GB" sz="2400" dirty="0">
-                <a:latin typeface="Consolas" panose="020B0609020204030204" pitchFamily="49" charset="0"/>
-                <a:cs typeface="Consolas" panose="020B0609020204030204" pitchFamily="49" charset="0"/>
-              </a:rPr>
-              <a:t>	final List l = list;</a:t>
-            </a:r>
-          </a:p>
-          <a:p>
-            <a:pPr marL="0" indent="0">
-              <a:buNone/>
-            </a:pPr>
-            <a:r>
-              <a:rPr lang="en-GB" sz="2400" dirty="0">
-                <a:latin typeface="Consolas" panose="020B0609020204030204" pitchFamily="49" charset="0"/>
-                <a:cs typeface="Consolas" panose="020B0609020204030204" pitchFamily="49" charset="0"/>
-              </a:rPr>
-              <a:t>	</a:t>
-            </a:r>
-            <a:r>
-              <a:rPr lang="en-GB" sz="2400" dirty="0" err="1">
-                <a:latin typeface="Consolas" panose="020B0609020204030204" pitchFamily="49" charset="0"/>
-                <a:cs typeface="Consolas" panose="020B0609020204030204" pitchFamily="49" charset="0"/>
-              </a:rPr>
-              <a:t>l.add</a:t>
-            </a:r>
-            <a:r>
-              <a:rPr lang="en-GB" sz="2400" dirty="0">
-                <a:latin typeface="Consolas" panose="020B0609020204030204" pitchFamily="49" charset="0"/>
-                <a:cs typeface="Consolas" panose="020B0609020204030204" pitchFamily="49" charset="0"/>
-              </a:rPr>
-              <a:t>("hello");</a:t>
-            </a:r>
-          </a:p>
-          <a:p>
-            <a:pPr marL="0" indent="0">
-              <a:buNone/>
-            </a:pPr>
-            <a:r>
-              <a:rPr lang="en-GB" sz="2400" dirty="0">
-                <a:latin typeface="Consolas" panose="020B0609020204030204" pitchFamily="49" charset="0"/>
-                <a:cs typeface="Consolas" panose="020B0609020204030204" pitchFamily="49" charset="0"/>
-              </a:rPr>
-              <a:t>}</a:t>
-            </a:r>
-          </a:p>
-          <a:p>
-            <a:pPr marL="0" indent="0">
-              <a:buNone/>
-            </a:pPr>
-            <a:endParaRPr lang="en-GB" sz="2400" dirty="0">
-              <a:latin typeface="Consolas" panose="020B0609020204030204" pitchFamily="49" charset="0"/>
-              <a:cs typeface="Consolas" panose="020B0609020204030204" pitchFamily="49" charset="0"/>
-            </a:endParaRPr>
-          </a:p>
-          <a:p>
-            <a:pPr marL="0" indent="0">
-              <a:buNone/>
-            </a:pPr>
-            <a:r>
-              <a:rPr lang="en-GB" sz="2400" dirty="0">
-                <a:latin typeface="Consolas" panose="020B0609020204030204" pitchFamily="49" charset="0"/>
-                <a:cs typeface="Consolas" panose="020B0609020204030204" pitchFamily="49" charset="0"/>
-              </a:rPr>
-              <a:t>public static void main(String[] </a:t>
-            </a:r>
-            <a:r>
-              <a:rPr lang="en-GB" sz="2400" dirty="0" err="1">
-                <a:latin typeface="Consolas" panose="020B0609020204030204" pitchFamily="49" charset="0"/>
-                <a:cs typeface="Consolas" panose="020B0609020204030204" pitchFamily="49" charset="0"/>
-              </a:rPr>
-              <a:t>args</a:t>
-            </a:r>
-            <a:r>
-              <a:rPr lang="en-GB" sz="2400" dirty="0">
-                <a:latin typeface="Consolas" panose="020B0609020204030204" pitchFamily="49" charset="0"/>
-                <a:cs typeface="Consolas" panose="020B0609020204030204" pitchFamily="49" charset="0"/>
-              </a:rPr>
-              <a:t>) {</a:t>
-            </a:r>
-          </a:p>
-          <a:p>
-            <a:pPr marL="0" indent="0">
-              <a:buNone/>
-            </a:pPr>
-            <a:r>
-              <a:rPr lang="en-GB" sz="2400" dirty="0">
-                <a:latin typeface="Consolas" panose="020B0609020204030204" pitchFamily="49" charset="0"/>
-                <a:cs typeface="Consolas" panose="020B0609020204030204" pitchFamily="49" charset="0"/>
-              </a:rPr>
-              <a:t>	List&lt;Integer&gt; list = new </a:t>
-            </a:r>
-            <a:r>
-              <a:rPr lang="en-GB" sz="2400" dirty="0" err="1">
-                <a:latin typeface="Consolas" panose="020B0609020204030204" pitchFamily="49" charset="0"/>
-                <a:cs typeface="Consolas" panose="020B0609020204030204" pitchFamily="49" charset="0"/>
-              </a:rPr>
-              <a:t>ArrayList</a:t>
-            </a:r>
-            <a:r>
-              <a:rPr lang="en-GB" sz="2400" dirty="0">
-                <a:latin typeface="Consolas" panose="020B0609020204030204" pitchFamily="49" charset="0"/>
-                <a:cs typeface="Consolas" panose="020B0609020204030204" pitchFamily="49" charset="0"/>
-              </a:rPr>
-              <a:t>&lt;&gt;(</a:t>
-            </a:r>
-            <a:r>
-              <a:rPr lang="en-GB" sz="2400" dirty="0" err="1">
-                <a:latin typeface="Consolas" panose="020B0609020204030204" pitchFamily="49" charset="0"/>
-                <a:cs typeface="Consolas" panose="020B0609020204030204" pitchFamily="49" charset="0"/>
-              </a:rPr>
-              <a:t>List.of</a:t>
-            </a:r>
-            <a:r>
-              <a:rPr lang="en-GB" sz="2400" dirty="0">
-                <a:latin typeface="Consolas" panose="020B0609020204030204" pitchFamily="49" charset="0"/>
-                <a:cs typeface="Consolas" panose="020B0609020204030204" pitchFamily="49" charset="0"/>
-              </a:rPr>
-              <a:t>(1,2,3,4,5,6,7,8));</a:t>
-            </a:r>
-          </a:p>
-          <a:p>
-            <a:pPr marL="0" indent="0">
-              <a:buNone/>
-            </a:pPr>
-            <a:r>
-              <a:rPr lang="en-GB" sz="2400" dirty="0">
-                <a:latin typeface="Consolas" panose="020B0609020204030204" pitchFamily="49" charset="0"/>
-                <a:cs typeface="Consolas" panose="020B0609020204030204" pitchFamily="49" charset="0"/>
-              </a:rPr>
-              <a:t>	swap(list, 0, 2);</a:t>
-            </a:r>
-          </a:p>
-          <a:p>
-            <a:pPr marL="0" indent="0">
-              <a:buNone/>
-            </a:pPr>
-            <a:r>
-              <a:rPr lang="en-GB" sz="2400" dirty="0">
-                <a:latin typeface="Consolas" panose="020B0609020204030204" pitchFamily="49" charset="0"/>
-                <a:cs typeface="Consolas" panose="020B0609020204030204" pitchFamily="49" charset="0"/>
-              </a:rPr>
-              <a:t>	</a:t>
-            </a:r>
-            <a:r>
-              <a:rPr lang="en-GB" sz="2400" dirty="0" err="1">
-                <a:latin typeface="Consolas" panose="020B0609020204030204" pitchFamily="49" charset="0"/>
-                <a:cs typeface="Consolas" panose="020B0609020204030204" pitchFamily="49" charset="0"/>
-              </a:rPr>
-              <a:t>System.out.println</a:t>
-            </a:r>
-            <a:r>
-              <a:rPr lang="en-GB" sz="2400" dirty="0">
-                <a:latin typeface="Consolas" panose="020B0609020204030204" pitchFamily="49" charset="0"/>
-                <a:cs typeface="Consolas" panose="020B0609020204030204" pitchFamily="49" charset="0"/>
-              </a:rPr>
-              <a:t>(list);</a:t>
-            </a:r>
-          </a:p>
-          <a:p>
-            <a:pPr marL="0" indent="0">
-              <a:buNone/>
-            </a:pPr>
-            <a:r>
-              <a:rPr lang="en-GB" sz="2400" dirty="0">
-                <a:latin typeface="Consolas" panose="020B0609020204030204" pitchFamily="49" charset="0"/>
-                <a:cs typeface="Consolas" panose="020B0609020204030204" pitchFamily="49" charset="0"/>
-              </a:rPr>
-              <a:t>}</a:t>
-            </a:r>
+            <a:r>
+              <a:rPr lang="en-US" dirty="0"/>
+              <a:t>Rather than undergoing major changes between Java 4 and Java 5, engineers chose to use </a:t>
+            </a:r>
+            <a:r>
+              <a:rPr lang="en-US" dirty="0">
+                <a:solidFill>
+                  <a:srgbClr val="E46C0A"/>
+                </a:solidFill>
+              </a:rPr>
+              <a:t>code erasure. </a:t>
+            </a:r>
+            <a:r>
+              <a:rPr lang="en-US" dirty="0"/>
+              <a:t>Similar to the pre-processor in C compilers.</a:t>
+            </a:r>
+          </a:p>
+          <a:p>
+            <a:r>
+              <a:rPr lang="en-US" dirty="0">
+                <a:solidFill>
+                  <a:schemeClr val="accent6">
+                    <a:lumMod val="75000"/>
+                  </a:schemeClr>
+                </a:solidFill>
+              </a:rPr>
+              <a:t>After the compiler does its type checking, it discards all the generics-related code. The JVM never sees them!</a:t>
+            </a:r>
+          </a:p>
+          <a:p>
+            <a:r>
+              <a:rPr lang="en-US" dirty="0"/>
+              <a:t>Code erasure works like this:</a:t>
+            </a:r>
+          </a:p>
+          <a:p>
+            <a:pPr lvl="1"/>
+            <a:r>
+              <a:rPr lang="en-US" dirty="0"/>
+              <a:t>Type information (angle brackets) is thrown away: List&lt;String&gt; -&gt; List</a:t>
+            </a:r>
+          </a:p>
+          <a:p>
+            <a:pPr lvl="1"/>
+            <a:r>
+              <a:rPr lang="en-US" dirty="0"/>
+              <a:t>Type variables are replaced by their upper bound (usually Object)</a:t>
+            </a:r>
+          </a:p>
+          <a:p>
+            <a:pPr lvl="1"/>
+            <a:r>
+              <a:rPr lang="en-US" dirty="0"/>
+              <a:t>Casts are inserted to preserve type‐correctness</a:t>
+            </a:r>
+          </a:p>
+          <a:p>
+            <a:endParaRPr lang="en-US" dirty="0"/>
           </a:p>
         </p:txBody>
       </p:sp>
     </p:spTree>
     <p:extLst>
       <p:ext uri="{BB962C8B-B14F-4D97-AF65-F5344CB8AC3E}">
-        <p14:creationId xmlns:p14="http://schemas.microsoft.com/office/powerpoint/2010/main" val="1547877442"/>
+        <p14:creationId xmlns:p14="http://schemas.microsoft.com/office/powerpoint/2010/main" val="757042491"/>
       </p:ext>
     </p:extLst>
   </p:cSld>
@@ -6613,7 +6545,13 @@
       </p:grpSpPr>
       <p:sp>
         <p:nvSpPr>
-          <p:cNvPr id="2" name="Title 1"/>
+          <p:cNvPr id="4" name="Title 3">
+            <a:extLst>
+              <a:ext uri="{FF2B5EF4-FFF2-40B4-BE49-F238E27FC236}">
+                <a16:creationId xmlns:a16="http://schemas.microsoft.com/office/drawing/2014/main" id="{3B250653-71E9-FD45-A9E1-8D6006DC8554}"/>
+              </a:ext>
+            </a:extLst>
+          </p:cNvPr>
           <p:cNvSpPr>
             <a:spLocks noGrp="1"/>
           </p:cNvSpPr>
@@ -6628,19 +6566,284 @@
           <a:p>
             <a:r>
               <a:rPr lang="en-US" dirty="0"/>
-              <a:t>How Generics are Implemented</a:t>
-            </a:r>
+              <a:t>Code Erasure</a:t>
+            </a:r>
+            <a:endParaRPr lang="en-GB" dirty="0"/>
           </a:p>
         </p:txBody>
       </p:sp>
       <p:sp>
         <p:nvSpPr>
-          <p:cNvPr id="3" name="Content Placeholder 2"/>
+          <p:cNvPr id="5" name="Content Placeholder 4">
+            <a:extLst>
+              <a:ext uri="{FF2B5EF4-FFF2-40B4-BE49-F238E27FC236}">
+                <a16:creationId xmlns:a16="http://schemas.microsoft.com/office/drawing/2014/main" id="{80050AF1-9E20-914C-8358-059E991F8015}"/>
+              </a:ext>
+            </a:extLst>
+          </p:cNvPr>
           <p:cNvSpPr>
             <a:spLocks noGrp="1"/>
           </p:cNvSpPr>
           <p:nvPr>
-            <p:ph idx="1"/>
+            <p:ph sz="half" idx="1"/>
+          </p:nvPr>
+        </p:nvSpPr>
+        <p:spPr/>
+        <p:txBody>
+          <a:bodyPr>
+            <a:noAutofit/>
+          </a:bodyPr>
+          <a:lstStyle/>
+          <a:p>
+            <a:pPr marL="0" indent="0">
+              <a:buNone/>
+            </a:pPr>
+            <a:r>
+              <a:rPr lang="en-GB" sz="1400" dirty="0">
+                <a:latin typeface="Consolas" panose="020B0609020204030204" pitchFamily="49" charset="0"/>
+                <a:cs typeface="Consolas" panose="020B0609020204030204" pitchFamily="49" charset="0"/>
+              </a:rPr>
+              <a:t>public class Stack&lt;E&gt; {</a:t>
+            </a:r>
+          </a:p>
+          <a:p>
+            <a:pPr marL="0" indent="0">
+              <a:buNone/>
+            </a:pPr>
+            <a:r>
+              <a:rPr lang="en-GB" sz="1400" dirty="0">
+                <a:latin typeface="Consolas" panose="020B0609020204030204" pitchFamily="49" charset="0"/>
+                <a:cs typeface="Consolas" panose="020B0609020204030204" pitchFamily="49" charset="0"/>
+              </a:rPr>
+              <a:t>    private E[] </a:t>
+            </a:r>
+            <a:r>
+              <a:rPr lang="en-GB" sz="1400" dirty="0" err="1">
+                <a:latin typeface="Consolas" panose="020B0609020204030204" pitchFamily="49" charset="0"/>
+                <a:cs typeface="Consolas" panose="020B0609020204030204" pitchFamily="49" charset="0"/>
+              </a:rPr>
+              <a:t>stackContent</a:t>
+            </a:r>
+            <a:r>
+              <a:rPr lang="en-GB" sz="1400" dirty="0">
+                <a:latin typeface="Consolas" panose="020B0609020204030204" pitchFamily="49" charset="0"/>
+                <a:cs typeface="Consolas" panose="020B0609020204030204" pitchFamily="49" charset="0"/>
+              </a:rPr>
+              <a:t>;</a:t>
+            </a:r>
+          </a:p>
+          <a:p>
+            <a:pPr marL="0" indent="0">
+              <a:buNone/>
+            </a:pPr>
+            <a:r>
+              <a:rPr lang="en-GB" sz="1400" dirty="0">
+                <a:latin typeface="Consolas" panose="020B0609020204030204" pitchFamily="49" charset="0"/>
+                <a:cs typeface="Consolas" panose="020B0609020204030204" pitchFamily="49" charset="0"/>
+              </a:rPr>
+              <a:t> </a:t>
+            </a:r>
+          </a:p>
+          <a:p>
+            <a:pPr marL="0" indent="0">
+              <a:buNone/>
+            </a:pPr>
+            <a:r>
+              <a:rPr lang="en-GB" sz="1400" dirty="0">
+                <a:latin typeface="Consolas" panose="020B0609020204030204" pitchFamily="49" charset="0"/>
+                <a:cs typeface="Consolas" panose="020B0609020204030204" pitchFamily="49" charset="0"/>
+              </a:rPr>
+              <a:t>    public Stack(</a:t>
+            </a:r>
+            <a:r>
+              <a:rPr lang="en-GB" sz="1400" dirty="0" err="1">
+                <a:latin typeface="Consolas" panose="020B0609020204030204" pitchFamily="49" charset="0"/>
+                <a:cs typeface="Consolas" panose="020B0609020204030204" pitchFamily="49" charset="0"/>
+              </a:rPr>
+              <a:t>int</a:t>
+            </a:r>
+            <a:r>
+              <a:rPr lang="en-GB" sz="1400" dirty="0">
+                <a:latin typeface="Consolas" panose="020B0609020204030204" pitchFamily="49" charset="0"/>
+                <a:cs typeface="Consolas" panose="020B0609020204030204" pitchFamily="49" charset="0"/>
+              </a:rPr>
+              <a:t> capacity) {</a:t>
+            </a:r>
+          </a:p>
+          <a:p>
+            <a:pPr marL="0" indent="0">
+              <a:buNone/>
+            </a:pPr>
+            <a:r>
+              <a:rPr lang="en-GB" sz="1400" dirty="0">
+                <a:latin typeface="Consolas" panose="020B0609020204030204" pitchFamily="49" charset="0"/>
+                <a:cs typeface="Consolas" panose="020B0609020204030204" pitchFamily="49" charset="0"/>
+              </a:rPr>
+              <a:t>        </a:t>
+            </a:r>
+            <a:r>
+              <a:rPr lang="en-GB" sz="1400" dirty="0" err="1">
+                <a:latin typeface="Consolas" panose="020B0609020204030204" pitchFamily="49" charset="0"/>
+                <a:cs typeface="Consolas" panose="020B0609020204030204" pitchFamily="49" charset="0"/>
+              </a:rPr>
+              <a:t>this.stackContent</a:t>
+            </a:r>
+            <a:r>
+              <a:rPr lang="en-GB" sz="1400" dirty="0">
+                <a:latin typeface="Consolas" panose="020B0609020204030204" pitchFamily="49" charset="0"/>
+                <a:cs typeface="Consolas" panose="020B0609020204030204" pitchFamily="49" charset="0"/>
+              </a:rPr>
+              <a:t> = </a:t>
+            </a:r>
+          </a:p>
+          <a:p>
+            <a:pPr marL="0" indent="0">
+              <a:buNone/>
+            </a:pPr>
+            <a:r>
+              <a:rPr lang="en-GB" sz="1400" dirty="0">
+                <a:latin typeface="Consolas" panose="020B0609020204030204" pitchFamily="49" charset="0"/>
+                <a:cs typeface="Consolas" panose="020B0609020204030204" pitchFamily="49" charset="0"/>
+              </a:rPr>
+              <a:t>		(E[]) new Object[capacity];</a:t>
+            </a:r>
+          </a:p>
+          <a:p>
+            <a:pPr marL="0" indent="0">
+              <a:buNone/>
+            </a:pPr>
+            <a:r>
+              <a:rPr lang="en-GB" sz="1400" dirty="0">
+                <a:latin typeface="Consolas" panose="020B0609020204030204" pitchFamily="49" charset="0"/>
+                <a:cs typeface="Consolas" panose="020B0609020204030204" pitchFamily="49" charset="0"/>
+              </a:rPr>
+              <a:t>    }</a:t>
+            </a:r>
+          </a:p>
+          <a:p>
+            <a:pPr marL="0" indent="0">
+              <a:buNone/>
+            </a:pPr>
+            <a:r>
+              <a:rPr lang="en-GB" sz="1400" dirty="0">
+                <a:latin typeface="Consolas" panose="020B0609020204030204" pitchFamily="49" charset="0"/>
+                <a:cs typeface="Consolas" panose="020B0609020204030204" pitchFamily="49" charset="0"/>
+              </a:rPr>
+              <a:t> </a:t>
+            </a:r>
+          </a:p>
+          <a:p>
+            <a:pPr marL="0" indent="0">
+              <a:buNone/>
+            </a:pPr>
+            <a:r>
+              <a:rPr lang="en-GB" sz="1400" dirty="0">
+                <a:latin typeface="Consolas" panose="020B0609020204030204" pitchFamily="49" charset="0"/>
+                <a:cs typeface="Consolas" panose="020B0609020204030204" pitchFamily="49" charset="0"/>
+              </a:rPr>
+              <a:t>    public void push(E data) {</a:t>
+            </a:r>
+          </a:p>
+          <a:p>
+            <a:pPr marL="0" indent="0">
+              <a:buNone/>
+            </a:pPr>
+            <a:r>
+              <a:rPr lang="en-GB" sz="1400" dirty="0">
+                <a:latin typeface="Consolas" panose="020B0609020204030204" pitchFamily="49" charset="0"/>
+                <a:cs typeface="Consolas" panose="020B0609020204030204" pitchFamily="49" charset="0"/>
+              </a:rPr>
+              <a:t>        // ..</a:t>
+            </a:r>
+          </a:p>
+          <a:p>
+            <a:pPr marL="0" indent="0">
+              <a:buNone/>
+            </a:pPr>
+            <a:r>
+              <a:rPr lang="en-GB" sz="1400" dirty="0">
+                <a:latin typeface="Consolas" panose="020B0609020204030204" pitchFamily="49" charset="0"/>
+                <a:cs typeface="Consolas" panose="020B0609020204030204" pitchFamily="49" charset="0"/>
+              </a:rPr>
+              <a:t>    }</a:t>
+            </a:r>
+          </a:p>
+          <a:p>
+            <a:pPr marL="0" indent="0">
+              <a:buNone/>
+            </a:pPr>
+            <a:r>
+              <a:rPr lang="en-GB" sz="1400" dirty="0">
+                <a:latin typeface="Consolas" panose="020B0609020204030204" pitchFamily="49" charset="0"/>
+                <a:cs typeface="Consolas" panose="020B0609020204030204" pitchFamily="49" charset="0"/>
+              </a:rPr>
+              <a:t> </a:t>
+            </a:r>
+          </a:p>
+          <a:p>
+            <a:pPr marL="0" indent="0">
+              <a:buNone/>
+            </a:pPr>
+            <a:r>
+              <a:rPr lang="en-GB" sz="1400" dirty="0">
+                <a:latin typeface="Consolas" panose="020B0609020204030204" pitchFamily="49" charset="0"/>
+                <a:cs typeface="Consolas" panose="020B0609020204030204" pitchFamily="49" charset="0"/>
+              </a:rPr>
+              <a:t>    public E pop() {</a:t>
+            </a:r>
+          </a:p>
+          <a:p>
+            <a:pPr marL="0" indent="0">
+              <a:buNone/>
+            </a:pPr>
+            <a:r>
+              <a:rPr lang="en-GB" sz="1400" dirty="0">
+                <a:latin typeface="Consolas" panose="020B0609020204030204" pitchFamily="49" charset="0"/>
+                <a:cs typeface="Consolas" panose="020B0609020204030204" pitchFamily="49" charset="0"/>
+              </a:rPr>
+              <a:t>        // ..</a:t>
+            </a:r>
+          </a:p>
+          <a:p>
+            <a:pPr marL="0" indent="0">
+              <a:buNone/>
+            </a:pPr>
+            <a:r>
+              <a:rPr lang="en-GB" sz="1400" dirty="0">
+                <a:latin typeface="Consolas" panose="020B0609020204030204" pitchFamily="49" charset="0"/>
+                <a:cs typeface="Consolas" panose="020B0609020204030204" pitchFamily="49" charset="0"/>
+              </a:rPr>
+              <a:t>    }</a:t>
+            </a:r>
+          </a:p>
+          <a:p>
+            <a:pPr marL="0" indent="0">
+              <a:buNone/>
+            </a:pPr>
+            <a:r>
+              <a:rPr lang="en-GB" sz="1400" dirty="0">
+                <a:latin typeface="Consolas" panose="020B0609020204030204" pitchFamily="49" charset="0"/>
+                <a:cs typeface="Consolas" panose="020B0609020204030204" pitchFamily="49" charset="0"/>
+              </a:rPr>
+              <a:t>}</a:t>
+            </a:r>
+          </a:p>
+        </p:txBody>
+      </p:sp>
+      <p:sp>
+        <p:nvSpPr>
+          <p:cNvPr id="6" name="Content Placeholder 5">
+            <a:extLst>
+              <a:ext uri="{FF2B5EF4-FFF2-40B4-BE49-F238E27FC236}">
+                <a16:creationId xmlns:a16="http://schemas.microsoft.com/office/drawing/2014/main" id="{CF0248D5-170C-6142-A0E2-49F58210955D}"/>
+              </a:ext>
+            </a:extLst>
+          </p:cNvPr>
+          <p:cNvSpPr>
+            <a:spLocks noGrp="1"/>
+          </p:cNvSpPr>
+          <p:nvPr>
+            <p:ph sz="half" idx="2"/>
           </p:nvPr>
         </p:nvSpPr>
         <p:spPr/>
@@ -6650,67 +6853,245 @@
           </a:bodyPr>
           <a:lstStyle/>
           <a:p>
-            <a:r>
-              <a:rPr lang="en-US" dirty="0"/>
-              <a:t>Rather than undergoing major changes between Java 4 and Java 5, engineers chose to use </a:t>
-            </a:r>
-            <a:r>
-              <a:rPr lang="en-US" dirty="0">
-                <a:solidFill>
-                  <a:srgbClr val="E46C0A"/>
-                </a:solidFill>
-              </a:rPr>
-              <a:t>code erasure</a:t>
-            </a:r>
-          </a:p>
-          <a:p>
-            <a:r>
-              <a:rPr lang="en-US" dirty="0">
-                <a:solidFill>
-                  <a:schemeClr val="accent6">
-                    <a:lumMod val="75000"/>
-                  </a:schemeClr>
-                </a:solidFill>
-              </a:rPr>
-              <a:t>After the compiler does its type checking, it discards all the generics-related code. The JVM never sees them!</a:t>
-            </a:r>
-          </a:p>
-          <a:p>
-            <a:r>
-              <a:rPr lang="en-US" dirty="0"/>
-              <a:t>Code erasure works like this:</a:t>
-            </a:r>
-          </a:p>
-          <a:p>
-            <a:pPr lvl="1"/>
-            <a:r>
-              <a:rPr lang="en-US" dirty="0"/>
-              <a:t>Type information (angle brackets) is thrown away: List&lt;String&gt; -&gt; List</a:t>
-            </a:r>
-          </a:p>
-          <a:p>
-            <a:pPr lvl="1"/>
-            <a:r>
-              <a:rPr lang="en-US" dirty="0"/>
-              <a:t>Type variables are replaced by their upper bound (usually Object)</a:t>
-            </a:r>
-          </a:p>
-          <a:p>
-            <a:pPr lvl="1"/>
-            <a:r>
-              <a:rPr lang="en-US" dirty="0"/>
-              <a:t>Casts are inserted to preserve type‐correctness</a:t>
-            </a:r>
-          </a:p>
-          <a:p>
-            <a:endParaRPr lang="en-US" dirty="0"/>
+            <a:pPr marL="0" indent="0">
+              <a:buNone/>
+            </a:pPr>
+            <a:r>
+              <a:rPr lang="en-GB" sz="1400" dirty="0">
+                <a:latin typeface="Consolas" panose="020B0609020204030204" pitchFamily="49" charset="0"/>
+                <a:cs typeface="Consolas" panose="020B0609020204030204" pitchFamily="49" charset="0"/>
+              </a:rPr>
+              <a:t>public class Stack {</a:t>
+            </a:r>
+          </a:p>
+          <a:p>
+            <a:pPr marL="0" indent="0">
+              <a:buNone/>
+            </a:pPr>
+            <a:r>
+              <a:rPr lang="en-GB" sz="1400" dirty="0">
+                <a:latin typeface="Consolas" panose="020B0609020204030204" pitchFamily="49" charset="0"/>
+                <a:cs typeface="Consolas" panose="020B0609020204030204" pitchFamily="49" charset="0"/>
+              </a:rPr>
+              <a:t>    private Object[] </a:t>
+            </a:r>
+            <a:r>
+              <a:rPr lang="en-GB" sz="1400" dirty="0" err="1">
+                <a:latin typeface="Consolas" panose="020B0609020204030204" pitchFamily="49" charset="0"/>
+                <a:cs typeface="Consolas" panose="020B0609020204030204" pitchFamily="49" charset="0"/>
+              </a:rPr>
+              <a:t>stackContent</a:t>
+            </a:r>
+            <a:r>
+              <a:rPr lang="en-GB" sz="1400" dirty="0">
+                <a:latin typeface="Consolas" panose="020B0609020204030204" pitchFamily="49" charset="0"/>
+                <a:cs typeface="Consolas" panose="020B0609020204030204" pitchFamily="49" charset="0"/>
+              </a:rPr>
+              <a:t>;</a:t>
+            </a:r>
+          </a:p>
+          <a:p>
+            <a:pPr marL="0" indent="0">
+              <a:buNone/>
+            </a:pPr>
+            <a:r>
+              <a:rPr lang="en-GB" sz="1400" dirty="0">
+                <a:latin typeface="Consolas" panose="020B0609020204030204" pitchFamily="49" charset="0"/>
+                <a:cs typeface="Consolas" panose="020B0609020204030204" pitchFamily="49" charset="0"/>
+              </a:rPr>
+              <a:t> </a:t>
+            </a:r>
+          </a:p>
+          <a:p>
+            <a:pPr marL="0" indent="0">
+              <a:buNone/>
+            </a:pPr>
+            <a:r>
+              <a:rPr lang="en-GB" sz="1400" dirty="0">
+                <a:latin typeface="Consolas" panose="020B0609020204030204" pitchFamily="49" charset="0"/>
+                <a:cs typeface="Consolas" panose="020B0609020204030204" pitchFamily="49" charset="0"/>
+              </a:rPr>
+              <a:t>    public Stack(</a:t>
+            </a:r>
+            <a:r>
+              <a:rPr lang="en-GB" sz="1400" dirty="0" err="1">
+                <a:latin typeface="Consolas" panose="020B0609020204030204" pitchFamily="49" charset="0"/>
+                <a:cs typeface="Consolas" panose="020B0609020204030204" pitchFamily="49" charset="0"/>
+              </a:rPr>
+              <a:t>int</a:t>
+            </a:r>
+            <a:r>
+              <a:rPr lang="en-GB" sz="1400" dirty="0">
+                <a:latin typeface="Consolas" panose="020B0609020204030204" pitchFamily="49" charset="0"/>
+                <a:cs typeface="Consolas" panose="020B0609020204030204" pitchFamily="49" charset="0"/>
+              </a:rPr>
+              <a:t> capacity) {</a:t>
+            </a:r>
+          </a:p>
+          <a:p>
+            <a:pPr marL="0" indent="0">
+              <a:buNone/>
+            </a:pPr>
+            <a:r>
+              <a:rPr lang="en-GB" sz="1400" dirty="0">
+                <a:latin typeface="Consolas" panose="020B0609020204030204" pitchFamily="49" charset="0"/>
+                <a:cs typeface="Consolas" panose="020B0609020204030204" pitchFamily="49" charset="0"/>
+              </a:rPr>
+              <a:t>        </a:t>
+            </a:r>
+            <a:r>
+              <a:rPr lang="en-GB" sz="1400" dirty="0" err="1">
+                <a:latin typeface="Consolas" panose="020B0609020204030204" pitchFamily="49" charset="0"/>
+                <a:cs typeface="Consolas" panose="020B0609020204030204" pitchFamily="49" charset="0"/>
+              </a:rPr>
+              <a:t>this.stackContent</a:t>
+            </a:r>
+            <a:r>
+              <a:rPr lang="en-GB" sz="1400" dirty="0">
+                <a:latin typeface="Consolas" panose="020B0609020204030204" pitchFamily="49" charset="0"/>
+                <a:cs typeface="Consolas" panose="020B0609020204030204" pitchFamily="49" charset="0"/>
+              </a:rPr>
+              <a:t> = </a:t>
+            </a:r>
+          </a:p>
+          <a:p>
+            <a:pPr marL="0" indent="0">
+              <a:buNone/>
+            </a:pPr>
+            <a:r>
+              <a:rPr lang="en-GB" sz="1400" dirty="0">
+                <a:latin typeface="Consolas" panose="020B0609020204030204" pitchFamily="49" charset="0"/>
+                <a:cs typeface="Consolas" panose="020B0609020204030204" pitchFamily="49" charset="0"/>
+              </a:rPr>
+              <a:t>		(Object[]) new Object[capacity];</a:t>
+            </a:r>
+          </a:p>
+          <a:p>
+            <a:pPr marL="0" indent="0">
+              <a:buNone/>
+            </a:pPr>
+            <a:r>
+              <a:rPr lang="en-GB" sz="1400" dirty="0">
+                <a:latin typeface="Consolas" panose="020B0609020204030204" pitchFamily="49" charset="0"/>
+                <a:cs typeface="Consolas" panose="020B0609020204030204" pitchFamily="49" charset="0"/>
+              </a:rPr>
+              <a:t>    }</a:t>
+            </a:r>
+          </a:p>
+          <a:p>
+            <a:pPr marL="0" indent="0">
+              <a:buNone/>
+            </a:pPr>
+            <a:r>
+              <a:rPr lang="en-GB" sz="1400" dirty="0">
+                <a:latin typeface="Consolas" panose="020B0609020204030204" pitchFamily="49" charset="0"/>
+                <a:cs typeface="Consolas" panose="020B0609020204030204" pitchFamily="49" charset="0"/>
+              </a:rPr>
+              <a:t> </a:t>
+            </a:r>
+          </a:p>
+          <a:p>
+            <a:pPr marL="0" indent="0">
+              <a:buNone/>
+            </a:pPr>
+            <a:r>
+              <a:rPr lang="en-GB" sz="1400" dirty="0">
+                <a:latin typeface="Consolas" panose="020B0609020204030204" pitchFamily="49" charset="0"/>
+                <a:cs typeface="Consolas" panose="020B0609020204030204" pitchFamily="49" charset="0"/>
+              </a:rPr>
+              <a:t>    public void push(Object data) {</a:t>
+            </a:r>
+          </a:p>
+          <a:p>
+            <a:pPr marL="0" indent="0">
+              <a:buNone/>
+            </a:pPr>
+            <a:r>
+              <a:rPr lang="en-GB" sz="1400" dirty="0">
+                <a:latin typeface="Consolas" panose="020B0609020204030204" pitchFamily="49" charset="0"/>
+                <a:cs typeface="Consolas" panose="020B0609020204030204" pitchFamily="49" charset="0"/>
+              </a:rPr>
+              <a:t>        // ..</a:t>
+            </a:r>
+          </a:p>
+          <a:p>
+            <a:pPr marL="0" indent="0">
+              <a:buNone/>
+            </a:pPr>
+            <a:r>
+              <a:rPr lang="en-GB" sz="1400" dirty="0">
+                <a:latin typeface="Consolas" panose="020B0609020204030204" pitchFamily="49" charset="0"/>
+                <a:cs typeface="Consolas" panose="020B0609020204030204" pitchFamily="49" charset="0"/>
+              </a:rPr>
+              <a:t>    }</a:t>
+            </a:r>
+          </a:p>
+          <a:p>
+            <a:pPr marL="0" indent="0">
+              <a:buNone/>
+            </a:pPr>
+            <a:r>
+              <a:rPr lang="en-GB" sz="1400" dirty="0">
+                <a:latin typeface="Consolas" panose="020B0609020204030204" pitchFamily="49" charset="0"/>
+                <a:cs typeface="Consolas" panose="020B0609020204030204" pitchFamily="49" charset="0"/>
+              </a:rPr>
+              <a:t> </a:t>
+            </a:r>
+          </a:p>
+          <a:p>
+            <a:pPr marL="0" indent="0">
+              <a:buNone/>
+            </a:pPr>
+            <a:r>
+              <a:rPr lang="en-GB" sz="1400" dirty="0">
+                <a:latin typeface="Consolas" panose="020B0609020204030204" pitchFamily="49" charset="0"/>
+                <a:cs typeface="Consolas" panose="020B0609020204030204" pitchFamily="49" charset="0"/>
+              </a:rPr>
+              <a:t>    public Object pop() {</a:t>
+            </a:r>
+          </a:p>
+          <a:p>
+            <a:pPr marL="0" indent="0">
+              <a:buNone/>
+            </a:pPr>
+            <a:r>
+              <a:rPr lang="en-GB" sz="1400" dirty="0">
+                <a:latin typeface="Consolas" panose="020B0609020204030204" pitchFamily="49" charset="0"/>
+                <a:cs typeface="Consolas" panose="020B0609020204030204" pitchFamily="49" charset="0"/>
+              </a:rPr>
+              <a:t>        // ..</a:t>
+            </a:r>
+          </a:p>
+          <a:p>
+            <a:pPr marL="0" indent="0">
+              <a:buNone/>
+            </a:pPr>
+            <a:r>
+              <a:rPr lang="en-GB" sz="1400" dirty="0">
+                <a:latin typeface="Consolas" panose="020B0609020204030204" pitchFamily="49" charset="0"/>
+                <a:cs typeface="Consolas" panose="020B0609020204030204" pitchFamily="49" charset="0"/>
+              </a:rPr>
+              <a:t>    }</a:t>
+            </a:r>
+          </a:p>
+          <a:p>
+            <a:pPr marL="0" indent="0">
+              <a:buNone/>
+            </a:pPr>
+            <a:r>
+              <a:rPr lang="en-GB" sz="1400" dirty="0">
+                <a:latin typeface="Consolas" panose="020B0609020204030204" pitchFamily="49" charset="0"/>
+                <a:cs typeface="Consolas" panose="020B0609020204030204" pitchFamily="49" charset="0"/>
+              </a:rPr>
+              <a:t>}</a:t>
+            </a:r>
           </a:p>
         </p:txBody>
       </p:sp>
     </p:spTree>
     <p:extLst>
       <p:ext uri="{BB962C8B-B14F-4D97-AF65-F5344CB8AC3E}">
-        <p14:creationId xmlns:p14="http://schemas.microsoft.com/office/powerpoint/2010/main" val="757042491"/>
+        <p14:creationId xmlns:p14="http://schemas.microsoft.com/office/powerpoint/2010/main" val="1236393491"/>
       </p:ext>
     </p:extLst>
   </p:cSld>
@@ -6797,7 +7178,21 @@
                 <a:latin typeface="Consolas" panose="020B0609020204030204" pitchFamily="49" charset="0"/>
                 <a:cs typeface="Consolas" panose="020B0609020204030204" pitchFamily="49" charset="0"/>
               </a:rPr>
-              <a:t>public class Stack&lt;E&gt; {</a:t>
+              <a:t>public class </a:t>
+            </a:r>
+            <a:r>
+              <a:rPr lang="en-GB" sz="1400" dirty="0" err="1">
+                <a:latin typeface="Consolas" panose="020B0609020204030204" pitchFamily="49" charset="0"/>
+                <a:cs typeface="Consolas" panose="020B0609020204030204" pitchFamily="49" charset="0"/>
+              </a:rPr>
+              <a:t>BoundStack</a:t>
+            </a:r>
+            <a:r>
+              <a:rPr lang="en-GB" sz="1400" dirty="0">
+                <a:latin typeface="Consolas" panose="020B0609020204030204" pitchFamily="49" charset="0"/>
+                <a:cs typeface="Consolas" panose="020B0609020204030204" pitchFamily="49" charset="0"/>
+              </a:rPr>
+              <a:t>&lt;E extends Comparable&lt;E&gt;&gt; {</a:t>
             </a:r>
           </a:p>
           <a:p>
@@ -6847,13 +7242,27 @@
                 <a:latin typeface="Consolas" panose="020B0609020204030204" pitchFamily="49" charset="0"/>
                 <a:cs typeface="Consolas" panose="020B0609020204030204" pitchFamily="49" charset="0"/>
               </a:rPr>
-              <a:t>    public Stack(</a:t>
+              <a:t>    public </a:t>
             </a:r>
             <a:r>
               <a:rPr lang="en-GB" sz="1400" dirty="0" err="1">
                 <a:latin typeface="Consolas" panose="020B0609020204030204" pitchFamily="49" charset="0"/>
                 <a:cs typeface="Consolas" panose="020B0609020204030204" pitchFamily="49" charset="0"/>
               </a:rPr>
+              <a:t>BoundStack</a:t>
+            </a:r>
+            <a:r>
+              <a:rPr lang="en-GB" sz="1400" dirty="0">
+                <a:latin typeface="Consolas" panose="020B0609020204030204" pitchFamily="49" charset="0"/>
+                <a:cs typeface="Consolas" panose="020B0609020204030204" pitchFamily="49" charset="0"/>
+              </a:rPr>
+              <a:t>(</a:t>
+            </a:r>
+            <a:r>
+              <a:rPr lang="en-GB" sz="1400" dirty="0" err="1">
+                <a:latin typeface="Consolas" panose="020B0609020204030204" pitchFamily="49" charset="0"/>
+                <a:cs typeface="Consolas" panose="020B0609020204030204" pitchFamily="49" charset="0"/>
+              </a:rPr>
               <a:t>int</a:t>
             </a:r>
             <a:r>
@@ -7021,6 +7430,15 @@
               </a:rPr>
               <a:t>}</a:t>
             </a:r>
+          </a:p>
+          <a:p>
+            <a:pPr marL="0" indent="0">
+              <a:buNone/>
+            </a:pPr>
+            <a:endParaRPr lang="en-GB" sz="1400" dirty="0">
+              <a:latin typeface="Consolas" panose="020B0609020204030204" pitchFamily="49" charset="0"/>
+              <a:cs typeface="Consolas" panose="020B0609020204030204" pitchFamily="49" charset="0"/>
+            </a:endParaRPr>
           </a:p>
         </p:txBody>
       </p:sp>
@@ -7055,25 +7473,39 @@
                 <a:latin typeface="Consolas" panose="020B0609020204030204" pitchFamily="49" charset="0"/>
                 <a:cs typeface="Consolas" panose="020B0609020204030204" pitchFamily="49" charset="0"/>
               </a:rPr>
-              <a:t>public class Stack {</a:t>
-            </a:r>
-          </a:p>
-          <a:p>
-            <a:pPr marL="0" indent="0">
-              <a:buNone/>
-            </a:pPr>
-            <a:r>
-              <a:rPr lang="en-GB" sz="1400" dirty="0">
-                <a:latin typeface="Consolas" panose="020B0609020204030204" pitchFamily="49" charset="0"/>
-                <a:cs typeface="Consolas" panose="020B0609020204030204" pitchFamily="49" charset="0"/>
-              </a:rPr>
-              <a:t>    private Object[] </a:t>
+              <a:t>public class </a:t>
             </a:r>
             <a:r>
               <a:rPr lang="en-GB" sz="1400" dirty="0" err="1">
                 <a:latin typeface="Consolas" panose="020B0609020204030204" pitchFamily="49" charset="0"/>
                 <a:cs typeface="Consolas" panose="020B0609020204030204" pitchFamily="49" charset="0"/>
               </a:rPr>
+              <a:t>BoundStack</a:t>
+            </a:r>
+            <a:r>
+              <a:rPr lang="en-GB" sz="1400" dirty="0">
+                <a:latin typeface="Consolas" panose="020B0609020204030204" pitchFamily="49" charset="0"/>
+                <a:cs typeface="Consolas" panose="020B0609020204030204" pitchFamily="49" charset="0"/>
+              </a:rPr>
+              <a:t> {</a:t>
+            </a:r>
+          </a:p>
+          <a:p>
+            <a:pPr marL="0" indent="0">
+              <a:buNone/>
+            </a:pPr>
+            <a:r>
+              <a:rPr lang="en-GB" sz="1400" dirty="0">
+                <a:latin typeface="Consolas" panose="020B0609020204030204" pitchFamily="49" charset="0"/>
+                <a:cs typeface="Consolas" panose="020B0609020204030204" pitchFamily="49" charset="0"/>
+              </a:rPr>
+              <a:t>    private Comparable[] </a:t>
+            </a:r>
+            <a:r>
+              <a:rPr lang="en-GB" sz="1400" dirty="0" err="1">
+                <a:latin typeface="Consolas" panose="020B0609020204030204" pitchFamily="49" charset="0"/>
+                <a:cs typeface="Consolas" panose="020B0609020204030204" pitchFamily="49" charset="0"/>
+              </a:rPr>
               <a:t>stackContent</a:t>
             </a:r>
             <a:r>
@@ -7105,13 +7537,27 @@
                 <a:latin typeface="Consolas" panose="020B0609020204030204" pitchFamily="49" charset="0"/>
                 <a:cs typeface="Consolas" panose="020B0609020204030204" pitchFamily="49" charset="0"/>
               </a:rPr>
-              <a:t>    public Stack(</a:t>
+              <a:t>    public </a:t>
             </a:r>
             <a:r>
               <a:rPr lang="en-GB" sz="1400" dirty="0" err="1">
                 <a:latin typeface="Consolas" panose="020B0609020204030204" pitchFamily="49" charset="0"/>
                 <a:cs typeface="Consolas" panose="020B0609020204030204" pitchFamily="49" charset="0"/>
               </a:rPr>
+              <a:t>BoundStack</a:t>
+            </a:r>
+            <a:r>
+              <a:rPr lang="en-GB" sz="1400" dirty="0">
+                <a:latin typeface="Consolas" panose="020B0609020204030204" pitchFamily="49" charset="0"/>
+                <a:cs typeface="Consolas" panose="020B0609020204030204" pitchFamily="49" charset="0"/>
+              </a:rPr>
+              <a:t>(</a:t>
+            </a:r>
+            <a:r>
+              <a:rPr lang="en-GB" sz="1400" dirty="0" err="1">
+                <a:latin typeface="Consolas" panose="020B0609020204030204" pitchFamily="49" charset="0"/>
+                <a:cs typeface="Consolas" panose="020B0609020204030204" pitchFamily="49" charset="0"/>
+              </a:rPr>
               <a:t>int</a:t>
             </a:r>
             <a:r>
@@ -7157,7 +7603,7 @@
                 <a:latin typeface="Consolas" panose="020B0609020204030204" pitchFamily="49" charset="0"/>
                 <a:cs typeface="Consolas" panose="020B0609020204030204" pitchFamily="49" charset="0"/>
               </a:rPr>
-              <a:t>		(Object[]) new Object[capacity];</a:t>
+              <a:t>		(Comparable[]) new Object[capacity];</a:t>
             </a:r>
           </a:p>
           <a:p>
@@ -7193,7 +7639,7 @@
                 <a:latin typeface="Consolas" panose="020B0609020204030204" pitchFamily="49" charset="0"/>
                 <a:cs typeface="Consolas" panose="020B0609020204030204" pitchFamily="49" charset="0"/>
               </a:rPr>
-              <a:t>    public void push(Object data) {</a:t>
+              <a:t>    public void push(Comparable data) {</a:t>
             </a:r>
           </a:p>
           <a:p>
@@ -7241,7 +7687,7 @@
                 <a:latin typeface="Consolas" panose="020B0609020204030204" pitchFamily="49" charset="0"/>
                 <a:cs typeface="Consolas" panose="020B0609020204030204" pitchFamily="49" charset="0"/>
               </a:rPr>
-              <a:t>    public Object pop() {</a:t>
+              <a:t>    public Comparable pop() {</a:t>
             </a:r>
           </a:p>
           <a:p>
@@ -7285,7 +7731,7 @@
     </p:spTree>
     <p:extLst>
       <p:ext uri="{BB962C8B-B14F-4D97-AF65-F5344CB8AC3E}">
-        <p14:creationId xmlns:p14="http://schemas.microsoft.com/office/powerpoint/2010/main" val="1236393491"/>
+        <p14:creationId xmlns:p14="http://schemas.microsoft.com/office/powerpoint/2010/main" val="1664796186"/>
       </p:ext>
     </p:extLst>
   </p:cSld>
@@ -8039,13 +8485,7 @@
       </p:grpSpPr>
       <p:sp>
         <p:nvSpPr>
-          <p:cNvPr id="4" name="Title 3">
-            <a:extLst>
-              <a:ext uri="{FF2B5EF4-FFF2-40B4-BE49-F238E27FC236}">
-                <a16:creationId xmlns:a16="http://schemas.microsoft.com/office/drawing/2014/main" id="{3B250653-71E9-FD45-A9E1-8D6006DC8554}"/>
-              </a:ext>
-            </a:extLst>
-          </p:cNvPr>
+          <p:cNvPr id="2" name="Title 1"/>
           <p:cNvSpPr>
             <a:spLocks noGrp="1"/>
           </p:cNvSpPr>
@@ -8060,21 +8500,14 @@
           <a:p>
             <a:r>
               <a:rPr lang="en-US" dirty="0"/>
-              <a:t>Code Erasure</a:t>
-            </a:r>
-            <a:endParaRPr lang="en-GB" dirty="0"/>
+              <a:t>Pros and Cons of Code Erasure</a:t>
+            </a:r>
           </a:p>
         </p:txBody>
       </p:sp>
       <p:sp>
         <p:nvSpPr>
-          <p:cNvPr id="5" name="Content Placeholder 4">
-            <a:extLst>
-              <a:ext uri="{FF2B5EF4-FFF2-40B4-BE49-F238E27FC236}">
-                <a16:creationId xmlns:a16="http://schemas.microsoft.com/office/drawing/2014/main" id="{80050AF1-9E20-914C-8358-059E991F8015}"/>
-              </a:ext>
-            </a:extLst>
-          </p:cNvPr>
+          <p:cNvPr id="3" name="Content Placeholder 2"/>
           <p:cNvSpPr>
             <a:spLocks noGrp="1"/>
           </p:cNvSpPr>
@@ -8085,288 +8518,47 @@
         <p:spPr/>
         <p:txBody>
           <a:bodyPr>
-            <a:noAutofit/>
+            <a:normAutofit/>
           </a:bodyPr>
           <a:lstStyle/>
           <a:p>
-            <a:pPr marL="0" indent="0">
-              <a:buNone/>
-            </a:pPr>
-            <a:r>
-              <a:rPr lang="en-GB" sz="1400" dirty="0">
-                <a:latin typeface="Consolas" panose="020B0609020204030204" pitchFamily="49" charset="0"/>
-                <a:cs typeface="Consolas" panose="020B0609020204030204" pitchFamily="49" charset="0"/>
-              </a:rPr>
-              <a:t>public class </a:t>
-            </a:r>
-            <a:r>
-              <a:rPr lang="en-GB" sz="1400" dirty="0" err="1">
-                <a:latin typeface="Consolas" panose="020B0609020204030204" pitchFamily="49" charset="0"/>
-                <a:cs typeface="Consolas" panose="020B0609020204030204" pitchFamily="49" charset="0"/>
-              </a:rPr>
-              <a:t>BoundStack</a:t>
-            </a:r>
-            <a:r>
-              <a:rPr lang="en-GB" sz="1400" dirty="0">
-                <a:latin typeface="Consolas" panose="020B0609020204030204" pitchFamily="49" charset="0"/>
-                <a:cs typeface="Consolas" panose="020B0609020204030204" pitchFamily="49" charset="0"/>
-              </a:rPr>
-              <a:t>&lt;E extends Comparable&lt;E&gt;&gt; {</a:t>
-            </a:r>
-          </a:p>
-          <a:p>
-            <a:pPr marL="0" indent="0">
-              <a:buNone/>
-            </a:pPr>
-            <a:r>
-              <a:rPr lang="en-GB" sz="1400" dirty="0">
-                <a:latin typeface="Consolas" panose="020B0609020204030204" pitchFamily="49" charset="0"/>
-                <a:cs typeface="Consolas" panose="020B0609020204030204" pitchFamily="49" charset="0"/>
-              </a:rPr>
-              <a:t>    private E[] </a:t>
-            </a:r>
-            <a:r>
-              <a:rPr lang="en-GB" sz="1400" dirty="0" err="1">
-                <a:latin typeface="Consolas" panose="020B0609020204030204" pitchFamily="49" charset="0"/>
-                <a:cs typeface="Consolas" panose="020B0609020204030204" pitchFamily="49" charset="0"/>
-              </a:rPr>
-              <a:t>stackContent</a:t>
-            </a:r>
-            <a:r>
-              <a:rPr lang="en-GB" sz="1400" dirty="0">
-                <a:latin typeface="Consolas" panose="020B0609020204030204" pitchFamily="49" charset="0"/>
-                <a:cs typeface="Consolas" panose="020B0609020204030204" pitchFamily="49" charset="0"/>
-              </a:rPr>
-              <a:t>;</a:t>
-            </a:r>
-          </a:p>
-          <a:p>
-            <a:pPr marL="0" indent="0">
-              <a:buNone/>
-            </a:pPr>
-            <a:r>
-              <a:rPr lang="en-GB" sz="1400" dirty="0">
-                <a:latin typeface="Consolas" panose="020B0609020204030204" pitchFamily="49" charset="0"/>
-                <a:cs typeface="Consolas" panose="020B0609020204030204" pitchFamily="49" charset="0"/>
-              </a:rPr>
-              <a:t> </a:t>
-            </a:r>
-          </a:p>
-          <a:p>
-            <a:pPr marL="0" indent="0">
-              <a:buNone/>
-            </a:pPr>
-            <a:r>
-              <a:rPr lang="en-GB" sz="1400" dirty="0">
-                <a:latin typeface="Consolas" panose="020B0609020204030204" pitchFamily="49" charset="0"/>
-                <a:cs typeface="Consolas" panose="020B0609020204030204" pitchFamily="49" charset="0"/>
-              </a:rPr>
-              <a:t>    public </a:t>
-            </a:r>
-            <a:r>
-              <a:rPr lang="en-GB" sz="1400" dirty="0" err="1">
-                <a:latin typeface="Consolas" panose="020B0609020204030204" pitchFamily="49" charset="0"/>
-                <a:cs typeface="Consolas" panose="020B0609020204030204" pitchFamily="49" charset="0"/>
-              </a:rPr>
-              <a:t>BoundStack</a:t>
-            </a:r>
-            <a:r>
-              <a:rPr lang="en-GB" sz="1400" dirty="0">
-                <a:latin typeface="Consolas" panose="020B0609020204030204" pitchFamily="49" charset="0"/>
-                <a:cs typeface="Consolas" panose="020B0609020204030204" pitchFamily="49" charset="0"/>
-              </a:rPr>
-              <a:t>(</a:t>
-            </a:r>
-            <a:r>
-              <a:rPr lang="en-GB" sz="1400" dirty="0" err="1">
-                <a:latin typeface="Consolas" panose="020B0609020204030204" pitchFamily="49" charset="0"/>
-                <a:cs typeface="Consolas" panose="020B0609020204030204" pitchFamily="49" charset="0"/>
-              </a:rPr>
-              <a:t>int</a:t>
-            </a:r>
-            <a:r>
-              <a:rPr lang="en-GB" sz="1400" dirty="0">
-                <a:latin typeface="Consolas" panose="020B0609020204030204" pitchFamily="49" charset="0"/>
-                <a:cs typeface="Consolas" panose="020B0609020204030204" pitchFamily="49" charset="0"/>
-              </a:rPr>
-              <a:t> capacity) {</a:t>
-            </a:r>
-          </a:p>
-          <a:p>
-            <a:pPr marL="0" indent="0">
-              <a:buNone/>
-            </a:pPr>
-            <a:r>
-              <a:rPr lang="en-GB" sz="1400" dirty="0">
-                <a:latin typeface="Consolas" panose="020B0609020204030204" pitchFamily="49" charset="0"/>
-                <a:cs typeface="Consolas" panose="020B0609020204030204" pitchFamily="49" charset="0"/>
-              </a:rPr>
-              <a:t>        </a:t>
-            </a:r>
-            <a:r>
-              <a:rPr lang="en-GB" sz="1400" dirty="0" err="1">
-                <a:latin typeface="Consolas" panose="020B0609020204030204" pitchFamily="49" charset="0"/>
-                <a:cs typeface="Consolas" panose="020B0609020204030204" pitchFamily="49" charset="0"/>
-              </a:rPr>
-              <a:t>this.stackContent</a:t>
-            </a:r>
-            <a:r>
-              <a:rPr lang="en-GB" sz="1400" dirty="0">
-                <a:latin typeface="Consolas" panose="020B0609020204030204" pitchFamily="49" charset="0"/>
-                <a:cs typeface="Consolas" panose="020B0609020204030204" pitchFamily="49" charset="0"/>
-              </a:rPr>
-              <a:t> = </a:t>
-            </a:r>
-          </a:p>
-          <a:p>
-            <a:pPr marL="0" indent="0">
-              <a:buNone/>
-            </a:pPr>
-            <a:r>
-              <a:rPr lang="en-GB" sz="1400" dirty="0">
-                <a:latin typeface="Consolas" panose="020B0609020204030204" pitchFamily="49" charset="0"/>
-                <a:cs typeface="Consolas" panose="020B0609020204030204" pitchFamily="49" charset="0"/>
-              </a:rPr>
-              <a:t>		(E[]) new Object[capacity];</a:t>
-            </a:r>
-          </a:p>
-          <a:p>
-            <a:pPr marL="0" indent="0">
-              <a:buNone/>
-            </a:pPr>
-            <a:r>
-              <a:rPr lang="en-GB" sz="1400" dirty="0">
-                <a:latin typeface="Consolas" panose="020B0609020204030204" pitchFamily="49" charset="0"/>
-                <a:cs typeface="Consolas" panose="020B0609020204030204" pitchFamily="49" charset="0"/>
-              </a:rPr>
-              <a:t>    }</a:t>
-            </a:r>
-          </a:p>
-          <a:p>
-            <a:pPr marL="0" indent="0">
-              <a:buNone/>
-            </a:pPr>
-            <a:r>
-              <a:rPr lang="en-GB" sz="1400" dirty="0">
-                <a:latin typeface="Consolas" panose="020B0609020204030204" pitchFamily="49" charset="0"/>
-                <a:cs typeface="Consolas" panose="020B0609020204030204" pitchFamily="49" charset="0"/>
-              </a:rPr>
-              <a:t> </a:t>
-            </a:r>
-          </a:p>
-          <a:p>
-            <a:pPr marL="0" indent="0">
-              <a:buNone/>
-            </a:pPr>
-            <a:r>
-              <a:rPr lang="en-GB" sz="1400" dirty="0">
-                <a:latin typeface="Consolas" panose="020B0609020204030204" pitchFamily="49" charset="0"/>
-                <a:cs typeface="Consolas" panose="020B0609020204030204" pitchFamily="49" charset="0"/>
-              </a:rPr>
-              <a:t>    public void push(E data) {</a:t>
-            </a:r>
-          </a:p>
-          <a:p>
-            <a:pPr marL="0" indent="0">
-              <a:buNone/>
-            </a:pPr>
-            <a:r>
-              <a:rPr lang="en-GB" sz="1400" dirty="0">
-                <a:latin typeface="Consolas" panose="020B0609020204030204" pitchFamily="49" charset="0"/>
-                <a:cs typeface="Consolas" panose="020B0609020204030204" pitchFamily="49" charset="0"/>
-              </a:rPr>
-              <a:t>        // ..</a:t>
-            </a:r>
-          </a:p>
-          <a:p>
-            <a:pPr marL="0" indent="0">
-              <a:buNone/>
-            </a:pPr>
-            <a:r>
-              <a:rPr lang="en-GB" sz="1400" dirty="0">
-                <a:latin typeface="Consolas" panose="020B0609020204030204" pitchFamily="49" charset="0"/>
-                <a:cs typeface="Consolas" panose="020B0609020204030204" pitchFamily="49" charset="0"/>
-              </a:rPr>
-              <a:t>    }</a:t>
-            </a:r>
-          </a:p>
-          <a:p>
-            <a:pPr marL="0" indent="0">
-              <a:buNone/>
-            </a:pPr>
-            <a:r>
-              <a:rPr lang="en-GB" sz="1400" dirty="0">
-                <a:latin typeface="Consolas" panose="020B0609020204030204" pitchFamily="49" charset="0"/>
-                <a:cs typeface="Consolas" panose="020B0609020204030204" pitchFamily="49" charset="0"/>
-              </a:rPr>
-              <a:t> </a:t>
-            </a:r>
-          </a:p>
-          <a:p>
-            <a:pPr marL="0" indent="0">
-              <a:buNone/>
-            </a:pPr>
-            <a:r>
-              <a:rPr lang="en-GB" sz="1400" dirty="0">
-                <a:latin typeface="Consolas" panose="020B0609020204030204" pitchFamily="49" charset="0"/>
-                <a:cs typeface="Consolas" panose="020B0609020204030204" pitchFamily="49" charset="0"/>
-              </a:rPr>
-              <a:t>    public E pop() {</a:t>
-            </a:r>
-          </a:p>
-          <a:p>
-            <a:pPr marL="0" indent="0">
-              <a:buNone/>
-            </a:pPr>
-            <a:r>
-              <a:rPr lang="en-GB" sz="1400" dirty="0">
-                <a:latin typeface="Consolas" panose="020B0609020204030204" pitchFamily="49" charset="0"/>
-                <a:cs typeface="Consolas" panose="020B0609020204030204" pitchFamily="49" charset="0"/>
-              </a:rPr>
-              <a:t>        // ..</a:t>
-            </a:r>
-          </a:p>
-          <a:p>
-            <a:pPr marL="0" indent="0">
-              <a:buNone/>
-            </a:pPr>
-            <a:r>
-              <a:rPr lang="en-GB" sz="1400" dirty="0">
-                <a:latin typeface="Consolas" panose="020B0609020204030204" pitchFamily="49" charset="0"/>
-                <a:cs typeface="Consolas" panose="020B0609020204030204" pitchFamily="49" charset="0"/>
-              </a:rPr>
-              <a:t>    }</a:t>
-            </a:r>
-          </a:p>
-          <a:p>
-            <a:pPr marL="0" indent="0">
-              <a:buNone/>
-            </a:pPr>
-            <a:r>
-              <a:rPr lang="en-GB" sz="1400" dirty="0">
-                <a:latin typeface="Consolas" panose="020B0609020204030204" pitchFamily="49" charset="0"/>
-                <a:cs typeface="Consolas" panose="020B0609020204030204" pitchFamily="49" charset="0"/>
-              </a:rPr>
-              <a:t>}</a:t>
-            </a:r>
-          </a:p>
-          <a:p>
-            <a:pPr marL="0" indent="0">
-              <a:buNone/>
-            </a:pPr>
-            <a:endParaRPr lang="en-GB" sz="1400" dirty="0">
-              <a:latin typeface="Consolas" panose="020B0609020204030204" pitchFamily="49" charset="0"/>
-              <a:cs typeface="Consolas" panose="020B0609020204030204" pitchFamily="49" charset="0"/>
-            </a:endParaRPr>
+            <a:r>
+              <a:rPr lang="en-US" sz="2400" dirty="0">
+                <a:solidFill>
+                  <a:srgbClr val="008000"/>
+                </a:solidFill>
+              </a:rPr>
+              <a:t>Good</a:t>
+            </a:r>
+            <a:r>
+              <a:rPr lang="en-US" sz="2400" dirty="0"/>
+              <a:t>: Backward compatibility is maintained, so you can still use legacy non‐generic libraries</a:t>
+            </a:r>
+          </a:p>
+          <a:p>
+            <a:r>
+              <a:rPr lang="en-US" sz="2400" dirty="0">
+                <a:solidFill>
+                  <a:schemeClr val="accent6">
+                    <a:lumMod val="75000"/>
+                  </a:schemeClr>
+                </a:solidFill>
+              </a:rPr>
+              <a:t>Bad</a:t>
+            </a:r>
+            <a:r>
+              <a:rPr lang="en-US" sz="2400" dirty="0"/>
+              <a:t>: You can’t ﬁnd out what type a generic class is using at run‐time</a:t>
+            </a:r>
           </a:p>
         </p:txBody>
       </p:sp>
       <p:sp>
         <p:nvSpPr>
-          <p:cNvPr id="6" name="Content Placeholder 5">
+          <p:cNvPr id="4" name="Content Placeholder 3">
             <a:extLst>
               <a:ext uri="{FF2B5EF4-FFF2-40B4-BE49-F238E27FC236}">
-                <a16:creationId xmlns:a16="http://schemas.microsoft.com/office/drawing/2014/main" id="{CF0248D5-170C-6142-A0E2-49F58210955D}"/>
+                <a16:creationId xmlns:a16="http://schemas.microsoft.com/office/drawing/2014/main" id="{2AB7D4F4-863B-E041-B5D3-5DE0AA9D7B42}"/>
               </a:ext>
             </a:extLst>
           </p:cNvPr>
@@ -8388,23 +8580,58 @@
               <a:buNone/>
             </a:pPr>
             <a:r>
-              <a:rPr lang="en-GB" sz="1400" dirty="0">
-                <a:latin typeface="Consolas" panose="020B0609020204030204" pitchFamily="49" charset="0"/>
-                <a:cs typeface="Consolas" panose="020B0609020204030204" pitchFamily="49" charset="0"/>
+              <a:rPr lang="en-US" sz="1200" dirty="0">
+                <a:latin typeface="Consolas"/>
+                <a:cs typeface="Consolas"/>
+              </a:rPr>
+              <a:t>import </a:t>
+            </a:r>
+            <a:r>
+              <a:rPr lang="en-US" sz="1200" dirty="0" err="1">
+                <a:latin typeface="Consolas"/>
+                <a:cs typeface="Consolas"/>
+              </a:rPr>
+              <a:t>java.util</a:t>
+            </a:r>
+            <a:r>
+              <a:rPr lang="en-US" sz="1200" dirty="0">
+                <a:latin typeface="Consolas"/>
+                <a:cs typeface="Consolas"/>
+              </a:rPr>
+              <a:t>.*;</a:t>
+            </a:r>
+          </a:p>
+          <a:p>
+            <a:pPr marL="0" indent="0">
+              <a:buNone/>
+            </a:pPr>
+            <a:endParaRPr lang="en-US" sz="1200" dirty="0">
+              <a:latin typeface="Consolas"/>
+              <a:cs typeface="Consolas"/>
+            </a:endParaRPr>
+          </a:p>
+          <a:p>
+            <a:pPr marL="0" indent="0">
+              <a:buNone/>
+            </a:pPr>
+            <a:r>
+              <a:rPr lang="en-US" sz="1200" dirty="0">
+                <a:latin typeface="Consolas"/>
+                <a:cs typeface="Consolas"/>
               </a:rPr>
               <a:t>public class </a:t>
             </a:r>
             <a:r>
-              <a:rPr lang="en-GB" sz="1400" dirty="0" err="1">
-                <a:latin typeface="Consolas" panose="020B0609020204030204" pitchFamily="49" charset="0"/>
-                <a:cs typeface="Consolas" panose="020B0609020204030204" pitchFamily="49" charset="0"/>
-              </a:rPr>
-              <a:t>BoundStack</a:t>
-            </a:r>
-            <a:r>
-              <a:rPr lang="en-GB" sz="1400" dirty="0">
-                <a:latin typeface="Consolas" panose="020B0609020204030204" pitchFamily="49" charset="0"/>
-                <a:cs typeface="Consolas" panose="020B0609020204030204" pitchFamily="49" charset="0"/>
+              <a:rPr lang="en-US" sz="1200" dirty="0" err="1">
+                <a:latin typeface="Consolas"/>
+                <a:cs typeface="Consolas"/>
+              </a:rPr>
+              <a:t>ErasedTypeEquivalence</a:t>
+            </a:r>
+            <a:r>
+              <a:rPr lang="en-US" sz="1200" dirty="0">
+                <a:latin typeface="Consolas"/>
+                <a:cs typeface="Consolas"/>
               </a:rPr>
               <a:t> {</a:t>
             </a:r>
@@ -8414,243 +8641,190 @@
               <a:buNone/>
             </a:pPr>
             <a:r>
-              <a:rPr lang="en-GB" sz="1400" dirty="0">
-                <a:latin typeface="Consolas" panose="020B0609020204030204" pitchFamily="49" charset="0"/>
-                <a:cs typeface="Consolas" panose="020B0609020204030204" pitchFamily="49" charset="0"/>
-              </a:rPr>
-              <a:t>    private Comparable[] </a:t>
-            </a:r>
-            <a:r>
-              <a:rPr lang="en-GB" sz="1400" dirty="0" err="1">
-                <a:latin typeface="Consolas" panose="020B0609020204030204" pitchFamily="49" charset="0"/>
-                <a:cs typeface="Consolas" panose="020B0609020204030204" pitchFamily="49" charset="0"/>
-              </a:rPr>
-              <a:t>stackContent</a:t>
-            </a:r>
-            <a:r>
-              <a:rPr lang="en-GB" sz="1400" dirty="0">
-                <a:latin typeface="Consolas" panose="020B0609020204030204" pitchFamily="49" charset="0"/>
-                <a:cs typeface="Consolas" panose="020B0609020204030204" pitchFamily="49" charset="0"/>
-              </a:rPr>
-              <a:t>;</a:t>
-            </a:r>
-          </a:p>
-          <a:p>
-            <a:pPr marL="0" indent="0">
-              <a:buNone/>
-            </a:pPr>
-            <a:r>
-              <a:rPr lang="en-GB" sz="1400" dirty="0">
-                <a:latin typeface="Consolas" panose="020B0609020204030204" pitchFamily="49" charset="0"/>
-                <a:cs typeface="Consolas" panose="020B0609020204030204" pitchFamily="49" charset="0"/>
-              </a:rPr>
-              <a:t> </a:t>
-            </a:r>
-          </a:p>
-          <a:p>
-            <a:pPr marL="0" indent="0">
-              <a:buNone/>
-            </a:pPr>
-            <a:r>
-              <a:rPr lang="en-GB" sz="1400" dirty="0">
-                <a:latin typeface="Consolas" panose="020B0609020204030204" pitchFamily="49" charset="0"/>
-                <a:cs typeface="Consolas" panose="020B0609020204030204" pitchFamily="49" charset="0"/>
-              </a:rPr>
-              <a:t>    public </a:t>
-            </a:r>
-            <a:r>
-              <a:rPr lang="en-GB" sz="1400" dirty="0" err="1">
-                <a:latin typeface="Consolas" panose="020B0609020204030204" pitchFamily="49" charset="0"/>
-                <a:cs typeface="Consolas" panose="020B0609020204030204" pitchFamily="49" charset="0"/>
-              </a:rPr>
-              <a:t>BoundStack</a:t>
-            </a:r>
-            <a:r>
-              <a:rPr lang="en-GB" sz="1400" dirty="0">
-                <a:latin typeface="Consolas" panose="020B0609020204030204" pitchFamily="49" charset="0"/>
-                <a:cs typeface="Consolas" panose="020B0609020204030204" pitchFamily="49" charset="0"/>
-              </a:rPr>
-              <a:t>(</a:t>
-            </a:r>
-            <a:r>
-              <a:rPr lang="en-GB" sz="1400" dirty="0" err="1">
-                <a:latin typeface="Consolas" panose="020B0609020204030204" pitchFamily="49" charset="0"/>
-                <a:cs typeface="Consolas" panose="020B0609020204030204" pitchFamily="49" charset="0"/>
-              </a:rPr>
-              <a:t>int</a:t>
-            </a:r>
-            <a:r>
-              <a:rPr lang="en-GB" sz="1400" dirty="0">
-                <a:latin typeface="Consolas" panose="020B0609020204030204" pitchFamily="49" charset="0"/>
-                <a:cs typeface="Consolas" panose="020B0609020204030204" pitchFamily="49" charset="0"/>
-              </a:rPr>
-              <a:t> capacity) {</a:t>
-            </a:r>
-          </a:p>
-          <a:p>
-            <a:pPr marL="0" indent="0">
-              <a:buNone/>
-            </a:pPr>
-            <a:r>
-              <a:rPr lang="en-GB" sz="1400" dirty="0">
-                <a:latin typeface="Consolas" panose="020B0609020204030204" pitchFamily="49" charset="0"/>
-                <a:cs typeface="Consolas" panose="020B0609020204030204" pitchFamily="49" charset="0"/>
-              </a:rPr>
-              <a:t>        </a:t>
-            </a:r>
-            <a:r>
-              <a:rPr lang="en-GB" sz="1400" dirty="0" err="1">
-                <a:latin typeface="Consolas" panose="020B0609020204030204" pitchFamily="49" charset="0"/>
-                <a:cs typeface="Consolas" panose="020B0609020204030204" pitchFamily="49" charset="0"/>
-              </a:rPr>
-              <a:t>this.stackContent</a:t>
-            </a:r>
-            <a:r>
-              <a:rPr lang="en-GB" sz="1400" dirty="0">
-                <a:latin typeface="Consolas" panose="020B0609020204030204" pitchFamily="49" charset="0"/>
-                <a:cs typeface="Consolas" panose="020B0609020204030204" pitchFamily="49" charset="0"/>
-              </a:rPr>
-              <a:t> = </a:t>
-            </a:r>
-          </a:p>
-          <a:p>
-            <a:pPr marL="0" indent="0">
-              <a:buNone/>
-            </a:pPr>
-            <a:r>
-              <a:rPr lang="en-GB" sz="1400" dirty="0">
-                <a:latin typeface="Consolas" panose="020B0609020204030204" pitchFamily="49" charset="0"/>
-                <a:cs typeface="Consolas" panose="020B0609020204030204" pitchFamily="49" charset="0"/>
-              </a:rPr>
-              <a:t>		(Comparable[]) new Object[capacity];</a:t>
-            </a:r>
-          </a:p>
-          <a:p>
-            <a:pPr marL="0" indent="0">
-              <a:buNone/>
-            </a:pPr>
-            <a:r>
-              <a:rPr lang="en-GB" sz="1400" dirty="0">
-                <a:latin typeface="Consolas" panose="020B0609020204030204" pitchFamily="49" charset="0"/>
-                <a:cs typeface="Consolas" panose="020B0609020204030204" pitchFamily="49" charset="0"/>
-              </a:rPr>
-              <a:t>    }</a:t>
-            </a:r>
-          </a:p>
-          <a:p>
-            <a:pPr marL="0" indent="0">
-              <a:buNone/>
-            </a:pPr>
-            <a:r>
-              <a:rPr lang="en-GB" sz="1400" dirty="0">
-                <a:latin typeface="Consolas" panose="020B0609020204030204" pitchFamily="49" charset="0"/>
-                <a:cs typeface="Consolas" panose="020B0609020204030204" pitchFamily="49" charset="0"/>
-              </a:rPr>
-              <a:t> </a:t>
-            </a:r>
-          </a:p>
-          <a:p>
-            <a:pPr marL="0" indent="0">
-              <a:buNone/>
-            </a:pPr>
-            <a:r>
-              <a:rPr lang="en-GB" sz="1400" dirty="0">
-                <a:latin typeface="Consolas" panose="020B0609020204030204" pitchFamily="49" charset="0"/>
-                <a:cs typeface="Consolas" panose="020B0609020204030204" pitchFamily="49" charset="0"/>
-              </a:rPr>
-              <a:t>    public void push(Comparable data) {</a:t>
-            </a:r>
-          </a:p>
-          <a:p>
-            <a:pPr marL="0" indent="0">
-              <a:buNone/>
-            </a:pPr>
-            <a:r>
-              <a:rPr lang="en-GB" sz="1400" dirty="0">
-                <a:latin typeface="Consolas" panose="020B0609020204030204" pitchFamily="49" charset="0"/>
-                <a:cs typeface="Consolas" panose="020B0609020204030204" pitchFamily="49" charset="0"/>
-              </a:rPr>
-              <a:t>        // ..</a:t>
-            </a:r>
-          </a:p>
-          <a:p>
-            <a:pPr marL="0" indent="0">
-              <a:buNone/>
-            </a:pPr>
-            <a:r>
-              <a:rPr lang="en-GB" sz="1400" dirty="0">
-                <a:latin typeface="Consolas" panose="020B0609020204030204" pitchFamily="49" charset="0"/>
-                <a:cs typeface="Consolas" panose="020B0609020204030204" pitchFamily="49" charset="0"/>
-              </a:rPr>
-              <a:t>    }</a:t>
-            </a:r>
-          </a:p>
-          <a:p>
-            <a:pPr marL="0" indent="0">
-              <a:buNone/>
-            </a:pPr>
-            <a:r>
-              <a:rPr lang="en-GB" sz="1400" dirty="0">
-                <a:latin typeface="Consolas" panose="020B0609020204030204" pitchFamily="49" charset="0"/>
-                <a:cs typeface="Consolas" panose="020B0609020204030204" pitchFamily="49" charset="0"/>
-              </a:rPr>
-              <a:t> </a:t>
-            </a:r>
-          </a:p>
-          <a:p>
-            <a:pPr marL="0" indent="0">
-              <a:buNone/>
-            </a:pPr>
-            <a:r>
-              <a:rPr lang="en-GB" sz="1400" dirty="0">
-                <a:latin typeface="Consolas" panose="020B0609020204030204" pitchFamily="49" charset="0"/>
-                <a:cs typeface="Consolas" panose="020B0609020204030204" pitchFamily="49" charset="0"/>
-              </a:rPr>
-              <a:t>    public Comparable pop() {</a:t>
-            </a:r>
-          </a:p>
-          <a:p>
-            <a:pPr marL="0" indent="0">
-              <a:buNone/>
-            </a:pPr>
-            <a:r>
-              <a:rPr lang="en-GB" sz="1400" dirty="0">
-                <a:latin typeface="Consolas" panose="020B0609020204030204" pitchFamily="49" charset="0"/>
-                <a:cs typeface="Consolas" panose="020B0609020204030204" pitchFamily="49" charset="0"/>
-              </a:rPr>
-              <a:t>        // ..</a:t>
-            </a:r>
-          </a:p>
-          <a:p>
-            <a:pPr marL="0" indent="0">
-              <a:buNone/>
-            </a:pPr>
-            <a:r>
-              <a:rPr lang="en-GB" sz="1400" dirty="0">
-                <a:latin typeface="Consolas" panose="020B0609020204030204" pitchFamily="49" charset="0"/>
-                <a:cs typeface="Consolas" panose="020B0609020204030204" pitchFamily="49" charset="0"/>
-              </a:rPr>
-              <a:t>    }</a:t>
-            </a:r>
-          </a:p>
-          <a:p>
-            <a:pPr marL="0" indent="0">
-              <a:buNone/>
-            </a:pPr>
-            <a:r>
-              <a:rPr lang="en-GB" sz="1400" dirty="0">
-                <a:latin typeface="Consolas" panose="020B0609020204030204" pitchFamily="49" charset="0"/>
-                <a:cs typeface="Consolas" panose="020B0609020204030204" pitchFamily="49" charset="0"/>
-              </a:rPr>
-              <a:t>}</a:t>
-            </a:r>
+              <a:rPr lang="en-US" sz="1200" dirty="0">
+                <a:latin typeface="Consolas"/>
+                <a:cs typeface="Consolas"/>
+              </a:rPr>
+              <a:t>	public static void main(String[] </a:t>
+            </a:r>
+            <a:r>
+              <a:rPr lang="en-US" sz="1200" dirty="0" err="1">
+                <a:latin typeface="Consolas"/>
+                <a:cs typeface="Consolas"/>
+              </a:rPr>
+              <a:t>args</a:t>
+            </a:r>
+            <a:r>
+              <a:rPr lang="en-US" sz="1200" dirty="0">
+                <a:latin typeface="Consolas"/>
+                <a:cs typeface="Consolas"/>
+              </a:rPr>
+              <a:t>) {</a:t>
+            </a:r>
+          </a:p>
+          <a:p>
+            <a:pPr marL="0" indent="0">
+              <a:buNone/>
+            </a:pPr>
+            <a:r>
+              <a:rPr lang="en-US" sz="1200" dirty="0">
+                <a:latin typeface="Consolas"/>
+                <a:cs typeface="Consolas"/>
+              </a:rPr>
+              <a:t>		Class c1 = new </a:t>
+            </a:r>
+            <a:r>
+              <a:rPr lang="en-US" sz="1200" dirty="0" err="1">
+                <a:latin typeface="Consolas"/>
+                <a:cs typeface="Consolas"/>
+              </a:rPr>
+              <a:t>ArrayList</a:t>
+            </a:r>
+            <a:r>
+              <a:rPr lang="en-US" sz="1200" dirty="0">
+                <a:latin typeface="Consolas"/>
+                <a:cs typeface="Consolas"/>
+              </a:rPr>
+              <a:t>&lt;String&gt;().</a:t>
+            </a:r>
+            <a:r>
+              <a:rPr lang="en-US" sz="1200" dirty="0" err="1">
+                <a:latin typeface="Consolas"/>
+                <a:cs typeface="Consolas"/>
+              </a:rPr>
+              <a:t>getClass</a:t>
+            </a:r>
+            <a:r>
+              <a:rPr lang="en-US" sz="1200" dirty="0">
+                <a:latin typeface="Consolas"/>
+                <a:cs typeface="Consolas"/>
+              </a:rPr>
+              <a:t>();</a:t>
+            </a:r>
+          </a:p>
+          <a:p>
+            <a:pPr marL="0" indent="0">
+              <a:buNone/>
+            </a:pPr>
+            <a:r>
+              <a:rPr lang="en-US" sz="1200" dirty="0">
+                <a:latin typeface="Consolas"/>
+                <a:cs typeface="Consolas"/>
+              </a:rPr>
+              <a:t>		Class c2 = new </a:t>
+            </a:r>
+            <a:r>
+              <a:rPr lang="en-US" sz="1200" dirty="0" err="1">
+                <a:latin typeface="Consolas"/>
+                <a:cs typeface="Consolas"/>
+              </a:rPr>
+              <a:t>ArrayList</a:t>
+            </a:r>
+            <a:r>
+              <a:rPr lang="en-US" sz="1200" dirty="0">
+                <a:latin typeface="Consolas"/>
+                <a:cs typeface="Consolas"/>
+              </a:rPr>
+              <a:t>&lt;Integer&gt;().</a:t>
+            </a:r>
+            <a:r>
+              <a:rPr lang="en-US" sz="1200" dirty="0" err="1">
+                <a:latin typeface="Consolas"/>
+                <a:cs typeface="Consolas"/>
+              </a:rPr>
+              <a:t>getClass</a:t>
+            </a:r>
+            <a:r>
+              <a:rPr lang="en-US" sz="1200" dirty="0">
+                <a:latin typeface="Consolas"/>
+                <a:cs typeface="Consolas"/>
+              </a:rPr>
+              <a:t>();</a:t>
+            </a:r>
+          </a:p>
+          <a:p>
+            <a:pPr marL="0" indent="0">
+              <a:buNone/>
+            </a:pPr>
+            <a:r>
+              <a:rPr lang="en-US" sz="1200" dirty="0">
+                <a:latin typeface="Consolas"/>
+                <a:cs typeface="Consolas"/>
+              </a:rPr>
+              <a:t>		</a:t>
+            </a:r>
+          </a:p>
+          <a:p>
+            <a:pPr marL="0" indent="0">
+              <a:buNone/>
+            </a:pPr>
+            <a:r>
+              <a:rPr lang="en-US" sz="1200" dirty="0">
+                <a:latin typeface="Consolas"/>
+                <a:cs typeface="Consolas"/>
+              </a:rPr>
+              <a:t>		</a:t>
+            </a:r>
+            <a:r>
+              <a:rPr lang="en-US" sz="1200" dirty="0" err="1">
+                <a:latin typeface="Consolas"/>
+                <a:cs typeface="Consolas"/>
+              </a:rPr>
+              <a:t>System.out.println</a:t>
+            </a:r>
+            <a:r>
+              <a:rPr lang="en-US" sz="1200" dirty="0">
+                <a:latin typeface="Consolas"/>
+                <a:cs typeface="Consolas"/>
+              </a:rPr>
+              <a:t>(c1 == c2); // true</a:t>
+            </a:r>
+          </a:p>
+          <a:p>
+            <a:pPr marL="0" indent="0">
+              <a:buNone/>
+            </a:pPr>
+            <a:r>
+              <a:rPr lang="en-US" sz="1200" dirty="0">
+                <a:latin typeface="Consolas"/>
+                <a:cs typeface="Consolas"/>
+              </a:rPr>
+              <a:t>	}</a:t>
+            </a:r>
+          </a:p>
+          <a:p>
+            <a:pPr marL="0" indent="0">
+              <a:buNone/>
+            </a:pPr>
+            <a:r>
+              <a:rPr lang="en-US" sz="1200" dirty="0">
+                <a:latin typeface="Consolas"/>
+                <a:cs typeface="Consolas"/>
+              </a:rPr>
+              <a:t>} </a:t>
+            </a:r>
+          </a:p>
+          <a:p>
+            <a:pPr marL="0" indent="0">
+              <a:buNone/>
+            </a:pPr>
+            <a:endParaRPr lang="en-US" sz="1200" dirty="0">
+              <a:latin typeface="Consolas"/>
+              <a:cs typeface="Consolas"/>
+            </a:endParaRPr>
+          </a:p>
+          <a:p>
+            <a:pPr marL="0" indent="0">
+              <a:buNone/>
+            </a:pPr>
+            <a:endParaRPr lang="en-IT" sz="1200" dirty="0"/>
           </a:p>
         </p:txBody>
       </p:sp>
     </p:spTree>
     <p:extLst>
       <p:ext uri="{BB962C8B-B14F-4D97-AF65-F5344CB8AC3E}">
-        <p14:creationId xmlns:p14="http://schemas.microsoft.com/office/powerpoint/2010/main" val="1664796186"/>
+        <p14:creationId xmlns:p14="http://schemas.microsoft.com/office/powerpoint/2010/main" val="2707972871"/>
       </p:ext>
     </p:extLst>
   </p:cSld>
@@ -8694,374 +8868,6 @@
           <a:p>
             <a:r>
               <a:rPr lang="en-US" dirty="0"/>
-              <a:t>Pros and Cons of Code Erasure</a:t>
-            </a:r>
-          </a:p>
-        </p:txBody>
-      </p:sp>
-      <p:sp>
-        <p:nvSpPr>
-          <p:cNvPr id="3" name="Content Placeholder 2"/>
-          <p:cNvSpPr>
-            <a:spLocks noGrp="1"/>
-          </p:cNvSpPr>
-          <p:nvPr>
-            <p:ph sz="half" idx="1"/>
-          </p:nvPr>
-        </p:nvSpPr>
-        <p:spPr/>
-        <p:txBody>
-          <a:bodyPr>
-            <a:normAutofit/>
-          </a:bodyPr>
-          <a:lstStyle/>
-          <a:p>
-            <a:r>
-              <a:rPr lang="en-US" sz="2400" dirty="0">
-                <a:solidFill>
-                  <a:srgbClr val="008000"/>
-                </a:solidFill>
-              </a:rPr>
-              <a:t>Good</a:t>
-            </a:r>
-            <a:r>
-              <a:rPr lang="en-US" sz="2400" dirty="0"/>
-              <a:t>: Backward compatibility is maintained, so you can still use legacy non‐generic libraries</a:t>
-            </a:r>
-          </a:p>
-          <a:p>
-            <a:r>
-              <a:rPr lang="en-US" sz="2400" dirty="0">
-                <a:solidFill>
-                  <a:schemeClr val="accent6">
-                    <a:lumMod val="75000"/>
-                  </a:schemeClr>
-                </a:solidFill>
-              </a:rPr>
-              <a:t>Bad</a:t>
-            </a:r>
-            <a:r>
-              <a:rPr lang="en-US" sz="2400" dirty="0"/>
-              <a:t>: You can’t ﬁnd out what type a generic class is using at run‐time</a:t>
-            </a:r>
-          </a:p>
-        </p:txBody>
-      </p:sp>
-      <p:sp>
-        <p:nvSpPr>
-          <p:cNvPr id="4" name="Content Placeholder 3">
-            <a:extLst>
-              <a:ext uri="{FF2B5EF4-FFF2-40B4-BE49-F238E27FC236}">
-                <a16:creationId xmlns:a16="http://schemas.microsoft.com/office/drawing/2014/main" id="{2AB7D4F4-863B-E041-B5D3-5DE0AA9D7B42}"/>
-              </a:ext>
-            </a:extLst>
-          </p:cNvPr>
-          <p:cNvSpPr>
-            <a:spLocks noGrp="1"/>
-          </p:cNvSpPr>
-          <p:nvPr>
-            <p:ph sz="half" idx="2"/>
-          </p:nvPr>
-        </p:nvSpPr>
-        <p:spPr/>
-        <p:txBody>
-          <a:bodyPr>
-            <a:normAutofit/>
-          </a:bodyPr>
-          <a:lstStyle/>
-          <a:p>
-            <a:pPr marL="0" indent="0">
-              <a:buNone/>
-            </a:pPr>
-            <a:r>
-              <a:rPr lang="en-US" sz="1200" dirty="0">
-                <a:latin typeface="Consolas"/>
-                <a:cs typeface="Consolas"/>
-              </a:rPr>
-              <a:t>import </a:t>
-            </a:r>
-            <a:r>
-              <a:rPr lang="en-US" sz="1200" dirty="0" err="1">
-                <a:latin typeface="Consolas"/>
-                <a:cs typeface="Consolas"/>
-              </a:rPr>
-              <a:t>java.util</a:t>
-            </a:r>
-            <a:r>
-              <a:rPr lang="en-US" sz="1200" dirty="0">
-                <a:latin typeface="Consolas"/>
-                <a:cs typeface="Consolas"/>
-              </a:rPr>
-              <a:t>.*;</a:t>
-            </a:r>
-          </a:p>
-          <a:p>
-            <a:pPr marL="0" indent="0">
-              <a:buNone/>
-            </a:pPr>
-            <a:endParaRPr lang="en-US" sz="1200" dirty="0">
-              <a:latin typeface="Consolas"/>
-              <a:cs typeface="Consolas"/>
-            </a:endParaRPr>
-          </a:p>
-          <a:p>
-            <a:pPr marL="0" indent="0">
-              <a:buNone/>
-            </a:pPr>
-            <a:r>
-              <a:rPr lang="en-US" sz="1200" dirty="0">
-                <a:latin typeface="Consolas"/>
-                <a:cs typeface="Consolas"/>
-              </a:rPr>
-              <a:t>public class </a:t>
-            </a:r>
-            <a:r>
-              <a:rPr lang="en-US" sz="1200" dirty="0" err="1">
-                <a:latin typeface="Consolas"/>
-                <a:cs typeface="Consolas"/>
-              </a:rPr>
-              <a:t>ErasedTypeEquivalence</a:t>
-            </a:r>
-            <a:r>
-              <a:rPr lang="en-US" sz="1200" dirty="0">
-                <a:latin typeface="Consolas"/>
-                <a:cs typeface="Consolas"/>
-              </a:rPr>
-              <a:t> {</a:t>
-            </a:r>
-          </a:p>
-          <a:p>
-            <a:pPr marL="0" indent="0">
-              <a:buNone/>
-            </a:pPr>
-            <a:r>
-              <a:rPr lang="en-US" sz="1200" dirty="0">
-                <a:latin typeface="Consolas"/>
-                <a:cs typeface="Consolas"/>
-              </a:rPr>
-              <a:t>	public static void main(String[] </a:t>
-            </a:r>
-            <a:r>
-              <a:rPr lang="en-US" sz="1200" dirty="0" err="1">
-                <a:latin typeface="Consolas"/>
-                <a:cs typeface="Consolas"/>
-              </a:rPr>
-              <a:t>args</a:t>
-            </a:r>
-            <a:r>
-              <a:rPr lang="en-US" sz="1200" dirty="0">
-                <a:latin typeface="Consolas"/>
-                <a:cs typeface="Consolas"/>
-              </a:rPr>
-              <a:t>) {</a:t>
-            </a:r>
-          </a:p>
-          <a:p>
-            <a:pPr marL="0" indent="0">
-              <a:buNone/>
-            </a:pPr>
-            <a:r>
-              <a:rPr lang="en-US" sz="1200" dirty="0">
-                <a:latin typeface="Consolas"/>
-                <a:cs typeface="Consolas"/>
-              </a:rPr>
-              <a:t>		Class c1 = new </a:t>
-            </a:r>
-            <a:r>
-              <a:rPr lang="en-US" sz="1200" dirty="0" err="1">
-                <a:latin typeface="Consolas"/>
-                <a:cs typeface="Consolas"/>
-              </a:rPr>
-              <a:t>ArrayList</a:t>
-            </a:r>
-            <a:r>
-              <a:rPr lang="en-US" sz="1200" dirty="0">
-                <a:latin typeface="Consolas"/>
-                <a:cs typeface="Consolas"/>
-              </a:rPr>
-              <a:t>&lt;String&gt;().</a:t>
-            </a:r>
-            <a:r>
-              <a:rPr lang="en-US" sz="1200" dirty="0" err="1">
-                <a:latin typeface="Consolas"/>
-                <a:cs typeface="Consolas"/>
-              </a:rPr>
-              <a:t>getClass</a:t>
-            </a:r>
-            <a:r>
-              <a:rPr lang="en-US" sz="1200" dirty="0">
-                <a:latin typeface="Consolas"/>
-                <a:cs typeface="Consolas"/>
-              </a:rPr>
-              <a:t>();</a:t>
-            </a:r>
-          </a:p>
-          <a:p>
-            <a:pPr marL="0" indent="0">
-              <a:buNone/>
-            </a:pPr>
-            <a:r>
-              <a:rPr lang="en-US" sz="1200" dirty="0">
-                <a:latin typeface="Consolas"/>
-                <a:cs typeface="Consolas"/>
-              </a:rPr>
-              <a:t>		Class c2 = new </a:t>
-            </a:r>
-            <a:r>
-              <a:rPr lang="en-US" sz="1200" dirty="0" err="1">
-                <a:latin typeface="Consolas"/>
-                <a:cs typeface="Consolas"/>
-              </a:rPr>
-              <a:t>ArrayList</a:t>
-            </a:r>
-            <a:r>
-              <a:rPr lang="en-US" sz="1200" dirty="0">
-                <a:latin typeface="Consolas"/>
-                <a:cs typeface="Consolas"/>
-              </a:rPr>
-              <a:t>&lt;Integer&gt;().</a:t>
-            </a:r>
-            <a:r>
-              <a:rPr lang="en-US" sz="1200" dirty="0" err="1">
-                <a:latin typeface="Consolas"/>
-                <a:cs typeface="Consolas"/>
-              </a:rPr>
-              <a:t>getClass</a:t>
-            </a:r>
-            <a:r>
-              <a:rPr lang="en-US" sz="1200" dirty="0">
-                <a:latin typeface="Consolas"/>
-                <a:cs typeface="Consolas"/>
-              </a:rPr>
-              <a:t>();</a:t>
-            </a:r>
-          </a:p>
-          <a:p>
-            <a:pPr marL="0" indent="0">
-              <a:buNone/>
-            </a:pPr>
-            <a:r>
-              <a:rPr lang="en-US" sz="1200" dirty="0">
-                <a:latin typeface="Consolas"/>
-                <a:cs typeface="Consolas"/>
-              </a:rPr>
-              <a:t>		</a:t>
-            </a:r>
-          </a:p>
-          <a:p>
-            <a:pPr marL="0" indent="0">
-              <a:buNone/>
-            </a:pPr>
-            <a:r>
-              <a:rPr lang="en-US" sz="1200" dirty="0">
-                <a:latin typeface="Consolas"/>
-                <a:cs typeface="Consolas"/>
-              </a:rPr>
-              <a:t>		</a:t>
-            </a:r>
-            <a:r>
-              <a:rPr lang="en-US" sz="1200" dirty="0" err="1">
-                <a:latin typeface="Consolas"/>
-                <a:cs typeface="Consolas"/>
-              </a:rPr>
-              <a:t>System.out.println</a:t>
-            </a:r>
-            <a:r>
-              <a:rPr lang="en-US" sz="1200" dirty="0">
-                <a:latin typeface="Consolas"/>
-                <a:cs typeface="Consolas"/>
-              </a:rPr>
-              <a:t>(c1 == c2); // true</a:t>
-            </a:r>
-          </a:p>
-          <a:p>
-            <a:pPr marL="0" indent="0">
-              <a:buNone/>
-            </a:pPr>
-            <a:r>
-              <a:rPr lang="en-US" sz="1200" dirty="0">
-                <a:latin typeface="Consolas"/>
-                <a:cs typeface="Consolas"/>
-              </a:rPr>
-              <a:t>	}</a:t>
-            </a:r>
-          </a:p>
-          <a:p>
-            <a:pPr marL="0" indent="0">
-              <a:buNone/>
-            </a:pPr>
-            <a:r>
-              <a:rPr lang="en-US" sz="1200" dirty="0">
-                <a:latin typeface="Consolas"/>
-                <a:cs typeface="Consolas"/>
-              </a:rPr>
-              <a:t>} </a:t>
-            </a:r>
-          </a:p>
-          <a:p>
-            <a:pPr marL="0" indent="0">
-              <a:buNone/>
-            </a:pPr>
-            <a:endParaRPr lang="en-US" sz="1200" dirty="0">
-              <a:latin typeface="Consolas"/>
-              <a:cs typeface="Consolas"/>
-            </a:endParaRPr>
-          </a:p>
-          <a:p>
-            <a:pPr marL="0" indent="0">
-              <a:buNone/>
-            </a:pPr>
-            <a:endParaRPr lang="en-IT" sz="1200" dirty="0"/>
-          </a:p>
-        </p:txBody>
-      </p:sp>
-    </p:spTree>
-    <p:extLst>
-      <p:ext uri="{BB962C8B-B14F-4D97-AF65-F5344CB8AC3E}">
-        <p14:creationId xmlns:p14="http://schemas.microsoft.com/office/powerpoint/2010/main" val="2707972871"/>
-      </p:ext>
-    </p:extLst>
-  </p:cSld>
-  <p:clrMapOvr>
-    <a:masterClrMapping/>
-  </p:clrMapOvr>
-</p:sld>
-</file>
-
-<file path=ppt/slides/slide22.xml><?xml version="1.0" encoding="utf-8"?>
-<p:sld xmlns:a="http://schemas.openxmlformats.org/drawingml/2006/main" xmlns:r="http://schemas.openxmlformats.org/officeDocument/2006/relationships" xmlns:p="http://schemas.openxmlformats.org/presentationml/2006/main">
-  <p:cSld>
-    <p:spTree>
-      <p:nvGrpSpPr>
-        <p:cNvPr id="1" name=""/>
-        <p:cNvGrpSpPr/>
-        <p:nvPr/>
-      </p:nvGrpSpPr>
-      <p:grpSpPr>
-        <a:xfrm>
-          <a:off x="0" y="0"/>
-          <a:ext cx="0" cy="0"/>
-          <a:chOff x="0" y="0"/>
-          <a:chExt cx="0" cy="0"/>
-        </a:xfrm>
-      </p:grpSpPr>
-      <p:sp>
-        <p:nvSpPr>
-          <p:cNvPr id="2" name="Title 1"/>
-          <p:cNvSpPr>
-            <a:spLocks noGrp="1"/>
-          </p:cNvSpPr>
-          <p:nvPr>
-            <p:ph type="title"/>
-          </p:nvPr>
-        </p:nvSpPr>
-        <p:spPr/>
-        <p:txBody>
-          <a:bodyPr/>
-          <a:lstStyle/>
-          <a:p>
-            <a:r>
-              <a:rPr lang="en-US" dirty="0"/>
               <a:t>Calling Legacy Code</a:t>
             </a:r>
           </a:p>
@@ -9289,7 +9095,7 @@
 </p:sld>
 </file>
 
-<file path=ppt/slides/slide23.xml><?xml version="1.0" encoding="utf-8"?>
+<file path=ppt/slides/slide22.xml><?xml version="1.0" encoding="utf-8"?>
 <p:sld xmlns:a="http://schemas.openxmlformats.org/drawingml/2006/main" xmlns:r="http://schemas.openxmlformats.org/officeDocument/2006/relationships" xmlns:p="http://schemas.openxmlformats.org/presentationml/2006/main">
   <p:cSld>
     <p:spTree>
@@ -9431,7 +9237,7 @@
             <a:fld id="{D2040F39-7941-49A4-B48D-F201B18B6351}" type="slidenum">
               <a:rPr lang="it-IT" smtClean="0"/>
               <a:pPr/>
-              <a:t>23</a:t>
+              <a:t>22</a:t>
             </a:fld>
             <a:endParaRPr lang="it-IT" dirty="0"/>
           </a:p>
@@ -10326,7 +10132,7 @@
         </p:spPr>
         <p:txBody>
           <a:bodyPr>
-            <a:normAutofit/>
+            <a:normAutofit fontScale="92500" lnSpcReduction="20000"/>
           </a:bodyPr>
           <a:lstStyle/>
           <a:p>
@@ -10369,21 +10175,12 @@
             <a:pPr marL="0" indent="0">
               <a:buNone/>
             </a:pPr>
-            <a:endParaRPr lang="en-US" sz="2200" dirty="0">
-              <a:latin typeface="Consolas"/>
-              <a:cs typeface="Consolas"/>
-            </a:endParaRPr>
-          </a:p>
-          <a:p>
-            <a:pPr marL="0" indent="0">
-              <a:buNone/>
-            </a:pPr>
             <a:r>
               <a:rPr lang="en-US" sz="2200" dirty="0">
                 <a:latin typeface="Consolas"/>
                 <a:cs typeface="Consolas"/>
               </a:rPr>
-              <a:t>	void buy(T item);</a:t>
+              <a:t>	</a:t>
             </a:r>
           </a:p>
           <a:p>
@@ -10395,6 +10192,40 @@
                 <a:latin typeface="Consolas"/>
                 <a:cs typeface="Consolas"/>
               </a:rPr>
+              <a:t>	/* buy and sell a single item */</a:t>
+            </a:r>
+          </a:p>
+          <a:p>
+            <a:pPr marL="0" indent="0">
+              <a:buNone/>
+            </a:pPr>
+            <a:r>
+              <a:rPr lang="en-US" sz="2200" dirty="0">
+                <a:solidFill>
+                  <a:schemeClr val="accent6">
+                    <a:lumMod val="75000"/>
+                  </a:schemeClr>
+                </a:solidFill>
+                <a:latin typeface="Consolas"/>
+                <a:cs typeface="Consolas"/>
+              </a:rPr>
+              <a:t>	void buy(T item);</a:t>
+            </a:r>
+          </a:p>
+          <a:p>
+            <a:pPr marL="0" indent="0">
+              <a:buNone/>
+            </a:pPr>
+            <a:r>
+              <a:rPr lang="en-US" sz="2200" dirty="0">
+                <a:solidFill>
+                  <a:schemeClr val="accent6">
+                    <a:lumMod val="75000"/>
+                  </a:schemeClr>
+                </a:solidFill>
+                <a:latin typeface="Consolas"/>
+                <a:cs typeface="Consolas"/>
+              </a:rPr>
               <a:t>	T sell();</a:t>
             </a:r>
           </a:p>
@@ -10419,7 +10250,41 @@
                 <a:latin typeface="Consolas"/>
                 <a:cs typeface="Consolas"/>
               </a:rPr>
+              <a:t>	/* buy and sell a group of items */</a:t>
+            </a:r>
+          </a:p>
+          <a:p>
+            <a:pPr marL="0" indent="0">
+              <a:buNone/>
+            </a:pPr>
+            <a:r>
+              <a:rPr lang="en-US" sz="2200" dirty="0">
+                <a:solidFill>
+                  <a:schemeClr val="accent6">
+                    <a:lumMod val="75000"/>
+                  </a:schemeClr>
+                </a:solidFill>
+                <a:latin typeface="Consolas"/>
+                <a:cs typeface="Consolas"/>
+              </a:rPr>
               <a:t>	void buy(Collection&lt;T&gt; cart);	</a:t>
+            </a:r>
+          </a:p>
+          <a:p>
+            <a:pPr marL="0" indent="0">
+              <a:buNone/>
+            </a:pPr>
+            <a:r>
+              <a:rPr lang="en-US" sz="2200" dirty="0">
+                <a:solidFill>
+                  <a:schemeClr val="accent6">
+                    <a:lumMod val="75000"/>
+                  </a:schemeClr>
+                </a:solidFill>
+                <a:latin typeface="Consolas"/>
+                <a:cs typeface="Consolas"/>
+              </a:rPr>
+              <a:t>	void sell(Collection&lt;T&gt; cart, int n);</a:t>
             </a:r>
           </a:p>
           <a:p>
@@ -10431,7 +10296,19 @@
                 <a:latin typeface="Consolas"/>
                 <a:cs typeface="Consolas"/>
               </a:rPr>
-              <a:t>	void sell(Collection&lt;T&gt; cart, int n);</a:t>
+              <a:t>	</a:t>
+            </a:r>
+          </a:p>
+          <a:p>
+            <a:pPr marL="0" indent="0">
+              <a:buNone/>
+            </a:pPr>
+            <a:r>
+              <a:rPr lang="en-US" sz="2200" dirty="0">
+                <a:latin typeface="Consolas"/>
+                <a:cs typeface="Consolas"/>
+              </a:rPr>
+              <a:t>	/* returns the internal items */</a:t>
             </a:r>
           </a:p>
           <a:p>

--- a/java/slides/ppt/05 - Java Generic Data Structures.pptx
+++ b/java/slides/ppt/05 - Java Generic Data Structures.pptx
@@ -244,7 +244,7 @@
           <a:p>
             <a:fld id="{5591E39A-28E5-5D4D-B97C-ECEB96F19817}" type="datetimeFigureOut">
               <a:rPr lang="en-IT" smtClean="0"/>
-              <a:t>26/03/22</a:t>
+              <a:t>30/03/22</a:t>
             </a:fld>
             <a:endParaRPr lang="en-IT"/>
           </a:p>
@@ -423,7 +423,7 @@
             <a:fld id="{BAEB7694-8561-4BE2-948D-EDF7A201F8BB}" type="datetimeFigureOut">
               <a:rPr lang="it-IT" smtClean="0"/>
               <a:pPr/>
-              <a:t>26/03/22</a:t>
+              <a:t>30/03/22</a:t>
             </a:fld>
             <a:endParaRPr lang="it-IT"/>
           </a:p>
@@ -4857,7 +4857,7 @@
         <p:spPr/>
         <p:txBody>
           <a:bodyPr>
-            <a:normAutofit fontScale="77500" lnSpcReduction="20000"/>
+            <a:noAutofit/>
           </a:bodyPr>
           <a:lstStyle/>
           <a:p>
@@ -4865,7 +4865,7 @@
               <a:buNone/>
             </a:pPr>
             <a:r>
-              <a:rPr lang="en-GB" sz="2000" dirty="0">
+              <a:rPr lang="en-GB" sz="1400" dirty="0">
                 <a:latin typeface="Consolas" panose="020B0609020204030204" pitchFamily="49" charset="0"/>
                 <a:cs typeface="Consolas" panose="020B0609020204030204" pitchFamily="49" charset="0"/>
               </a:rPr>
@@ -4877,21 +4877,21 @@
               <a:buNone/>
             </a:pPr>
             <a:r>
-              <a:rPr lang="en-GB" sz="2000" dirty="0">
+              <a:rPr lang="en-GB" sz="1400" dirty="0">
                 <a:latin typeface="Consolas" panose="020B0609020204030204" pitchFamily="49" charset="0"/>
                 <a:cs typeface="Consolas" panose="020B0609020204030204" pitchFamily="49" charset="0"/>
               </a:rPr>
               <a:t>void </a:t>
             </a:r>
             <a:r>
-              <a:rPr lang="en-GB" sz="2000" dirty="0" err="1">
+              <a:rPr lang="en-GB" sz="1400" dirty="0" err="1">
                 <a:latin typeface="Consolas" panose="020B0609020204030204" pitchFamily="49" charset="0"/>
                 <a:cs typeface="Consolas" panose="020B0609020204030204" pitchFamily="49" charset="0"/>
               </a:rPr>
               <a:t>SubTypesCollections</a:t>
             </a:r>
             <a:r>
-              <a:rPr lang="en-GB" sz="2000" dirty="0">
+              <a:rPr lang="en-GB" sz="1400" dirty="0">
                 <a:latin typeface="Consolas" panose="020B0609020204030204" pitchFamily="49" charset="0"/>
                 <a:cs typeface="Consolas" panose="020B0609020204030204" pitchFamily="49" charset="0"/>
               </a:rPr>
@@ -4903,21 +4903,21 @@
               <a:buNone/>
             </a:pPr>
             <a:r>
-              <a:rPr lang="en-GB" sz="2000" dirty="0">
+              <a:rPr lang="en-GB" sz="1400" dirty="0">
                 <a:latin typeface="Consolas" panose="020B0609020204030204" pitchFamily="49" charset="0"/>
                 <a:cs typeface="Consolas" panose="020B0609020204030204" pitchFamily="49" charset="0"/>
               </a:rPr>
               <a:t>	Shop&lt;Fruit&gt; </a:t>
             </a:r>
             <a:r>
-              <a:rPr lang="en-GB" sz="2000" dirty="0" err="1">
+              <a:rPr lang="en-GB" sz="1400" dirty="0" err="1">
                 <a:latin typeface="Consolas" panose="020B0609020204030204" pitchFamily="49" charset="0"/>
                 <a:cs typeface="Consolas" panose="020B0609020204030204" pitchFamily="49" charset="0"/>
               </a:rPr>
               <a:t>fruitShop</a:t>
             </a:r>
             <a:r>
-              <a:rPr lang="en-GB" sz="2000" dirty="0">
+              <a:rPr lang="en-GB" sz="1400" dirty="0">
                 <a:latin typeface="Consolas" panose="020B0609020204030204" pitchFamily="49" charset="0"/>
                 <a:cs typeface="Consolas" panose="020B0609020204030204" pitchFamily="49" charset="0"/>
               </a:rPr>
@@ -4928,7 +4928,7 @@
             <a:pPr marL="0" indent="0">
               <a:buNone/>
             </a:pPr>
-            <a:endParaRPr lang="en-GB" sz="2000" dirty="0">
+            <a:endParaRPr lang="en-GB" sz="1400" dirty="0">
               <a:latin typeface="Consolas" panose="020B0609020204030204" pitchFamily="49" charset="0"/>
               <a:cs typeface="Consolas" panose="020B0609020204030204" pitchFamily="49" charset="0"/>
             </a:endParaRPr>
@@ -4938,100 +4938,323 @@
               <a:buNone/>
             </a:pPr>
             <a:r>
-              <a:rPr lang="en-GB" sz="2000" dirty="0">
+              <a:rPr lang="en-GB" sz="1400" dirty="0">
+                <a:latin typeface="Consolas" panose="020B0609020204030204" pitchFamily="49" charset="0"/>
+                <a:cs typeface="Consolas" panose="020B0609020204030204" pitchFamily="49" charset="0"/>
+              </a:rPr>
+              <a:t>	List&lt;Orange&gt; </a:t>
+            </a:r>
+            <a:r>
+              <a:rPr lang="en-GB" sz="1400" dirty="0" err="1">
+                <a:latin typeface="Consolas" panose="020B0609020204030204" pitchFamily="49" charset="0"/>
+                <a:cs typeface="Consolas" panose="020B0609020204030204" pitchFamily="49" charset="0"/>
+              </a:rPr>
+              <a:t>orangeList</a:t>
+            </a:r>
+            <a:r>
+              <a:rPr lang="en-GB" sz="1400" dirty="0">
+                <a:latin typeface="Consolas" panose="020B0609020204030204" pitchFamily="49" charset="0"/>
+                <a:cs typeface="Consolas" panose="020B0609020204030204" pitchFamily="49" charset="0"/>
+              </a:rPr>
+              <a:t> = new </a:t>
+            </a:r>
+            <a:r>
+              <a:rPr lang="en-GB" sz="1400" dirty="0" err="1">
+                <a:latin typeface="Consolas" panose="020B0609020204030204" pitchFamily="49" charset="0"/>
+                <a:cs typeface="Consolas" panose="020B0609020204030204" pitchFamily="49" charset="0"/>
+              </a:rPr>
+              <a:t>ArrayList</a:t>
+            </a:r>
+            <a:r>
+              <a:rPr lang="en-GB" sz="1400" dirty="0">
+                <a:latin typeface="Consolas" panose="020B0609020204030204" pitchFamily="49" charset="0"/>
+                <a:cs typeface="Consolas" panose="020B0609020204030204" pitchFamily="49" charset="0"/>
+              </a:rPr>
+              <a:t>&lt;&gt;(</a:t>
+            </a:r>
+            <a:r>
+              <a:rPr lang="en-GB" sz="1400" dirty="0" err="1">
+                <a:latin typeface="Consolas" panose="020B0609020204030204" pitchFamily="49" charset="0"/>
+                <a:cs typeface="Consolas" panose="020B0609020204030204" pitchFamily="49" charset="0"/>
+              </a:rPr>
+              <a:t>List.</a:t>
+            </a:r>
+            <a:r>
+              <a:rPr lang="en-GB" sz="1400" i="1" dirty="0" err="1">
+                <a:latin typeface="Consolas" panose="020B0609020204030204" pitchFamily="49" charset="0"/>
+                <a:cs typeface="Consolas" panose="020B0609020204030204" pitchFamily="49" charset="0"/>
+              </a:rPr>
+              <a:t>of</a:t>
+            </a:r>
+            <a:r>
+              <a:rPr lang="en-GB" sz="1400" dirty="0">
+                <a:latin typeface="Consolas" panose="020B0609020204030204" pitchFamily="49" charset="0"/>
+                <a:cs typeface="Consolas" panose="020B0609020204030204" pitchFamily="49" charset="0"/>
+              </a:rPr>
+              <a:t>(new Orange(), new Orange(), new Orange()));</a:t>
+            </a:r>
+            <a:br>
+              <a:rPr lang="en-GB" sz="1400" dirty="0">
+                <a:latin typeface="Consolas" panose="020B0609020204030204" pitchFamily="49" charset="0"/>
+                <a:cs typeface="Consolas" panose="020B0609020204030204" pitchFamily="49" charset="0"/>
+              </a:rPr>
+            </a:br>
+            <a:r>
+              <a:rPr lang="en-GB" sz="1400" dirty="0">
                 <a:latin typeface="Consolas" panose="020B0609020204030204" pitchFamily="49" charset="0"/>
                 <a:cs typeface="Consolas" panose="020B0609020204030204" pitchFamily="49" charset="0"/>
               </a:rPr>
               <a:t>	</a:t>
             </a:r>
             <a:r>
-              <a:rPr lang="en-GB" sz="2000" dirty="0" err="1">
+              <a:rPr lang="en-GB" sz="1400" dirty="0" err="1">
                 <a:latin typeface="Consolas" panose="020B0609020204030204" pitchFamily="49" charset="0"/>
                 <a:cs typeface="Consolas" panose="020B0609020204030204" pitchFamily="49" charset="0"/>
               </a:rPr>
               <a:t>fruitShop.buy</a:t>
             </a:r>
             <a:r>
-              <a:rPr lang="en-GB" sz="2000" dirty="0">
+              <a:rPr lang="en-GB" sz="1400" dirty="0">
                 <a:latin typeface="Consolas" panose="020B0609020204030204" pitchFamily="49" charset="0"/>
                 <a:cs typeface="Consolas" panose="020B0609020204030204" pitchFamily="49" charset="0"/>
               </a:rPr>
               <a:t>(</a:t>
             </a:r>
             <a:r>
-              <a:rPr lang="en-GB" sz="2000" dirty="0" err="1">
+              <a:rPr lang="en-GB" sz="1400" dirty="0" err="1">
+                <a:latin typeface="Consolas" panose="020B0609020204030204" pitchFamily="49" charset="0"/>
+                <a:cs typeface="Consolas" panose="020B0609020204030204" pitchFamily="49" charset="0"/>
+              </a:rPr>
+              <a:t>orangeList</a:t>
+            </a:r>
+            <a:r>
+              <a:rPr lang="en-GB" sz="1400" dirty="0">
+                <a:latin typeface="Consolas" panose="020B0609020204030204" pitchFamily="49" charset="0"/>
+                <a:cs typeface="Consolas" panose="020B0609020204030204" pitchFamily="49" charset="0"/>
+              </a:rPr>
+              <a:t>);</a:t>
+            </a:r>
+            <a:br>
+              <a:rPr lang="en-GB" sz="1400" dirty="0">
+                <a:latin typeface="Consolas" panose="020B0609020204030204" pitchFamily="49" charset="0"/>
+                <a:cs typeface="Consolas" panose="020B0609020204030204" pitchFamily="49" charset="0"/>
+              </a:rPr>
+            </a:br>
+            <a:r>
+              <a:rPr lang="en-GB" sz="1400" dirty="0">
+                <a:latin typeface="Consolas" panose="020B0609020204030204" pitchFamily="49" charset="0"/>
+                <a:cs typeface="Consolas" panose="020B0609020204030204" pitchFamily="49" charset="0"/>
+              </a:rPr>
+              <a:t>	</a:t>
+            </a:r>
+            <a:r>
+              <a:rPr lang="en-GB" sz="1400" i="1" dirty="0" err="1">
+                <a:latin typeface="Consolas" panose="020B0609020204030204" pitchFamily="49" charset="0"/>
+                <a:cs typeface="Consolas" panose="020B0609020204030204" pitchFamily="49" charset="0"/>
+              </a:rPr>
+              <a:t>assertEquals</a:t>
+            </a:r>
+            <a:r>
+              <a:rPr lang="en-GB" sz="1400" dirty="0">
+                <a:latin typeface="Consolas" panose="020B0609020204030204" pitchFamily="49" charset="0"/>
+                <a:cs typeface="Consolas" panose="020B0609020204030204" pitchFamily="49" charset="0"/>
+              </a:rPr>
+              <a:t>(</a:t>
+            </a:r>
+            <a:r>
+              <a:rPr lang="en-GB" sz="1400" dirty="0" err="1">
+                <a:latin typeface="Consolas" panose="020B0609020204030204" pitchFamily="49" charset="0"/>
+                <a:cs typeface="Consolas" panose="020B0609020204030204" pitchFamily="49" charset="0"/>
+              </a:rPr>
+              <a:t>List.</a:t>
+            </a:r>
+            <a:r>
+              <a:rPr lang="en-GB" sz="1400" i="1" dirty="0" err="1">
+                <a:latin typeface="Consolas" panose="020B0609020204030204" pitchFamily="49" charset="0"/>
+                <a:cs typeface="Consolas" panose="020B0609020204030204" pitchFamily="49" charset="0"/>
+              </a:rPr>
+              <a:t>of</a:t>
+            </a:r>
+            <a:r>
+              <a:rPr lang="en-GB" sz="1400" dirty="0">
+                <a:latin typeface="Consolas" panose="020B0609020204030204" pitchFamily="49" charset="0"/>
+                <a:cs typeface="Consolas" panose="020B0609020204030204" pitchFamily="49" charset="0"/>
+              </a:rPr>
+              <a:t>(new Orange(), new Orange(), new Apple()), </a:t>
+            </a:r>
+            <a:r>
+              <a:rPr lang="en-GB" sz="1400" dirty="0" err="1">
+                <a:latin typeface="Consolas" panose="020B0609020204030204" pitchFamily="49" charset="0"/>
+                <a:cs typeface="Consolas" panose="020B0609020204030204" pitchFamily="49" charset="0"/>
+              </a:rPr>
+              <a:t>fruitShop.getItems</a:t>
+            </a:r>
+            <a:r>
+              <a:rPr lang="en-GB" sz="1400" dirty="0">
+                <a:latin typeface="Consolas" panose="020B0609020204030204" pitchFamily="49" charset="0"/>
+                <a:cs typeface="Consolas" panose="020B0609020204030204" pitchFamily="49" charset="0"/>
+              </a:rPr>
+              <a:t>());</a:t>
+            </a:r>
+          </a:p>
+          <a:p>
+            <a:pPr marL="0" indent="0">
+              <a:buNone/>
+            </a:pPr>
+            <a:r>
+              <a:rPr lang="en-GB" sz="1400" dirty="0">
+                <a:latin typeface="Consolas" panose="020B0609020204030204" pitchFamily="49" charset="0"/>
+                <a:cs typeface="Consolas" panose="020B0609020204030204" pitchFamily="49" charset="0"/>
+              </a:rPr>
+              <a:t>	</a:t>
+            </a:r>
+          </a:p>
+          <a:p>
+            <a:pPr marL="0" indent="0">
+              <a:buNone/>
+            </a:pPr>
+            <a:r>
+              <a:rPr lang="en-GB" sz="1400" dirty="0">
+                <a:latin typeface="Consolas" panose="020B0609020204030204" pitchFamily="49" charset="0"/>
+                <a:cs typeface="Consolas" panose="020B0609020204030204" pitchFamily="49" charset="0"/>
+              </a:rPr>
+              <a:t>	List&lt;Product&gt; </a:t>
+            </a:r>
+            <a:r>
+              <a:rPr lang="en-GB" sz="1400" dirty="0" err="1">
+                <a:latin typeface="Consolas" panose="020B0609020204030204" pitchFamily="49" charset="0"/>
+                <a:cs typeface="Consolas" panose="020B0609020204030204" pitchFamily="49" charset="0"/>
+              </a:rPr>
+              <a:t>productList</a:t>
+            </a:r>
+            <a:r>
+              <a:rPr lang="en-GB" sz="1400" dirty="0">
+                <a:latin typeface="Consolas" panose="020B0609020204030204" pitchFamily="49" charset="0"/>
+                <a:cs typeface="Consolas" panose="020B0609020204030204" pitchFamily="49" charset="0"/>
+              </a:rPr>
+              <a:t> = new </a:t>
+            </a:r>
+            <a:r>
+              <a:rPr lang="en-GB" sz="1400" dirty="0" err="1">
+                <a:latin typeface="Consolas" panose="020B0609020204030204" pitchFamily="49" charset="0"/>
+                <a:cs typeface="Consolas" panose="020B0609020204030204" pitchFamily="49" charset="0"/>
+              </a:rPr>
+              <a:t>ArrayList</a:t>
+            </a:r>
+            <a:r>
+              <a:rPr lang="en-GB" sz="1400" dirty="0">
+                <a:latin typeface="Consolas" panose="020B0609020204030204" pitchFamily="49" charset="0"/>
+                <a:cs typeface="Consolas" panose="020B0609020204030204" pitchFamily="49" charset="0"/>
+              </a:rPr>
+              <a:t>&lt;&gt;();</a:t>
+            </a:r>
+          </a:p>
+          <a:p>
+            <a:pPr marL="0" indent="0">
+              <a:buNone/>
+            </a:pPr>
+            <a:r>
+              <a:rPr lang="en-GB" sz="1400" dirty="0">
+                <a:latin typeface="Consolas" panose="020B0609020204030204" pitchFamily="49" charset="0"/>
+                <a:cs typeface="Consolas" panose="020B0609020204030204" pitchFamily="49" charset="0"/>
+              </a:rPr>
+              <a:t>    	</a:t>
+            </a:r>
+            <a:r>
+              <a:rPr lang="en-GB" sz="1400" dirty="0" err="1">
+                <a:latin typeface="Consolas" panose="020B0609020204030204" pitchFamily="49" charset="0"/>
+                <a:cs typeface="Consolas" panose="020B0609020204030204" pitchFamily="49" charset="0"/>
+              </a:rPr>
+              <a:t>fruitShop.sell</a:t>
+            </a:r>
+            <a:r>
+              <a:rPr lang="en-GB" sz="1400" dirty="0">
+                <a:latin typeface="Consolas" panose="020B0609020204030204" pitchFamily="49" charset="0"/>
+                <a:cs typeface="Consolas" panose="020B0609020204030204" pitchFamily="49" charset="0"/>
+              </a:rPr>
+              <a:t>(</a:t>
+            </a:r>
+            <a:r>
+              <a:rPr lang="en-GB" sz="1400" dirty="0" err="1">
+                <a:latin typeface="Consolas" panose="020B0609020204030204" pitchFamily="49" charset="0"/>
+                <a:cs typeface="Consolas" panose="020B0609020204030204" pitchFamily="49" charset="0"/>
+              </a:rPr>
+              <a:t>productList</a:t>
+            </a:r>
+            <a:r>
+              <a:rPr lang="en-GB" sz="1400" dirty="0">
+                <a:latin typeface="Consolas" panose="020B0609020204030204" pitchFamily="49" charset="0"/>
+                <a:cs typeface="Consolas" panose="020B0609020204030204" pitchFamily="49" charset="0"/>
+              </a:rPr>
+              <a:t>, 3);</a:t>
+            </a:r>
+          </a:p>
+          <a:p>
+            <a:pPr marL="0" indent="0">
+              <a:buNone/>
+            </a:pPr>
+            <a:r>
+              <a:rPr lang="en-GB" sz="1400" dirty="0">
+                <a:latin typeface="Consolas" panose="020B0609020204030204" pitchFamily="49" charset="0"/>
+                <a:cs typeface="Consolas" panose="020B0609020204030204" pitchFamily="49" charset="0"/>
+              </a:rPr>
+              <a:t>     </a:t>
+            </a:r>
+            <a:r>
+              <a:rPr lang="en-GB" sz="1400" dirty="0" err="1">
+                <a:latin typeface="Consolas" panose="020B0609020204030204" pitchFamily="49" charset="0"/>
+                <a:cs typeface="Consolas" panose="020B0609020204030204" pitchFamily="49" charset="0"/>
+              </a:rPr>
+              <a:t>assertEquals</a:t>
+            </a:r>
+            <a:r>
+              <a:rPr lang="en-GB" sz="1400" dirty="0">
+                <a:latin typeface="Consolas" panose="020B0609020204030204" pitchFamily="49" charset="0"/>
+                <a:cs typeface="Consolas" panose="020B0609020204030204" pitchFamily="49" charset="0"/>
+              </a:rPr>
+              <a:t>(</a:t>
+            </a:r>
+            <a:r>
+              <a:rPr lang="en-GB" sz="1400" dirty="0" err="1">
                 <a:latin typeface="Consolas" panose="020B0609020204030204" pitchFamily="49" charset="0"/>
                 <a:cs typeface="Consolas" panose="020B0609020204030204" pitchFamily="49" charset="0"/>
               </a:rPr>
               <a:t>List.of</a:t>
             </a:r>
             <a:r>
-              <a:rPr lang="en-GB" sz="2000" dirty="0">
-                <a:latin typeface="Consolas" panose="020B0609020204030204" pitchFamily="49" charset="0"/>
-                <a:cs typeface="Consolas" panose="020B0609020204030204" pitchFamily="49" charset="0"/>
-              </a:rPr>
-              <a:t>(new Orange(), new Orange(), new Apple()));</a:t>
-            </a:r>
-          </a:p>
-          <a:p>
-            <a:pPr marL="0" indent="0">
-              <a:buNone/>
-            </a:pPr>
-            <a:r>
-              <a:rPr lang="en-GB" sz="2000" dirty="0">
-                <a:latin typeface="Consolas" panose="020B0609020204030204" pitchFamily="49" charset="0"/>
-                <a:cs typeface="Consolas" panose="020B0609020204030204" pitchFamily="49" charset="0"/>
-              </a:rPr>
-              <a:t>	</a:t>
-            </a:r>
-            <a:r>
-              <a:rPr lang="en-GB" sz="2000" dirty="0" err="1">
-                <a:latin typeface="Consolas" panose="020B0609020204030204" pitchFamily="49" charset="0"/>
-                <a:cs typeface="Consolas" panose="020B0609020204030204" pitchFamily="49" charset="0"/>
-              </a:rPr>
-              <a:t>assertEquals</a:t>
-            </a:r>
-            <a:r>
-              <a:rPr lang="en-GB" sz="2000" dirty="0">
-                <a:latin typeface="Consolas" panose="020B0609020204030204" pitchFamily="49" charset="0"/>
-                <a:cs typeface="Consolas" panose="020B0609020204030204" pitchFamily="49" charset="0"/>
-              </a:rPr>
-              <a:t>(</a:t>
-            </a:r>
-            <a:r>
-              <a:rPr lang="en-GB" sz="2000" dirty="0" err="1">
-                <a:latin typeface="Consolas" panose="020B0609020204030204" pitchFamily="49" charset="0"/>
-                <a:cs typeface="Consolas" panose="020B0609020204030204" pitchFamily="49" charset="0"/>
-              </a:rPr>
-              <a:t>List.of</a:t>
-            </a:r>
-            <a:r>
-              <a:rPr lang="en-GB" sz="2000" dirty="0">
+              <a:rPr lang="en-GB" sz="1400" dirty="0">
                 <a:latin typeface="Consolas" panose="020B0609020204030204" pitchFamily="49" charset="0"/>
                 <a:cs typeface="Consolas" panose="020B0609020204030204" pitchFamily="49" charset="0"/>
               </a:rPr>
               <a:t>(new Orange(), new Orange(), new Apple()), </a:t>
             </a:r>
             <a:r>
-              <a:rPr lang="en-GB" sz="2000" dirty="0" err="1">
-                <a:latin typeface="Consolas" panose="020B0609020204030204" pitchFamily="49" charset="0"/>
-                <a:cs typeface="Consolas" panose="020B0609020204030204" pitchFamily="49" charset="0"/>
-              </a:rPr>
-              <a:t>fruitShop.getItems</a:t>
-            </a:r>
-            <a:r>
-              <a:rPr lang="en-GB" sz="2000" dirty="0">
-                <a:latin typeface="Consolas" panose="020B0609020204030204" pitchFamily="49" charset="0"/>
-                <a:cs typeface="Consolas" panose="020B0609020204030204" pitchFamily="49" charset="0"/>
-              </a:rPr>
-              <a:t>());</a:t>
-            </a:r>
-          </a:p>
-          <a:p>
-            <a:pPr marL="0" indent="0">
-              <a:buNone/>
-            </a:pPr>
-            <a:endParaRPr lang="en-GB" sz="2000" dirty="0">
+              <a:rPr lang="en-GB" sz="1400" dirty="0" err="1">
+                <a:latin typeface="Consolas" panose="020B0609020204030204" pitchFamily="49" charset="0"/>
+                <a:cs typeface="Consolas" panose="020B0609020204030204" pitchFamily="49" charset="0"/>
+              </a:rPr>
+              <a:t>productList</a:t>
+            </a:r>
+            <a:r>
+              <a:rPr lang="en-GB" sz="1400" dirty="0">
+                <a:latin typeface="Consolas" panose="020B0609020204030204" pitchFamily="49" charset="0"/>
+                <a:cs typeface="Consolas" panose="020B0609020204030204" pitchFamily="49" charset="0"/>
+              </a:rPr>
+              <a:t>);</a:t>
+            </a:r>
+          </a:p>
+          <a:p>
+            <a:pPr marL="0" indent="0">
+              <a:buNone/>
+            </a:pPr>
+            <a:r>
+              <a:rPr lang="en-GB" sz="1400" dirty="0">
+                <a:latin typeface="Consolas" panose="020B0609020204030204" pitchFamily="49" charset="0"/>
+                <a:cs typeface="Consolas" panose="020B0609020204030204" pitchFamily="49" charset="0"/>
+              </a:rPr>
+              <a:t>}</a:t>
+            </a:r>
+            <a:endParaRPr lang="en-US" sz="1400" dirty="0">
               <a:latin typeface="Consolas" panose="020B0609020204030204" pitchFamily="49" charset="0"/>
               <a:cs typeface="Consolas" panose="020B0609020204030204" pitchFamily="49" charset="0"/>
             </a:endParaRPr>
@@ -5040,148 +5263,7 @@
             <a:pPr marL="0" indent="0">
               <a:buNone/>
             </a:pPr>
-            <a:r>
-              <a:rPr lang="en-GB" sz="2000" dirty="0">
-                <a:latin typeface="Consolas" panose="020B0609020204030204" pitchFamily="49" charset="0"/>
-                <a:cs typeface="Consolas" panose="020B0609020204030204" pitchFamily="49" charset="0"/>
-              </a:rPr>
-              <a:t>	List&lt;Product&gt; </a:t>
-            </a:r>
-            <a:r>
-              <a:rPr lang="en-GB" sz="2000" dirty="0" err="1">
-                <a:latin typeface="Consolas" panose="020B0609020204030204" pitchFamily="49" charset="0"/>
-                <a:cs typeface="Consolas" panose="020B0609020204030204" pitchFamily="49" charset="0"/>
-              </a:rPr>
-              <a:t>productList</a:t>
-            </a:r>
-            <a:r>
-              <a:rPr lang="en-GB" sz="2000" dirty="0">
-                <a:latin typeface="Consolas" panose="020B0609020204030204" pitchFamily="49" charset="0"/>
-                <a:cs typeface="Consolas" panose="020B0609020204030204" pitchFamily="49" charset="0"/>
-              </a:rPr>
-              <a:t> = new </a:t>
-            </a:r>
-            <a:r>
-              <a:rPr lang="en-GB" sz="2000" dirty="0" err="1">
-                <a:latin typeface="Consolas" panose="020B0609020204030204" pitchFamily="49" charset="0"/>
-                <a:cs typeface="Consolas" panose="020B0609020204030204" pitchFamily="49" charset="0"/>
-              </a:rPr>
-              <a:t>ArrayList</a:t>
-            </a:r>
-            <a:r>
-              <a:rPr lang="en-GB" sz="2000" dirty="0">
-                <a:latin typeface="Consolas" panose="020B0609020204030204" pitchFamily="49" charset="0"/>
-                <a:cs typeface="Consolas" panose="020B0609020204030204" pitchFamily="49" charset="0"/>
-              </a:rPr>
-              <a:t>&lt;&gt;();</a:t>
-            </a:r>
-          </a:p>
-          <a:p>
-            <a:pPr marL="0" indent="0">
-              <a:buNone/>
-            </a:pPr>
-            <a:r>
-              <a:rPr lang="en-GB" sz="2000" dirty="0">
-                <a:latin typeface="Consolas" panose="020B0609020204030204" pitchFamily="49" charset="0"/>
-                <a:cs typeface="Consolas" panose="020B0609020204030204" pitchFamily="49" charset="0"/>
-              </a:rPr>
-              <a:t>    	</a:t>
-            </a:r>
-            <a:r>
-              <a:rPr lang="en-GB" sz="2000" dirty="0" err="1">
-                <a:latin typeface="Consolas" panose="020B0609020204030204" pitchFamily="49" charset="0"/>
-                <a:cs typeface="Consolas" panose="020B0609020204030204" pitchFamily="49" charset="0"/>
-              </a:rPr>
-              <a:t>fruitShop.sell</a:t>
-            </a:r>
-            <a:r>
-              <a:rPr lang="en-GB" sz="2000" dirty="0">
-                <a:latin typeface="Consolas" panose="020B0609020204030204" pitchFamily="49" charset="0"/>
-                <a:cs typeface="Consolas" panose="020B0609020204030204" pitchFamily="49" charset="0"/>
-              </a:rPr>
-              <a:t>(</a:t>
-            </a:r>
-            <a:r>
-              <a:rPr lang="en-GB" sz="2000" dirty="0" err="1">
-                <a:latin typeface="Consolas" panose="020B0609020204030204" pitchFamily="49" charset="0"/>
-                <a:cs typeface="Consolas" panose="020B0609020204030204" pitchFamily="49" charset="0"/>
-              </a:rPr>
-              <a:t>productList</a:t>
-            </a:r>
-            <a:r>
-              <a:rPr lang="en-GB" sz="2000" dirty="0">
-                <a:latin typeface="Consolas" panose="020B0609020204030204" pitchFamily="49" charset="0"/>
-                <a:cs typeface="Consolas" panose="020B0609020204030204" pitchFamily="49" charset="0"/>
-              </a:rPr>
-              <a:t>, 3);</a:t>
-            </a:r>
-          </a:p>
-          <a:p>
-            <a:pPr marL="0" indent="0">
-              <a:buNone/>
-            </a:pPr>
-            <a:r>
-              <a:rPr lang="en-GB" sz="2000" dirty="0">
-                <a:latin typeface="Consolas" panose="020B0609020204030204" pitchFamily="49" charset="0"/>
-                <a:cs typeface="Consolas" panose="020B0609020204030204" pitchFamily="49" charset="0"/>
-              </a:rPr>
-              <a:t>    </a:t>
-            </a:r>
-            <a:r>
-              <a:rPr lang="en-GB" sz="2000" dirty="0" err="1">
-                <a:latin typeface="Consolas" panose="020B0609020204030204" pitchFamily="49" charset="0"/>
-                <a:cs typeface="Consolas" panose="020B0609020204030204" pitchFamily="49" charset="0"/>
-              </a:rPr>
-              <a:t>assertEquals</a:t>
-            </a:r>
-            <a:r>
-              <a:rPr lang="en-GB" sz="2000" dirty="0">
-                <a:latin typeface="Consolas" panose="020B0609020204030204" pitchFamily="49" charset="0"/>
-                <a:cs typeface="Consolas" panose="020B0609020204030204" pitchFamily="49" charset="0"/>
-              </a:rPr>
-              <a:t>(</a:t>
-            </a:r>
-            <a:r>
-              <a:rPr lang="en-GB" sz="2000" dirty="0" err="1">
-                <a:latin typeface="Consolas" panose="020B0609020204030204" pitchFamily="49" charset="0"/>
-                <a:cs typeface="Consolas" panose="020B0609020204030204" pitchFamily="49" charset="0"/>
-              </a:rPr>
-              <a:t>List.of</a:t>
-            </a:r>
-            <a:r>
-              <a:rPr lang="en-GB" sz="2000" dirty="0">
-                <a:latin typeface="Consolas" panose="020B0609020204030204" pitchFamily="49" charset="0"/>
-                <a:cs typeface="Consolas" panose="020B0609020204030204" pitchFamily="49" charset="0"/>
-              </a:rPr>
-              <a:t>(new Orange(), new Orange(), new Apple()), </a:t>
-            </a:r>
-            <a:r>
-              <a:rPr lang="en-GB" sz="2000" dirty="0" err="1">
-                <a:latin typeface="Consolas" panose="020B0609020204030204" pitchFamily="49" charset="0"/>
-                <a:cs typeface="Consolas" panose="020B0609020204030204" pitchFamily="49" charset="0"/>
-              </a:rPr>
-              <a:t>productList</a:t>
-            </a:r>
-            <a:r>
-              <a:rPr lang="en-GB" sz="2000" dirty="0">
-                <a:latin typeface="Consolas" panose="020B0609020204030204" pitchFamily="49" charset="0"/>
-                <a:cs typeface="Consolas" panose="020B0609020204030204" pitchFamily="49" charset="0"/>
-              </a:rPr>
-              <a:t>);</a:t>
-            </a:r>
-          </a:p>
-          <a:p>
-            <a:pPr marL="0" indent="0">
-              <a:buNone/>
-            </a:pPr>
-            <a:r>
-              <a:rPr lang="en-GB" sz="2000" dirty="0">
-                <a:latin typeface="Consolas" panose="020B0609020204030204" pitchFamily="49" charset="0"/>
-                <a:cs typeface="Consolas" panose="020B0609020204030204" pitchFamily="49" charset="0"/>
-              </a:rPr>
-              <a:t>}</a:t>
-            </a:r>
-            <a:endParaRPr lang="en-US" sz="2000" dirty="0">
+            <a:endParaRPr lang="en-US" sz="1400" dirty="0">
               <a:solidFill>
                 <a:schemeClr val="accent6">
                   <a:lumMod val="75000"/>
@@ -5195,53 +5277,8 @@
             <a:pPr marL="0" indent="0">
               <a:buNone/>
             </a:pPr>
-            <a:endParaRPr lang="en-US" sz="2000" dirty="0">
-              <a:latin typeface="Consolas"/>
-              <a:cs typeface="Consolas"/>
-            </a:endParaRPr>
-          </a:p>
-          <a:p>
-            <a:pPr marL="0" indent="0">
-              <a:buNone/>
-            </a:pPr>
-            <a:r>
-              <a:rPr lang="en-US" sz="2000" dirty="0">
-                <a:latin typeface="Consolas" panose="020B0609020204030204" pitchFamily="49" charset="0"/>
-                <a:cs typeface="Consolas" panose="020B0609020204030204" pitchFamily="49" charset="0"/>
-              </a:rPr>
-              <a:t>public interface Shop&lt;T&gt; {</a:t>
-            </a:r>
-          </a:p>
-          <a:p>
-            <a:pPr marL="0" indent="0">
-              <a:buNone/>
-            </a:pPr>
-            <a:r>
-              <a:rPr lang="en-US" sz="2000" dirty="0">
-                <a:latin typeface="Consolas" panose="020B0609020204030204" pitchFamily="49" charset="0"/>
-                <a:cs typeface="Consolas" panose="020B0609020204030204" pitchFamily="49" charset="0"/>
-              </a:rPr>
-              <a:t>	void buy(T item);	</a:t>
-            </a:r>
-          </a:p>
-          <a:p>
-            <a:pPr marL="0" indent="0">
-              <a:buNone/>
-            </a:pPr>
-            <a:r>
-              <a:rPr lang="en-US" sz="2000" dirty="0">
-                <a:latin typeface="Consolas" panose="020B0609020204030204" pitchFamily="49" charset="0"/>
-                <a:cs typeface="Consolas" panose="020B0609020204030204" pitchFamily="49" charset="0"/>
-              </a:rPr>
-              <a:t>	T sell();</a:t>
-            </a:r>
-          </a:p>
-          <a:p>
-            <a:pPr marL="0" indent="0">
-              <a:buNone/>
-            </a:pPr>
-            <a:r>
-              <a:rPr lang="en-US" sz="2000" dirty="0">
+            <a:r>
+              <a:rPr lang="en-US" sz="1400" dirty="0">
                 <a:solidFill>
                   <a:schemeClr val="accent6">
                     <a:lumMod val="75000"/>
@@ -5250,15 +5287,15 @@
                 <a:latin typeface="Consolas" panose="020B0609020204030204" pitchFamily="49" charset="0"/>
                 <a:cs typeface="Consolas" panose="020B0609020204030204" pitchFamily="49" charset="0"/>
               </a:rPr>
-              <a:t>	void buy(Collection&lt;? extends T&gt; cart);</a:t>
-            </a:r>
-          </a:p>
-          <a:p>
-            <a:pPr marL="0" indent="0">
-              <a:buNone/>
-            </a:pPr>
-            <a:r>
-              <a:rPr lang="en-US" sz="2000" dirty="0">
+              <a:t>public interface Shop&lt;T&gt; {</a:t>
+            </a:r>
+          </a:p>
+          <a:p>
+            <a:pPr marL="0" indent="0">
+              <a:buNone/>
+            </a:pPr>
+            <a:r>
+              <a:rPr lang="en-US" sz="1400" dirty="0">
                 <a:solidFill>
                   <a:schemeClr val="accent6">
                     <a:lumMod val="75000"/>
@@ -5267,15 +5304,71 @@
                 <a:latin typeface="Consolas" panose="020B0609020204030204" pitchFamily="49" charset="0"/>
                 <a:cs typeface="Consolas" panose="020B0609020204030204" pitchFamily="49" charset="0"/>
               </a:rPr>
-              <a:t>	void sell(Collection&lt;? super T&gt; cart, int n);</a:t>
-            </a:r>
-          </a:p>
-          <a:p>
-            <a:pPr marL="0" indent="0">
-              <a:buNone/>
-            </a:pPr>
-            <a:r>
-              <a:rPr lang="en-US" sz="2000" dirty="0">
+              <a:t>	void buy(T item);	</a:t>
+            </a:r>
+          </a:p>
+          <a:p>
+            <a:pPr marL="0" indent="0">
+              <a:buNone/>
+            </a:pPr>
+            <a:r>
+              <a:rPr lang="en-US" sz="1400" dirty="0">
+                <a:solidFill>
+                  <a:schemeClr val="accent6">
+                    <a:lumMod val="75000"/>
+                  </a:schemeClr>
+                </a:solidFill>
+                <a:latin typeface="Consolas" panose="020B0609020204030204" pitchFamily="49" charset="0"/>
+                <a:cs typeface="Consolas" panose="020B0609020204030204" pitchFamily="49" charset="0"/>
+              </a:rPr>
+              <a:t>	T sell();</a:t>
+            </a:r>
+          </a:p>
+          <a:p>
+            <a:pPr marL="0" indent="0">
+              <a:buNone/>
+            </a:pPr>
+            <a:r>
+              <a:rPr lang="en-US" sz="1400" dirty="0">
+                <a:solidFill>
+                  <a:schemeClr val="accent6">
+                    <a:lumMod val="75000"/>
+                  </a:schemeClr>
+                </a:solidFill>
+                <a:latin typeface="Consolas" panose="020B0609020204030204" pitchFamily="49" charset="0"/>
+                <a:cs typeface="Consolas" panose="020B0609020204030204" pitchFamily="49" charset="0"/>
+              </a:rPr>
+              <a:t>	void buy(Collection&lt;T&gt; cart);</a:t>
+            </a:r>
+          </a:p>
+          <a:p>
+            <a:pPr marL="0" indent="0">
+              <a:buNone/>
+            </a:pPr>
+            <a:r>
+              <a:rPr lang="en-US" sz="1400" dirty="0">
+                <a:solidFill>
+                  <a:schemeClr val="accent6">
+                    <a:lumMod val="75000"/>
+                  </a:schemeClr>
+                </a:solidFill>
+                <a:latin typeface="Consolas" panose="020B0609020204030204" pitchFamily="49" charset="0"/>
+                <a:cs typeface="Consolas" panose="020B0609020204030204" pitchFamily="49" charset="0"/>
+              </a:rPr>
+              <a:t>	void sell(Collection&lt;T&gt; cart, int n);</a:t>
+            </a:r>
+          </a:p>
+          <a:p>
+            <a:pPr marL="0" indent="0">
+              <a:buNone/>
+            </a:pPr>
+            <a:r>
+              <a:rPr lang="en-US" sz="1400" dirty="0">
+                <a:solidFill>
+                  <a:schemeClr val="accent6">
+                    <a:lumMod val="75000"/>
+                  </a:schemeClr>
+                </a:solidFill>
                 <a:latin typeface="Consolas" panose="020B0609020204030204" pitchFamily="49" charset="0"/>
                 <a:cs typeface="Consolas" panose="020B0609020204030204" pitchFamily="49" charset="0"/>
               </a:rPr>
@@ -5351,16 +5444,16 @@
         <p:spPr/>
         <p:txBody>
           <a:bodyPr>
-            <a:normAutofit/>
+            <a:normAutofit fontScale="92500"/>
           </a:bodyPr>
           <a:lstStyle/>
           <a:p>
             <a:r>
-              <a:rPr lang="en-US" sz="2400" dirty="0"/>
+              <a:rPr lang="en-US" dirty="0"/>
               <a:t>Use </a:t>
             </a:r>
             <a:r>
-              <a:rPr lang="en-US" sz="2400" dirty="0">
+              <a:rPr lang="en-US" dirty="0">
                 <a:solidFill>
                   <a:srgbClr val="E46C0A"/>
                 </a:solidFill>
@@ -5368,17 +5461,17 @@
               <a:t>&lt;? extends T&gt; </a:t>
             </a:r>
             <a:r>
-              <a:rPr lang="en-US" sz="2400" dirty="0"/>
-              <a:t>when the generic instance need to read values from external data structures </a:t>
-            </a:r>
-          </a:p>
-          <a:p>
-            <a:r>
-              <a:rPr lang="en-US" sz="2400" dirty="0"/>
+              <a:rPr lang="en-US" dirty="0"/>
+              <a:t>when the generic instance need to read values </a:t>
+            </a:r>
+          </a:p>
+          <a:p>
+            <a:r>
+              <a:rPr lang="en-US" dirty="0"/>
               <a:t>Use </a:t>
             </a:r>
             <a:r>
-              <a:rPr lang="en-US" sz="2400" dirty="0">
+              <a:rPr lang="en-US" dirty="0">
                 <a:solidFill>
                   <a:srgbClr val="E46C0A"/>
                 </a:solidFill>
@@ -5386,7 +5479,7 @@
               <a:t>&lt;? super T&gt;</a:t>
             </a:r>
             <a:r>
-              <a:rPr lang="en-US" sz="2400" dirty="0">
+              <a:rPr lang="en-US" dirty="0">
                 <a:solidFill>
                   <a:srgbClr val="F79646"/>
                 </a:solidFill>
@@ -5394,19 +5487,11 @@
               <a:t> </a:t>
             </a:r>
             <a:r>
-              <a:rPr lang="en-US" sz="2400" dirty="0"/>
-              <a:t>when the generic instance need to write values  to external data structures</a:t>
-            </a:r>
-            <a:endParaRPr lang="en-US" sz="2400" dirty="0">
-              <a:solidFill>
-                <a:srgbClr val="E46C0A"/>
-              </a:solidFill>
-            </a:endParaRPr>
-          </a:p>
-          <a:p>
-            <a:pPr marL="0" indent="0">
-              <a:buNone/>
-            </a:pPr>
+              <a:rPr lang="en-US" dirty="0"/>
+              <a:t>when the generic instance need to write values</a:t>
+            </a:r>
+          </a:p>
+          <a:p>
             <a:endParaRPr lang="en-US" sz="2400" dirty="0">
               <a:latin typeface="Consolas"/>
               <a:cs typeface="Consolas"/>
@@ -5417,7 +5502,7 @@
               <a:buNone/>
             </a:pPr>
             <a:r>
-              <a:rPr lang="en-US" sz="1800" dirty="0">
+              <a:rPr lang="en-US" sz="2400" dirty="0">
                 <a:latin typeface="Consolas" panose="020B0609020204030204" pitchFamily="49" charset="0"/>
                 <a:cs typeface="Consolas" panose="020B0609020204030204" pitchFamily="49" charset="0"/>
               </a:rPr>
@@ -5429,7 +5514,7 @@
               <a:buNone/>
             </a:pPr>
             <a:r>
-              <a:rPr lang="en-US" sz="1800" dirty="0">
+              <a:rPr lang="en-US" sz="2400" dirty="0">
                 <a:latin typeface="Consolas" panose="020B0609020204030204" pitchFamily="49" charset="0"/>
                 <a:cs typeface="Consolas" panose="020B0609020204030204" pitchFamily="49" charset="0"/>
               </a:rPr>
@@ -5441,7 +5526,7 @@
               <a:buNone/>
             </a:pPr>
             <a:r>
-              <a:rPr lang="en-US" sz="1800" dirty="0">
+              <a:rPr lang="en-US" sz="2400" dirty="0">
                 <a:latin typeface="Consolas" panose="020B0609020204030204" pitchFamily="49" charset="0"/>
                 <a:cs typeface="Consolas" panose="020B0609020204030204" pitchFamily="49" charset="0"/>
               </a:rPr>
@@ -5453,7 +5538,7 @@
               <a:buNone/>
             </a:pPr>
             <a:r>
-              <a:rPr lang="en-US" sz="1800" dirty="0">
+              <a:rPr lang="en-US" sz="2400" dirty="0">
                 <a:solidFill>
                   <a:schemeClr val="accent6">
                     <a:lumMod val="75000"/>
@@ -5470,7 +5555,7 @@
               <a:buNone/>
             </a:pPr>
             <a:r>
-              <a:rPr lang="en-US" sz="1800" dirty="0">
+              <a:rPr lang="en-US" sz="2400" dirty="0">
                 <a:solidFill>
                   <a:schemeClr val="accent6">
                     <a:lumMod val="75000"/>
@@ -5487,7 +5572,7 @@
               <a:buNone/>
             </a:pPr>
             <a:r>
-              <a:rPr lang="en-US" sz="1800" dirty="0">
+              <a:rPr lang="en-US" sz="2400" dirty="0">
                 <a:latin typeface="Consolas" panose="020B0609020204030204" pitchFamily="49" charset="0"/>
                 <a:cs typeface="Consolas" panose="020B0609020204030204" pitchFamily="49" charset="0"/>
               </a:rPr>
@@ -6498,7 +6583,7 @@
             <a:pPr lvl="1"/>
             <a:r>
               <a:rPr lang="en-US" dirty="0"/>
-              <a:t>Type variables are replaced by their upper bound (usually Object)</a:t>
+              <a:t>Type variables are replaced by their upper bound: T[] -&gt; Object[]</a:t>
             </a:r>
           </a:p>
           <a:p>
@@ -6603,19 +6688,19 @@
                 <a:latin typeface="Consolas" panose="020B0609020204030204" pitchFamily="49" charset="0"/>
                 <a:cs typeface="Consolas" panose="020B0609020204030204" pitchFamily="49" charset="0"/>
               </a:rPr>
-              <a:t>public class Stack&lt;E&gt; {</a:t>
-            </a:r>
-          </a:p>
-          <a:p>
-            <a:pPr marL="0" indent="0">
-              <a:buNone/>
-            </a:pPr>
-            <a:r>
-              <a:rPr lang="en-GB" sz="1400" dirty="0">
-                <a:latin typeface="Consolas" panose="020B0609020204030204" pitchFamily="49" charset="0"/>
-                <a:cs typeface="Consolas" panose="020B0609020204030204" pitchFamily="49" charset="0"/>
-              </a:rPr>
-              <a:t>    private E[] </a:t>
+              <a:t>public class Stack&lt;T&gt; {</a:t>
+            </a:r>
+          </a:p>
+          <a:p>
+            <a:pPr marL="0" indent="0">
+              <a:buNone/>
+            </a:pPr>
+            <a:r>
+              <a:rPr lang="en-GB" sz="1400" dirty="0">
+                <a:latin typeface="Consolas" panose="020B0609020204030204" pitchFamily="49" charset="0"/>
+                <a:cs typeface="Consolas" panose="020B0609020204030204" pitchFamily="49" charset="0"/>
+              </a:rPr>
+              <a:t>    private T[] </a:t>
             </a:r>
             <a:r>
               <a:rPr lang="en-GB" sz="1400" dirty="0" err="1">
@@ -6705,7 +6790,7 @@
                 <a:latin typeface="Consolas" panose="020B0609020204030204" pitchFamily="49" charset="0"/>
                 <a:cs typeface="Consolas" panose="020B0609020204030204" pitchFamily="49" charset="0"/>
               </a:rPr>
-              <a:t>		(E[]) new Object[capacity];</a:t>
+              <a:t>		(T[]) new Object[capacity];</a:t>
             </a:r>
           </a:p>
           <a:p>
@@ -6741,7 +6826,7 @@
                 <a:latin typeface="Consolas" panose="020B0609020204030204" pitchFamily="49" charset="0"/>
                 <a:cs typeface="Consolas" panose="020B0609020204030204" pitchFamily="49" charset="0"/>
               </a:rPr>
-              <a:t>    public void push(E data) {</a:t>
+              <a:t>    public void push(T data) {</a:t>
             </a:r>
           </a:p>
           <a:p>
@@ -6789,7 +6874,7 @@
                 <a:latin typeface="Consolas" panose="020B0609020204030204" pitchFamily="49" charset="0"/>
                 <a:cs typeface="Consolas" panose="020B0609020204030204" pitchFamily="49" charset="0"/>
               </a:rPr>
-              <a:t>    public E pop() {</a:t>
+              <a:t>    public T pop() {</a:t>
             </a:r>
           </a:p>
           <a:p>
@@ -7192,19 +7277,19 @@
                 <a:latin typeface="Consolas" panose="020B0609020204030204" pitchFamily="49" charset="0"/>
                 <a:cs typeface="Consolas" panose="020B0609020204030204" pitchFamily="49" charset="0"/>
               </a:rPr>
-              <a:t>&lt;E extends Comparable&lt;E&gt;&gt; {</a:t>
-            </a:r>
-          </a:p>
-          <a:p>
-            <a:pPr marL="0" indent="0">
-              <a:buNone/>
-            </a:pPr>
-            <a:r>
-              <a:rPr lang="en-GB" sz="1400" dirty="0">
-                <a:latin typeface="Consolas" panose="020B0609020204030204" pitchFamily="49" charset="0"/>
-                <a:cs typeface="Consolas" panose="020B0609020204030204" pitchFamily="49" charset="0"/>
-              </a:rPr>
-              <a:t>    private E[] </a:t>
+              <a:t>&lt;T extends Comparable&lt;T&gt;&gt; {</a:t>
+            </a:r>
+          </a:p>
+          <a:p>
+            <a:pPr marL="0" indent="0">
+              <a:buNone/>
+            </a:pPr>
+            <a:r>
+              <a:rPr lang="en-GB" sz="1400" dirty="0">
+                <a:latin typeface="Consolas" panose="020B0609020204030204" pitchFamily="49" charset="0"/>
+                <a:cs typeface="Consolas" panose="020B0609020204030204" pitchFamily="49" charset="0"/>
+              </a:rPr>
+              <a:t>    private T[] </a:t>
             </a:r>
             <a:r>
               <a:rPr lang="en-GB" sz="1400" dirty="0" err="1">
@@ -7308,7 +7393,7 @@
                 <a:latin typeface="Consolas" panose="020B0609020204030204" pitchFamily="49" charset="0"/>
                 <a:cs typeface="Consolas" panose="020B0609020204030204" pitchFamily="49" charset="0"/>
               </a:rPr>
-              <a:t>		(E[]) new Object[capacity];</a:t>
+              <a:t>		(T[]) new Object[capacity];</a:t>
             </a:r>
           </a:p>
           <a:p>
@@ -7344,7 +7429,7 @@
                 <a:latin typeface="Consolas" panose="020B0609020204030204" pitchFamily="49" charset="0"/>
                 <a:cs typeface="Consolas" panose="020B0609020204030204" pitchFamily="49" charset="0"/>
               </a:rPr>
-              <a:t>    public void push(E data) {</a:t>
+              <a:t>    public void push(T data) {</a:t>
             </a:r>
           </a:p>
           <a:p>
@@ -7392,7 +7477,7 @@
                 <a:latin typeface="Consolas" panose="020B0609020204030204" pitchFamily="49" charset="0"/>
                 <a:cs typeface="Consolas" panose="020B0609020204030204" pitchFamily="49" charset="0"/>
               </a:rPr>
-              <a:t>    public E pop() {</a:t>
+              <a:t>    public T pop() {</a:t>
             </a:r>
           </a:p>
           <a:p>
@@ -8500,7 +8585,7 @@
           <a:p>
             <a:r>
               <a:rPr lang="en-US" dirty="0"/>
-              <a:t>Pros and Cons of Code Erasure</a:t>
+              <a:t>Code Erasure: Pros and Cons</a:t>
             </a:r>
           </a:p>
         </p:txBody>
@@ -8951,7 +9036,7 @@
           <a:p>
             <a:r>
               <a:rPr lang="en-US" sz="2000" dirty="0"/>
-              <a:t>Is it a good idea to pass generic List&lt;String&gt; and List&lt;Fruit&gt; as parameters ? </a:t>
+              <a:t>Is it a good idea to pass instances of List&lt;String&gt; and List&lt;Fruit&gt; as parameters ? </a:t>
             </a:r>
             <a:r>
               <a:rPr lang="en-US" sz="2000" dirty="0">
@@ -9016,11 +9101,11 @@
               <a:buNone/>
             </a:pPr>
             <a:r>
-              <a:rPr lang="en-US" sz="2000" i="1" dirty="0"/>
+              <a:rPr lang="en-US" sz="2400" i="1" dirty="0"/>
               <a:t>“</a:t>
             </a:r>
             <a:r>
-              <a:rPr lang="en-US" sz="2000" i="1" dirty="0">
+              <a:rPr lang="en-US" sz="2400" i="1" dirty="0">
                 <a:solidFill>
                   <a:srgbClr val="E46C0A"/>
                 </a:solidFill>
@@ -9028,11 +9113,11 @@
               <a:t>Calling legacy code from generic code is inherently dangerous</a:t>
             </a:r>
             <a:r>
-              <a:rPr lang="en-US" sz="2000" i="1" dirty="0"/>
+              <a:rPr lang="en-US" sz="2400" i="1" dirty="0"/>
               <a:t>; once you mix generic code with non‐generic legacy code, all the safety guarantees that the generic type system usually provides are void. </a:t>
             </a:r>
             <a:r>
-              <a:rPr lang="en-US" sz="2000" i="1" dirty="0">
+              <a:rPr lang="en-US" sz="2400" i="1" dirty="0">
                 <a:solidFill>
                   <a:srgbClr val="E46C0A"/>
                 </a:solidFill>
@@ -9040,11 +9125,11 @@
               <a:t>However, you are still better than you were without using generics at all</a:t>
             </a:r>
             <a:r>
-              <a:rPr lang="en-US" sz="2000" i="1" dirty="0"/>
+              <a:rPr lang="en-US" sz="2400" i="1" dirty="0"/>
               <a:t>. At least you know the code on your end is consistent.” </a:t>
             </a:r>
             <a:r>
-              <a:rPr lang="en-US" sz="2000" dirty="0"/>
+              <a:rPr lang="en-US" sz="2400" dirty="0"/>
               <a:t>– </a:t>
             </a:r>
           </a:p>
@@ -9052,33 +9137,33 @@
             <a:pPr marL="0" indent="0">
               <a:buNone/>
             </a:pPr>
-            <a:endParaRPr lang="en-US" sz="2000" i="1" dirty="0"/>
-          </a:p>
-          <a:p>
-            <a:pPr marL="0" indent="0">
-              <a:buNone/>
-            </a:pPr>
-            <a:r>
-              <a:rPr lang="en-US" sz="2000" i="1" dirty="0"/>
+            <a:endParaRPr lang="en-US" sz="2400" i="1" dirty="0"/>
+          </a:p>
+          <a:p>
+            <a:pPr marL="0" indent="0">
+              <a:buNone/>
+            </a:pPr>
+            <a:r>
+              <a:rPr lang="en-US" sz="2400" i="1" dirty="0"/>
               <a:t>Gilad </a:t>
             </a:r>
             <a:r>
-              <a:rPr lang="en-US" sz="2000" i="1" dirty="0" err="1"/>
+              <a:rPr lang="en-US" sz="2400" i="1" dirty="0" err="1"/>
               <a:t>Bracha</a:t>
             </a:r>
             <a:r>
-              <a:rPr lang="en-US" sz="2000" i="1" dirty="0"/>
+              <a:rPr lang="en-US" sz="2400" i="1" dirty="0"/>
               <a:t>, Java Generics Developer</a:t>
             </a:r>
           </a:p>
           <a:p>
-            <a:endParaRPr lang="en-US" sz="2000" dirty="0"/>
-          </a:p>
-          <a:p>
-            <a:pPr marL="0" indent="0">
-              <a:buNone/>
-            </a:pPr>
-            <a:endParaRPr lang="en-IT" sz="2000" dirty="0"/>
+            <a:endParaRPr lang="en-US" sz="2400" dirty="0"/>
+          </a:p>
+          <a:p>
+            <a:pPr marL="0" indent="0">
+              <a:buNone/>
+            </a:pPr>
+            <a:endParaRPr lang="en-IT" sz="2400" dirty="0"/>
           </a:p>
         </p:txBody>
       </p:sp>
@@ -11828,7 +11913,7 @@
               <a:buNone/>
             </a:pPr>
             <a:r>
-              <a:rPr lang="en-GB" sz="1400" dirty="0">
+              <a:rPr lang="en-GB" sz="1300" dirty="0">
                 <a:latin typeface="Consolas" panose="020B0609020204030204" pitchFamily="49" charset="0"/>
                 <a:cs typeface="Consolas" panose="020B0609020204030204" pitchFamily="49" charset="0"/>
               </a:rPr>
@@ -11840,21 +11925,21 @@
               <a:buNone/>
             </a:pPr>
             <a:r>
-              <a:rPr lang="en-GB" sz="1400" dirty="0">
+              <a:rPr lang="en-GB" sz="1300" dirty="0">
                 <a:latin typeface="Consolas" panose="020B0609020204030204" pitchFamily="49" charset="0"/>
                 <a:cs typeface="Consolas" panose="020B0609020204030204" pitchFamily="49" charset="0"/>
               </a:rPr>
               <a:t>void </a:t>
             </a:r>
             <a:r>
-              <a:rPr lang="en-GB" sz="1400" dirty="0" err="1">
+              <a:rPr lang="en-GB" sz="1300" dirty="0" err="1">
                 <a:latin typeface="Consolas" panose="020B0609020204030204" pitchFamily="49" charset="0"/>
                 <a:cs typeface="Consolas" panose="020B0609020204030204" pitchFamily="49" charset="0"/>
               </a:rPr>
               <a:t>SubTypesCollections</a:t>
             </a:r>
             <a:r>
-              <a:rPr lang="en-GB" sz="1400" dirty="0">
+              <a:rPr lang="en-GB" sz="1300" dirty="0">
                 <a:latin typeface="Consolas" panose="020B0609020204030204" pitchFamily="49" charset="0"/>
                 <a:cs typeface="Consolas" panose="020B0609020204030204" pitchFamily="49" charset="0"/>
               </a:rPr>
@@ -11866,21 +11951,21 @@
               <a:buNone/>
             </a:pPr>
             <a:r>
-              <a:rPr lang="en-GB" sz="1400" dirty="0">
+              <a:rPr lang="en-GB" sz="1300" dirty="0">
                 <a:latin typeface="Consolas" panose="020B0609020204030204" pitchFamily="49" charset="0"/>
                 <a:cs typeface="Consolas" panose="020B0609020204030204" pitchFamily="49" charset="0"/>
               </a:rPr>
               <a:t>	Shop&lt;Fruit&gt; </a:t>
             </a:r>
             <a:r>
-              <a:rPr lang="en-GB" sz="1400" dirty="0" err="1">
+              <a:rPr lang="en-GB" sz="1300" dirty="0" err="1">
                 <a:latin typeface="Consolas" panose="020B0609020204030204" pitchFamily="49" charset="0"/>
                 <a:cs typeface="Consolas" panose="020B0609020204030204" pitchFamily="49" charset="0"/>
               </a:rPr>
               <a:t>fruitShop</a:t>
             </a:r>
             <a:r>
-              <a:rPr lang="en-GB" sz="1400" dirty="0">
+              <a:rPr lang="en-GB" sz="1300" dirty="0">
                 <a:latin typeface="Consolas" panose="020B0609020204030204" pitchFamily="49" charset="0"/>
                 <a:cs typeface="Consolas" panose="020B0609020204030204" pitchFamily="49" charset="0"/>
               </a:rPr>
@@ -11891,7 +11976,7 @@
             <a:pPr marL="0" indent="0">
               <a:buNone/>
             </a:pPr>
-            <a:endParaRPr lang="en-GB" sz="1400" dirty="0">
+            <a:endParaRPr lang="en-GB" sz="1300" dirty="0">
               <a:latin typeface="Consolas" panose="020B0609020204030204" pitchFamily="49" charset="0"/>
               <a:cs typeface="Consolas" panose="020B0609020204030204" pitchFamily="49" charset="0"/>
             </a:endParaRPr>
@@ -11901,167 +11986,86 @@
               <a:buNone/>
             </a:pPr>
             <a:r>
-              <a:rPr lang="en-GB" sz="1400" dirty="0">
+              <a:rPr lang="en-GB" sz="1300" dirty="0">
+                <a:latin typeface="Consolas" panose="020B0609020204030204" pitchFamily="49" charset="0"/>
+                <a:cs typeface="Consolas" panose="020B0609020204030204" pitchFamily="49" charset="0"/>
+              </a:rPr>
+              <a:t>	List&lt;Orange&gt; </a:t>
+            </a:r>
+            <a:r>
+              <a:rPr lang="en-GB" sz="1300" dirty="0" err="1">
+                <a:latin typeface="Consolas" panose="020B0609020204030204" pitchFamily="49" charset="0"/>
+                <a:cs typeface="Consolas" panose="020B0609020204030204" pitchFamily="49" charset="0"/>
+              </a:rPr>
+              <a:t>orangeList</a:t>
+            </a:r>
+            <a:r>
+              <a:rPr lang="en-GB" sz="1300" dirty="0">
+                <a:latin typeface="Consolas" panose="020B0609020204030204" pitchFamily="49" charset="0"/>
+                <a:cs typeface="Consolas" panose="020B0609020204030204" pitchFamily="49" charset="0"/>
+              </a:rPr>
+              <a:t> = new </a:t>
+            </a:r>
+            <a:r>
+              <a:rPr lang="en-GB" sz="1300" dirty="0" err="1">
+                <a:latin typeface="Consolas" panose="020B0609020204030204" pitchFamily="49" charset="0"/>
+                <a:cs typeface="Consolas" panose="020B0609020204030204" pitchFamily="49" charset="0"/>
+              </a:rPr>
+              <a:t>ArrayList</a:t>
+            </a:r>
+            <a:r>
+              <a:rPr lang="en-GB" sz="1300" dirty="0">
+                <a:latin typeface="Consolas" panose="020B0609020204030204" pitchFamily="49" charset="0"/>
+                <a:cs typeface="Consolas" panose="020B0609020204030204" pitchFamily="49" charset="0"/>
+              </a:rPr>
+              <a:t>&lt;&gt;(</a:t>
+            </a:r>
+            <a:r>
+              <a:rPr lang="en-GB" sz="1300" dirty="0" err="1">
+                <a:latin typeface="Consolas" panose="020B0609020204030204" pitchFamily="49" charset="0"/>
+                <a:cs typeface="Consolas" panose="020B0609020204030204" pitchFamily="49" charset="0"/>
+              </a:rPr>
+              <a:t>List.</a:t>
+            </a:r>
+            <a:r>
+              <a:rPr lang="en-GB" sz="1300" i="1" dirty="0" err="1">
+                <a:latin typeface="Consolas" panose="020B0609020204030204" pitchFamily="49" charset="0"/>
+                <a:cs typeface="Consolas" panose="020B0609020204030204" pitchFamily="49" charset="0"/>
+              </a:rPr>
+              <a:t>of</a:t>
+            </a:r>
+            <a:r>
+              <a:rPr lang="en-GB" sz="1300" dirty="0">
+                <a:latin typeface="Consolas" panose="020B0609020204030204" pitchFamily="49" charset="0"/>
+                <a:cs typeface="Consolas" panose="020B0609020204030204" pitchFamily="49" charset="0"/>
+              </a:rPr>
+              <a:t>(new Orange(), new Orange(), new Orange()));</a:t>
+            </a:r>
+            <a:br>
+              <a:rPr lang="en-GB" sz="1300" dirty="0">
+                <a:latin typeface="Consolas" panose="020B0609020204030204" pitchFamily="49" charset="0"/>
+                <a:cs typeface="Consolas" panose="020B0609020204030204" pitchFamily="49" charset="0"/>
+              </a:rPr>
+            </a:br>
+            <a:r>
+              <a:rPr lang="en-GB" sz="1300" dirty="0">
                 <a:latin typeface="Consolas" panose="020B0609020204030204" pitchFamily="49" charset="0"/>
                 <a:cs typeface="Consolas" panose="020B0609020204030204" pitchFamily="49" charset="0"/>
               </a:rPr>
               <a:t>	</a:t>
             </a:r>
             <a:r>
-              <a:rPr lang="en-GB" sz="1400" dirty="0" err="1">
-                <a:latin typeface="Consolas" panose="020B0609020204030204" pitchFamily="49" charset="0"/>
-                <a:cs typeface="Consolas" panose="020B0609020204030204" pitchFamily="49" charset="0"/>
-              </a:rPr>
-              <a:t>fruitShop.buy</a:t>
-            </a:r>
-            <a:r>
-              <a:rPr lang="en-GB" sz="1400" dirty="0">
-                <a:latin typeface="Consolas" panose="020B0609020204030204" pitchFamily="49" charset="0"/>
-                <a:cs typeface="Consolas" panose="020B0609020204030204" pitchFamily="49" charset="0"/>
-              </a:rPr>
-              <a:t>(</a:t>
-            </a:r>
-            <a:r>
-              <a:rPr lang="en-GB" sz="1400" dirty="0" err="1">
-                <a:latin typeface="Consolas" panose="020B0609020204030204" pitchFamily="49" charset="0"/>
-                <a:cs typeface="Consolas" panose="020B0609020204030204" pitchFamily="49" charset="0"/>
-              </a:rPr>
-              <a:t>List.of</a:t>
-            </a:r>
-            <a:r>
-              <a:rPr lang="en-GB" sz="1400" dirty="0">
-                <a:latin typeface="Consolas" panose="020B0609020204030204" pitchFamily="49" charset="0"/>
-                <a:cs typeface="Consolas" panose="020B0609020204030204" pitchFamily="49" charset="0"/>
-              </a:rPr>
-              <a:t>(new Orange(), new Orange(), new Apple()));</a:t>
-            </a:r>
-          </a:p>
-          <a:p>
-            <a:pPr marL="0" indent="0">
-              <a:buNone/>
-            </a:pPr>
-            <a:r>
-              <a:rPr lang="en-GB" sz="1400" dirty="0">
-                <a:latin typeface="Consolas" panose="020B0609020204030204" pitchFamily="49" charset="0"/>
-                <a:cs typeface="Consolas" panose="020B0609020204030204" pitchFamily="49" charset="0"/>
-              </a:rPr>
-              <a:t>	</a:t>
-            </a:r>
-            <a:r>
-              <a:rPr lang="en-GB" sz="1400" dirty="0" err="1">
-                <a:latin typeface="Consolas" panose="020B0609020204030204" pitchFamily="49" charset="0"/>
-                <a:cs typeface="Consolas" panose="020B0609020204030204" pitchFamily="49" charset="0"/>
-              </a:rPr>
-              <a:t>assertEquals</a:t>
-            </a:r>
-            <a:r>
-              <a:rPr lang="en-GB" sz="1400" dirty="0">
-                <a:latin typeface="Consolas" panose="020B0609020204030204" pitchFamily="49" charset="0"/>
-                <a:cs typeface="Consolas" panose="020B0609020204030204" pitchFamily="49" charset="0"/>
-              </a:rPr>
-              <a:t>(</a:t>
-            </a:r>
-            <a:r>
-              <a:rPr lang="en-GB" sz="1400" dirty="0" err="1">
-                <a:latin typeface="Consolas" panose="020B0609020204030204" pitchFamily="49" charset="0"/>
-                <a:cs typeface="Consolas" panose="020B0609020204030204" pitchFamily="49" charset="0"/>
-              </a:rPr>
-              <a:t>List.of</a:t>
-            </a:r>
-            <a:r>
-              <a:rPr lang="en-GB" sz="1400" dirty="0">
-                <a:latin typeface="Consolas" panose="020B0609020204030204" pitchFamily="49" charset="0"/>
-                <a:cs typeface="Consolas" panose="020B0609020204030204" pitchFamily="49" charset="0"/>
-              </a:rPr>
-              <a:t>(new Orange(), new Orange(), new Apple()), </a:t>
-            </a:r>
-            <a:r>
-              <a:rPr lang="en-GB" sz="1400" dirty="0" err="1">
-                <a:latin typeface="Consolas" panose="020B0609020204030204" pitchFamily="49" charset="0"/>
-                <a:cs typeface="Consolas" panose="020B0609020204030204" pitchFamily="49" charset="0"/>
-              </a:rPr>
-              <a:t>fruitShop.getItems</a:t>
-            </a:r>
-            <a:r>
-              <a:rPr lang="en-GB" sz="1400" dirty="0">
-                <a:latin typeface="Consolas" panose="020B0609020204030204" pitchFamily="49" charset="0"/>
-                <a:cs typeface="Consolas" panose="020B0609020204030204" pitchFamily="49" charset="0"/>
-              </a:rPr>
-              <a:t>());</a:t>
-            </a:r>
-          </a:p>
-          <a:p>
-            <a:pPr marL="0" indent="0">
-              <a:buNone/>
-            </a:pPr>
-            <a:endParaRPr lang="en-GB" sz="1400" dirty="0">
-              <a:latin typeface="Consolas" panose="020B0609020204030204" pitchFamily="49" charset="0"/>
-              <a:cs typeface="Consolas" panose="020B0609020204030204" pitchFamily="49" charset="0"/>
-            </a:endParaRPr>
-          </a:p>
-          <a:p>
-            <a:pPr marL="0" indent="0">
-              <a:buNone/>
-            </a:pPr>
-            <a:r>
-              <a:rPr lang="en-GB" sz="1400" dirty="0">
-                <a:latin typeface="Consolas" panose="020B0609020204030204" pitchFamily="49" charset="0"/>
-                <a:cs typeface="Consolas" panose="020B0609020204030204" pitchFamily="49" charset="0"/>
-              </a:rPr>
-              <a:t>	List&lt;Product&gt; </a:t>
-            </a:r>
-            <a:r>
-              <a:rPr lang="en-GB" sz="1400" dirty="0" err="1">
-                <a:latin typeface="Consolas" panose="020B0609020204030204" pitchFamily="49" charset="0"/>
-                <a:cs typeface="Consolas" panose="020B0609020204030204" pitchFamily="49" charset="0"/>
-              </a:rPr>
-              <a:t>productList</a:t>
-            </a:r>
-            <a:r>
-              <a:rPr lang="en-GB" sz="1400" dirty="0">
-                <a:latin typeface="Consolas" panose="020B0609020204030204" pitchFamily="49" charset="0"/>
-                <a:cs typeface="Consolas" panose="020B0609020204030204" pitchFamily="49" charset="0"/>
-              </a:rPr>
-              <a:t> = new </a:t>
-            </a:r>
-            <a:r>
-              <a:rPr lang="en-GB" sz="1400" dirty="0" err="1">
-                <a:latin typeface="Consolas" panose="020B0609020204030204" pitchFamily="49" charset="0"/>
-                <a:cs typeface="Consolas" panose="020B0609020204030204" pitchFamily="49" charset="0"/>
-              </a:rPr>
-              <a:t>ArrayList</a:t>
-            </a:r>
-            <a:r>
-              <a:rPr lang="en-GB" sz="1400" dirty="0">
-                <a:latin typeface="Consolas" panose="020B0609020204030204" pitchFamily="49" charset="0"/>
-                <a:cs typeface="Consolas" panose="020B0609020204030204" pitchFamily="49" charset="0"/>
-              </a:rPr>
-              <a:t>&lt;&gt;();</a:t>
-            </a:r>
-          </a:p>
-          <a:p>
-            <a:pPr marL="0" indent="0">
-              <a:buNone/>
-            </a:pPr>
-            <a:r>
-              <a:rPr lang="en-GB" sz="1400" dirty="0">
-                <a:latin typeface="Consolas" panose="020B0609020204030204" pitchFamily="49" charset="0"/>
-                <a:cs typeface="Consolas" panose="020B0609020204030204" pitchFamily="49" charset="0"/>
-              </a:rPr>
-              <a:t>    	</a:t>
-            </a:r>
-            <a:r>
-              <a:rPr lang="en-GB" sz="1400" dirty="0" err="1">
+              <a:rPr lang="en-GB" sz="1300" dirty="0" err="1">
                 <a:solidFill>
                   <a:srgbClr val="FF0000"/>
                 </a:solidFill>
                 <a:latin typeface="Consolas" panose="020B0609020204030204" pitchFamily="49" charset="0"/>
                 <a:cs typeface="Consolas" panose="020B0609020204030204" pitchFamily="49" charset="0"/>
               </a:rPr>
-              <a:t>fruitShop.sell</a:t>
-            </a:r>
-            <a:r>
-              <a:rPr lang="en-GB" sz="1400" dirty="0">
+              <a:t>fruitShop.buy</a:t>
+            </a:r>
+            <a:r>
+              <a:rPr lang="en-GB" sz="1300" dirty="0">
                 <a:solidFill>
                   <a:srgbClr val="FF0000"/>
                 </a:solidFill>
@@ -12071,23 +12075,189 @@
               <a:t>(</a:t>
             </a:r>
             <a:r>
-              <a:rPr lang="en-GB" sz="1400" dirty="0" err="1">
+              <a:rPr lang="en-GB" sz="1300" dirty="0" err="1">
                 <a:solidFill>
                   <a:srgbClr val="FF0000"/>
                 </a:solidFill>
                 <a:latin typeface="Consolas" panose="020B0609020204030204" pitchFamily="49" charset="0"/>
                 <a:cs typeface="Consolas" panose="020B0609020204030204" pitchFamily="49" charset="0"/>
               </a:rPr>
-              <a:t>productList</a:t>
-            </a:r>
-            <a:r>
-              <a:rPr lang="en-GB" sz="1400" dirty="0">
+              <a:t>orangeList</a:t>
+            </a:r>
+            <a:r>
+              <a:rPr lang="en-GB" sz="1300" dirty="0">
                 <a:solidFill>
                   <a:srgbClr val="FF0000"/>
                 </a:solidFill>
                 <a:latin typeface="Consolas" panose="020B0609020204030204" pitchFamily="49" charset="0"/>
                 <a:cs typeface="Consolas" panose="020B0609020204030204" pitchFamily="49" charset="0"/>
               </a:rPr>
+              <a:t>);</a:t>
+            </a:r>
+            <a:br>
+              <a:rPr lang="en-GB" sz="1300" dirty="0">
+                <a:latin typeface="Consolas" panose="020B0609020204030204" pitchFamily="49" charset="0"/>
+                <a:cs typeface="Consolas" panose="020B0609020204030204" pitchFamily="49" charset="0"/>
+              </a:rPr>
+            </a:br>
+            <a:r>
+              <a:rPr lang="en-GB" sz="1300" dirty="0">
+                <a:latin typeface="Consolas" panose="020B0609020204030204" pitchFamily="49" charset="0"/>
+                <a:cs typeface="Consolas" panose="020B0609020204030204" pitchFamily="49" charset="0"/>
+              </a:rPr>
+              <a:t>	</a:t>
+            </a:r>
+            <a:r>
+              <a:rPr lang="en-GB" sz="1300" i="1" dirty="0" err="1">
+                <a:latin typeface="Consolas" panose="020B0609020204030204" pitchFamily="49" charset="0"/>
+                <a:cs typeface="Consolas" panose="020B0609020204030204" pitchFamily="49" charset="0"/>
+              </a:rPr>
+              <a:t>assertEquals</a:t>
+            </a:r>
+            <a:r>
+              <a:rPr lang="en-GB" sz="1300" dirty="0">
+                <a:latin typeface="Consolas" panose="020B0609020204030204" pitchFamily="49" charset="0"/>
+                <a:cs typeface="Consolas" panose="020B0609020204030204" pitchFamily="49" charset="0"/>
+              </a:rPr>
+              <a:t>(</a:t>
+            </a:r>
+            <a:r>
+              <a:rPr lang="en-GB" sz="1300" dirty="0" err="1">
+                <a:latin typeface="Consolas" panose="020B0609020204030204" pitchFamily="49" charset="0"/>
+                <a:cs typeface="Consolas" panose="020B0609020204030204" pitchFamily="49" charset="0"/>
+              </a:rPr>
+              <a:t>List.</a:t>
+            </a:r>
+            <a:r>
+              <a:rPr lang="en-GB" sz="1300" i="1" dirty="0" err="1">
+                <a:latin typeface="Consolas" panose="020B0609020204030204" pitchFamily="49" charset="0"/>
+                <a:cs typeface="Consolas" panose="020B0609020204030204" pitchFamily="49" charset="0"/>
+              </a:rPr>
+              <a:t>of</a:t>
+            </a:r>
+            <a:r>
+              <a:rPr lang="en-GB" sz="1300" dirty="0">
+                <a:latin typeface="Consolas" panose="020B0609020204030204" pitchFamily="49" charset="0"/>
+                <a:cs typeface="Consolas" panose="020B0609020204030204" pitchFamily="49" charset="0"/>
+              </a:rPr>
+              <a:t>(new Orange(), new Orange(), new Apple()), </a:t>
+            </a:r>
+            <a:r>
+              <a:rPr lang="en-GB" sz="1300" dirty="0" err="1">
+                <a:latin typeface="Consolas" panose="020B0609020204030204" pitchFamily="49" charset="0"/>
+                <a:cs typeface="Consolas" panose="020B0609020204030204" pitchFamily="49" charset="0"/>
+              </a:rPr>
+              <a:t>fruitShop.getItems</a:t>
+            </a:r>
+            <a:r>
+              <a:rPr lang="en-GB" sz="1300" dirty="0">
+                <a:latin typeface="Consolas" panose="020B0609020204030204" pitchFamily="49" charset="0"/>
+                <a:cs typeface="Consolas" panose="020B0609020204030204" pitchFamily="49" charset="0"/>
+              </a:rPr>
+              <a:t>());</a:t>
+            </a:r>
+          </a:p>
+          <a:p>
+            <a:pPr marL="0" indent="0">
+              <a:buNone/>
+            </a:pPr>
+            <a:r>
+              <a:rPr lang="en-GB" sz="1300" dirty="0">
+                <a:latin typeface="Consolas" panose="020B0609020204030204" pitchFamily="49" charset="0"/>
+                <a:cs typeface="Consolas" panose="020B0609020204030204" pitchFamily="49" charset="0"/>
+              </a:rPr>
+              <a:t>	</a:t>
+            </a:r>
+          </a:p>
+          <a:p>
+            <a:pPr marL="0" indent="0">
+              <a:buNone/>
+            </a:pPr>
+            <a:r>
+              <a:rPr lang="en-GB" sz="1300" dirty="0">
+                <a:latin typeface="Consolas" panose="020B0609020204030204" pitchFamily="49" charset="0"/>
+                <a:cs typeface="Consolas" panose="020B0609020204030204" pitchFamily="49" charset="0"/>
+              </a:rPr>
+              <a:t>	List&lt;Product&gt; </a:t>
+            </a:r>
+            <a:r>
+              <a:rPr lang="en-GB" sz="1300" dirty="0" err="1">
+                <a:latin typeface="Consolas" panose="020B0609020204030204" pitchFamily="49" charset="0"/>
+                <a:cs typeface="Consolas" panose="020B0609020204030204" pitchFamily="49" charset="0"/>
+              </a:rPr>
+              <a:t>productList</a:t>
+            </a:r>
+            <a:r>
+              <a:rPr lang="en-GB" sz="1300" dirty="0">
+                <a:latin typeface="Consolas" panose="020B0609020204030204" pitchFamily="49" charset="0"/>
+                <a:cs typeface="Consolas" panose="020B0609020204030204" pitchFamily="49" charset="0"/>
+              </a:rPr>
+              <a:t> = new </a:t>
+            </a:r>
+            <a:r>
+              <a:rPr lang="en-GB" sz="1300" dirty="0" err="1">
+                <a:latin typeface="Consolas" panose="020B0609020204030204" pitchFamily="49" charset="0"/>
+                <a:cs typeface="Consolas" panose="020B0609020204030204" pitchFamily="49" charset="0"/>
+              </a:rPr>
+              <a:t>ArrayList</a:t>
+            </a:r>
+            <a:r>
+              <a:rPr lang="en-GB" sz="1300" dirty="0">
+                <a:latin typeface="Consolas" panose="020B0609020204030204" pitchFamily="49" charset="0"/>
+                <a:cs typeface="Consolas" panose="020B0609020204030204" pitchFamily="49" charset="0"/>
+              </a:rPr>
+              <a:t>&lt;&gt;();</a:t>
+            </a:r>
+          </a:p>
+          <a:p>
+            <a:pPr marL="0" indent="0">
+              <a:buNone/>
+            </a:pPr>
+            <a:r>
+              <a:rPr lang="en-GB" sz="1300" dirty="0">
+                <a:latin typeface="Consolas" panose="020B0609020204030204" pitchFamily="49" charset="0"/>
+                <a:cs typeface="Consolas" panose="020B0609020204030204" pitchFamily="49" charset="0"/>
+              </a:rPr>
+              <a:t>    	</a:t>
+            </a:r>
+            <a:r>
+              <a:rPr lang="en-GB" sz="1300" dirty="0" err="1">
+                <a:solidFill>
+                  <a:srgbClr val="FF0000"/>
+                </a:solidFill>
+                <a:latin typeface="Consolas" panose="020B0609020204030204" pitchFamily="49" charset="0"/>
+                <a:cs typeface="Consolas" panose="020B0609020204030204" pitchFamily="49" charset="0"/>
+              </a:rPr>
+              <a:t>fruitShop.sell</a:t>
+            </a:r>
+            <a:r>
+              <a:rPr lang="en-GB" sz="1300" dirty="0">
+                <a:solidFill>
+                  <a:srgbClr val="FF0000"/>
+                </a:solidFill>
+                <a:latin typeface="Consolas" panose="020B0609020204030204" pitchFamily="49" charset="0"/>
+                <a:cs typeface="Consolas" panose="020B0609020204030204" pitchFamily="49" charset="0"/>
+              </a:rPr>
+              <a:t>(</a:t>
+            </a:r>
+            <a:r>
+              <a:rPr lang="en-GB" sz="1300" dirty="0" err="1">
+                <a:solidFill>
+                  <a:srgbClr val="FF0000"/>
+                </a:solidFill>
+                <a:latin typeface="Consolas" panose="020B0609020204030204" pitchFamily="49" charset="0"/>
+                <a:cs typeface="Consolas" panose="020B0609020204030204" pitchFamily="49" charset="0"/>
+              </a:rPr>
+              <a:t>productList</a:t>
+            </a:r>
+            <a:r>
+              <a:rPr lang="en-GB" sz="1300" dirty="0">
+                <a:solidFill>
+                  <a:srgbClr val="FF0000"/>
+                </a:solidFill>
+                <a:latin typeface="Consolas" panose="020B0609020204030204" pitchFamily="49" charset="0"/>
+                <a:cs typeface="Consolas" panose="020B0609020204030204" pitchFamily="49" charset="0"/>
+              </a:rPr>
               <a:t>, 3);</a:t>
             </a:r>
           </a:p>
@@ -12096,49 +12266,49 @@
               <a:buNone/>
             </a:pPr>
             <a:r>
-              <a:rPr lang="en-GB" sz="1400" dirty="0">
+              <a:rPr lang="en-GB" sz="1300" dirty="0">
                 <a:latin typeface="Consolas" panose="020B0609020204030204" pitchFamily="49" charset="0"/>
                 <a:cs typeface="Consolas" panose="020B0609020204030204" pitchFamily="49" charset="0"/>
               </a:rPr>
               <a:t>     </a:t>
             </a:r>
             <a:r>
-              <a:rPr lang="en-GB" sz="1400" dirty="0" err="1">
+              <a:rPr lang="en-GB" sz="1300" dirty="0" err="1">
                 <a:latin typeface="Consolas" panose="020B0609020204030204" pitchFamily="49" charset="0"/>
                 <a:cs typeface="Consolas" panose="020B0609020204030204" pitchFamily="49" charset="0"/>
               </a:rPr>
               <a:t>assertEquals</a:t>
             </a:r>
             <a:r>
-              <a:rPr lang="en-GB" sz="1400" dirty="0">
+              <a:rPr lang="en-GB" sz="1300" dirty="0">
                 <a:latin typeface="Consolas" panose="020B0609020204030204" pitchFamily="49" charset="0"/>
                 <a:cs typeface="Consolas" panose="020B0609020204030204" pitchFamily="49" charset="0"/>
               </a:rPr>
               <a:t>(</a:t>
             </a:r>
             <a:r>
-              <a:rPr lang="en-GB" sz="1400" dirty="0" err="1">
+              <a:rPr lang="en-GB" sz="1300" dirty="0" err="1">
                 <a:latin typeface="Consolas" panose="020B0609020204030204" pitchFamily="49" charset="0"/>
                 <a:cs typeface="Consolas" panose="020B0609020204030204" pitchFamily="49" charset="0"/>
               </a:rPr>
               <a:t>List.of</a:t>
             </a:r>
             <a:r>
-              <a:rPr lang="en-GB" sz="1400" dirty="0">
+              <a:rPr lang="en-GB" sz="1300" dirty="0">
                 <a:latin typeface="Consolas" panose="020B0609020204030204" pitchFamily="49" charset="0"/>
                 <a:cs typeface="Consolas" panose="020B0609020204030204" pitchFamily="49" charset="0"/>
               </a:rPr>
               <a:t>(new Orange(), new Orange(), new Apple()), </a:t>
             </a:r>
             <a:r>
-              <a:rPr lang="en-GB" sz="1400" dirty="0" err="1">
+              <a:rPr lang="en-GB" sz="1300" dirty="0" err="1">
                 <a:latin typeface="Consolas" panose="020B0609020204030204" pitchFamily="49" charset="0"/>
                 <a:cs typeface="Consolas" panose="020B0609020204030204" pitchFamily="49" charset="0"/>
               </a:rPr>
               <a:t>productList</a:t>
             </a:r>
             <a:r>
-              <a:rPr lang="en-GB" sz="1400" dirty="0">
+              <a:rPr lang="en-GB" sz="1300" dirty="0">
                 <a:latin typeface="Consolas" panose="020B0609020204030204" pitchFamily="49" charset="0"/>
                 <a:cs typeface="Consolas" panose="020B0609020204030204" pitchFamily="49" charset="0"/>
               </a:rPr>
@@ -12150,13 +12320,13 @@
               <a:buNone/>
             </a:pPr>
             <a:r>
-              <a:rPr lang="en-GB" sz="1400" dirty="0">
+              <a:rPr lang="en-GB" sz="1300" dirty="0">
                 <a:latin typeface="Consolas" panose="020B0609020204030204" pitchFamily="49" charset="0"/>
                 <a:cs typeface="Consolas" panose="020B0609020204030204" pitchFamily="49" charset="0"/>
               </a:rPr>
               <a:t>}</a:t>
             </a:r>
-            <a:endParaRPr lang="en-US" sz="1400" dirty="0">
+            <a:endParaRPr lang="en-US" sz="1300" dirty="0">
               <a:solidFill>
                 <a:schemeClr val="accent6">
                   <a:lumMod val="75000"/>
@@ -12170,7 +12340,7 @@
             <a:pPr marL="0" indent="0">
               <a:buNone/>
             </a:pPr>
-            <a:endParaRPr lang="en-US" sz="1400" dirty="0">
+            <a:endParaRPr lang="en-US" sz="1300" dirty="0">
               <a:solidFill>
                 <a:schemeClr val="accent6">
                   <a:lumMod val="75000"/>
@@ -12185,7 +12355,7 @@
               <a:buNone/>
             </a:pPr>
             <a:r>
-              <a:rPr lang="en-US" sz="1400" dirty="0">
+              <a:rPr lang="en-US" sz="1300" dirty="0">
                 <a:solidFill>
                   <a:schemeClr val="accent6">
                     <a:lumMod val="75000"/>
@@ -12202,7 +12372,7 @@
               <a:buNone/>
             </a:pPr>
             <a:r>
-              <a:rPr lang="en-US" sz="1400" dirty="0">
+              <a:rPr lang="en-US" sz="1300" dirty="0">
                 <a:solidFill>
                   <a:schemeClr val="accent6">
                     <a:lumMod val="75000"/>
@@ -12219,7 +12389,7 @@
               <a:buNone/>
             </a:pPr>
             <a:r>
-              <a:rPr lang="en-US" sz="1400" dirty="0">
+              <a:rPr lang="en-US" sz="1300" dirty="0">
                 <a:solidFill>
                   <a:schemeClr val="accent6">
                     <a:lumMod val="75000"/>
@@ -12236,7 +12406,7 @@
               <a:buNone/>
             </a:pPr>
             <a:r>
-              <a:rPr lang="en-US" sz="1400" dirty="0">
+              <a:rPr lang="en-US" sz="1300" dirty="0">
                 <a:solidFill>
                   <a:schemeClr val="accent6">
                     <a:lumMod val="75000"/>
@@ -12253,7 +12423,7 @@
               <a:buNone/>
             </a:pPr>
             <a:r>
-              <a:rPr lang="en-US" sz="1400" dirty="0">
+              <a:rPr lang="en-US" sz="1300" dirty="0">
                 <a:solidFill>
                   <a:schemeClr val="accent6">
                     <a:lumMod val="75000"/>
@@ -12265,7 +12435,7 @@
               <a:t>	</a:t>
             </a:r>
             <a:r>
-              <a:rPr lang="en-US" sz="1400" dirty="0">
+              <a:rPr lang="en-US" sz="1300" dirty="0">
                 <a:solidFill>
                   <a:srgbClr val="FF0000"/>
                 </a:solidFill>
@@ -12280,7 +12450,7 @@
               <a:buNone/>
             </a:pPr>
             <a:r>
-              <a:rPr lang="en-US" sz="1400" dirty="0">
+              <a:rPr lang="en-US" sz="1300" dirty="0">
                 <a:solidFill>
                   <a:schemeClr val="accent6">
                     <a:lumMod val="75000"/>
@@ -12296,13 +12466,13 @@
             <a:pPr marL="0" indent="0">
               <a:buNone/>
             </a:pPr>
-            <a:endParaRPr lang="en-US" sz="1400" dirty="0">
+            <a:endParaRPr lang="en-US" sz="1300" dirty="0">
               <a:latin typeface="Consolas" panose="020B0609020204030204" pitchFamily="49" charset="0"/>
               <a:cs typeface="Consolas" panose="020B0609020204030204" pitchFamily="49" charset="0"/>
             </a:endParaRPr>
           </a:p>
           <a:p>
-            <a:endParaRPr lang="en-GB" sz="1400" dirty="0">
+            <a:endParaRPr lang="en-GB" sz="1300" dirty="0">
               <a:latin typeface="Consolas" panose="020B0609020204030204" pitchFamily="49" charset="0"/>
               <a:cs typeface="Consolas" panose="020B0609020204030204" pitchFamily="49" charset="0"/>
             </a:endParaRPr>

--- a/java/slides/ppt/05 - Java Generic Data Structures.pptx
+++ b/java/slides/ppt/05 - Java Generic Data Structures.pptx
@@ -5279,15 +5279,34 @@
             </a:pPr>
             <a:r>
               <a:rPr lang="en-US" sz="1400" dirty="0">
-                <a:solidFill>
-                  <a:schemeClr val="accent6">
-                    <a:lumMod val="75000"/>
-                  </a:schemeClr>
-                </a:solidFill>
                 <a:latin typeface="Consolas" panose="020B0609020204030204" pitchFamily="49" charset="0"/>
                 <a:cs typeface="Consolas" panose="020B0609020204030204" pitchFamily="49" charset="0"/>
               </a:rPr>
               <a:t>public interface Shop&lt;T&gt; {</a:t>
+            </a:r>
+          </a:p>
+          <a:p>
+            <a:pPr marL="0" indent="0">
+              <a:buNone/>
+            </a:pPr>
+            <a:r>
+              <a:rPr lang="en-US" sz="1400" dirty="0">
+                <a:latin typeface="Consolas" panose="020B0609020204030204" pitchFamily="49" charset="0"/>
+                <a:cs typeface="Consolas" panose="020B0609020204030204" pitchFamily="49" charset="0"/>
+              </a:rPr>
+              <a:t>	void buy(T item);	</a:t>
+            </a:r>
+          </a:p>
+          <a:p>
+            <a:pPr marL="0" indent="0">
+              <a:buNone/>
+            </a:pPr>
+            <a:r>
+              <a:rPr lang="en-US" sz="1400" dirty="0">
+                <a:latin typeface="Consolas" panose="020B0609020204030204" pitchFamily="49" charset="0"/>
+                <a:cs typeface="Consolas" panose="020B0609020204030204" pitchFamily="49" charset="0"/>
+              </a:rPr>
+              <a:t>	T sell();</a:t>
             </a:r>
           </a:p>
           <a:p>
@@ -5304,7 +5323,7 @@
                 <a:latin typeface="Consolas" panose="020B0609020204030204" pitchFamily="49" charset="0"/>
                 <a:cs typeface="Consolas" panose="020B0609020204030204" pitchFamily="49" charset="0"/>
               </a:rPr>
-              <a:t>	void buy(T item);	</a:t>
+              <a:t>	void buy(Collection&lt;? extends T&gt; cart);</a:t>
             </a:r>
           </a:p>
           <a:p>
@@ -5321,7 +5340,7 @@
                 <a:latin typeface="Consolas" panose="020B0609020204030204" pitchFamily="49" charset="0"/>
                 <a:cs typeface="Consolas" panose="020B0609020204030204" pitchFamily="49" charset="0"/>
               </a:rPr>
-              <a:t>	T sell();</a:t>
+              <a:t>	void sell(Collection&lt;? super T&gt; cart, int n);</a:t>
             </a:r>
           </a:p>
           <a:p>
@@ -5330,50 +5349,12 @@
             </a:pPr>
             <a:r>
               <a:rPr lang="en-US" sz="1400" dirty="0">
-                <a:solidFill>
-                  <a:schemeClr val="accent6">
-                    <a:lumMod val="75000"/>
-                  </a:schemeClr>
-                </a:solidFill>
-                <a:latin typeface="Consolas" panose="020B0609020204030204" pitchFamily="49" charset="0"/>
-                <a:cs typeface="Consolas" panose="020B0609020204030204" pitchFamily="49" charset="0"/>
-              </a:rPr>
-              <a:t>	void buy(Collection&lt;T&gt; cart);</a:t>
-            </a:r>
-          </a:p>
-          <a:p>
-            <a:pPr marL="0" indent="0">
-              <a:buNone/>
-            </a:pPr>
-            <a:r>
-              <a:rPr lang="en-US" sz="1400" dirty="0">
-                <a:solidFill>
-                  <a:schemeClr val="accent6">
-                    <a:lumMod val="75000"/>
-                  </a:schemeClr>
-                </a:solidFill>
-                <a:latin typeface="Consolas" panose="020B0609020204030204" pitchFamily="49" charset="0"/>
-                <a:cs typeface="Consolas" panose="020B0609020204030204" pitchFamily="49" charset="0"/>
-              </a:rPr>
-              <a:t>	void sell(Collection&lt;T&gt; cart, int n);</a:t>
-            </a:r>
-          </a:p>
-          <a:p>
-            <a:pPr marL="0" indent="0">
-              <a:buNone/>
-            </a:pPr>
-            <a:r>
-              <a:rPr lang="en-US" sz="1400" dirty="0">
-                <a:solidFill>
-                  <a:schemeClr val="accent6">
-                    <a:lumMod val="75000"/>
-                  </a:schemeClr>
-                </a:solidFill>
                 <a:latin typeface="Consolas" panose="020B0609020204030204" pitchFamily="49" charset="0"/>
                 <a:cs typeface="Consolas" panose="020B0609020204030204" pitchFamily="49" charset="0"/>
               </a:rPr>
               <a:t>}</a:t>
             </a:r>
+            <a:endParaRPr lang="en-US" sz="1400" dirty="0"/>
           </a:p>
         </p:txBody>
       </p:sp>
